--- a/webdesign/Bigsize.pptx
+++ b/webdesign/Bigsize.pptx
@@ -7,6 +7,8 @@
   <p:sldIdLst>
     <p:sldId id="257" r:id="rId2"/>
     <p:sldId id="259" r:id="rId3"/>
+    <p:sldId id="260" r:id="rId4"/>
+    <p:sldId id="261" r:id="rId5"/>
   </p:sldIdLst>
   <p:sldSz cx="12195175" cy="15748000"/>
   <p:notesSz cx="6858000" cy="9144000"/>
@@ -289,7 +291,7 @@
           <a:p>
             <a:fld id="{BB73866F-F6FF-4E0C-A1E0-5E7F31502E82}" type="datetimeFigureOut">
               <a:rPr lang="zh-TW" altLang="en-US" smtClean="0"/>
-              <a:t>2016/6/4</a:t>
+              <a:t>2016/6/5</a:t>
             </a:fld>
             <a:endParaRPr lang="zh-TW" altLang="en-US"/>
           </a:p>
@@ -459,7 +461,7 @@
           <a:p>
             <a:fld id="{BB73866F-F6FF-4E0C-A1E0-5E7F31502E82}" type="datetimeFigureOut">
               <a:rPr lang="zh-TW" altLang="en-US" smtClean="0"/>
-              <a:t>2016/6/4</a:t>
+              <a:t>2016/6/5</a:t>
             </a:fld>
             <a:endParaRPr lang="zh-TW" altLang="en-US"/>
           </a:p>
@@ -639,7 +641,7 @@
           <a:p>
             <a:fld id="{BB73866F-F6FF-4E0C-A1E0-5E7F31502E82}" type="datetimeFigureOut">
               <a:rPr lang="zh-TW" altLang="en-US" smtClean="0"/>
-              <a:t>2016/6/4</a:t>
+              <a:t>2016/6/5</a:t>
             </a:fld>
             <a:endParaRPr lang="zh-TW" altLang="en-US"/>
           </a:p>
@@ -809,7 +811,7 @@
           <a:p>
             <a:fld id="{BB73866F-F6FF-4E0C-A1E0-5E7F31502E82}" type="datetimeFigureOut">
               <a:rPr lang="zh-TW" altLang="en-US" smtClean="0"/>
-              <a:t>2016/6/4</a:t>
+              <a:t>2016/6/5</a:t>
             </a:fld>
             <a:endParaRPr lang="zh-TW" altLang="en-US"/>
           </a:p>
@@ -1055,7 +1057,7 @@
           <a:p>
             <a:fld id="{BB73866F-F6FF-4E0C-A1E0-5E7F31502E82}" type="datetimeFigureOut">
               <a:rPr lang="zh-TW" altLang="en-US" smtClean="0"/>
-              <a:t>2016/6/4</a:t>
+              <a:t>2016/6/5</a:t>
             </a:fld>
             <a:endParaRPr lang="zh-TW" altLang="en-US"/>
           </a:p>
@@ -1343,7 +1345,7 @@
           <a:p>
             <a:fld id="{BB73866F-F6FF-4E0C-A1E0-5E7F31502E82}" type="datetimeFigureOut">
               <a:rPr lang="zh-TW" altLang="en-US" smtClean="0"/>
-              <a:t>2016/6/4</a:t>
+              <a:t>2016/6/5</a:t>
             </a:fld>
             <a:endParaRPr lang="zh-TW" altLang="en-US"/>
           </a:p>
@@ -1770,7 +1772,7 @@
           <a:p>
             <a:fld id="{BB73866F-F6FF-4E0C-A1E0-5E7F31502E82}" type="datetimeFigureOut">
               <a:rPr lang="zh-TW" altLang="en-US" smtClean="0"/>
-              <a:t>2016/6/4</a:t>
+              <a:t>2016/6/5</a:t>
             </a:fld>
             <a:endParaRPr lang="zh-TW" altLang="en-US"/>
           </a:p>
@@ -1888,7 +1890,7 @@
           <a:p>
             <a:fld id="{BB73866F-F6FF-4E0C-A1E0-5E7F31502E82}" type="datetimeFigureOut">
               <a:rPr lang="zh-TW" altLang="en-US" smtClean="0"/>
-              <a:t>2016/6/4</a:t>
+              <a:t>2016/6/5</a:t>
             </a:fld>
             <a:endParaRPr lang="zh-TW" altLang="en-US"/>
           </a:p>
@@ -1983,7 +1985,7 @@
           <a:p>
             <a:fld id="{BB73866F-F6FF-4E0C-A1E0-5E7F31502E82}" type="datetimeFigureOut">
               <a:rPr lang="zh-TW" altLang="en-US" smtClean="0"/>
-              <a:t>2016/6/4</a:t>
+              <a:t>2016/6/5</a:t>
             </a:fld>
             <a:endParaRPr lang="zh-TW" altLang="en-US"/>
           </a:p>
@@ -2260,7 +2262,7 @@
           <a:p>
             <a:fld id="{BB73866F-F6FF-4E0C-A1E0-5E7F31502E82}" type="datetimeFigureOut">
               <a:rPr lang="zh-TW" altLang="en-US" smtClean="0"/>
-              <a:t>2016/6/4</a:t>
+              <a:t>2016/6/5</a:t>
             </a:fld>
             <a:endParaRPr lang="zh-TW" altLang="en-US"/>
           </a:p>
@@ -2513,7 +2515,7 @@
           <a:p>
             <a:fld id="{BB73866F-F6FF-4E0C-A1E0-5E7F31502E82}" type="datetimeFigureOut">
               <a:rPr lang="zh-TW" altLang="en-US" smtClean="0"/>
-              <a:t>2016/6/4</a:t>
+              <a:t>2016/6/5</a:t>
             </a:fld>
             <a:endParaRPr lang="zh-TW" altLang="en-US"/>
           </a:p>
@@ -2726,7 +2728,7 @@
           <a:p>
             <a:fld id="{BB73866F-F6FF-4E0C-A1E0-5E7F31502E82}" type="datetimeFigureOut">
               <a:rPr lang="zh-TW" altLang="en-US" smtClean="0"/>
-              <a:t>2016/6/4</a:t>
+              <a:t>2016/6/5</a:t>
             </a:fld>
             <a:endParaRPr lang="zh-TW" altLang="en-US"/>
           </a:p>
@@ -6436,6 +6438,3338 @@
 </p:sld>
 </file>
 
+<file path=ppt/slides/slide3.xml><?xml version="1.0" encoding="utf-8"?>
+<p:sld xmlns:a="http://schemas.openxmlformats.org/drawingml/2006/main" xmlns:r="http://schemas.openxmlformats.org/officeDocument/2006/relationships" xmlns:p="http://schemas.openxmlformats.org/presentationml/2006/main">
+  <p:cSld>
+    <p:spTree>
+      <p:nvGrpSpPr>
+        <p:cNvPr id="1" name=""/>
+        <p:cNvGrpSpPr/>
+        <p:nvPr/>
+      </p:nvGrpSpPr>
+      <p:grpSpPr>
+        <a:xfrm>
+          <a:off x="0" y="0"/>
+          <a:ext cx="0" cy="0"/>
+          <a:chOff x="0" y="0"/>
+          <a:chExt cx="0" cy="0"/>
+        </a:xfrm>
+      </p:grpSpPr>
+      <p:grpSp>
+        <p:nvGrpSpPr>
+          <p:cNvPr id="17" name="群組 16"/>
+          <p:cNvGrpSpPr/>
+          <p:nvPr/>
+        </p:nvGrpSpPr>
+        <p:grpSpPr>
+          <a:xfrm>
+            <a:off x="456540" y="0"/>
+            <a:ext cx="11237913" cy="15764664"/>
+            <a:chOff x="349571" y="-9480"/>
+            <a:chExt cx="11237913" cy="15764664"/>
+          </a:xfrm>
+          <a:solidFill>
+            <a:schemeClr val="bg2"/>
+          </a:solidFill>
+        </p:grpSpPr>
+        <p:sp>
+          <p:nvSpPr>
+            <p:cNvPr id="18" name="矩形 17"/>
+            <p:cNvSpPr/>
+            <p:nvPr/>
+          </p:nvSpPr>
+          <p:spPr>
+            <a:xfrm>
+              <a:off x="349571" y="0"/>
+              <a:ext cx="630000" cy="15748000"/>
+            </a:xfrm>
+            <a:prstGeom prst="rect">
+              <a:avLst/>
+            </a:prstGeom>
+            <a:grpFill/>
+            <a:ln>
+              <a:noFill/>
+            </a:ln>
+          </p:spPr>
+          <p:style>
+            <a:lnRef idx="2">
+              <a:schemeClr val="accent1">
+                <a:shade val="50000"/>
+              </a:schemeClr>
+            </a:lnRef>
+            <a:fillRef idx="1">
+              <a:schemeClr val="accent1"/>
+            </a:fillRef>
+            <a:effectRef idx="0">
+              <a:schemeClr val="accent1"/>
+            </a:effectRef>
+            <a:fontRef idx="minor">
+              <a:schemeClr val="lt1"/>
+            </a:fontRef>
+          </p:style>
+          <p:txBody>
+            <a:bodyPr rtlCol="0" anchor="ctr"/>
+            <a:lstStyle/>
+            <a:p>
+              <a:pPr algn="ctr"/>
+              <a:endParaRPr lang="zh-TW" altLang="en-US">
+                <a:solidFill>
+                  <a:schemeClr val="tx2">
+                    <a:lumMod val="20000"/>
+                    <a:lumOff val="80000"/>
+                  </a:schemeClr>
+                </a:solidFill>
+              </a:endParaRPr>
+            </a:p>
+          </p:txBody>
+        </p:sp>
+        <p:sp>
+          <p:nvSpPr>
+            <p:cNvPr id="19" name="矩形 18"/>
+            <p:cNvSpPr/>
+            <p:nvPr/>
+          </p:nvSpPr>
+          <p:spPr>
+            <a:xfrm>
+              <a:off x="1293844" y="0"/>
+              <a:ext cx="630000" cy="15748000"/>
+            </a:xfrm>
+            <a:prstGeom prst="rect">
+              <a:avLst/>
+            </a:prstGeom>
+            <a:grpFill/>
+            <a:ln>
+              <a:noFill/>
+            </a:ln>
+          </p:spPr>
+          <p:style>
+            <a:lnRef idx="2">
+              <a:schemeClr val="accent1">
+                <a:shade val="50000"/>
+              </a:schemeClr>
+            </a:lnRef>
+            <a:fillRef idx="1">
+              <a:schemeClr val="accent1"/>
+            </a:fillRef>
+            <a:effectRef idx="0">
+              <a:schemeClr val="accent1"/>
+            </a:effectRef>
+            <a:fontRef idx="minor">
+              <a:schemeClr val="lt1"/>
+            </a:fontRef>
+          </p:style>
+          <p:txBody>
+            <a:bodyPr rtlCol="0" anchor="ctr"/>
+            <a:lstStyle/>
+            <a:p>
+              <a:pPr algn="ctr"/>
+              <a:endParaRPr lang="zh-TW" altLang="en-US">
+                <a:solidFill>
+                  <a:schemeClr val="tx2">
+                    <a:lumMod val="20000"/>
+                    <a:lumOff val="80000"/>
+                  </a:schemeClr>
+                </a:solidFill>
+              </a:endParaRPr>
+            </a:p>
+          </p:txBody>
+        </p:sp>
+        <p:sp>
+          <p:nvSpPr>
+            <p:cNvPr id="20" name="矩形 19"/>
+            <p:cNvSpPr/>
+            <p:nvPr/>
+          </p:nvSpPr>
+          <p:spPr>
+            <a:xfrm>
+              <a:off x="2260208" y="-9480"/>
+              <a:ext cx="630000" cy="15748000"/>
+            </a:xfrm>
+            <a:prstGeom prst="rect">
+              <a:avLst/>
+            </a:prstGeom>
+            <a:grpFill/>
+            <a:ln>
+              <a:noFill/>
+            </a:ln>
+          </p:spPr>
+          <p:style>
+            <a:lnRef idx="2">
+              <a:schemeClr val="accent1">
+                <a:shade val="50000"/>
+              </a:schemeClr>
+            </a:lnRef>
+            <a:fillRef idx="1">
+              <a:schemeClr val="accent1"/>
+            </a:fillRef>
+            <a:effectRef idx="0">
+              <a:schemeClr val="accent1"/>
+            </a:effectRef>
+            <a:fontRef idx="minor">
+              <a:schemeClr val="lt1"/>
+            </a:fontRef>
+          </p:style>
+          <p:txBody>
+            <a:bodyPr rtlCol="0" anchor="ctr"/>
+            <a:lstStyle/>
+            <a:p>
+              <a:pPr algn="ctr"/>
+              <a:endParaRPr lang="zh-TW" altLang="en-US">
+                <a:solidFill>
+                  <a:schemeClr val="tx2">
+                    <a:lumMod val="20000"/>
+                    <a:lumOff val="80000"/>
+                  </a:schemeClr>
+                </a:solidFill>
+              </a:endParaRPr>
+            </a:p>
+          </p:txBody>
+        </p:sp>
+        <p:sp>
+          <p:nvSpPr>
+            <p:cNvPr id="21" name="矩形 20"/>
+            <p:cNvSpPr/>
+            <p:nvPr/>
+          </p:nvSpPr>
+          <p:spPr>
+            <a:xfrm>
+              <a:off x="3226572" y="7184"/>
+              <a:ext cx="630000" cy="15748000"/>
+            </a:xfrm>
+            <a:prstGeom prst="rect">
+              <a:avLst/>
+            </a:prstGeom>
+            <a:grpFill/>
+            <a:ln>
+              <a:noFill/>
+            </a:ln>
+          </p:spPr>
+          <p:style>
+            <a:lnRef idx="2">
+              <a:schemeClr val="accent1">
+                <a:shade val="50000"/>
+              </a:schemeClr>
+            </a:lnRef>
+            <a:fillRef idx="1">
+              <a:schemeClr val="accent1"/>
+            </a:fillRef>
+            <a:effectRef idx="0">
+              <a:schemeClr val="accent1"/>
+            </a:effectRef>
+            <a:fontRef idx="minor">
+              <a:schemeClr val="lt1"/>
+            </a:fontRef>
+          </p:style>
+          <p:txBody>
+            <a:bodyPr rtlCol="0" anchor="ctr"/>
+            <a:lstStyle/>
+            <a:p>
+              <a:pPr algn="ctr"/>
+              <a:endParaRPr lang="zh-TW" altLang="en-US">
+                <a:solidFill>
+                  <a:schemeClr val="tx2">
+                    <a:lumMod val="20000"/>
+                    <a:lumOff val="80000"/>
+                  </a:schemeClr>
+                </a:solidFill>
+              </a:endParaRPr>
+            </a:p>
+          </p:txBody>
+        </p:sp>
+        <p:sp>
+          <p:nvSpPr>
+            <p:cNvPr id="22" name="矩形 21"/>
+            <p:cNvSpPr/>
+            <p:nvPr/>
+          </p:nvSpPr>
+          <p:spPr>
+            <a:xfrm>
+              <a:off x="8058392" y="-9480"/>
+              <a:ext cx="630000" cy="15748000"/>
+            </a:xfrm>
+            <a:prstGeom prst="rect">
+              <a:avLst/>
+            </a:prstGeom>
+            <a:grpFill/>
+            <a:ln>
+              <a:noFill/>
+            </a:ln>
+          </p:spPr>
+          <p:style>
+            <a:lnRef idx="2">
+              <a:schemeClr val="accent1">
+                <a:shade val="50000"/>
+              </a:schemeClr>
+            </a:lnRef>
+            <a:fillRef idx="1">
+              <a:schemeClr val="accent1"/>
+            </a:fillRef>
+            <a:effectRef idx="0">
+              <a:schemeClr val="accent1"/>
+            </a:effectRef>
+            <a:fontRef idx="minor">
+              <a:schemeClr val="lt1"/>
+            </a:fontRef>
+          </p:style>
+          <p:txBody>
+            <a:bodyPr rtlCol="0" anchor="ctr"/>
+            <a:lstStyle/>
+            <a:p>
+              <a:pPr algn="ctr"/>
+              <a:endParaRPr lang="zh-TW" altLang="en-US">
+                <a:solidFill>
+                  <a:schemeClr val="tx2">
+                    <a:lumMod val="20000"/>
+                    <a:lumOff val="80000"/>
+                  </a:schemeClr>
+                </a:solidFill>
+              </a:endParaRPr>
+            </a:p>
+          </p:txBody>
+        </p:sp>
+        <p:sp>
+          <p:nvSpPr>
+            <p:cNvPr id="23" name="矩形 22"/>
+            <p:cNvSpPr/>
+            <p:nvPr/>
+          </p:nvSpPr>
+          <p:spPr>
+            <a:xfrm>
+              <a:off x="9024756" y="-9480"/>
+              <a:ext cx="630000" cy="15748000"/>
+            </a:xfrm>
+            <a:prstGeom prst="rect">
+              <a:avLst/>
+            </a:prstGeom>
+            <a:grpFill/>
+            <a:ln>
+              <a:noFill/>
+            </a:ln>
+          </p:spPr>
+          <p:style>
+            <a:lnRef idx="2">
+              <a:schemeClr val="accent1">
+                <a:shade val="50000"/>
+              </a:schemeClr>
+            </a:lnRef>
+            <a:fillRef idx="1">
+              <a:schemeClr val="accent1"/>
+            </a:fillRef>
+            <a:effectRef idx="0">
+              <a:schemeClr val="accent1"/>
+            </a:effectRef>
+            <a:fontRef idx="minor">
+              <a:schemeClr val="lt1"/>
+            </a:fontRef>
+          </p:style>
+          <p:txBody>
+            <a:bodyPr rtlCol="0" anchor="ctr"/>
+            <a:lstStyle/>
+            <a:p>
+              <a:pPr algn="ctr"/>
+              <a:endParaRPr lang="zh-TW" altLang="en-US">
+                <a:solidFill>
+                  <a:schemeClr val="tx2">
+                    <a:lumMod val="20000"/>
+                    <a:lumOff val="80000"/>
+                  </a:schemeClr>
+                </a:solidFill>
+              </a:endParaRPr>
+            </a:p>
+          </p:txBody>
+        </p:sp>
+        <p:sp>
+          <p:nvSpPr>
+            <p:cNvPr id="24" name="矩形 23"/>
+            <p:cNvSpPr/>
+            <p:nvPr/>
+          </p:nvSpPr>
+          <p:spPr>
+            <a:xfrm>
+              <a:off x="9991120" y="-9480"/>
+              <a:ext cx="630000" cy="15748000"/>
+            </a:xfrm>
+            <a:prstGeom prst="rect">
+              <a:avLst/>
+            </a:prstGeom>
+            <a:grpFill/>
+            <a:ln>
+              <a:noFill/>
+            </a:ln>
+          </p:spPr>
+          <p:style>
+            <a:lnRef idx="2">
+              <a:schemeClr val="accent1">
+                <a:shade val="50000"/>
+              </a:schemeClr>
+            </a:lnRef>
+            <a:fillRef idx="1">
+              <a:schemeClr val="accent1"/>
+            </a:fillRef>
+            <a:effectRef idx="0">
+              <a:schemeClr val="accent1"/>
+            </a:effectRef>
+            <a:fontRef idx="minor">
+              <a:schemeClr val="lt1"/>
+            </a:fontRef>
+          </p:style>
+          <p:txBody>
+            <a:bodyPr rtlCol="0" anchor="ctr"/>
+            <a:lstStyle/>
+            <a:p>
+              <a:pPr algn="ctr"/>
+              <a:endParaRPr lang="zh-TW" altLang="en-US">
+                <a:solidFill>
+                  <a:schemeClr val="tx2">
+                    <a:lumMod val="20000"/>
+                    <a:lumOff val="80000"/>
+                  </a:schemeClr>
+                </a:solidFill>
+              </a:endParaRPr>
+            </a:p>
+          </p:txBody>
+        </p:sp>
+        <p:sp>
+          <p:nvSpPr>
+            <p:cNvPr id="25" name="矩形 24"/>
+            <p:cNvSpPr/>
+            <p:nvPr/>
+          </p:nvSpPr>
+          <p:spPr>
+            <a:xfrm>
+              <a:off x="10957484" y="-9480"/>
+              <a:ext cx="630000" cy="15748000"/>
+            </a:xfrm>
+            <a:prstGeom prst="rect">
+              <a:avLst/>
+            </a:prstGeom>
+            <a:grpFill/>
+            <a:ln>
+              <a:noFill/>
+            </a:ln>
+          </p:spPr>
+          <p:style>
+            <a:lnRef idx="2">
+              <a:schemeClr val="accent1">
+                <a:shade val="50000"/>
+              </a:schemeClr>
+            </a:lnRef>
+            <a:fillRef idx="1">
+              <a:schemeClr val="accent1"/>
+            </a:fillRef>
+            <a:effectRef idx="0">
+              <a:schemeClr val="accent1"/>
+            </a:effectRef>
+            <a:fontRef idx="minor">
+              <a:schemeClr val="lt1"/>
+            </a:fontRef>
+          </p:style>
+          <p:txBody>
+            <a:bodyPr rtlCol="0" anchor="ctr"/>
+            <a:lstStyle/>
+            <a:p>
+              <a:pPr algn="ctr"/>
+              <a:endParaRPr lang="zh-TW" altLang="en-US">
+                <a:solidFill>
+                  <a:schemeClr val="tx2">
+                    <a:lumMod val="20000"/>
+                    <a:lumOff val="80000"/>
+                  </a:schemeClr>
+                </a:solidFill>
+              </a:endParaRPr>
+            </a:p>
+          </p:txBody>
+        </p:sp>
+        <p:sp>
+          <p:nvSpPr>
+            <p:cNvPr id="26" name="矩形 25"/>
+            <p:cNvSpPr/>
+            <p:nvPr/>
+          </p:nvSpPr>
+          <p:spPr>
+            <a:xfrm>
+              <a:off x="4192936" y="-9480"/>
+              <a:ext cx="630000" cy="15748000"/>
+            </a:xfrm>
+            <a:prstGeom prst="rect">
+              <a:avLst/>
+            </a:prstGeom>
+            <a:grpFill/>
+            <a:ln>
+              <a:noFill/>
+            </a:ln>
+          </p:spPr>
+          <p:style>
+            <a:lnRef idx="2">
+              <a:schemeClr val="accent1">
+                <a:shade val="50000"/>
+              </a:schemeClr>
+            </a:lnRef>
+            <a:fillRef idx="1">
+              <a:schemeClr val="accent1"/>
+            </a:fillRef>
+            <a:effectRef idx="0">
+              <a:schemeClr val="accent1"/>
+            </a:effectRef>
+            <a:fontRef idx="minor">
+              <a:schemeClr val="lt1"/>
+            </a:fontRef>
+          </p:style>
+          <p:txBody>
+            <a:bodyPr rtlCol="0" anchor="ctr"/>
+            <a:lstStyle/>
+            <a:p>
+              <a:pPr algn="ctr"/>
+              <a:endParaRPr lang="zh-TW" altLang="en-US">
+                <a:solidFill>
+                  <a:schemeClr val="tx2">
+                    <a:lumMod val="20000"/>
+                    <a:lumOff val="80000"/>
+                  </a:schemeClr>
+                </a:solidFill>
+              </a:endParaRPr>
+            </a:p>
+          </p:txBody>
+        </p:sp>
+        <p:sp>
+          <p:nvSpPr>
+            <p:cNvPr id="27" name="矩形 26"/>
+            <p:cNvSpPr/>
+            <p:nvPr/>
+          </p:nvSpPr>
+          <p:spPr>
+            <a:xfrm>
+              <a:off x="5159300" y="-9480"/>
+              <a:ext cx="630000" cy="15748000"/>
+            </a:xfrm>
+            <a:prstGeom prst="rect">
+              <a:avLst/>
+            </a:prstGeom>
+            <a:grpFill/>
+            <a:ln>
+              <a:noFill/>
+            </a:ln>
+          </p:spPr>
+          <p:style>
+            <a:lnRef idx="2">
+              <a:schemeClr val="accent1">
+                <a:shade val="50000"/>
+              </a:schemeClr>
+            </a:lnRef>
+            <a:fillRef idx="1">
+              <a:schemeClr val="accent1"/>
+            </a:fillRef>
+            <a:effectRef idx="0">
+              <a:schemeClr val="accent1"/>
+            </a:effectRef>
+            <a:fontRef idx="minor">
+              <a:schemeClr val="lt1"/>
+            </a:fontRef>
+          </p:style>
+          <p:txBody>
+            <a:bodyPr rtlCol="0" anchor="ctr"/>
+            <a:lstStyle/>
+            <a:p>
+              <a:pPr algn="ctr"/>
+              <a:endParaRPr lang="zh-TW" altLang="en-US">
+                <a:solidFill>
+                  <a:schemeClr val="tx2">
+                    <a:lumMod val="20000"/>
+                    <a:lumOff val="80000"/>
+                  </a:schemeClr>
+                </a:solidFill>
+              </a:endParaRPr>
+            </a:p>
+          </p:txBody>
+        </p:sp>
+        <p:sp>
+          <p:nvSpPr>
+            <p:cNvPr id="28" name="矩形 27"/>
+            <p:cNvSpPr/>
+            <p:nvPr/>
+          </p:nvSpPr>
+          <p:spPr>
+            <a:xfrm>
+              <a:off x="6125664" y="-9480"/>
+              <a:ext cx="630000" cy="15748000"/>
+            </a:xfrm>
+            <a:prstGeom prst="rect">
+              <a:avLst/>
+            </a:prstGeom>
+            <a:grpFill/>
+            <a:ln>
+              <a:noFill/>
+            </a:ln>
+          </p:spPr>
+          <p:style>
+            <a:lnRef idx="2">
+              <a:schemeClr val="accent1">
+                <a:shade val="50000"/>
+              </a:schemeClr>
+            </a:lnRef>
+            <a:fillRef idx="1">
+              <a:schemeClr val="accent1"/>
+            </a:fillRef>
+            <a:effectRef idx="0">
+              <a:schemeClr val="accent1"/>
+            </a:effectRef>
+            <a:fontRef idx="minor">
+              <a:schemeClr val="lt1"/>
+            </a:fontRef>
+          </p:style>
+          <p:txBody>
+            <a:bodyPr rtlCol="0" anchor="ctr"/>
+            <a:lstStyle/>
+            <a:p>
+              <a:pPr algn="ctr"/>
+              <a:endParaRPr lang="zh-TW" altLang="en-US">
+                <a:solidFill>
+                  <a:schemeClr val="tx2">
+                    <a:lumMod val="20000"/>
+                    <a:lumOff val="80000"/>
+                  </a:schemeClr>
+                </a:solidFill>
+              </a:endParaRPr>
+            </a:p>
+          </p:txBody>
+        </p:sp>
+        <p:sp>
+          <p:nvSpPr>
+            <p:cNvPr id="29" name="矩形 28"/>
+            <p:cNvSpPr/>
+            <p:nvPr/>
+          </p:nvSpPr>
+          <p:spPr>
+            <a:xfrm>
+              <a:off x="7092028" y="-9480"/>
+              <a:ext cx="630000" cy="15748000"/>
+            </a:xfrm>
+            <a:prstGeom prst="rect">
+              <a:avLst/>
+            </a:prstGeom>
+            <a:grpFill/>
+            <a:ln>
+              <a:noFill/>
+            </a:ln>
+          </p:spPr>
+          <p:style>
+            <a:lnRef idx="2">
+              <a:schemeClr val="accent1">
+                <a:shade val="50000"/>
+              </a:schemeClr>
+            </a:lnRef>
+            <a:fillRef idx="1">
+              <a:schemeClr val="accent1"/>
+            </a:fillRef>
+            <a:effectRef idx="0">
+              <a:schemeClr val="accent1"/>
+            </a:effectRef>
+            <a:fontRef idx="minor">
+              <a:schemeClr val="lt1"/>
+            </a:fontRef>
+          </p:style>
+          <p:txBody>
+            <a:bodyPr rtlCol="0" anchor="ctr"/>
+            <a:lstStyle/>
+            <a:p>
+              <a:pPr algn="ctr"/>
+              <a:endParaRPr lang="zh-TW" altLang="en-US">
+                <a:solidFill>
+                  <a:schemeClr val="tx2">
+                    <a:lumMod val="20000"/>
+                    <a:lumOff val="80000"/>
+                  </a:schemeClr>
+                </a:solidFill>
+              </a:endParaRPr>
+            </a:p>
+          </p:txBody>
+        </p:sp>
+      </p:grpSp>
+      <p:grpSp>
+        <p:nvGrpSpPr>
+          <p:cNvPr id="30" name="群組 29"/>
+          <p:cNvGrpSpPr/>
+          <p:nvPr/>
+        </p:nvGrpSpPr>
+        <p:grpSpPr>
+          <a:xfrm>
+            <a:off x="4306623" y="-3745"/>
+            <a:ext cx="3529092" cy="1321272"/>
+            <a:chOff x="0" y="1321272"/>
+            <a:chExt cx="12195175" cy="4464496"/>
+          </a:xfrm>
+        </p:grpSpPr>
+        <p:sp>
+          <p:nvSpPr>
+            <p:cNvPr id="31" name="矩形 30"/>
+            <p:cNvSpPr/>
+            <p:nvPr/>
+          </p:nvSpPr>
+          <p:spPr>
+            <a:xfrm>
+              <a:off x="0" y="1321272"/>
+              <a:ext cx="12187998" cy="4464496"/>
+            </a:xfrm>
+            <a:prstGeom prst="rect">
+              <a:avLst/>
+            </a:prstGeom>
+            <a:noFill/>
+            <a:ln>
+              <a:solidFill>
+                <a:schemeClr val="tx1"/>
+              </a:solidFill>
+            </a:ln>
+          </p:spPr>
+          <p:style>
+            <a:lnRef idx="2">
+              <a:schemeClr val="accent1">
+                <a:shade val="50000"/>
+              </a:schemeClr>
+            </a:lnRef>
+            <a:fillRef idx="1">
+              <a:schemeClr val="accent1"/>
+            </a:fillRef>
+            <a:effectRef idx="0">
+              <a:schemeClr val="accent1"/>
+            </a:effectRef>
+            <a:fontRef idx="minor">
+              <a:schemeClr val="lt1"/>
+            </a:fontRef>
+          </p:style>
+          <p:txBody>
+            <a:bodyPr rtlCol="0" anchor="ctr"/>
+            <a:lstStyle/>
+            <a:p>
+              <a:pPr algn="ctr"/>
+              <a:endParaRPr lang="zh-TW" altLang="en-US"/>
+            </a:p>
+          </p:txBody>
+        </p:sp>
+        <p:cxnSp>
+          <p:nvCxnSpPr>
+            <p:cNvPr id="32" name="直線接點 31"/>
+            <p:cNvCxnSpPr/>
+            <p:nvPr/>
+          </p:nvCxnSpPr>
+          <p:spPr>
+            <a:xfrm>
+              <a:off x="0" y="1328094"/>
+              <a:ext cx="12187998" cy="4457674"/>
+            </a:xfrm>
+            <a:prstGeom prst="line">
+              <a:avLst/>
+            </a:prstGeom>
+            <a:ln>
+              <a:solidFill>
+                <a:schemeClr val="tx1"/>
+              </a:solidFill>
+            </a:ln>
+          </p:spPr>
+          <p:style>
+            <a:lnRef idx="1">
+              <a:schemeClr val="accent1"/>
+            </a:lnRef>
+            <a:fillRef idx="0">
+              <a:schemeClr val="accent1"/>
+            </a:fillRef>
+            <a:effectRef idx="0">
+              <a:schemeClr val="accent1"/>
+            </a:effectRef>
+            <a:fontRef idx="minor">
+              <a:schemeClr val="tx1"/>
+            </a:fontRef>
+          </p:style>
+        </p:cxnSp>
+        <p:cxnSp>
+          <p:nvCxnSpPr>
+            <p:cNvPr id="33" name="直線接點 32"/>
+            <p:cNvCxnSpPr/>
+            <p:nvPr/>
+          </p:nvCxnSpPr>
+          <p:spPr>
+            <a:xfrm flipH="1">
+              <a:off x="0" y="1321272"/>
+              <a:ext cx="12195175" cy="4464496"/>
+            </a:xfrm>
+            <a:prstGeom prst="line">
+              <a:avLst/>
+            </a:prstGeom>
+            <a:ln>
+              <a:solidFill>
+                <a:schemeClr val="tx1"/>
+              </a:solidFill>
+            </a:ln>
+          </p:spPr>
+          <p:style>
+            <a:lnRef idx="1">
+              <a:schemeClr val="accent1"/>
+            </a:lnRef>
+            <a:fillRef idx="0">
+              <a:schemeClr val="accent1"/>
+            </a:fillRef>
+            <a:effectRef idx="0">
+              <a:schemeClr val="accent1"/>
+            </a:effectRef>
+            <a:fontRef idx="minor">
+              <a:schemeClr val="tx1"/>
+            </a:fontRef>
+          </p:style>
+        </p:cxnSp>
+      </p:grpSp>
+      <p:cxnSp>
+        <p:nvCxnSpPr>
+          <p:cNvPr id="34" name="直線接點 33"/>
+          <p:cNvCxnSpPr/>
+          <p:nvPr/>
+        </p:nvCxnSpPr>
+        <p:spPr>
+          <a:xfrm>
+            <a:off x="-34176" y="1326113"/>
+            <a:ext cx="12195175" cy="0"/>
+          </a:xfrm>
+          <a:prstGeom prst="line">
+            <a:avLst/>
+          </a:prstGeom>
+          <a:ln>
+            <a:solidFill>
+              <a:schemeClr val="tx1"/>
+            </a:solidFill>
+          </a:ln>
+        </p:spPr>
+        <p:style>
+          <a:lnRef idx="1">
+            <a:schemeClr val="accent1"/>
+          </a:lnRef>
+          <a:fillRef idx="0">
+            <a:schemeClr val="accent1"/>
+          </a:fillRef>
+          <a:effectRef idx="0">
+            <a:schemeClr val="accent1"/>
+          </a:effectRef>
+          <a:fontRef idx="minor">
+            <a:schemeClr val="tx1"/>
+          </a:fontRef>
+        </p:style>
+      </p:cxnSp>
+      <p:cxnSp>
+        <p:nvCxnSpPr>
+          <p:cNvPr id="35" name="直線接點 34"/>
+          <p:cNvCxnSpPr/>
+          <p:nvPr/>
+        </p:nvCxnSpPr>
+        <p:spPr>
+          <a:xfrm>
+            <a:off x="-23093" y="7937396"/>
+            <a:ext cx="12195175" cy="0"/>
+          </a:xfrm>
+          <a:prstGeom prst="line">
+            <a:avLst/>
+          </a:prstGeom>
+          <a:ln>
+            <a:solidFill>
+              <a:schemeClr val="tx1"/>
+            </a:solidFill>
+          </a:ln>
+        </p:spPr>
+        <p:style>
+          <a:lnRef idx="1">
+            <a:schemeClr val="accent1"/>
+          </a:lnRef>
+          <a:fillRef idx="0">
+            <a:schemeClr val="accent1"/>
+          </a:fillRef>
+          <a:effectRef idx="0">
+            <a:schemeClr val="accent1"/>
+          </a:effectRef>
+          <a:fontRef idx="minor">
+            <a:schemeClr val="tx1"/>
+          </a:fontRef>
+        </p:style>
+      </p:cxnSp>
+      <p:sp>
+        <p:nvSpPr>
+          <p:cNvPr id="36" name="矩形 35"/>
+          <p:cNvSpPr/>
+          <p:nvPr/>
+        </p:nvSpPr>
+        <p:spPr>
+          <a:xfrm>
+            <a:off x="5277757" y="1903391"/>
+            <a:ext cx="5461820" cy="655570"/>
+          </a:xfrm>
+          <a:prstGeom prst="rect">
+            <a:avLst/>
+          </a:prstGeom>
+          <a:noFill/>
+        </p:spPr>
+        <p:style>
+          <a:lnRef idx="2">
+            <a:schemeClr val="accent1">
+              <a:shade val="50000"/>
+            </a:schemeClr>
+          </a:lnRef>
+          <a:fillRef idx="1">
+            <a:schemeClr val="accent1"/>
+          </a:fillRef>
+          <a:effectRef idx="0">
+            <a:schemeClr val="accent1"/>
+          </a:effectRef>
+          <a:fontRef idx="minor">
+            <a:schemeClr val="lt1"/>
+          </a:fontRef>
+        </p:style>
+        <p:txBody>
+          <a:bodyPr rtlCol="0" anchor="ctr"/>
+          <a:lstStyle/>
+          <a:p>
+            <a:pPr algn="ctr"/>
+            <a:r>
+              <a:rPr lang="zh-TW" altLang="en-US" dirty="0">
+                <a:solidFill>
+                  <a:schemeClr val="tx1"/>
+                </a:solidFill>
+              </a:rPr>
+              <a:t>議題列表</a:t>
+            </a:r>
+            <a:endParaRPr lang="zh-TW" altLang="en-US" dirty="0">
+              <a:solidFill>
+                <a:schemeClr val="tx1"/>
+              </a:solidFill>
+            </a:endParaRPr>
+          </a:p>
+        </p:txBody>
+      </p:sp>
+      <p:sp>
+        <p:nvSpPr>
+          <p:cNvPr id="37" name="矩形 36"/>
+          <p:cNvSpPr/>
+          <p:nvPr/>
+        </p:nvSpPr>
+        <p:spPr>
+          <a:xfrm>
+            <a:off x="-64825" y="1326113"/>
+            <a:ext cx="2432002" cy="6611283"/>
+          </a:xfrm>
+          <a:prstGeom prst="rect">
+            <a:avLst/>
+          </a:prstGeom>
+          <a:noFill/>
+        </p:spPr>
+        <p:style>
+          <a:lnRef idx="2">
+            <a:schemeClr val="accent1">
+              <a:shade val="50000"/>
+            </a:schemeClr>
+          </a:lnRef>
+          <a:fillRef idx="1">
+            <a:schemeClr val="accent1"/>
+          </a:fillRef>
+          <a:effectRef idx="0">
+            <a:schemeClr val="accent1"/>
+          </a:effectRef>
+          <a:fontRef idx="minor">
+            <a:schemeClr val="lt1"/>
+          </a:fontRef>
+        </p:style>
+        <p:txBody>
+          <a:bodyPr rtlCol="0" anchor="ctr"/>
+          <a:lstStyle/>
+          <a:p>
+            <a:pPr algn="ctr"/>
+            <a:endParaRPr lang="zh-TW" altLang="en-US"/>
+          </a:p>
+        </p:txBody>
+      </p:sp>
+      <p:grpSp>
+        <p:nvGrpSpPr>
+          <p:cNvPr id="38" name="群組 37"/>
+          <p:cNvGrpSpPr/>
+          <p:nvPr/>
+        </p:nvGrpSpPr>
+        <p:grpSpPr>
+          <a:xfrm>
+            <a:off x="-64826" y="1903391"/>
+            <a:ext cx="521366" cy="655571"/>
+            <a:chOff x="0" y="1321272"/>
+            <a:chExt cx="12195175" cy="4464496"/>
+          </a:xfrm>
+        </p:grpSpPr>
+        <p:sp>
+          <p:nvSpPr>
+            <p:cNvPr id="39" name="矩形 38"/>
+            <p:cNvSpPr/>
+            <p:nvPr/>
+          </p:nvSpPr>
+          <p:spPr>
+            <a:xfrm>
+              <a:off x="0" y="1321272"/>
+              <a:ext cx="12187998" cy="4464496"/>
+            </a:xfrm>
+            <a:prstGeom prst="rect">
+              <a:avLst/>
+            </a:prstGeom>
+            <a:noFill/>
+            <a:ln>
+              <a:solidFill>
+                <a:schemeClr val="tx1"/>
+              </a:solidFill>
+            </a:ln>
+          </p:spPr>
+          <p:style>
+            <a:lnRef idx="2">
+              <a:schemeClr val="accent1">
+                <a:shade val="50000"/>
+              </a:schemeClr>
+            </a:lnRef>
+            <a:fillRef idx="1">
+              <a:schemeClr val="accent1"/>
+            </a:fillRef>
+            <a:effectRef idx="0">
+              <a:schemeClr val="accent1"/>
+            </a:effectRef>
+            <a:fontRef idx="minor">
+              <a:schemeClr val="lt1"/>
+            </a:fontRef>
+          </p:style>
+          <p:txBody>
+            <a:bodyPr rtlCol="0" anchor="ctr"/>
+            <a:lstStyle/>
+            <a:p>
+              <a:pPr algn="ctr"/>
+              <a:endParaRPr lang="zh-TW" altLang="en-US"/>
+            </a:p>
+          </p:txBody>
+        </p:sp>
+        <p:cxnSp>
+          <p:nvCxnSpPr>
+            <p:cNvPr id="40" name="直線接點 39"/>
+            <p:cNvCxnSpPr/>
+            <p:nvPr/>
+          </p:nvCxnSpPr>
+          <p:spPr>
+            <a:xfrm>
+              <a:off x="0" y="1328094"/>
+              <a:ext cx="12187998" cy="4457674"/>
+            </a:xfrm>
+            <a:prstGeom prst="line">
+              <a:avLst/>
+            </a:prstGeom>
+            <a:ln>
+              <a:solidFill>
+                <a:schemeClr val="tx1"/>
+              </a:solidFill>
+            </a:ln>
+          </p:spPr>
+          <p:style>
+            <a:lnRef idx="1">
+              <a:schemeClr val="accent1"/>
+            </a:lnRef>
+            <a:fillRef idx="0">
+              <a:schemeClr val="accent1"/>
+            </a:fillRef>
+            <a:effectRef idx="0">
+              <a:schemeClr val="accent1"/>
+            </a:effectRef>
+            <a:fontRef idx="minor">
+              <a:schemeClr val="tx1"/>
+            </a:fontRef>
+          </p:style>
+        </p:cxnSp>
+        <p:cxnSp>
+          <p:nvCxnSpPr>
+            <p:cNvPr id="41" name="直線接點 40"/>
+            <p:cNvCxnSpPr/>
+            <p:nvPr/>
+          </p:nvCxnSpPr>
+          <p:spPr>
+            <a:xfrm flipH="1">
+              <a:off x="0" y="1321272"/>
+              <a:ext cx="12195175" cy="4464496"/>
+            </a:xfrm>
+            <a:prstGeom prst="line">
+              <a:avLst/>
+            </a:prstGeom>
+            <a:ln>
+              <a:solidFill>
+                <a:schemeClr val="tx1"/>
+              </a:solidFill>
+            </a:ln>
+          </p:spPr>
+          <p:style>
+            <a:lnRef idx="1">
+              <a:schemeClr val="accent1"/>
+            </a:lnRef>
+            <a:fillRef idx="0">
+              <a:schemeClr val="accent1"/>
+            </a:fillRef>
+            <a:effectRef idx="0">
+              <a:schemeClr val="accent1"/>
+            </a:effectRef>
+            <a:fontRef idx="minor">
+              <a:schemeClr val="tx1"/>
+            </a:fontRef>
+          </p:style>
+        </p:cxnSp>
+      </p:grpSp>
+      <p:sp>
+        <p:nvSpPr>
+          <p:cNvPr id="42" name="矩形 41"/>
+          <p:cNvSpPr/>
+          <p:nvPr/>
+        </p:nvSpPr>
+        <p:spPr>
+          <a:xfrm>
+            <a:off x="456540" y="1903391"/>
+            <a:ext cx="1910636" cy="655570"/>
+          </a:xfrm>
+          <a:prstGeom prst="rect">
+            <a:avLst/>
+          </a:prstGeom>
+          <a:noFill/>
+        </p:spPr>
+        <p:style>
+          <a:lnRef idx="2">
+            <a:schemeClr val="accent1">
+              <a:shade val="50000"/>
+            </a:schemeClr>
+          </a:lnRef>
+          <a:fillRef idx="1">
+            <a:schemeClr val="accent1"/>
+          </a:fillRef>
+          <a:effectRef idx="0">
+            <a:schemeClr val="accent1"/>
+          </a:effectRef>
+          <a:fontRef idx="minor">
+            <a:schemeClr val="lt1"/>
+          </a:fontRef>
+        </p:style>
+        <p:txBody>
+          <a:bodyPr rtlCol="0" anchor="ctr"/>
+          <a:lstStyle/>
+          <a:p>
+            <a:pPr algn="ctr"/>
+            <a:r>
+              <a:rPr lang="zh-TW" altLang="en-US" dirty="0" smtClean="0">
+                <a:solidFill>
+                  <a:schemeClr val="tx1"/>
+                </a:solidFill>
+              </a:rPr>
+              <a:t>議題搜尋</a:t>
+            </a:r>
+            <a:endParaRPr lang="zh-TW" altLang="en-US" dirty="0">
+              <a:solidFill>
+                <a:schemeClr val="tx1"/>
+              </a:solidFill>
+            </a:endParaRPr>
+          </a:p>
+        </p:txBody>
+      </p:sp>
+      <p:sp>
+        <p:nvSpPr>
+          <p:cNvPr id="43" name="矩形 42"/>
+          <p:cNvSpPr/>
+          <p:nvPr/>
+        </p:nvSpPr>
+        <p:spPr>
+          <a:xfrm>
+            <a:off x="456540" y="3320007"/>
+            <a:ext cx="1910635" cy="655570"/>
+          </a:xfrm>
+          <a:prstGeom prst="rect">
+            <a:avLst/>
+          </a:prstGeom>
+          <a:noFill/>
+        </p:spPr>
+        <p:style>
+          <a:lnRef idx="2">
+            <a:schemeClr val="accent1">
+              <a:shade val="50000"/>
+            </a:schemeClr>
+          </a:lnRef>
+          <a:fillRef idx="1">
+            <a:schemeClr val="accent1"/>
+          </a:fillRef>
+          <a:effectRef idx="0">
+            <a:schemeClr val="accent1"/>
+          </a:effectRef>
+          <a:fontRef idx="minor">
+            <a:schemeClr val="lt1"/>
+          </a:fontRef>
+        </p:style>
+        <p:txBody>
+          <a:bodyPr rtlCol="0" anchor="ctr"/>
+          <a:lstStyle/>
+          <a:p>
+            <a:pPr algn="ctr"/>
+            <a:r>
+              <a:rPr lang="zh-TW" altLang="en-US" dirty="0" smtClean="0">
+                <a:solidFill>
+                  <a:schemeClr val="tx1"/>
+                </a:solidFill>
+              </a:rPr>
+              <a:t>議題列表</a:t>
+            </a:r>
+            <a:endParaRPr lang="zh-TW" altLang="en-US" dirty="0">
+              <a:solidFill>
+                <a:schemeClr val="tx1"/>
+              </a:solidFill>
+            </a:endParaRPr>
+          </a:p>
+        </p:txBody>
+      </p:sp>
+      <p:sp>
+        <p:nvSpPr>
+          <p:cNvPr id="44" name="矩形 43"/>
+          <p:cNvSpPr/>
+          <p:nvPr/>
+        </p:nvSpPr>
+        <p:spPr>
+          <a:xfrm>
+            <a:off x="456540" y="4920392"/>
+            <a:ext cx="1910635" cy="655570"/>
+          </a:xfrm>
+          <a:prstGeom prst="rect">
+            <a:avLst/>
+          </a:prstGeom>
+          <a:noFill/>
+        </p:spPr>
+        <p:style>
+          <a:lnRef idx="2">
+            <a:schemeClr val="accent1">
+              <a:shade val="50000"/>
+            </a:schemeClr>
+          </a:lnRef>
+          <a:fillRef idx="1">
+            <a:schemeClr val="accent1"/>
+          </a:fillRef>
+          <a:effectRef idx="0">
+            <a:schemeClr val="accent1"/>
+          </a:effectRef>
+          <a:fontRef idx="minor">
+            <a:schemeClr val="lt1"/>
+          </a:fontRef>
+        </p:style>
+        <p:txBody>
+          <a:bodyPr rtlCol="0" anchor="ctr"/>
+          <a:lstStyle/>
+          <a:p>
+            <a:pPr algn="ctr"/>
+            <a:r>
+              <a:rPr lang="zh-TW" altLang="en-US" dirty="0" smtClean="0">
+                <a:solidFill>
+                  <a:schemeClr val="tx1"/>
+                </a:solidFill>
+              </a:rPr>
+              <a:t>議題建立</a:t>
+            </a:r>
+            <a:endParaRPr lang="zh-TW" altLang="en-US" dirty="0">
+              <a:solidFill>
+                <a:schemeClr val="tx1"/>
+              </a:solidFill>
+            </a:endParaRPr>
+          </a:p>
+        </p:txBody>
+      </p:sp>
+      <p:grpSp>
+        <p:nvGrpSpPr>
+          <p:cNvPr id="45" name="群組 44"/>
+          <p:cNvGrpSpPr/>
+          <p:nvPr/>
+        </p:nvGrpSpPr>
+        <p:grpSpPr>
+          <a:xfrm>
+            <a:off x="-64826" y="3320008"/>
+            <a:ext cx="521365" cy="655569"/>
+            <a:chOff x="0" y="1321272"/>
+            <a:chExt cx="12195175" cy="4464496"/>
+          </a:xfrm>
+        </p:grpSpPr>
+        <p:sp>
+          <p:nvSpPr>
+            <p:cNvPr id="46" name="矩形 45"/>
+            <p:cNvSpPr/>
+            <p:nvPr/>
+          </p:nvSpPr>
+          <p:spPr>
+            <a:xfrm>
+              <a:off x="0" y="1321272"/>
+              <a:ext cx="12187998" cy="4464496"/>
+            </a:xfrm>
+            <a:prstGeom prst="rect">
+              <a:avLst/>
+            </a:prstGeom>
+            <a:noFill/>
+            <a:ln>
+              <a:solidFill>
+                <a:schemeClr val="tx1"/>
+              </a:solidFill>
+            </a:ln>
+          </p:spPr>
+          <p:style>
+            <a:lnRef idx="2">
+              <a:schemeClr val="accent1">
+                <a:shade val="50000"/>
+              </a:schemeClr>
+            </a:lnRef>
+            <a:fillRef idx="1">
+              <a:schemeClr val="accent1"/>
+            </a:fillRef>
+            <a:effectRef idx="0">
+              <a:schemeClr val="accent1"/>
+            </a:effectRef>
+            <a:fontRef idx="minor">
+              <a:schemeClr val="lt1"/>
+            </a:fontRef>
+          </p:style>
+          <p:txBody>
+            <a:bodyPr rtlCol="0" anchor="ctr"/>
+            <a:lstStyle/>
+            <a:p>
+              <a:pPr algn="ctr"/>
+              <a:endParaRPr lang="zh-TW" altLang="en-US"/>
+            </a:p>
+          </p:txBody>
+        </p:sp>
+        <p:cxnSp>
+          <p:nvCxnSpPr>
+            <p:cNvPr id="47" name="直線接點 46"/>
+            <p:cNvCxnSpPr/>
+            <p:nvPr/>
+          </p:nvCxnSpPr>
+          <p:spPr>
+            <a:xfrm>
+              <a:off x="0" y="1328094"/>
+              <a:ext cx="12187998" cy="4457674"/>
+            </a:xfrm>
+            <a:prstGeom prst="line">
+              <a:avLst/>
+            </a:prstGeom>
+            <a:ln>
+              <a:solidFill>
+                <a:schemeClr val="tx1"/>
+              </a:solidFill>
+            </a:ln>
+          </p:spPr>
+          <p:style>
+            <a:lnRef idx="1">
+              <a:schemeClr val="accent1"/>
+            </a:lnRef>
+            <a:fillRef idx="0">
+              <a:schemeClr val="accent1"/>
+            </a:fillRef>
+            <a:effectRef idx="0">
+              <a:schemeClr val="accent1"/>
+            </a:effectRef>
+            <a:fontRef idx="minor">
+              <a:schemeClr val="tx1"/>
+            </a:fontRef>
+          </p:style>
+        </p:cxnSp>
+        <p:cxnSp>
+          <p:nvCxnSpPr>
+            <p:cNvPr id="48" name="直線接點 47"/>
+            <p:cNvCxnSpPr/>
+            <p:nvPr/>
+          </p:nvCxnSpPr>
+          <p:spPr>
+            <a:xfrm flipH="1">
+              <a:off x="0" y="1321272"/>
+              <a:ext cx="12195175" cy="4464496"/>
+            </a:xfrm>
+            <a:prstGeom prst="line">
+              <a:avLst/>
+            </a:prstGeom>
+            <a:ln>
+              <a:solidFill>
+                <a:schemeClr val="tx1"/>
+              </a:solidFill>
+            </a:ln>
+          </p:spPr>
+          <p:style>
+            <a:lnRef idx="1">
+              <a:schemeClr val="accent1"/>
+            </a:lnRef>
+            <a:fillRef idx="0">
+              <a:schemeClr val="accent1"/>
+            </a:fillRef>
+            <a:effectRef idx="0">
+              <a:schemeClr val="accent1"/>
+            </a:effectRef>
+            <a:fontRef idx="minor">
+              <a:schemeClr val="tx1"/>
+            </a:fontRef>
+          </p:style>
+        </p:cxnSp>
+      </p:grpSp>
+      <p:grpSp>
+        <p:nvGrpSpPr>
+          <p:cNvPr id="49" name="群組 48"/>
+          <p:cNvGrpSpPr/>
+          <p:nvPr/>
+        </p:nvGrpSpPr>
+        <p:grpSpPr>
+          <a:xfrm>
+            <a:off x="-64825" y="4914174"/>
+            <a:ext cx="521366" cy="661788"/>
+            <a:chOff x="0" y="1321272"/>
+            <a:chExt cx="12195175" cy="4464496"/>
+          </a:xfrm>
+        </p:grpSpPr>
+        <p:sp>
+          <p:nvSpPr>
+            <p:cNvPr id="50" name="矩形 49"/>
+            <p:cNvSpPr/>
+            <p:nvPr/>
+          </p:nvSpPr>
+          <p:spPr>
+            <a:xfrm>
+              <a:off x="0" y="1321272"/>
+              <a:ext cx="12187998" cy="4464496"/>
+            </a:xfrm>
+            <a:prstGeom prst="rect">
+              <a:avLst/>
+            </a:prstGeom>
+            <a:noFill/>
+            <a:ln>
+              <a:solidFill>
+                <a:schemeClr val="tx1"/>
+              </a:solidFill>
+            </a:ln>
+          </p:spPr>
+          <p:style>
+            <a:lnRef idx="2">
+              <a:schemeClr val="accent1">
+                <a:shade val="50000"/>
+              </a:schemeClr>
+            </a:lnRef>
+            <a:fillRef idx="1">
+              <a:schemeClr val="accent1"/>
+            </a:fillRef>
+            <a:effectRef idx="0">
+              <a:schemeClr val="accent1"/>
+            </a:effectRef>
+            <a:fontRef idx="minor">
+              <a:schemeClr val="lt1"/>
+            </a:fontRef>
+          </p:style>
+          <p:txBody>
+            <a:bodyPr rtlCol="0" anchor="ctr"/>
+            <a:lstStyle/>
+            <a:p>
+              <a:pPr algn="ctr"/>
+              <a:endParaRPr lang="zh-TW" altLang="en-US"/>
+            </a:p>
+          </p:txBody>
+        </p:sp>
+        <p:cxnSp>
+          <p:nvCxnSpPr>
+            <p:cNvPr id="51" name="直線接點 50"/>
+            <p:cNvCxnSpPr/>
+            <p:nvPr/>
+          </p:nvCxnSpPr>
+          <p:spPr>
+            <a:xfrm>
+              <a:off x="0" y="1328094"/>
+              <a:ext cx="12187998" cy="4457674"/>
+            </a:xfrm>
+            <a:prstGeom prst="line">
+              <a:avLst/>
+            </a:prstGeom>
+            <a:ln>
+              <a:solidFill>
+                <a:schemeClr val="tx1"/>
+              </a:solidFill>
+            </a:ln>
+          </p:spPr>
+          <p:style>
+            <a:lnRef idx="1">
+              <a:schemeClr val="accent1"/>
+            </a:lnRef>
+            <a:fillRef idx="0">
+              <a:schemeClr val="accent1"/>
+            </a:fillRef>
+            <a:effectRef idx="0">
+              <a:schemeClr val="accent1"/>
+            </a:effectRef>
+            <a:fontRef idx="minor">
+              <a:schemeClr val="tx1"/>
+            </a:fontRef>
+          </p:style>
+        </p:cxnSp>
+        <p:cxnSp>
+          <p:nvCxnSpPr>
+            <p:cNvPr id="52" name="直線接點 51"/>
+            <p:cNvCxnSpPr/>
+            <p:nvPr/>
+          </p:nvCxnSpPr>
+          <p:spPr>
+            <a:xfrm flipH="1">
+              <a:off x="0" y="1321272"/>
+              <a:ext cx="12195175" cy="4464496"/>
+            </a:xfrm>
+            <a:prstGeom prst="line">
+              <a:avLst/>
+            </a:prstGeom>
+            <a:ln>
+              <a:solidFill>
+                <a:schemeClr val="tx1"/>
+              </a:solidFill>
+            </a:ln>
+          </p:spPr>
+          <p:style>
+            <a:lnRef idx="1">
+              <a:schemeClr val="accent1"/>
+            </a:lnRef>
+            <a:fillRef idx="0">
+              <a:schemeClr val="accent1"/>
+            </a:fillRef>
+            <a:effectRef idx="0">
+              <a:schemeClr val="accent1"/>
+            </a:effectRef>
+            <a:fontRef idx="minor">
+              <a:schemeClr val="tx1"/>
+            </a:fontRef>
+          </p:style>
+        </p:cxnSp>
+      </p:grpSp>
+      <p:sp>
+        <p:nvSpPr>
+          <p:cNvPr id="53" name="矩形 52"/>
+          <p:cNvSpPr/>
+          <p:nvPr/>
+        </p:nvSpPr>
+        <p:spPr>
+          <a:xfrm>
+            <a:off x="4311393" y="3136239"/>
+            <a:ext cx="7394548" cy="1023107"/>
+          </a:xfrm>
+          <a:prstGeom prst="rect">
+            <a:avLst/>
+          </a:prstGeom>
+          <a:noFill/>
+        </p:spPr>
+        <p:style>
+          <a:lnRef idx="2">
+            <a:schemeClr val="accent1">
+              <a:shade val="50000"/>
+            </a:schemeClr>
+          </a:lnRef>
+          <a:fillRef idx="1">
+            <a:schemeClr val="accent1"/>
+          </a:fillRef>
+          <a:effectRef idx="0">
+            <a:schemeClr val="accent1"/>
+          </a:effectRef>
+          <a:fontRef idx="minor">
+            <a:schemeClr val="lt1"/>
+          </a:fontRef>
+        </p:style>
+        <p:txBody>
+          <a:bodyPr rtlCol="0" anchor="ctr"/>
+          <a:lstStyle/>
+          <a:p>
+            <a:r>
+              <a:rPr lang="en-US" altLang="zh-TW" dirty="0" smtClean="0">
+                <a:solidFill>
+                  <a:schemeClr val="tx1"/>
+                </a:solidFill>
+              </a:rPr>
+              <a:t>1.</a:t>
+            </a:r>
+            <a:endParaRPr lang="zh-TW" altLang="en-US" dirty="0">
+              <a:solidFill>
+                <a:schemeClr val="tx1"/>
+              </a:solidFill>
+            </a:endParaRPr>
+          </a:p>
+        </p:txBody>
+      </p:sp>
+      <p:sp>
+        <p:nvSpPr>
+          <p:cNvPr id="54" name="矩形 53"/>
+          <p:cNvSpPr/>
+          <p:nvPr/>
+        </p:nvSpPr>
+        <p:spPr>
+          <a:xfrm>
+            <a:off x="4321470" y="4736624"/>
+            <a:ext cx="7387830" cy="1023107"/>
+          </a:xfrm>
+          <a:prstGeom prst="rect">
+            <a:avLst/>
+          </a:prstGeom>
+          <a:noFill/>
+        </p:spPr>
+        <p:style>
+          <a:lnRef idx="2">
+            <a:schemeClr val="accent1">
+              <a:shade val="50000"/>
+            </a:schemeClr>
+          </a:lnRef>
+          <a:fillRef idx="1">
+            <a:schemeClr val="accent1"/>
+          </a:fillRef>
+          <a:effectRef idx="0">
+            <a:schemeClr val="accent1"/>
+          </a:effectRef>
+          <a:fontRef idx="minor">
+            <a:schemeClr val="lt1"/>
+          </a:fontRef>
+        </p:style>
+        <p:txBody>
+          <a:bodyPr rtlCol="0" anchor="ctr"/>
+          <a:lstStyle/>
+          <a:p>
+            <a:r>
+              <a:rPr lang="en-US" altLang="zh-TW" dirty="0">
+                <a:solidFill>
+                  <a:schemeClr val="tx1"/>
+                </a:solidFill>
+              </a:rPr>
+              <a:t>2</a:t>
+            </a:r>
+            <a:r>
+              <a:rPr lang="en-US" altLang="zh-TW" dirty="0" smtClean="0">
+                <a:solidFill>
+                  <a:schemeClr val="tx1"/>
+                </a:solidFill>
+              </a:rPr>
+              <a:t>.</a:t>
+            </a:r>
+            <a:endParaRPr lang="zh-TW" altLang="en-US" dirty="0">
+              <a:solidFill>
+                <a:schemeClr val="tx1"/>
+              </a:solidFill>
+            </a:endParaRPr>
+          </a:p>
+        </p:txBody>
+      </p:sp>
+      <p:sp>
+        <p:nvSpPr>
+          <p:cNvPr id="55" name="矩形 54"/>
+          <p:cNvSpPr/>
+          <p:nvPr/>
+        </p:nvSpPr>
+        <p:spPr>
+          <a:xfrm>
+            <a:off x="4297387" y="6337009"/>
+            <a:ext cx="7387830" cy="1023107"/>
+          </a:xfrm>
+          <a:prstGeom prst="rect">
+            <a:avLst/>
+          </a:prstGeom>
+          <a:noFill/>
+        </p:spPr>
+        <p:style>
+          <a:lnRef idx="2">
+            <a:schemeClr val="accent1">
+              <a:shade val="50000"/>
+            </a:schemeClr>
+          </a:lnRef>
+          <a:fillRef idx="1">
+            <a:schemeClr val="accent1"/>
+          </a:fillRef>
+          <a:effectRef idx="0">
+            <a:schemeClr val="accent1"/>
+          </a:effectRef>
+          <a:fontRef idx="minor">
+            <a:schemeClr val="lt1"/>
+          </a:fontRef>
+        </p:style>
+        <p:txBody>
+          <a:bodyPr rtlCol="0" anchor="ctr"/>
+          <a:lstStyle/>
+          <a:p>
+            <a:r>
+              <a:rPr lang="en-US" altLang="zh-TW" dirty="0" smtClean="0">
+                <a:solidFill>
+                  <a:schemeClr val="tx1"/>
+                </a:solidFill>
+              </a:rPr>
+              <a:t>3.</a:t>
+            </a:r>
+            <a:endParaRPr lang="zh-TW" altLang="en-US" dirty="0">
+              <a:solidFill>
+                <a:schemeClr val="tx1"/>
+              </a:solidFill>
+            </a:endParaRPr>
+          </a:p>
+        </p:txBody>
+      </p:sp>
+      <p:sp>
+        <p:nvSpPr>
+          <p:cNvPr id="59" name="矩形 58"/>
+          <p:cNvSpPr/>
+          <p:nvPr/>
+        </p:nvSpPr>
+        <p:spPr>
+          <a:xfrm>
+            <a:off x="10098089" y="358867"/>
+            <a:ext cx="1574274" cy="598066"/>
+          </a:xfrm>
+          <a:prstGeom prst="rect">
+            <a:avLst/>
+          </a:prstGeom>
+          <a:noFill/>
+        </p:spPr>
+        <p:style>
+          <a:lnRef idx="2">
+            <a:schemeClr val="accent1">
+              <a:shade val="50000"/>
+            </a:schemeClr>
+          </a:lnRef>
+          <a:fillRef idx="1">
+            <a:schemeClr val="accent1"/>
+          </a:fillRef>
+          <a:effectRef idx="0">
+            <a:schemeClr val="accent1"/>
+          </a:effectRef>
+          <a:fontRef idx="minor">
+            <a:schemeClr val="lt1"/>
+          </a:fontRef>
+        </p:style>
+        <p:txBody>
+          <a:bodyPr rtlCol="0" anchor="ctr"/>
+          <a:lstStyle/>
+          <a:p>
+            <a:pPr algn="ctr"/>
+            <a:r>
+              <a:rPr lang="en-US" altLang="zh-TW" dirty="0" smtClean="0">
+                <a:solidFill>
+                  <a:schemeClr val="tx1"/>
+                </a:solidFill>
+              </a:rPr>
+              <a:t>HI!XXX</a:t>
+            </a:r>
+            <a:endParaRPr lang="zh-TW" altLang="en-US" dirty="0">
+              <a:solidFill>
+                <a:schemeClr val="tx1"/>
+              </a:solidFill>
+            </a:endParaRPr>
+          </a:p>
+        </p:txBody>
+      </p:sp>
+    </p:spTree>
+    <p:extLst>
+      <p:ext uri="{BB962C8B-B14F-4D97-AF65-F5344CB8AC3E}">
+        <p14:creationId xmlns:p14="http://schemas.microsoft.com/office/powerpoint/2010/main" val="206578510"/>
+      </p:ext>
+    </p:extLst>
+  </p:cSld>
+  <p:clrMapOvr>
+    <a:masterClrMapping/>
+  </p:clrMapOvr>
+</p:sld>
+</file>
+
+<file path=ppt/slides/slide4.xml><?xml version="1.0" encoding="utf-8"?>
+<p:sld xmlns:a="http://schemas.openxmlformats.org/drawingml/2006/main" xmlns:r="http://schemas.openxmlformats.org/officeDocument/2006/relationships" xmlns:p="http://schemas.openxmlformats.org/presentationml/2006/main">
+  <p:cSld>
+    <p:spTree>
+      <p:nvGrpSpPr>
+        <p:cNvPr id="1" name=""/>
+        <p:cNvGrpSpPr/>
+        <p:nvPr/>
+      </p:nvGrpSpPr>
+      <p:grpSpPr>
+        <a:xfrm>
+          <a:off x="0" y="0"/>
+          <a:ext cx="0" cy="0"/>
+          <a:chOff x="0" y="0"/>
+          <a:chExt cx="0" cy="0"/>
+        </a:xfrm>
+      </p:grpSpPr>
+      <p:grpSp>
+        <p:nvGrpSpPr>
+          <p:cNvPr id="17" name="群組 16"/>
+          <p:cNvGrpSpPr/>
+          <p:nvPr/>
+        </p:nvGrpSpPr>
+        <p:grpSpPr>
+          <a:xfrm>
+            <a:off x="456540" y="0"/>
+            <a:ext cx="11237913" cy="15764664"/>
+            <a:chOff x="349571" y="-9480"/>
+            <a:chExt cx="11237913" cy="15764664"/>
+          </a:xfrm>
+          <a:solidFill>
+            <a:schemeClr val="bg2"/>
+          </a:solidFill>
+        </p:grpSpPr>
+        <p:sp>
+          <p:nvSpPr>
+            <p:cNvPr id="18" name="矩形 17"/>
+            <p:cNvSpPr/>
+            <p:nvPr/>
+          </p:nvSpPr>
+          <p:spPr>
+            <a:xfrm>
+              <a:off x="349571" y="0"/>
+              <a:ext cx="630000" cy="15748000"/>
+            </a:xfrm>
+            <a:prstGeom prst="rect">
+              <a:avLst/>
+            </a:prstGeom>
+            <a:grpFill/>
+            <a:ln>
+              <a:noFill/>
+            </a:ln>
+          </p:spPr>
+          <p:style>
+            <a:lnRef idx="2">
+              <a:schemeClr val="accent1">
+                <a:shade val="50000"/>
+              </a:schemeClr>
+            </a:lnRef>
+            <a:fillRef idx="1">
+              <a:schemeClr val="accent1"/>
+            </a:fillRef>
+            <a:effectRef idx="0">
+              <a:schemeClr val="accent1"/>
+            </a:effectRef>
+            <a:fontRef idx="minor">
+              <a:schemeClr val="lt1"/>
+            </a:fontRef>
+          </p:style>
+          <p:txBody>
+            <a:bodyPr rtlCol="0" anchor="ctr"/>
+            <a:lstStyle/>
+            <a:p>
+              <a:pPr algn="ctr"/>
+              <a:endParaRPr lang="zh-TW" altLang="en-US">
+                <a:solidFill>
+                  <a:schemeClr val="tx2">
+                    <a:lumMod val="20000"/>
+                    <a:lumOff val="80000"/>
+                  </a:schemeClr>
+                </a:solidFill>
+              </a:endParaRPr>
+            </a:p>
+          </p:txBody>
+        </p:sp>
+        <p:sp>
+          <p:nvSpPr>
+            <p:cNvPr id="19" name="矩形 18"/>
+            <p:cNvSpPr/>
+            <p:nvPr/>
+          </p:nvSpPr>
+          <p:spPr>
+            <a:xfrm>
+              <a:off x="1293844" y="0"/>
+              <a:ext cx="630000" cy="15748000"/>
+            </a:xfrm>
+            <a:prstGeom prst="rect">
+              <a:avLst/>
+            </a:prstGeom>
+            <a:grpFill/>
+            <a:ln>
+              <a:noFill/>
+            </a:ln>
+          </p:spPr>
+          <p:style>
+            <a:lnRef idx="2">
+              <a:schemeClr val="accent1">
+                <a:shade val="50000"/>
+              </a:schemeClr>
+            </a:lnRef>
+            <a:fillRef idx="1">
+              <a:schemeClr val="accent1"/>
+            </a:fillRef>
+            <a:effectRef idx="0">
+              <a:schemeClr val="accent1"/>
+            </a:effectRef>
+            <a:fontRef idx="minor">
+              <a:schemeClr val="lt1"/>
+            </a:fontRef>
+          </p:style>
+          <p:txBody>
+            <a:bodyPr rtlCol="0" anchor="ctr"/>
+            <a:lstStyle/>
+            <a:p>
+              <a:pPr algn="ctr"/>
+              <a:endParaRPr lang="zh-TW" altLang="en-US">
+                <a:solidFill>
+                  <a:schemeClr val="tx2">
+                    <a:lumMod val="20000"/>
+                    <a:lumOff val="80000"/>
+                  </a:schemeClr>
+                </a:solidFill>
+              </a:endParaRPr>
+            </a:p>
+          </p:txBody>
+        </p:sp>
+        <p:sp>
+          <p:nvSpPr>
+            <p:cNvPr id="20" name="矩形 19"/>
+            <p:cNvSpPr/>
+            <p:nvPr/>
+          </p:nvSpPr>
+          <p:spPr>
+            <a:xfrm>
+              <a:off x="2260208" y="-9480"/>
+              <a:ext cx="630000" cy="15748000"/>
+            </a:xfrm>
+            <a:prstGeom prst="rect">
+              <a:avLst/>
+            </a:prstGeom>
+            <a:grpFill/>
+            <a:ln>
+              <a:noFill/>
+            </a:ln>
+          </p:spPr>
+          <p:style>
+            <a:lnRef idx="2">
+              <a:schemeClr val="accent1">
+                <a:shade val="50000"/>
+              </a:schemeClr>
+            </a:lnRef>
+            <a:fillRef idx="1">
+              <a:schemeClr val="accent1"/>
+            </a:fillRef>
+            <a:effectRef idx="0">
+              <a:schemeClr val="accent1"/>
+            </a:effectRef>
+            <a:fontRef idx="minor">
+              <a:schemeClr val="lt1"/>
+            </a:fontRef>
+          </p:style>
+          <p:txBody>
+            <a:bodyPr rtlCol="0" anchor="ctr"/>
+            <a:lstStyle/>
+            <a:p>
+              <a:pPr algn="ctr"/>
+              <a:endParaRPr lang="zh-TW" altLang="en-US">
+                <a:solidFill>
+                  <a:schemeClr val="tx2">
+                    <a:lumMod val="20000"/>
+                    <a:lumOff val="80000"/>
+                  </a:schemeClr>
+                </a:solidFill>
+              </a:endParaRPr>
+            </a:p>
+          </p:txBody>
+        </p:sp>
+        <p:sp>
+          <p:nvSpPr>
+            <p:cNvPr id="21" name="矩形 20"/>
+            <p:cNvSpPr/>
+            <p:nvPr/>
+          </p:nvSpPr>
+          <p:spPr>
+            <a:xfrm>
+              <a:off x="3226572" y="7184"/>
+              <a:ext cx="630000" cy="15748000"/>
+            </a:xfrm>
+            <a:prstGeom prst="rect">
+              <a:avLst/>
+            </a:prstGeom>
+            <a:grpFill/>
+            <a:ln>
+              <a:noFill/>
+            </a:ln>
+          </p:spPr>
+          <p:style>
+            <a:lnRef idx="2">
+              <a:schemeClr val="accent1">
+                <a:shade val="50000"/>
+              </a:schemeClr>
+            </a:lnRef>
+            <a:fillRef idx="1">
+              <a:schemeClr val="accent1"/>
+            </a:fillRef>
+            <a:effectRef idx="0">
+              <a:schemeClr val="accent1"/>
+            </a:effectRef>
+            <a:fontRef idx="minor">
+              <a:schemeClr val="lt1"/>
+            </a:fontRef>
+          </p:style>
+          <p:txBody>
+            <a:bodyPr rtlCol="0" anchor="ctr"/>
+            <a:lstStyle/>
+            <a:p>
+              <a:pPr algn="ctr"/>
+              <a:endParaRPr lang="zh-TW" altLang="en-US">
+                <a:solidFill>
+                  <a:schemeClr val="tx2">
+                    <a:lumMod val="20000"/>
+                    <a:lumOff val="80000"/>
+                  </a:schemeClr>
+                </a:solidFill>
+              </a:endParaRPr>
+            </a:p>
+          </p:txBody>
+        </p:sp>
+        <p:sp>
+          <p:nvSpPr>
+            <p:cNvPr id="22" name="矩形 21"/>
+            <p:cNvSpPr/>
+            <p:nvPr/>
+          </p:nvSpPr>
+          <p:spPr>
+            <a:xfrm>
+              <a:off x="8058392" y="-9480"/>
+              <a:ext cx="630000" cy="15748000"/>
+            </a:xfrm>
+            <a:prstGeom prst="rect">
+              <a:avLst/>
+            </a:prstGeom>
+            <a:grpFill/>
+            <a:ln>
+              <a:noFill/>
+            </a:ln>
+          </p:spPr>
+          <p:style>
+            <a:lnRef idx="2">
+              <a:schemeClr val="accent1">
+                <a:shade val="50000"/>
+              </a:schemeClr>
+            </a:lnRef>
+            <a:fillRef idx="1">
+              <a:schemeClr val="accent1"/>
+            </a:fillRef>
+            <a:effectRef idx="0">
+              <a:schemeClr val="accent1"/>
+            </a:effectRef>
+            <a:fontRef idx="minor">
+              <a:schemeClr val="lt1"/>
+            </a:fontRef>
+          </p:style>
+          <p:txBody>
+            <a:bodyPr rtlCol="0" anchor="ctr"/>
+            <a:lstStyle/>
+            <a:p>
+              <a:pPr algn="ctr"/>
+              <a:endParaRPr lang="zh-TW" altLang="en-US">
+                <a:solidFill>
+                  <a:schemeClr val="tx2">
+                    <a:lumMod val="20000"/>
+                    <a:lumOff val="80000"/>
+                  </a:schemeClr>
+                </a:solidFill>
+              </a:endParaRPr>
+            </a:p>
+          </p:txBody>
+        </p:sp>
+        <p:sp>
+          <p:nvSpPr>
+            <p:cNvPr id="23" name="矩形 22"/>
+            <p:cNvSpPr/>
+            <p:nvPr/>
+          </p:nvSpPr>
+          <p:spPr>
+            <a:xfrm>
+              <a:off x="9024756" y="-9480"/>
+              <a:ext cx="630000" cy="15748000"/>
+            </a:xfrm>
+            <a:prstGeom prst="rect">
+              <a:avLst/>
+            </a:prstGeom>
+            <a:grpFill/>
+            <a:ln>
+              <a:noFill/>
+            </a:ln>
+          </p:spPr>
+          <p:style>
+            <a:lnRef idx="2">
+              <a:schemeClr val="accent1">
+                <a:shade val="50000"/>
+              </a:schemeClr>
+            </a:lnRef>
+            <a:fillRef idx="1">
+              <a:schemeClr val="accent1"/>
+            </a:fillRef>
+            <a:effectRef idx="0">
+              <a:schemeClr val="accent1"/>
+            </a:effectRef>
+            <a:fontRef idx="minor">
+              <a:schemeClr val="lt1"/>
+            </a:fontRef>
+          </p:style>
+          <p:txBody>
+            <a:bodyPr rtlCol="0" anchor="ctr"/>
+            <a:lstStyle/>
+            <a:p>
+              <a:pPr algn="ctr"/>
+              <a:endParaRPr lang="zh-TW" altLang="en-US">
+                <a:solidFill>
+                  <a:schemeClr val="tx2">
+                    <a:lumMod val="20000"/>
+                    <a:lumOff val="80000"/>
+                  </a:schemeClr>
+                </a:solidFill>
+              </a:endParaRPr>
+            </a:p>
+          </p:txBody>
+        </p:sp>
+        <p:sp>
+          <p:nvSpPr>
+            <p:cNvPr id="24" name="矩形 23"/>
+            <p:cNvSpPr/>
+            <p:nvPr/>
+          </p:nvSpPr>
+          <p:spPr>
+            <a:xfrm>
+              <a:off x="9991120" y="-9480"/>
+              <a:ext cx="630000" cy="15748000"/>
+            </a:xfrm>
+            <a:prstGeom prst="rect">
+              <a:avLst/>
+            </a:prstGeom>
+            <a:grpFill/>
+            <a:ln>
+              <a:noFill/>
+            </a:ln>
+          </p:spPr>
+          <p:style>
+            <a:lnRef idx="2">
+              <a:schemeClr val="accent1">
+                <a:shade val="50000"/>
+              </a:schemeClr>
+            </a:lnRef>
+            <a:fillRef idx="1">
+              <a:schemeClr val="accent1"/>
+            </a:fillRef>
+            <a:effectRef idx="0">
+              <a:schemeClr val="accent1"/>
+            </a:effectRef>
+            <a:fontRef idx="minor">
+              <a:schemeClr val="lt1"/>
+            </a:fontRef>
+          </p:style>
+          <p:txBody>
+            <a:bodyPr rtlCol="0" anchor="ctr"/>
+            <a:lstStyle/>
+            <a:p>
+              <a:pPr algn="ctr"/>
+              <a:endParaRPr lang="zh-TW" altLang="en-US">
+                <a:solidFill>
+                  <a:schemeClr val="tx2">
+                    <a:lumMod val="20000"/>
+                    <a:lumOff val="80000"/>
+                  </a:schemeClr>
+                </a:solidFill>
+              </a:endParaRPr>
+            </a:p>
+          </p:txBody>
+        </p:sp>
+        <p:sp>
+          <p:nvSpPr>
+            <p:cNvPr id="25" name="矩形 24"/>
+            <p:cNvSpPr/>
+            <p:nvPr/>
+          </p:nvSpPr>
+          <p:spPr>
+            <a:xfrm>
+              <a:off x="10957484" y="-9480"/>
+              <a:ext cx="630000" cy="15748000"/>
+            </a:xfrm>
+            <a:prstGeom prst="rect">
+              <a:avLst/>
+            </a:prstGeom>
+            <a:grpFill/>
+            <a:ln>
+              <a:noFill/>
+            </a:ln>
+          </p:spPr>
+          <p:style>
+            <a:lnRef idx="2">
+              <a:schemeClr val="accent1">
+                <a:shade val="50000"/>
+              </a:schemeClr>
+            </a:lnRef>
+            <a:fillRef idx="1">
+              <a:schemeClr val="accent1"/>
+            </a:fillRef>
+            <a:effectRef idx="0">
+              <a:schemeClr val="accent1"/>
+            </a:effectRef>
+            <a:fontRef idx="minor">
+              <a:schemeClr val="lt1"/>
+            </a:fontRef>
+          </p:style>
+          <p:txBody>
+            <a:bodyPr rtlCol="0" anchor="ctr"/>
+            <a:lstStyle/>
+            <a:p>
+              <a:pPr algn="ctr"/>
+              <a:endParaRPr lang="zh-TW" altLang="en-US">
+                <a:solidFill>
+                  <a:schemeClr val="tx2">
+                    <a:lumMod val="20000"/>
+                    <a:lumOff val="80000"/>
+                  </a:schemeClr>
+                </a:solidFill>
+              </a:endParaRPr>
+            </a:p>
+          </p:txBody>
+        </p:sp>
+        <p:sp>
+          <p:nvSpPr>
+            <p:cNvPr id="26" name="矩形 25"/>
+            <p:cNvSpPr/>
+            <p:nvPr/>
+          </p:nvSpPr>
+          <p:spPr>
+            <a:xfrm>
+              <a:off x="4192936" y="-9480"/>
+              <a:ext cx="630000" cy="15748000"/>
+            </a:xfrm>
+            <a:prstGeom prst="rect">
+              <a:avLst/>
+            </a:prstGeom>
+            <a:grpFill/>
+            <a:ln>
+              <a:noFill/>
+            </a:ln>
+          </p:spPr>
+          <p:style>
+            <a:lnRef idx="2">
+              <a:schemeClr val="accent1">
+                <a:shade val="50000"/>
+              </a:schemeClr>
+            </a:lnRef>
+            <a:fillRef idx="1">
+              <a:schemeClr val="accent1"/>
+            </a:fillRef>
+            <a:effectRef idx="0">
+              <a:schemeClr val="accent1"/>
+            </a:effectRef>
+            <a:fontRef idx="minor">
+              <a:schemeClr val="lt1"/>
+            </a:fontRef>
+          </p:style>
+          <p:txBody>
+            <a:bodyPr rtlCol="0" anchor="ctr"/>
+            <a:lstStyle/>
+            <a:p>
+              <a:pPr algn="ctr"/>
+              <a:endParaRPr lang="zh-TW" altLang="en-US">
+                <a:solidFill>
+                  <a:schemeClr val="tx2">
+                    <a:lumMod val="20000"/>
+                    <a:lumOff val="80000"/>
+                  </a:schemeClr>
+                </a:solidFill>
+              </a:endParaRPr>
+            </a:p>
+          </p:txBody>
+        </p:sp>
+        <p:sp>
+          <p:nvSpPr>
+            <p:cNvPr id="27" name="矩形 26"/>
+            <p:cNvSpPr/>
+            <p:nvPr/>
+          </p:nvSpPr>
+          <p:spPr>
+            <a:xfrm>
+              <a:off x="5159300" y="-9480"/>
+              <a:ext cx="630000" cy="15748000"/>
+            </a:xfrm>
+            <a:prstGeom prst="rect">
+              <a:avLst/>
+            </a:prstGeom>
+            <a:grpFill/>
+            <a:ln>
+              <a:noFill/>
+            </a:ln>
+          </p:spPr>
+          <p:style>
+            <a:lnRef idx="2">
+              <a:schemeClr val="accent1">
+                <a:shade val="50000"/>
+              </a:schemeClr>
+            </a:lnRef>
+            <a:fillRef idx="1">
+              <a:schemeClr val="accent1"/>
+            </a:fillRef>
+            <a:effectRef idx="0">
+              <a:schemeClr val="accent1"/>
+            </a:effectRef>
+            <a:fontRef idx="minor">
+              <a:schemeClr val="lt1"/>
+            </a:fontRef>
+          </p:style>
+          <p:txBody>
+            <a:bodyPr rtlCol="0" anchor="ctr"/>
+            <a:lstStyle/>
+            <a:p>
+              <a:pPr algn="ctr"/>
+              <a:endParaRPr lang="zh-TW" altLang="en-US">
+                <a:solidFill>
+                  <a:schemeClr val="tx2">
+                    <a:lumMod val="20000"/>
+                    <a:lumOff val="80000"/>
+                  </a:schemeClr>
+                </a:solidFill>
+              </a:endParaRPr>
+            </a:p>
+          </p:txBody>
+        </p:sp>
+        <p:sp>
+          <p:nvSpPr>
+            <p:cNvPr id="28" name="矩形 27"/>
+            <p:cNvSpPr/>
+            <p:nvPr/>
+          </p:nvSpPr>
+          <p:spPr>
+            <a:xfrm>
+              <a:off x="6125664" y="-9480"/>
+              <a:ext cx="630000" cy="15748000"/>
+            </a:xfrm>
+            <a:prstGeom prst="rect">
+              <a:avLst/>
+            </a:prstGeom>
+            <a:grpFill/>
+            <a:ln>
+              <a:noFill/>
+            </a:ln>
+          </p:spPr>
+          <p:style>
+            <a:lnRef idx="2">
+              <a:schemeClr val="accent1">
+                <a:shade val="50000"/>
+              </a:schemeClr>
+            </a:lnRef>
+            <a:fillRef idx="1">
+              <a:schemeClr val="accent1"/>
+            </a:fillRef>
+            <a:effectRef idx="0">
+              <a:schemeClr val="accent1"/>
+            </a:effectRef>
+            <a:fontRef idx="minor">
+              <a:schemeClr val="lt1"/>
+            </a:fontRef>
+          </p:style>
+          <p:txBody>
+            <a:bodyPr rtlCol="0" anchor="ctr"/>
+            <a:lstStyle/>
+            <a:p>
+              <a:pPr algn="ctr"/>
+              <a:endParaRPr lang="zh-TW" altLang="en-US">
+                <a:solidFill>
+                  <a:schemeClr val="tx2">
+                    <a:lumMod val="20000"/>
+                    <a:lumOff val="80000"/>
+                  </a:schemeClr>
+                </a:solidFill>
+              </a:endParaRPr>
+            </a:p>
+          </p:txBody>
+        </p:sp>
+        <p:sp>
+          <p:nvSpPr>
+            <p:cNvPr id="29" name="矩形 28"/>
+            <p:cNvSpPr/>
+            <p:nvPr/>
+          </p:nvSpPr>
+          <p:spPr>
+            <a:xfrm>
+              <a:off x="7092028" y="-9480"/>
+              <a:ext cx="630000" cy="15748000"/>
+            </a:xfrm>
+            <a:prstGeom prst="rect">
+              <a:avLst/>
+            </a:prstGeom>
+            <a:grpFill/>
+            <a:ln>
+              <a:noFill/>
+            </a:ln>
+          </p:spPr>
+          <p:style>
+            <a:lnRef idx="2">
+              <a:schemeClr val="accent1">
+                <a:shade val="50000"/>
+              </a:schemeClr>
+            </a:lnRef>
+            <a:fillRef idx="1">
+              <a:schemeClr val="accent1"/>
+            </a:fillRef>
+            <a:effectRef idx="0">
+              <a:schemeClr val="accent1"/>
+            </a:effectRef>
+            <a:fontRef idx="minor">
+              <a:schemeClr val="lt1"/>
+            </a:fontRef>
+          </p:style>
+          <p:txBody>
+            <a:bodyPr rtlCol="0" anchor="ctr"/>
+            <a:lstStyle/>
+            <a:p>
+              <a:pPr algn="ctr"/>
+              <a:endParaRPr lang="zh-TW" altLang="en-US">
+                <a:solidFill>
+                  <a:schemeClr val="tx2">
+                    <a:lumMod val="20000"/>
+                    <a:lumOff val="80000"/>
+                  </a:schemeClr>
+                </a:solidFill>
+              </a:endParaRPr>
+            </a:p>
+          </p:txBody>
+        </p:sp>
+      </p:grpSp>
+      <p:grpSp>
+        <p:nvGrpSpPr>
+          <p:cNvPr id="30" name="群組 29"/>
+          <p:cNvGrpSpPr/>
+          <p:nvPr/>
+        </p:nvGrpSpPr>
+        <p:grpSpPr>
+          <a:xfrm>
+            <a:off x="4306623" y="-3745"/>
+            <a:ext cx="3529092" cy="1321272"/>
+            <a:chOff x="0" y="1321272"/>
+            <a:chExt cx="12195175" cy="4464496"/>
+          </a:xfrm>
+        </p:grpSpPr>
+        <p:sp>
+          <p:nvSpPr>
+            <p:cNvPr id="31" name="矩形 30"/>
+            <p:cNvSpPr/>
+            <p:nvPr/>
+          </p:nvSpPr>
+          <p:spPr>
+            <a:xfrm>
+              <a:off x="0" y="1321272"/>
+              <a:ext cx="12187998" cy="4464496"/>
+            </a:xfrm>
+            <a:prstGeom prst="rect">
+              <a:avLst/>
+            </a:prstGeom>
+            <a:noFill/>
+            <a:ln>
+              <a:solidFill>
+                <a:schemeClr val="tx1"/>
+              </a:solidFill>
+            </a:ln>
+          </p:spPr>
+          <p:style>
+            <a:lnRef idx="2">
+              <a:schemeClr val="accent1">
+                <a:shade val="50000"/>
+              </a:schemeClr>
+            </a:lnRef>
+            <a:fillRef idx="1">
+              <a:schemeClr val="accent1"/>
+            </a:fillRef>
+            <a:effectRef idx="0">
+              <a:schemeClr val="accent1"/>
+            </a:effectRef>
+            <a:fontRef idx="minor">
+              <a:schemeClr val="lt1"/>
+            </a:fontRef>
+          </p:style>
+          <p:txBody>
+            <a:bodyPr rtlCol="0" anchor="ctr"/>
+            <a:lstStyle/>
+            <a:p>
+              <a:pPr algn="ctr"/>
+              <a:endParaRPr lang="zh-TW" altLang="en-US"/>
+            </a:p>
+          </p:txBody>
+        </p:sp>
+        <p:cxnSp>
+          <p:nvCxnSpPr>
+            <p:cNvPr id="32" name="直線接點 31"/>
+            <p:cNvCxnSpPr/>
+            <p:nvPr/>
+          </p:nvCxnSpPr>
+          <p:spPr>
+            <a:xfrm>
+              <a:off x="0" y="1328094"/>
+              <a:ext cx="12187998" cy="4457674"/>
+            </a:xfrm>
+            <a:prstGeom prst="line">
+              <a:avLst/>
+            </a:prstGeom>
+            <a:ln>
+              <a:solidFill>
+                <a:schemeClr val="tx1"/>
+              </a:solidFill>
+            </a:ln>
+          </p:spPr>
+          <p:style>
+            <a:lnRef idx="1">
+              <a:schemeClr val="accent1"/>
+            </a:lnRef>
+            <a:fillRef idx="0">
+              <a:schemeClr val="accent1"/>
+            </a:fillRef>
+            <a:effectRef idx="0">
+              <a:schemeClr val="accent1"/>
+            </a:effectRef>
+            <a:fontRef idx="minor">
+              <a:schemeClr val="tx1"/>
+            </a:fontRef>
+          </p:style>
+        </p:cxnSp>
+        <p:cxnSp>
+          <p:nvCxnSpPr>
+            <p:cNvPr id="33" name="直線接點 32"/>
+            <p:cNvCxnSpPr/>
+            <p:nvPr/>
+          </p:nvCxnSpPr>
+          <p:spPr>
+            <a:xfrm flipH="1">
+              <a:off x="0" y="1321272"/>
+              <a:ext cx="12195175" cy="4464496"/>
+            </a:xfrm>
+            <a:prstGeom prst="line">
+              <a:avLst/>
+            </a:prstGeom>
+            <a:ln>
+              <a:solidFill>
+                <a:schemeClr val="tx1"/>
+              </a:solidFill>
+            </a:ln>
+          </p:spPr>
+          <p:style>
+            <a:lnRef idx="1">
+              <a:schemeClr val="accent1"/>
+            </a:lnRef>
+            <a:fillRef idx="0">
+              <a:schemeClr val="accent1"/>
+            </a:fillRef>
+            <a:effectRef idx="0">
+              <a:schemeClr val="accent1"/>
+            </a:effectRef>
+            <a:fontRef idx="minor">
+              <a:schemeClr val="tx1"/>
+            </a:fontRef>
+          </p:style>
+        </p:cxnSp>
+      </p:grpSp>
+      <p:cxnSp>
+        <p:nvCxnSpPr>
+          <p:cNvPr id="34" name="直線接點 33"/>
+          <p:cNvCxnSpPr/>
+          <p:nvPr/>
+        </p:nvCxnSpPr>
+        <p:spPr>
+          <a:xfrm>
+            <a:off x="-34176" y="1326113"/>
+            <a:ext cx="12195175" cy="0"/>
+          </a:xfrm>
+          <a:prstGeom prst="line">
+            <a:avLst/>
+          </a:prstGeom>
+          <a:ln>
+            <a:solidFill>
+              <a:schemeClr val="tx1"/>
+            </a:solidFill>
+          </a:ln>
+        </p:spPr>
+        <p:style>
+          <a:lnRef idx="1">
+            <a:schemeClr val="accent1"/>
+          </a:lnRef>
+          <a:fillRef idx="0">
+            <a:schemeClr val="accent1"/>
+          </a:fillRef>
+          <a:effectRef idx="0">
+            <a:schemeClr val="accent1"/>
+          </a:effectRef>
+          <a:fontRef idx="minor">
+            <a:schemeClr val="tx1"/>
+          </a:fontRef>
+        </p:style>
+      </p:cxnSp>
+      <p:sp>
+        <p:nvSpPr>
+          <p:cNvPr id="35" name="矩形 34"/>
+          <p:cNvSpPr/>
+          <p:nvPr/>
+        </p:nvSpPr>
+        <p:spPr>
+          <a:xfrm>
+            <a:off x="10098089" y="358867"/>
+            <a:ext cx="1574274" cy="598066"/>
+          </a:xfrm>
+          <a:prstGeom prst="rect">
+            <a:avLst/>
+          </a:prstGeom>
+          <a:noFill/>
+        </p:spPr>
+        <p:style>
+          <a:lnRef idx="2">
+            <a:schemeClr val="accent1">
+              <a:shade val="50000"/>
+            </a:schemeClr>
+          </a:lnRef>
+          <a:fillRef idx="1">
+            <a:schemeClr val="accent1"/>
+          </a:fillRef>
+          <a:effectRef idx="0">
+            <a:schemeClr val="accent1"/>
+          </a:effectRef>
+          <a:fontRef idx="minor">
+            <a:schemeClr val="lt1"/>
+          </a:fontRef>
+        </p:style>
+        <p:txBody>
+          <a:bodyPr rtlCol="0" anchor="ctr"/>
+          <a:lstStyle/>
+          <a:p>
+            <a:pPr algn="ctr"/>
+            <a:r>
+              <a:rPr lang="en-US" altLang="zh-TW" dirty="0" smtClean="0">
+                <a:solidFill>
+                  <a:schemeClr val="tx1"/>
+                </a:solidFill>
+              </a:rPr>
+              <a:t>HI!XXX</a:t>
+            </a:r>
+            <a:endParaRPr lang="zh-TW" altLang="en-US" dirty="0">
+              <a:solidFill>
+                <a:schemeClr val="tx1"/>
+              </a:solidFill>
+            </a:endParaRPr>
+          </a:p>
+        </p:txBody>
+      </p:sp>
+      <p:cxnSp>
+        <p:nvCxnSpPr>
+          <p:cNvPr id="36" name="直線接點 35"/>
+          <p:cNvCxnSpPr/>
+          <p:nvPr/>
+        </p:nvCxnSpPr>
+        <p:spPr>
+          <a:xfrm>
+            <a:off x="-23093" y="9530184"/>
+            <a:ext cx="12195175" cy="0"/>
+          </a:xfrm>
+          <a:prstGeom prst="line">
+            <a:avLst/>
+          </a:prstGeom>
+          <a:ln>
+            <a:solidFill>
+              <a:schemeClr val="tx1"/>
+            </a:solidFill>
+          </a:ln>
+        </p:spPr>
+        <p:style>
+          <a:lnRef idx="1">
+            <a:schemeClr val="accent1"/>
+          </a:lnRef>
+          <a:fillRef idx="0">
+            <a:schemeClr val="accent1"/>
+          </a:fillRef>
+          <a:effectRef idx="0">
+            <a:schemeClr val="accent1"/>
+          </a:effectRef>
+          <a:fontRef idx="minor">
+            <a:schemeClr val="tx1"/>
+          </a:fontRef>
+        </p:style>
+      </p:cxnSp>
+      <p:sp>
+        <p:nvSpPr>
+          <p:cNvPr id="37" name="矩形 36"/>
+          <p:cNvSpPr/>
+          <p:nvPr/>
+        </p:nvSpPr>
+        <p:spPr>
+          <a:xfrm>
+            <a:off x="3366677" y="1903391"/>
+            <a:ext cx="5461820" cy="655570"/>
+          </a:xfrm>
+          <a:prstGeom prst="rect">
+            <a:avLst/>
+          </a:prstGeom>
+          <a:noFill/>
+        </p:spPr>
+        <p:style>
+          <a:lnRef idx="2">
+            <a:schemeClr val="accent1">
+              <a:shade val="50000"/>
+            </a:schemeClr>
+          </a:lnRef>
+          <a:fillRef idx="1">
+            <a:schemeClr val="accent1"/>
+          </a:fillRef>
+          <a:effectRef idx="0">
+            <a:schemeClr val="accent1"/>
+          </a:effectRef>
+          <a:fontRef idx="minor">
+            <a:schemeClr val="lt1"/>
+          </a:fontRef>
+        </p:style>
+        <p:txBody>
+          <a:bodyPr rtlCol="0" anchor="ctr"/>
+          <a:lstStyle/>
+          <a:p>
+            <a:pPr algn="ctr"/>
+            <a:r>
+              <a:rPr lang="zh-TW" altLang="en-US" dirty="0" smtClean="0">
+                <a:solidFill>
+                  <a:schemeClr val="tx1"/>
+                </a:solidFill>
+              </a:rPr>
+              <a:t>議題</a:t>
+            </a:r>
+            <a:r>
+              <a:rPr lang="zh-TW" altLang="en-US" dirty="0">
+                <a:solidFill>
+                  <a:schemeClr val="tx1"/>
+                </a:solidFill>
+              </a:rPr>
+              <a:t>名稱</a:t>
+            </a:r>
+            <a:endParaRPr lang="zh-TW" altLang="en-US" dirty="0">
+              <a:solidFill>
+                <a:schemeClr val="tx1"/>
+              </a:solidFill>
+            </a:endParaRPr>
+          </a:p>
+        </p:txBody>
+      </p:sp>
+      <p:sp>
+        <p:nvSpPr>
+          <p:cNvPr id="38" name="矩形 37"/>
+          <p:cNvSpPr/>
+          <p:nvPr/>
+        </p:nvSpPr>
+        <p:spPr>
+          <a:xfrm>
+            <a:off x="2400313" y="3136239"/>
+            <a:ext cx="7361412" cy="1281377"/>
+          </a:xfrm>
+          <a:prstGeom prst="rect">
+            <a:avLst/>
+          </a:prstGeom>
+          <a:noFill/>
+        </p:spPr>
+        <p:style>
+          <a:lnRef idx="2">
+            <a:schemeClr val="accent1">
+              <a:shade val="50000"/>
+            </a:schemeClr>
+          </a:lnRef>
+          <a:fillRef idx="1">
+            <a:schemeClr val="accent1"/>
+          </a:fillRef>
+          <a:effectRef idx="0">
+            <a:schemeClr val="accent1"/>
+          </a:effectRef>
+          <a:fontRef idx="minor">
+            <a:schemeClr val="lt1"/>
+          </a:fontRef>
+        </p:style>
+        <p:txBody>
+          <a:bodyPr rtlCol="0" anchor="ctr"/>
+          <a:lstStyle/>
+          <a:p>
+            <a:pPr algn="ctr"/>
+            <a:r>
+              <a:rPr lang="zh-TW" altLang="en-US" dirty="0">
+                <a:solidFill>
+                  <a:schemeClr val="tx1"/>
+                </a:solidFill>
+              </a:rPr>
+              <a:t>議題描述</a:t>
+            </a:r>
+            <a:r>
+              <a:rPr lang="en-US" altLang="zh-TW" dirty="0" smtClean="0">
+                <a:solidFill>
+                  <a:schemeClr val="tx1"/>
+                </a:solidFill>
+              </a:rPr>
+              <a:t>.</a:t>
+            </a:r>
+            <a:endParaRPr lang="zh-TW" altLang="en-US" dirty="0">
+              <a:solidFill>
+                <a:schemeClr val="tx1"/>
+              </a:solidFill>
+            </a:endParaRPr>
+          </a:p>
+        </p:txBody>
+      </p:sp>
+      <p:sp>
+        <p:nvSpPr>
+          <p:cNvPr id="39" name="矩形 38"/>
+          <p:cNvSpPr/>
+          <p:nvPr/>
+        </p:nvSpPr>
+        <p:spPr>
+          <a:xfrm>
+            <a:off x="-6717055" y="4427615"/>
+            <a:ext cx="1574274" cy="598066"/>
+          </a:xfrm>
+          <a:prstGeom prst="rect">
+            <a:avLst/>
+          </a:prstGeom>
+          <a:noFill/>
+        </p:spPr>
+        <p:style>
+          <a:lnRef idx="2">
+            <a:schemeClr val="accent1">
+              <a:shade val="50000"/>
+            </a:schemeClr>
+          </a:lnRef>
+          <a:fillRef idx="1">
+            <a:schemeClr val="accent1"/>
+          </a:fillRef>
+          <a:effectRef idx="0">
+            <a:schemeClr val="accent1"/>
+          </a:effectRef>
+          <a:fontRef idx="minor">
+            <a:schemeClr val="lt1"/>
+          </a:fontRef>
+        </p:style>
+        <p:txBody>
+          <a:bodyPr rtlCol="0" anchor="ctr"/>
+          <a:lstStyle/>
+          <a:p>
+            <a:pPr algn="ctr"/>
+            <a:endParaRPr lang="zh-TW" altLang="en-US"/>
+          </a:p>
+        </p:txBody>
+      </p:sp>
+      <p:sp>
+        <p:nvSpPr>
+          <p:cNvPr id="40" name="矩形 39"/>
+          <p:cNvSpPr/>
+          <p:nvPr/>
+        </p:nvSpPr>
+        <p:spPr>
+          <a:xfrm>
+            <a:off x="456539" y="5192102"/>
+            <a:ext cx="1574274" cy="598066"/>
+          </a:xfrm>
+          <a:prstGeom prst="rect">
+            <a:avLst/>
+          </a:prstGeom>
+          <a:noFill/>
+        </p:spPr>
+        <p:style>
+          <a:lnRef idx="2">
+            <a:schemeClr val="accent1">
+              <a:shade val="50000"/>
+            </a:schemeClr>
+          </a:lnRef>
+          <a:fillRef idx="1">
+            <a:schemeClr val="accent1"/>
+          </a:fillRef>
+          <a:effectRef idx="0">
+            <a:schemeClr val="accent1"/>
+          </a:effectRef>
+          <a:fontRef idx="minor">
+            <a:schemeClr val="lt1"/>
+          </a:fontRef>
+        </p:style>
+        <p:txBody>
+          <a:bodyPr rtlCol="0" anchor="ctr"/>
+          <a:lstStyle/>
+          <a:p>
+            <a:pPr algn="ctr"/>
+            <a:r>
+              <a:rPr lang="zh-TW" altLang="en-US" dirty="0" smtClean="0">
+                <a:solidFill>
+                  <a:schemeClr val="tx1"/>
+                </a:solidFill>
+              </a:rPr>
+              <a:t>匿名</a:t>
+            </a:r>
+            <a:r>
+              <a:rPr lang="en-US" altLang="zh-TW" dirty="0" smtClean="0">
+                <a:solidFill>
+                  <a:schemeClr val="tx1"/>
+                </a:solidFill>
+              </a:rPr>
+              <a:t>:</a:t>
+            </a:r>
+            <a:endParaRPr lang="zh-TW" altLang="en-US" dirty="0">
+              <a:solidFill>
+                <a:schemeClr val="tx1"/>
+              </a:solidFill>
+            </a:endParaRPr>
+          </a:p>
+        </p:txBody>
+      </p:sp>
+      <p:cxnSp>
+        <p:nvCxnSpPr>
+          <p:cNvPr id="41" name="直線接點 40"/>
+          <p:cNvCxnSpPr/>
+          <p:nvPr/>
+        </p:nvCxnSpPr>
+        <p:spPr>
+          <a:xfrm>
+            <a:off x="-23093" y="4705648"/>
+            <a:ext cx="12195175" cy="0"/>
+          </a:xfrm>
+          <a:prstGeom prst="line">
+            <a:avLst/>
+          </a:prstGeom>
+          <a:ln>
+            <a:solidFill>
+              <a:schemeClr val="tx1"/>
+            </a:solidFill>
+          </a:ln>
+        </p:spPr>
+        <p:style>
+          <a:lnRef idx="1">
+            <a:schemeClr val="accent1"/>
+          </a:lnRef>
+          <a:fillRef idx="0">
+            <a:schemeClr val="accent1"/>
+          </a:fillRef>
+          <a:effectRef idx="0">
+            <a:schemeClr val="accent1"/>
+          </a:effectRef>
+          <a:fontRef idx="minor">
+            <a:schemeClr val="tx1"/>
+          </a:fontRef>
+        </p:style>
+      </p:cxnSp>
+      <p:sp>
+        <p:nvSpPr>
+          <p:cNvPr id="42" name="矩形 41"/>
+          <p:cNvSpPr/>
+          <p:nvPr/>
+        </p:nvSpPr>
+        <p:spPr>
+          <a:xfrm>
+            <a:off x="2400313" y="5192102"/>
+            <a:ext cx="9294140" cy="598066"/>
+          </a:xfrm>
+          <a:prstGeom prst="rect">
+            <a:avLst/>
+          </a:prstGeom>
+          <a:noFill/>
+        </p:spPr>
+        <p:style>
+          <a:lnRef idx="2">
+            <a:schemeClr val="accent1">
+              <a:shade val="50000"/>
+            </a:schemeClr>
+          </a:lnRef>
+          <a:fillRef idx="1">
+            <a:schemeClr val="accent1"/>
+          </a:fillRef>
+          <a:effectRef idx="0">
+            <a:schemeClr val="accent1"/>
+          </a:effectRef>
+          <a:fontRef idx="minor">
+            <a:schemeClr val="lt1"/>
+          </a:fontRef>
+        </p:style>
+        <p:txBody>
+          <a:bodyPr rtlCol="0" anchor="ctr"/>
+          <a:lstStyle/>
+          <a:p>
+            <a:pPr algn="ctr"/>
+            <a:endParaRPr lang="zh-TW" altLang="en-US"/>
+          </a:p>
+        </p:txBody>
+      </p:sp>
+      <p:sp>
+        <p:nvSpPr>
+          <p:cNvPr id="43" name="矩形 42"/>
+          <p:cNvSpPr/>
+          <p:nvPr/>
+        </p:nvSpPr>
+        <p:spPr>
+          <a:xfrm>
+            <a:off x="456539" y="6276622"/>
+            <a:ext cx="1574274" cy="598066"/>
+          </a:xfrm>
+          <a:prstGeom prst="rect">
+            <a:avLst/>
+          </a:prstGeom>
+          <a:noFill/>
+        </p:spPr>
+        <p:style>
+          <a:lnRef idx="2">
+            <a:schemeClr val="accent1">
+              <a:shade val="50000"/>
+            </a:schemeClr>
+          </a:lnRef>
+          <a:fillRef idx="1">
+            <a:schemeClr val="accent1"/>
+          </a:fillRef>
+          <a:effectRef idx="0">
+            <a:schemeClr val="accent1"/>
+          </a:effectRef>
+          <a:fontRef idx="minor">
+            <a:schemeClr val="lt1"/>
+          </a:fontRef>
+        </p:style>
+        <p:txBody>
+          <a:bodyPr rtlCol="0" anchor="ctr"/>
+          <a:lstStyle/>
+          <a:p>
+            <a:pPr algn="ctr"/>
+            <a:r>
+              <a:rPr lang="zh-TW" altLang="en-US" dirty="0" smtClean="0">
+                <a:solidFill>
+                  <a:schemeClr val="tx1"/>
+                </a:solidFill>
+              </a:rPr>
+              <a:t>匿名</a:t>
+            </a:r>
+            <a:r>
+              <a:rPr lang="en-US" altLang="zh-TW" dirty="0" smtClean="0">
+                <a:solidFill>
+                  <a:schemeClr val="tx1"/>
+                </a:solidFill>
+              </a:rPr>
+              <a:t>:</a:t>
+            </a:r>
+            <a:endParaRPr lang="zh-TW" altLang="en-US" dirty="0">
+              <a:solidFill>
+                <a:schemeClr val="tx1"/>
+              </a:solidFill>
+            </a:endParaRPr>
+          </a:p>
+        </p:txBody>
+      </p:sp>
+      <p:sp>
+        <p:nvSpPr>
+          <p:cNvPr id="44" name="矩形 43"/>
+          <p:cNvSpPr/>
+          <p:nvPr/>
+        </p:nvSpPr>
+        <p:spPr>
+          <a:xfrm>
+            <a:off x="456539" y="7361142"/>
+            <a:ext cx="1574274" cy="598066"/>
+          </a:xfrm>
+          <a:prstGeom prst="rect">
+            <a:avLst/>
+          </a:prstGeom>
+          <a:noFill/>
+        </p:spPr>
+        <p:style>
+          <a:lnRef idx="2">
+            <a:schemeClr val="accent1">
+              <a:shade val="50000"/>
+            </a:schemeClr>
+          </a:lnRef>
+          <a:fillRef idx="1">
+            <a:schemeClr val="accent1"/>
+          </a:fillRef>
+          <a:effectRef idx="0">
+            <a:schemeClr val="accent1"/>
+          </a:effectRef>
+          <a:fontRef idx="minor">
+            <a:schemeClr val="lt1"/>
+          </a:fontRef>
+        </p:style>
+        <p:txBody>
+          <a:bodyPr rtlCol="0" anchor="ctr"/>
+          <a:lstStyle/>
+          <a:p>
+            <a:pPr algn="ctr"/>
+            <a:r>
+              <a:rPr lang="zh-TW" altLang="en-US" dirty="0" smtClean="0">
+                <a:solidFill>
+                  <a:schemeClr val="tx1"/>
+                </a:solidFill>
+              </a:rPr>
+              <a:t>匿名</a:t>
+            </a:r>
+            <a:r>
+              <a:rPr lang="en-US" altLang="zh-TW" dirty="0" smtClean="0">
+                <a:solidFill>
+                  <a:schemeClr val="tx1"/>
+                </a:solidFill>
+              </a:rPr>
+              <a:t>:</a:t>
+            </a:r>
+            <a:endParaRPr lang="zh-TW" altLang="en-US" dirty="0">
+              <a:solidFill>
+                <a:schemeClr val="tx1"/>
+              </a:solidFill>
+            </a:endParaRPr>
+          </a:p>
+        </p:txBody>
+      </p:sp>
+      <p:sp>
+        <p:nvSpPr>
+          <p:cNvPr id="45" name="矩形 44"/>
+          <p:cNvSpPr/>
+          <p:nvPr/>
+        </p:nvSpPr>
+        <p:spPr>
+          <a:xfrm>
+            <a:off x="456539" y="8445662"/>
+            <a:ext cx="1574274" cy="598066"/>
+          </a:xfrm>
+          <a:prstGeom prst="rect">
+            <a:avLst/>
+          </a:prstGeom>
+          <a:noFill/>
+        </p:spPr>
+        <p:style>
+          <a:lnRef idx="2">
+            <a:schemeClr val="accent1">
+              <a:shade val="50000"/>
+            </a:schemeClr>
+          </a:lnRef>
+          <a:fillRef idx="1">
+            <a:schemeClr val="accent1"/>
+          </a:fillRef>
+          <a:effectRef idx="0">
+            <a:schemeClr val="accent1"/>
+          </a:effectRef>
+          <a:fontRef idx="minor">
+            <a:schemeClr val="lt1"/>
+          </a:fontRef>
+        </p:style>
+        <p:txBody>
+          <a:bodyPr rtlCol="0" anchor="ctr"/>
+          <a:lstStyle/>
+          <a:p>
+            <a:pPr algn="ctr"/>
+            <a:r>
+              <a:rPr lang="zh-TW" altLang="en-US" dirty="0" smtClean="0">
+                <a:solidFill>
+                  <a:schemeClr val="tx1"/>
+                </a:solidFill>
+              </a:rPr>
+              <a:t>匿名</a:t>
+            </a:r>
+            <a:r>
+              <a:rPr lang="en-US" altLang="zh-TW" dirty="0" smtClean="0">
+                <a:solidFill>
+                  <a:schemeClr val="tx1"/>
+                </a:solidFill>
+              </a:rPr>
+              <a:t>:</a:t>
+            </a:r>
+            <a:endParaRPr lang="zh-TW" altLang="en-US" dirty="0">
+              <a:solidFill>
+                <a:schemeClr val="tx1"/>
+              </a:solidFill>
+            </a:endParaRPr>
+          </a:p>
+        </p:txBody>
+      </p:sp>
+      <p:sp>
+        <p:nvSpPr>
+          <p:cNvPr id="46" name="矩形 45"/>
+          <p:cNvSpPr/>
+          <p:nvPr/>
+        </p:nvSpPr>
+        <p:spPr>
+          <a:xfrm>
+            <a:off x="2378223" y="6276622"/>
+            <a:ext cx="9294140" cy="598066"/>
+          </a:xfrm>
+          <a:prstGeom prst="rect">
+            <a:avLst/>
+          </a:prstGeom>
+          <a:noFill/>
+        </p:spPr>
+        <p:style>
+          <a:lnRef idx="2">
+            <a:schemeClr val="accent1">
+              <a:shade val="50000"/>
+            </a:schemeClr>
+          </a:lnRef>
+          <a:fillRef idx="1">
+            <a:schemeClr val="accent1"/>
+          </a:fillRef>
+          <a:effectRef idx="0">
+            <a:schemeClr val="accent1"/>
+          </a:effectRef>
+          <a:fontRef idx="minor">
+            <a:schemeClr val="lt1"/>
+          </a:fontRef>
+        </p:style>
+        <p:txBody>
+          <a:bodyPr rtlCol="0" anchor="ctr"/>
+          <a:lstStyle/>
+          <a:p>
+            <a:pPr algn="ctr"/>
+            <a:endParaRPr lang="zh-TW" altLang="en-US"/>
+          </a:p>
+        </p:txBody>
+      </p:sp>
+      <p:sp>
+        <p:nvSpPr>
+          <p:cNvPr id="47" name="矩形 46"/>
+          <p:cNvSpPr/>
+          <p:nvPr/>
+        </p:nvSpPr>
+        <p:spPr>
+          <a:xfrm>
+            <a:off x="2367177" y="7361142"/>
+            <a:ext cx="9294140" cy="598066"/>
+          </a:xfrm>
+          <a:prstGeom prst="rect">
+            <a:avLst/>
+          </a:prstGeom>
+          <a:noFill/>
+        </p:spPr>
+        <p:style>
+          <a:lnRef idx="2">
+            <a:schemeClr val="accent1">
+              <a:shade val="50000"/>
+            </a:schemeClr>
+          </a:lnRef>
+          <a:fillRef idx="1">
+            <a:schemeClr val="accent1"/>
+          </a:fillRef>
+          <a:effectRef idx="0">
+            <a:schemeClr val="accent1"/>
+          </a:effectRef>
+          <a:fontRef idx="minor">
+            <a:schemeClr val="lt1"/>
+          </a:fontRef>
+        </p:style>
+        <p:txBody>
+          <a:bodyPr rtlCol="0" anchor="ctr"/>
+          <a:lstStyle/>
+          <a:p>
+            <a:pPr algn="ctr"/>
+            <a:endParaRPr lang="zh-TW" altLang="en-US"/>
+          </a:p>
+        </p:txBody>
+      </p:sp>
+      <p:sp>
+        <p:nvSpPr>
+          <p:cNvPr id="48" name="矩形 47"/>
+          <p:cNvSpPr/>
+          <p:nvPr/>
+        </p:nvSpPr>
+        <p:spPr>
+          <a:xfrm>
+            <a:off x="2367177" y="8445662"/>
+            <a:ext cx="9294140" cy="598066"/>
+          </a:xfrm>
+          <a:prstGeom prst="rect">
+            <a:avLst/>
+          </a:prstGeom>
+          <a:noFill/>
+        </p:spPr>
+        <p:style>
+          <a:lnRef idx="2">
+            <a:schemeClr val="accent1">
+              <a:shade val="50000"/>
+            </a:schemeClr>
+          </a:lnRef>
+          <a:fillRef idx="1">
+            <a:schemeClr val="accent1"/>
+          </a:fillRef>
+          <a:effectRef idx="0">
+            <a:schemeClr val="accent1"/>
+          </a:effectRef>
+          <a:fontRef idx="minor">
+            <a:schemeClr val="lt1"/>
+          </a:fontRef>
+        </p:style>
+        <p:txBody>
+          <a:bodyPr rtlCol="0" anchor="ctr"/>
+          <a:lstStyle/>
+          <a:p>
+            <a:pPr algn="ctr"/>
+            <a:endParaRPr lang="zh-TW" altLang="en-US"/>
+          </a:p>
+        </p:txBody>
+      </p:sp>
+      <p:sp>
+        <p:nvSpPr>
+          <p:cNvPr id="50" name="向左箭號 49"/>
+          <p:cNvSpPr/>
+          <p:nvPr/>
+        </p:nvSpPr>
+        <p:spPr>
+          <a:xfrm>
+            <a:off x="456540" y="2266573"/>
+            <a:ext cx="630000" cy="1498615"/>
+          </a:xfrm>
+          <a:prstGeom prst="leftArrow">
+            <a:avLst>
+              <a:gd name="adj1" fmla="val 65254"/>
+              <a:gd name="adj2" fmla="val 72676"/>
+            </a:avLst>
+          </a:prstGeom>
+          <a:noFill/>
+        </p:spPr>
+        <p:style>
+          <a:lnRef idx="2">
+            <a:schemeClr val="accent1">
+              <a:shade val="50000"/>
+            </a:schemeClr>
+          </a:lnRef>
+          <a:fillRef idx="1">
+            <a:schemeClr val="accent1"/>
+          </a:fillRef>
+          <a:effectRef idx="0">
+            <a:schemeClr val="accent1"/>
+          </a:effectRef>
+          <a:fontRef idx="minor">
+            <a:schemeClr val="lt1"/>
+          </a:fontRef>
+        </p:style>
+        <p:txBody>
+          <a:bodyPr rtlCol="0" anchor="ctr"/>
+          <a:lstStyle/>
+          <a:p>
+            <a:pPr algn="ctr"/>
+            <a:endParaRPr lang="zh-TW" altLang="en-US"/>
+          </a:p>
+        </p:txBody>
+      </p:sp>
+      <p:sp>
+        <p:nvSpPr>
+          <p:cNvPr id="52" name="向左箭號 51"/>
+          <p:cNvSpPr/>
+          <p:nvPr/>
+        </p:nvSpPr>
+        <p:spPr>
+          <a:xfrm flipH="1">
+            <a:off x="11088749" y="2266573"/>
+            <a:ext cx="605704" cy="1498615"/>
+          </a:xfrm>
+          <a:prstGeom prst="leftArrow">
+            <a:avLst>
+              <a:gd name="adj1" fmla="val 65254"/>
+              <a:gd name="adj2" fmla="val 72676"/>
+            </a:avLst>
+          </a:prstGeom>
+          <a:noFill/>
+        </p:spPr>
+        <p:style>
+          <a:lnRef idx="2">
+            <a:schemeClr val="accent1">
+              <a:shade val="50000"/>
+            </a:schemeClr>
+          </a:lnRef>
+          <a:fillRef idx="1">
+            <a:schemeClr val="accent1"/>
+          </a:fillRef>
+          <a:effectRef idx="0">
+            <a:schemeClr val="accent1"/>
+          </a:effectRef>
+          <a:fontRef idx="minor">
+            <a:schemeClr val="lt1"/>
+          </a:fontRef>
+        </p:style>
+        <p:txBody>
+          <a:bodyPr rtlCol="0" anchor="ctr"/>
+          <a:lstStyle/>
+          <a:p>
+            <a:pPr algn="ctr"/>
+            <a:endParaRPr lang="zh-TW" altLang="en-US"/>
+          </a:p>
+        </p:txBody>
+      </p:sp>
+    </p:spTree>
+    <p:extLst>
+      <p:ext uri="{BB962C8B-B14F-4D97-AF65-F5344CB8AC3E}">
+        <p14:creationId xmlns:p14="http://schemas.microsoft.com/office/powerpoint/2010/main" val="3100140722"/>
+      </p:ext>
+    </p:extLst>
+  </p:cSld>
+  <p:clrMapOvr>
+    <a:masterClrMapping/>
+  </p:clrMapOvr>
+</p:sld>
+</file>
+
 <file path=ppt/theme/theme1.xml><?xml version="1.0" encoding="utf-8"?>
 <a:theme xmlns:a="http://schemas.openxmlformats.org/drawingml/2006/main" name="Office 佈景主題">
   <a:themeElements>

--- a/webdesign/Bigsize.pptx
+++ b/webdesign/Bigsize.pptx
@@ -6,9 +6,11 @@
   </p:sldMasterIdLst>
   <p:sldIdLst>
     <p:sldId id="257" r:id="rId2"/>
-    <p:sldId id="259" r:id="rId3"/>
-    <p:sldId id="260" r:id="rId4"/>
-    <p:sldId id="261" r:id="rId5"/>
+    <p:sldId id="260" r:id="rId3"/>
+    <p:sldId id="261" r:id="rId4"/>
+    <p:sldId id="263" r:id="rId5"/>
+    <p:sldId id="262" r:id="rId6"/>
+    <p:sldId id="264" r:id="rId7"/>
   </p:sldIdLst>
   <p:sldSz cx="12195175" cy="15748000"/>
   <p:notesSz cx="6858000" cy="9144000"/>
@@ -107,6 +109,22 @@
       </a:defRPr>
     </a:lvl9pPr>
   </p:defaultTextStyle>
+  <p:extLst>
+    <p:ext uri="{EFAFB233-063F-42B5-8137-9DF3F51BA10A}">
+      <p15:sldGuideLst xmlns:p15="http://schemas.microsoft.com/office/powerpoint/2012/main" xmlns="">
+        <p15:guide id="1" orient="horz" pos="4960">
+          <p15:clr>
+            <a:srgbClr val="A4A3A4"/>
+          </p15:clr>
+        </p15:guide>
+        <p15:guide id="2" pos="3841">
+          <p15:clr>
+            <a:srgbClr val="A4A3A4"/>
+          </p15:clr>
+        </p15:guide>
+      </p15:sldGuideLst>
+    </p:ext>
+  </p:extLst>
 </p:presentation>
 </file>
 
@@ -291,7 +309,7 @@
           <a:p>
             <a:fld id="{BB73866F-F6FF-4E0C-A1E0-5E7F31502E82}" type="datetimeFigureOut">
               <a:rPr lang="zh-TW" altLang="en-US" smtClean="0"/>
-              <a:t>2016/6/5</a:t>
+              <a:t>2016/6/13</a:t>
             </a:fld>
             <a:endParaRPr lang="zh-TW" altLang="en-US"/>
           </a:p>
@@ -461,7 +479,7 @@
           <a:p>
             <a:fld id="{BB73866F-F6FF-4E0C-A1E0-5E7F31502E82}" type="datetimeFigureOut">
               <a:rPr lang="zh-TW" altLang="en-US" smtClean="0"/>
-              <a:t>2016/6/5</a:t>
+              <a:t>2016/6/13</a:t>
             </a:fld>
             <a:endParaRPr lang="zh-TW" altLang="en-US"/>
           </a:p>
@@ -641,7 +659,7 @@
           <a:p>
             <a:fld id="{BB73866F-F6FF-4E0C-A1E0-5E7F31502E82}" type="datetimeFigureOut">
               <a:rPr lang="zh-TW" altLang="en-US" smtClean="0"/>
-              <a:t>2016/6/5</a:t>
+              <a:t>2016/6/13</a:t>
             </a:fld>
             <a:endParaRPr lang="zh-TW" altLang="en-US"/>
           </a:p>
@@ -811,7 +829,7 @@
           <a:p>
             <a:fld id="{BB73866F-F6FF-4E0C-A1E0-5E7F31502E82}" type="datetimeFigureOut">
               <a:rPr lang="zh-TW" altLang="en-US" smtClean="0"/>
-              <a:t>2016/6/5</a:t>
+              <a:t>2016/6/13</a:t>
             </a:fld>
             <a:endParaRPr lang="zh-TW" altLang="en-US"/>
           </a:p>
@@ -1057,7 +1075,7 @@
           <a:p>
             <a:fld id="{BB73866F-F6FF-4E0C-A1E0-5E7F31502E82}" type="datetimeFigureOut">
               <a:rPr lang="zh-TW" altLang="en-US" smtClean="0"/>
-              <a:t>2016/6/5</a:t>
+              <a:t>2016/6/13</a:t>
             </a:fld>
             <a:endParaRPr lang="zh-TW" altLang="en-US"/>
           </a:p>
@@ -1345,7 +1363,7 @@
           <a:p>
             <a:fld id="{BB73866F-F6FF-4E0C-A1E0-5E7F31502E82}" type="datetimeFigureOut">
               <a:rPr lang="zh-TW" altLang="en-US" smtClean="0"/>
-              <a:t>2016/6/5</a:t>
+              <a:t>2016/6/13</a:t>
             </a:fld>
             <a:endParaRPr lang="zh-TW" altLang="en-US"/>
           </a:p>
@@ -1772,7 +1790,7 @@
           <a:p>
             <a:fld id="{BB73866F-F6FF-4E0C-A1E0-5E7F31502E82}" type="datetimeFigureOut">
               <a:rPr lang="zh-TW" altLang="en-US" smtClean="0"/>
-              <a:t>2016/6/5</a:t>
+              <a:t>2016/6/13</a:t>
             </a:fld>
             <a:endParaRPr lang="zh-TW" altLang="en-US"/>
           </a:p>
@@ -1890,7 +1908,7 @@
           <a:p>
             <a:fld id="{BB73866F-F6FF-4E0C-A1E0-5E7F31502E82}" type="datetimeFigureOut">
               <a:rPr lang="zh-TW" altLang="en-US" smtClean="0"/>
-              <a:t>2016/6/5</a:t>
+              <a:t>2016/6/13</a:t>
             </a:fld>
             <a:endParaRPr lang="zh-TW" altLang="en-US"/>
           </a:p>
@@ -1985,7 +2003,7 @@
           <a:p>
             <a:fld id="{BB73866F-F6FF-4E0C-A1E0-5E7F31502E82}" type="datetimeFigureOut">
               <a:rPr lang="zh-TW" altLang="en-US" smtClean="0"/>
-              <a:t>2016/6/5</a:t>
+              <a:t>2016/6/13</a:t>
             </a:fld>
             <a:endParaRPr lang="zh-TW" altLang="en-US"/>
           </a:p>
@@ -2262,7 +2280,7 @@
           <a:p>
             <a:fld id="{BB73866F-F6FF-4E0C-A1E0-5E7F31502E82}" type="datetimeFigureOut">
               <a:rPr lang="zh-TW" altLang="en-US" smtClean="0"/>
-              <a:t>2016/6/5</a:t>
+              <a:t>2016/6/13</a:t>
             </a:fld>
             <a:endParaRPr lang="zh-TW" altLang="en-US"/>
           </a:p>
@@ -2515,7 +2533,7 @@
           <a:p>
             <a:fld id="{BB73866F-F6FF-4E0C-A1E0-5E7F31502E82}" type="datetimeFigureOut">
               <a:rPr lang="zh-TW" altLang="en-US" smtClean="0"/>
-              <a:t>2016/6/5</a:t>
+              <a:t>2016/6/13</a:t>
             </a:fld>
             <a:endParaRPr lang="zh-TW" altLang="en-US"/>
           </a:p>
@@ -2728,7 +2746,7 @@
           <a:p>
             <a:fld id="{BB73866F-F6FF-4E0C-A1E0-5E7F31502E82}" type="datetimeFigureOut">
               <a:rPr lang="zh-TW" altLang="en-US" smtClean="0"/>
-              <a:t>2016/6/5</a:t>
+              <a:t>2016/6/13</a:t>
             </a:fld>
             <a:endParaRPr lang="zh-TW" altLang="en-US"/>
           </a:p>
@@ -3111,7 +3129,7 @@
         </p:nvGrpSpPr>
         <p:grpSpPr>
           <a:xfrm>
-            <a:off x="456540" y="0"/>
+            <a:off x="456540" y="-16664"/>
             <a:ext cx="11237913" cy="15764664"/>
             <a:chOff x="349571" y="-9480"/>
             <a:chExt cx="11237913" cy="15764664"/>
@@ -3741,8 +3759,8 @@
         </p:nvGrpSpPr>
         <p:grpSpPr>
           <a:xfrm>
-            <a:off x="0" y="1321272"/>
-            <a:ext cx="12195175" cy="5688632"/>
+            <a:off x="0" y="-63485"/>
+            <a:ext cx="12195175" cy="5569744"/>
             <a:chOff x="0" y="1321272"/>
             <a:chExt cx="12195175" cy="4464496"/>
           </a:xfrm>
@@ -4003,7 +4021,7 @@
         </p:nvGrpSpPr>
         <p:grpSpPr>
           <a:xfrm>
-            <a:off x="4299905" y="0"/>
+            <a:off x="-23793" y="-46880"/>
             <a:ext cx="3529092" cy="1321272"/>
             <a:chOff x="0" y="1321272"/>
             <a:chExt cx="12195175" cy="4464496"/>
@@ -4134,7 +4152,7 @@
         </p:nvSpPr>
         <p:spPr>
           <a:xfrm>
-            <a:off x="456540" y="6001792"/>
+            <a:off x="424279" y="14798452"/>
             <a:ext cx="1574274" cy="598066"/>
           </a:xfrm>
           <a:prstGeom prst="rect">
@@ -4175,7 +4193,7 @@
         </p:nvSpPr>
         <p:spPr>
           <a:xfrm>
-            <a:off x="10098088" y="326980"/>
+            <a:off x="7198997" y="4293445"/>
             <a:ext cx="1572155" cy="669329"/>
           </a:xfrm>
           <a:prstGeom prst="rect">
@@ -4257,7 +4275,11 @@
           <a:lstStyle/>
           <a:p>
             <a:pPr algn="ctr"/>
-            <a:endParaRPr lang="zh-TW" altLang="en-US"/>
+            <a:endParaRPr lang="zh-TW" altLang="en-US">
+              <a:solidFill>
+                <a:schemeClr val="tx1"/>
+              </a:solidFill>
+            </a:endParaRPr>
           </a:p>
         </p:txBody>
       </p:sp>
@@ -4269,7 +4291,7 @@
         </p:nvSpPr>
         <p:spPr>
           <a:xfrm>
-            <a:off x="3333541" y="5999636"/>
+            <a:off x="3301280" y="14796296"/>
             <a:ext cx="1574274" cy="598066"/>
           </a:xfrm>
           <a:prstGeom prst="rect">
@@ -4310,7 +4332,7 @@
         </p:nvSpPr>
         <p:spPr>
           <a:xfrm>
-            <a:off x="7221087" y="5999636"/>
+            <a:off x="7188826" y="14796296"/>
             <a:ext cx="1574274" cy="598066"/>
           </a:xfrm>
           <a:prstGeom prst="rect">
@@ -4351,7 +4373,7 @@
         </p:nvSpPr>
         <p:spPr>
           <a:xfrm>
-            <a:off x="10120179" y="5957853"/>
+            <a:off x="10087918" y="14754513"/>
             <a:ext cx="1574274" cy="598066"/>
           </a:xfrm>
           <a:prstGeom prst="rect">
@@ -4392,7 +4414,7 @@
         </p:nvCxnSpPr>
         <p:spPr>
           <a:xfrm>
-            <a:off x="0" y="5569744"/>
+            <a:off x="-7177" y="14426728"/>
             <a:ext cx="12195175" cy="0"/>
           </a:xfrm>
           <a:prstGeom prst="line">
@@ -4427,7 +4449,7 @@
         </p:nvSpPr>
         <p:spPr>
           <a:xfrm>
-            <a:off x="3333541" y="3265488"/>
+            <a:off x="1051972" y="2962089"/>
             <a:ext cx="5461820" cy="598066"/>
           </a:xfrm>
           <a:prstGeom prst="rect">
@@ -4485,6 +4507,185 @@
                 <a:schemeClr val="tx1"/>
               </a:solidFill>
             </a:endParaRPr>
+          </a:p>
+        </p:txBody>
+      </p:sp>
+      <p:sp>
+        <p:nvSpPr>
+          <p:cNvPr id="2" name="文字方塊 1"/>
+          <p:cNvSpPr txBox="1"/>
+          <p:nvPr/>
+        </p:nvSpPr>
+        <p:spPr>
+          <a:xfrm>
+            <a:off x="14594531" y="2617416"/>
+            <a:ext cx="2592288" cy="1523494"/>
+          </a:xfrm>
+          <a:prstGeom prst="rect">
+            <a:avLst/>
+          </a:prstGeom>
+          <a:noFill/>
+        </p:spPr>
+        <p:txBody>
+          <a:bodyPr wrap="square" rtlCol="0">
+            <a:spAutoFit/>
+          </a:bodyPr>
+          <a:lstStyle/>
+          <a:p>
+            <a:r>
+              <a:rPr lang="zh-TW" altLang="en-US" dirty="0" smtClean="0"/>
+              <a:t>把按鈕拉到</a:t>
+            </a:r>
+            <a:r>
+              <a:rPr lang="en-US" altLang="zh-TW" dirty="0" smtClean="0"/>
+              <a:t>footer</a:t>
+            </a:r>
+            <a:r>
+              <a:rPr lang="zh-TW" altLang="en-US" dirty="0" smtClean="0"/>
+              <a:t>   </a:t>
+            </a:r>
+            <a:r>
+              <a:rPr lang="en-US" altLang="zh-TW" dirty="0" smtClean="0"/>
+              <a:t>+</a:t>
+            </a:r>
+            <a:r>
+              <a:rPr lang="zh-TW" altLang="en-US" dirty="0" smtClean="0"/>
+              <a:t>熱門議題</a:t>
+            </a:r>
+            <a:endParaRPr lang="zh-TW" altLang="en-US" dirty="0"/>
+          </a:p>
+        </p:txBody>
+      </p:sp>
+      <p:sp>
+        <p:nvSpPr>
+          <p:cNvPr id="41" name="矩形 40"/>
+          <p:cNvSpPr/>
+          <p:nvPr/>
+        </p:nvSpPr>
+        <p:spPr>
+          <a:xfrm>
+            <a:off x="9244445" y="4293445"/>
+            <a:ext cx="1572155" cy="669329"/>
+          </a:xfrm>
+          <a:prstGeom prst="rect">
+            <a:avLst/>
+          </a:prstGeom>
+          <a:noFill/>
+        </p:spPr>
+        <p:style>
+          <a:lnRef idx="2">
+            <a:schemeClr val="accent1">
+              <a:shade val="50000"/>
+            </a:schemeClr>
+          </a:lnRef>
+          <a:fillRef idx="1">
+            <a:schemeClr val="accent1"/>
+          </a:fillRef>
+          <a:effectRef idx="0">
+            <a:schemeClr val="accent1"/>
+          </a:effectRef>
+          <a:fontRef idx="minor">
+            <a:schemeClr val="lt1"/>
+          </a:fontRef>
+        </p:style>
+        <p:txBody>
+          <a:bodyPr rtlCol="0" anchor="ctr"/>
+          <a:lstStyle/>
+          <a:p>
+            <a:pPr algn="ctr"/>
+            <a:r>
+              <a:rPr lang="zh-TW" altLang="en-US" dirty="0" smtClean="0">
+                <a:solidFill>
+                  <a:schemeClr val="tx1"/>
+                </a:solidFill>
+              </a:rPr>
+              <a:t>議題</a:t>
+            </a:r>
+            <a:endParaRPr lang="zh-TW" altLang="en-US" dirty="0">
+              <a:solidFill>
+                <a:schemeClr val="tx1"/>
+              </a:solidFill>
+            </a:endParaRPr>
+          </a:p>
+        </p:txBody>
+      </p:sp>
+      <p:pic>
+        <p:nvPicPr>
+          <p:cNvPr id="18" name="圖片 17"/>
+          <p:cNvPicPr>
+            <a:picLocks noChangeAspect="1"/>
+          </p:cNvPicPr>
+          <p:nvPr/>
+        </p:nvPicPr>
+        <p:blipFill>
+          <a:blip r:embed="rId2"/>
+          <a:stretch>
+            <a:fillRect/>
+          </a:stretch>
+        </p:blipFill>
+        <p:spPr>
+          <a:xfrm>
+            <a:off x="424280" y="6001792"/>
+            <a:ext cx="11237912" cy="5505165"/>
+          </a:xfrm>
+          <a:prstGeom prst="rect">
+            <a:avLst/>
+          </a:prstGeom>
+        </p:spPr>
+      </p:pic>
+      <p:sp>
+        <p:nvSpPr>
+          <p:cNvPr id="43" name="矩形 42"/>
+          <p:cNvSpPr/>
+          <p:nvPr/>
+        </p:nvSpPr>
+        <p:spPr>
+          <a:xfrm>
+            <a:off x="10105186" y="344939"/>
+            <a:ext cx="1574274" cy="598066"/>
+          </a:xfrm>
+          <a:prstGeom prst="rect">
+            <a:avLst/>
+          </a:prstGeom>
+          <a:noFill/>
+        </p:spPr>
+        <p:style>
+          <a:lnRef idx="2">
+            <a:schemeClr val="accent1">
+              <a:shade val="50000"/>
+            </a:schemeClr>
+          </a:lnRef>
+          <a:fillRef idx="1">
+            <a:schemeClr val="accent1"/>
+          </a:fillRef>
+          <a:effectRef idx="0">
+            <a:schemeClr val="accent1"/>
+          </a:effectRef>
+          <a:fontRef idx="minor">
+            <a:schemeClr val="lt1"/>
+          </a:fontRef>
+        </p:style>
+        <p:txBody>
+          <a:bodyPr rtlCol="0" anchor="ctr"/>
+          <a:lstStyle/>
+          <a:p>
+            <a:pPr algn="ctr"/>
+            <a:r>
+              <a:rPr lang="zh-TW" altLang="en-US" dirty="0" smtClean="0">
+                <a:solidFill>
+                  <a:schemeClr val="tx1"/>
+                </a:solidFill>
+              </a:rPr>
+              <a:t>搜</a:t>
+            </a:r>
+            <a:r>
+              <a:rPr lang="zh-TW" altLang="en-US" dirty="0">
+                <a:solidFill>
+                  <a:schemeClr val="tx1"/>
+                </a:solidFill>
+              </a:rPr>
+              <a:t>尋</a:t>
+            </a:r>
           </a:p>
         </p:txBody>
       </p:sp>
@@ -4520,7 +4721,7 @@
       </p:grpSpPr>
       <p:grpSp>
         <p:nvGrpSpPr>
-          <p:cNvPr id="4" name="群組 3"/>
+          <p:cNvPr id="17" name="群組 16"/>
           <p:cNvGrpSpPr/>
           <p:nvPr/>
         </p:nvGrpSpPr>
@@ -4537,7 +4738,7 @@
         </p:grpSpPr>
         <p:sp>
           <p:nvSpPr>
-            <p:cNvPr id="5" name="矩形 4"/>
+            <p:cNvPr id="18" name="矩形 17"/>
             <p:cNvSpPr/>
             <p:nvPr/>
           </p:nvSpPr>
@@ -4588,7 +4789,7 @@
         </p:sp>
         <p:sp>
           <p:nvSpPr>
-            <p:cNvPr id="6" name="矩形 5"/>
+            <p:cNvPr id="19" name="矩形 18"/>
             <p:cNvSpPr/>
             <p:nvPr/>
           </p:nvSpPr>
@@ -4639,7 +4840,7 @@
         </p:sp>
         <p:sp>
           <p:nvSpPr>
-            <p:cNvPr id="7" name="矩形 6"/>
+            <p:cNvPr id="20" name="矩形 19"/>
             <p:cNvSpPr/>
             <p:nvPr/>
           </p:nvSpPr>
@@ -4690,7 +4891,7 @@
         </p:sp>
         <p:sp>
           <p:nvSpPr>
-            <p:cNvPr id="8" name="矩形 7"/>
+            <p:cNvPr id="21" name="矩形 20"/>
             <p:cNvSpPr/>
             <p:nvPr/>
           </p:nvSpPr>
@@ -4741,7 +4942,7 @@
         </p:sp>
         <p:sp>
           <p:nvSpPr>
-            <p:cNvPr id="9" name="矩形 8"/>
+            <p:cNvPr id="22" name="矩形 21"/>
             <p:cNvSpPr/>
             <p:nvPr/>
           </p:nvSpPr>
@@ -4792,7 +4993,7 @@
         </p:sp>
         <p:sp>
           <p:nvSpPr>
-            <p:cNvPr id="10" name="矩形 9"/>
+            <p:cNvPr id="23" name="矩形 22"/>
             <p:cNvSpPr/>
             <p:nvPr/>
           </p:nvSpPr>
@@ -4843,7 +5044,7 @@
         </p:sp>
         <p:sp>
           <p:nvSpPr>
-            <p:cNvPr id="11" name="矩形 10"/>
+            <p:cNvPr id="24" name="矩形 23"/>
             <p:cNvSpPr/>
             <p:nvPr/>
           </p:nvSpPr>
@@ -4894,7 +5095,7 @@
         </p:sp>
         <p:sp>
           <p:nvSpPr>
-            <p:cNvPr id="12" name="矩形 11"/>
+            <p:cNvPr id="25" name="矩形 24"/>
             <p:cNvSpPr/>
             <p:nvPr/>
           </p:nvSpPr>
@@ -4945,7 +5146,7 @@
         </p:sp>
         <p:sp>
           <p:nvSpPr>
-            <p:cNvPr id="13" name="矩形 12"/>
+            <p:cNvPr id="26" name="矩形 25"/>
             <p:cNvSpPr/>
             <p:nvPr/>
           </p:nvSpPr>
@@ -4996,7 +5197,7 @@
         </p:sp>
         <p:sp>
           <p:nvSpPr>
-            <p:cNvPr id="14" name="矩形 13"/>
+            <p:cNvPr id="27" name="矩形 26"/>
             <p:cNvSpPr/>
             <p:nvPr/>
           </p:nvSpPr>
@@ -5047,7 +5248,7 @@
         </p:sp>
         <p:sp>
           <p:nvSpPr>
-            <p:cNvPr id="15" name="矩形 14"/>
+            <p:cNvPr id="28" name="矩形 27"/>
             <p:cNvSpPr/>
             <p:nvPr/>
           </p:nvSpPr>
@@ -5098,7 +5299,7 @@
         </p:sp>
         <p:sp>
           <p:nvSpPr>
-            <p:cNvPr id="16" name="矩形 15"/>
+            <p:cNvPr id="29" name="矩形 28"/>
             <p:cNvSpPr/>
             <p:nvPr/>
           </p:nvSpPr>
@@ -5150,21 +5351,21 @@
       </p:grpSp>
       <p:grpSp>
         <p:nvGrpSpPr>
-          <p:cNvPr id="27" name="群組 26"/>
+          <p:cNvPr id="30" name="群組 29"/>
           <p:cNvGrpSpPr/>
           <p:nvPr/>
         </p:nvGrpSpPr>
         <p:grpSpPr>
           <a:xfrm>
-            <a:off x="-64826" y="1903391"/>
-            <a:ext cx="521366" cy="655571"/>
+            <a:off x="456232" y="0"/>
+            <a:ext cx="3529092" cy="1339098"/>
             <a:chOff x="0" y="1321272"/>
             <a:chExt cx="12195175" cy="4464496"/>
           </a:xfrm>
         </p:grpSpPr>
         <p:sp>
           <p:nvSpPr>
-            <p:cNvPr id="28" name="矩形 27"/>
+            <p:cNvPr id="31" name="矩形 30"/>
             <p:cNvSpPr/>
             <p:nvPr/>
           </p:nvSpPr>
@@ -5210,7 +5411,7 @@
         </p:sp>
         <p:cxnSp>
           <p:nvCxnSpPr>
-            <p:cNvPr id="29" name="直線接點 28"/>
+            <p:cNvPr id="32" name="直線接點 31"/>
             <p:cNvCxnSpPr/>
             <p:nvPr/>
           </p:nvCxnSpPr>
@@ -5245,7 +5446,7 @@
         </p:cxnSp>
         <p:cxnSp>
           <p:nvCxnSpPr>
-            <p:cNvPr id="30" name="直線接點 29"/>
+            <p:cNvPr id="33" name="直線接點 32"/>
             <p:cNvCxnSpPr/>
             <p:nvPr/>
           </p:nvCxnSpPr>
@@ -5279,193 +5480,9 @@
           </p:style>
         </p:cxnSp>
       </p:grpSp>
-      <p:sp>
-        <p:nvSpPr>
-          <p:cNvPr id="37" name="矩形 36"/>
-          <p:cNvSpPr/>
-          <p:nvPr/>
-        </p:nvSpPr>
-        <p:spPr>
-          <a:xfrm>
-            <a:off x="10098089" y="358867"/>
-            <a:ext cx="1574274" cy="598066"/>
-          </a:xfrm>
-          <a:prstGeom prst="rect">
-            <a:avLst/>
-          </a:prstGeom>
-          <a:noFill/>
-        </p:spPr>
-        <p:style>
-          <a:lnRef idx="2">
-            <a:schemeClr val="accent1">
-              <a:shade val="50000"/>
-            </a:schemeClr>
-          </a:lnRef>
-          <a:fillRef idx="1">
-            <a:schemeClr val="accent1"/>
-          </a:fillRef>
-          <a:effectRef idx="0">
-            <a:schemeClr val="accent1"/>
-          </a:effectRef>
-          <a:fontRef idx="minor">
-            <a:schemeClr val="lt1"/>
-          </a:fontRef>
-        </p:style>
-        <p:txBody>
-          <a:bodyPr rtlCol="0" anchor="ctr"/>
-          <a:lstStyle/>
-          <a:p>
-            <a:pPr algn="ctr"/>
-            <a:r>
-              <a:rPr lang="en-US" altLang="zh-TW" dirty="0" smtClean="0">
-                <a:solidFill>
-                  <a:schemeClr val="tx1"/>
-                </a:solidFill>
-              </a:rPr>
-              <a:t>HI!XXX</a:t>
-            </a:r>
-            <a:endParaRPr lang="zh-TW" altLang="en-US" dirty="0">
-              <a:solidFill>
-                <a:schemeClr val="tx1"/>
-              </a:solidFill>
-            </a:endParaRPr>
-          </a:p>
-        </p:txBody>
-      </p:sp>
-      <p:grpSp>
-        <p:nvGrpSpPr>
-          <p:cNvPr id="41" name="群組 40"/>
-          <p:cNvGrpSpPr/>
-          <p:nvPr/>
-        </p:nvGrpSpPr>
-        <p:grpSpPr>
-          <a:xfrm>
-            <a:off x="4306623" y="-3745"/>
-            <a:ext cx="3529092" cy="1321272"/>
-            <a:chOff x="0" y="1321272"/>
-            <a:chExt cx="12195175" cy="4464496"/>
-          </a:xfrm>
-        </p:grpSpPr>
-        <p:sp>
-          <p:nvSpPr>
-            <p:cNvPr id="43" name="矩形 42"/>
-            <p:cNvSpPr/>
-            <p:nvPr/>
-          </p:nvSpPr>
-          <p:spPr>
-            <a:xfrm>
-              <a:off x="0" y="1321272"/>
-              <a:ext cx="12187998" cy="4464496"/>
-            </a:xfrm>
-            <a:prstGeom prst="rect">
-              <a:avLst/>
-            </a:prstGeom>
-            <a:noFill/>
-            <a:ln>
-              <a:solidFill>
-                <a:schemeClr val="tx1"/>
-              </a:solidFill>
-            </a:ln>
-          </p:spPr>
-          <p:style>
-            <a:lnRef idx="2">
-              <a:schemeClr val="accent1">
-                <a:shade val="50000"/>
-              </a:schemeClr>
-            </a:lnRef>
-            <a:fillRef idx="1">
-              <a:schemeClr val="accent1"/>
-            </a:fillRef>
-            <a:effectRef idx="0">
-              <a:schemeClr val="accent1"/>
-            </a:effectRef>
-            <a:fontRef idx="minor">
-              <a:schemeClr val="lt1"/>
-            </a:fontRef>
-          </p:style>
-          <p:txBody>
-            <a:bodyPr rtlCol="0" anchor="ctr"/>
-            <a:lstStyle/>
-            <a:p>
-              <a:pPr algn="ctr"/>
-              <a:endParaRPr lang="zh-TW" altLang="en-US"/>
-            </a:p>
-          </p:txBody>
-        </p:sp>
-        <p:cxnSp>
-          <p:nvCxnSpPr>
-            <p:cNvPr id="45" name="直線接點 44"/>
-            <p:cNvCxnSpPr/>
-            <p:nvPr/>
-          </p:nvCxnSpPr>
-          <p:spPr>
-            <a:xfrm>
-              <a:off x="0" y="1328094"/>
-              <a:ext cx="12187998" cy="4457674"/>
-            </a:xfrm>
-            <a:prstGeom prst="line">
-              <a:avLst/>
-            </a:prstGeom>
-            <a:ln>
-              <a:solidFill>
-                <a:schemeClr val="tx1"/>
-              </a:solidFill>
-            </a:ln>
-          </p:spPr>
-          <p:style>
-            <a:lnRef idx="1">
-              <a:schemeClr val="accent1"/>
-            </a:lnRef>
-            <a:fillRef idx="0">
-              <a:schemeClr val="accent1"/>
-            </a:fillRef>
-            <a:effectRef idx="0">
-              <a:schemeClr val="accent1"/>
-            </a:effectRef>
-            <a:fontRef idx="minor">
-              <a:schemeClr val="tx1"/>
-            </a:fontRef>
-          </p:style>
-        </p:cxnSp>
-        <p:cxnSp>
-          <p:nvCxnSpPr>
-            <p:cNvPr id="46" name="直線接點 45"/>
-            <p:cNvCxnSpPr/>
-            <p:nvPr/>
-          </p:nvCxnSpPr>
-          <p:spPr>
-            <a:xfrm flipH="1">
-              <a:off x="0" y="1321272"/>
-              <a:ext cx="12195175" cy="4464496"/>
-            </a:xfrm>
-            <a:prstGeom prst="line">
-              <a:avLst/>
-            </a:prstGeom>
-            <a:ln>
-              <a:solidFill>
-                <a:schemeClr val="tx1"/>
-              </a:solidFill>
-            </a:ln>
-          </p:spPr>
-          <p:style>
-            <a:lnRef idx="1">
-              <a:schemeClr val="accent1"/>
-            </a:lnRef>
-            <a:fillRef idx="0">
-              <a:schemeClr val="accent1"/>
-            </a:fillRef>
-            <a:effectRef idx="0">
-              <a:schemeClr val="accent1"/>
-            </a:effectRef>
-            <a:fontRef idx="minor">
-              <a:schemeClr val="tx1"/>
-            </a:fontRef>
-          </p:style>
-        </p:cxnSp>
-      </p:grpSp>
       <p:cxnSp>
         <p:nvCxnSpPr>
-          <p:cNvPr id="47" name="直線接點 46"/>
+          <p:cNvPr id="34" name="直線接點 33"/>
           <p:cNvCxnSpPr/>
           <p:nvPr/>
         </p:nvCxnSpPr>
@@ -5498,15 +5515,50 @@
           </a:fontRef>
         </p:style>
       </p:cxnSp>
-      <p:sp>
-        <p:nvSpPr>
-          <p:cNvPr id="52" name="矩形 51"/>
+      <p:cxnSp>
+        <p:nvCxnSpPr>
+          <p:cNvPr id="35" name="直線接點 34"/>
+          <p:cNvCxnSpPr/>
+          <p:nvPr/>
+        </p:nvCxnSpPr>
+        <p:spPr>
+          <a:xfrm>
+            <a:off x="-61831" y="14714760"/>
+            <a:ext cx="12195175" cy="0"/>
+          </a:xfrm>
+          <a:prstGeom prst="line">
+            <a:avLst/>
+          </a:prstGeom>
+          <a:ln>
+            <a:solidFill>
+              <a:schemeClr val="tx1"/>
+            </a:solidFill>
+          </a:ln>
+        </p:spPr>
+        <p:style>
+          <a:lnRef idx="1">
+            <a:schemeClr val="accent1"/>
+          </a:lnRef>
+          <a:fillRef idx="0">
+            <a:schemeClr val="accent1"/>
+          </a:fillRef>
+          <a:effectRef idx="0">
+            <a:schemeClr val="accent1"/>
+          </a:effectRef>
+          <a:fontRef idx="minor">
+            <a:schemeClr val="tx1"/>
+          </a:fontRef>
+        </p:style>
+      </p:cxnSp>
+      <p:sp>
+        <p:nvSpPr>
+          <p:cNvPr id="36" name="矩形 35"/>
           <p:cNvSpPr/>
           <p:nvPr/>
         </p:nvSpPr>
         <p:spPr>
           <a:xfrm>
-            <a:off x="5277757" y="1903391"/>
+            <a:off x="3303211" y="1886542"/>
             <a:ext cx="5461820" cy="655570"/>
           </a:xfrm>
           <a:prstGeom prst="rect">
@@ -5536,18 +5588,13 @@
           <a:p>
             <a:pPr algn="ctr"/>
             <a:r>
-              <a:rPr lang="zh-TW" altLang="en-US" dirty="0" smtClean="0">
+              <a:rPr lang="zh-TW" altLang="en-US" dirty="0">
                 <a:solidFill>
                   <a:schemeClr val="tx1"/>
                 </a:solidFill>
               </a:rPr>
-              <a:t>熱門討論</a:t>
-            </a:r>
-            <a:endParaRPr lang="zh-TW" altLang="en-US" dirty="0">
-              <a:solidFill>
-                <a:schemeClr val="tx1"/>
-              </a:solidFill>
-            </a:endParaRPr>
+              <a:t>議題列表</a:t>
+            </a:r>
           </a:p>
         </p:txBody>
       </p:sp>
@@ -5559,8 +5606,8 @@
         </p:nvSpPr>
         <p:spPr>
           <a:xfrm>
-            <a:off x="4311393" y="3136239"/>
-            <a:ext cx="7394548" cy="1023107"/>
+            <a:off x="464096" y="4705648"/>
+            <a:ext cx="5424618" cy="612453"/>
           </a:xfrm>
           <a:prstGeom prst="rect">
             <a:avLst/>
@@ -5611,8 +5658,8 @@
         </p:nvSpPr>
         <p:spPr>
           <a:xfrm>
-            <a:off x="4321470" y="4736624"/>
-            <a:ext cx="7387830" cy="1023107"/>
+            <a:off x="464086" y="6309234"/>
+            <a:ext cx="5417082" cy="612453"/>
           </a:xfrm>
           <a:prstGeom prst="rect">
             <a:avLst/>
@@ -5671,8 +5718,8 @@
         </p:nvSpPr>
         <p:spPr>
           <a:xfrm>
-            <a:off x="4297387" y="6337009"/>
-            <a:ext cx="7387830" cy="1023107"/>
+            <a:off x="464334" y="7909619"/>
+            <a:ext cx="5416834" cy="612453"/>
           </a:xfrm>
           <a:prstGeom prst="rect">
             <a:avLst/>
@@ -5715,51 +5762,16 @@
           </a:p>
         </p:txBody>
       </p:sp>
-      <p:cxnSp>
-        <p:nvCxnSpPr>
-          <p:cNvPr id="56" name="直線接點 55"/>
-          <p:cNvCxnSpPr/>
+      <p:sp>
+        <p:nvSpPr>
+          <p:cNvPr id="59" name="矩形 58"/>
+          <p:cNvSpPr/>
           <p:nvPr/>
-        </p:nvCxnSpPr>
+        </p:nvSpPr>
         <p:spPr>
           <a:xfrm>
-            <a:off x="-23093" y="7937396"/>
-            <a:ext cx="12195175" cy="0"/>
-          </a:xfrm>
-          <a:prstGeom prst="line">
-            <a:avLst/>
-          </a:prstGeom>
-          <a:ln>
-            <a:solidFill>
-              <a:schemeClr val="tx1"/>
-            </a:solidFill>
-          </a:ln>
-        </p:spPr>
-        <p:style>
-          <a:lnRef idx="1">
-            <a:schemeClr val="accent1"/>
-          </a:lnRef>
-          <a:fillRef idx="0">
-            <a:schemeClr val="accent1"/>
-          </a:fillRef>
-          <a:effectRef idx="0">
-            <a:schemeClr val="accent1"/>
-          </a:effectRef>
-          <a:fontRef idx="minor">
-            <a:schemeClr val="tx1"/>
-          </a:fontRef>
-        </p:style>
-      </p:cxnSp>
-      <p:sp>
-        <p:nvSpPr>
-          <p:cNvPr id="61" name="矩形 60"/>
-          <p:cNvSpPr/>
-          <p:nvPr/>
-        </p:nvSpPr>
-        <p:spPr>
-          <a:xfrm>
-            <a:off x="-9168109" y="6410798"/>
-            <a:ext cx="2302730" cy="2183281"/>
+            <a:off x="10098089" y="358867"/>
+            <a:ext cx="1574274" cy="598066"/>
           </a:xfrm>
           <a:prstGeom prst="rect">
             <a:avLst/>
@@ -5787,20 +5799,62 @@
           <a:lstStyle/>
           <a:p>
             <a:pPr algn="ctr"/>
-            <a:endParaRPr lang="zh-TW" altLang="en-US"/>
-          </a:p>
-        </p:txBody>
-      </p:sp>
-      <p:sp>
-        <p:nvSpPr>
-          <p:cNvPr id="62" name="矩形 61"/>
+            <a:r>
+              <a:rPr lang="en-US" altLang="zh-TW" dirty="0" smtClean="0">
+                <a:solidFill>
+                  <a:schemeClr val="tx1"/>
+                </a:solidFill>
+              </a:rPr>
+              <a:t>HI!XXX</a:t>
+            </a:r>
+            <a:endParaRPr lang="zh-TW" altLang="en-US" dirty="0">
+              <a:solidFill>
+                <a:schemeClr val="tx1"/>
+              </a:solidFill>
+            </a:endParaRPr>
+          </a:p>
+        </p:txBody>
+      </p:sp>
+      <p:sp>
+        <p:nvSpPr>
+          <p:cNvPr id="56" name="文字方塊 55"/>
+          <p:cNvSpPr txBox="1"/>
+          <p:nvPr/>
+        </p:nvSpPr>
+        <p:spPr>
+          <a:xfrm>
+            <a:off x="15962683" y="4523304"/>
+            <a:ext cx="3960440" cy="1046440"/>
+          </a:xfrm>
+          <a:prstGeom prst="rect">
+            <a:avLst/>
+          </a:prstGeom>
+          <a:noFill/>
+        </p:spPr>
+        <p:txBody>
+          <a:bodyPr wrap="square" rtlCol="0">
+            <a:spAutoFit/>
+          </a:bodyPr>
+          <a:lstStyle/>
+          <a:p>
+            <a:r>
+              <a:rPr lang="zh-TW" altLang="en-US" dirty="0" smtClean="0"/>
+              <a:t>把它切成一辦，最新根最熱門</a:t>
+            </a:r>
+            <a:endParaRPr lang="zh-TW" altLang="en-US" dirty="0"/>
+          </a:p>
+        </p:txBody>
+      </p:sp>
+      <p:sp>
+        <p:nvSpPr>
+          <p:cNvPr id="57" name="矩形 56"/>
           <p:cNvSpPr/>
           <p:nvPr/>
         </p:nvSpPr>
         <p:spPr>
           <a:xfrm>
-            <a:off x="-64825" y="1326113"/>
-            <a:ext cx="2432002" cy="6611283"/>
+            <a:off x="426893" y="3049464"/>
+            <a:ext cx="5461820" cy="1008112"/>
           </a:xfrm>
           <a:prstGeom prst="rect">
             <a:avLst/>
@@ -5828,20 +5882,32 @@
           <a:lstStyle/>
           <a:p>
             <a:pPr algn="ctr"/>
-            <a:endParaRPr lang="zh-TW" altLang="en-US"/>
-          </a:p>
-        </p:txBody>
-      </p:sp>
-      <p:sp>
-        <p:nvSpPr>
-          <p:cNvPr id="63" name="矩形 62"/>
+            <a:r>
+              <a:rPr lang="zh-TW" altLang="en-US" dirty="0" smtClean="0">
+                <a:solidFill>
+                  <a:schemeClr val="tx1"/>
+                </a:solidFill>
+              </a:rPr>
+              <a:t>熱門議題</a:t>
+            </a:r>
+            <a:endParaRPr lang="zh-TW" altLang="en-US" dirty="0">
+              <a:solidFill>
+                <a:schemeClr val="tx1"/>
+              </a:solidFill>
+            </a:endParaRPr>
+          </a:p>
+        </p:txBody>
+      </p:sp>
+      <p:sp>
+        <p:nvSpPr>
+          <p:cNvPr id="65" name="矩形 64"/>
           <p:cNvSpPr/>
           <p:nvPr/>
         </p:nvSpPr>
         <p:spPr>
           <a:xfrm>
-            <a:off x="456540" y="1903391"/>
-            <a:ext cx="1910636" cy="655570"/>
+            <a:off x="6280419" y="4705648"/>
+            <a:ext cx="5424618" cy="612453"/>
           </a:xfrm>
           <a:prstGeom prst="rect">
             <a:avLst/>
@@ -5868,14 +5934,13 @@
           <a:bodyPr rtlCol="0" anchor="ctr"/>
           <a:lstStyle/>
           <a:p>
-            <a:pPr algn="ctr"/>
-            <a:r>
-              <a:rPr lang="zh-TW" altLang="en-US" dirty="0" smtClean="0">
+            <a:r>
+              <a:rPr lang="en-US" altLang="zh-TW" dirty="0" smtClean="0">
                 <a:solidFill>
                   <a:schemeClr val="tx1"/>
                 </a:solidFill>
               </a:rPr>
-              <a:t>議題搜尋</a:t>
+              <a:t>1.</a:t>
             </a:r>
             <a:endParaRPr lang="zh-TW" altLang="en-US" dirty="0">
               <a:solidFill>
@@ -5887,14 +5952,14 @@
       </p:sp>
       <p:sp>
         <p:nvSpPr>
-          <p:cNvPr id="64" name="矩形 63"/>
+          <p:cNvPr id="66" name="矩形 65"/>
           <p:cNvSpPr/>
           <p:nvPr/>
         </p:nvSpPr>
         <p:spPr>
           <a:xfrm>
-            <a:off x="456540" y="3320007"/>
-            <a:ext cx="1910635" cy="655570"/>
+            <a:off x="6280409" y="6309234"/>
+            <a:ext cx="5417082" cy="612453"/>
           </a:xfrm>
           <a:prstGeom prst="rect">
             <a:avLst/>
@@ -5921,14 +5986,21 @@
           <a:bodyPr rtlCol="0" anchor="ctr"/>
           <a:lstStyle/>
           <a:p>
-            <a:pPr algn="ctr"/>
-            <a:r>
-              <a:rPr lang="zh-TW" altLang="en-US" dirty="0" smtClean="0">
+            <a:r>
+              <a:rPr lang="en-US" altLang="zh-TW" dirty="0">
                 <a:solidFill>
                   <a:schemeClr val="tx1"/>
                 </a:solidFill>
               </a:rPr>
-              <a:t>議題列表</a:t>
+              <a:t>2</a:t>
+            </a:r>
+            <a:r>
+              <a:rPr lang="en-US" altLang="zh-TW" dirty="0" smtClean="0">
+                <a:solidFill>
+                  <a:schemeClr val="tx1"/>
+                </a:solidFill>
+              </a:rPr>
+              <a:t>.</a:t>
             </a:r>
             <a:endParaRPr lang="zh-TW" altLang="en-US" dirty="0">
               <a:solidFill>
@@ -5940,14 +6012,14 @@
       </p:sp>
       <p:sp>
         <p:nvSpPr>
-          <p:cNvPr id="65" name="矩形 64"/>
+          <p:cNvPr id="67" name="矩形 66"/>
           <p:cNvSpPr/>
           <p:nvPr/>
         </p:nvSpPr>
         <p:spPr>
           <a:xfrm>
-            <a:off x="456540" y="4920392"/>
-            <a:ext cx="1910635" cy="655570"/>
+            <a:off x="6280657" y="7909619"/>
+            <a:ext cx="5416834" cy="612453"/>
           </a:xfrm>
           <a:prstGeom prst="rect">
             <a:avLst/>
@@ -5974,14 +6046,13 @@
           <a:bodyPr rtlCol="0" anchor="ctr"/>
           <a:lstStyle/>
           <a:p>
-            <a:pPr algn="ctr"/>
-            <a:r>
-              <a:rPr lang="zh-TW" altLang="en-US" dirty="0" smtClean="0">
+            <a:r>
+              <a:rPr lang="en-US" altLang="zh-TW" dirty="0" smtClean="0">
                 <a:solidFill>
                   <a:schemeClr val="tx1"/>
                 </a:solidFill>
               </a:rPr>
-              <a:t>議題建立</a:t>
+              <a:t>3.</a:t>
             </a:r>
             <a:endParaRPr lang="zh-TW" altLang="en-US" dirty="0">
               <a:solidFill>
@@ -5993,14 +6064,14 @@
       </p:sp>
       <p:sp>
         <p:nvSpPr>
-          <p:cNvPr id="66" name="矩形 65"/>
+          <p:cNvPr id="68" name="矩形 67"/>
           <p:cNvSpPr/>
           <p:nvPr/>
         </p:nvSpPr>
         <p:spPr>
           <a:xfrm>
-            <a:off x="-4850299" y="8594079"/>
-            <a:ext cx="1151365" cy="1091641"/>
+            <a:off x="6243216" y="3049464"/>
+            <a:ext cx="5461820" cy="1008112"/>
           </a:xfrm>
           <a:prstGeom prst="rect">
             <a:avLst/>
@@ -6028,407 +6099,311 @@
           <a:lstStyle/>
           <a:p>
             <a:pPr algn="ctr"/>
-            <a:endParaRPr lang="zh-TW" altLang="en-US"/>
-          </a:p>
-        </p:txBody>
-      </p:sp>
-      <p:grpSp>
-        <p:nvGrpSpPr>
-          <p:cNvPr id="67" name="群組 66"/>
-          <p:cNvGrpSpPr/>
-          <p:nvPr/>
-        </p:nvGrpSpPr>
-        <p:grpSpPr>
-          <a:xfrm>
-            <a:off x="-9303741" y="1469927"/>
-            <a:ext cx="5184576" cy="3168352"/>
-            <a:chOff x="0" y="1321272"/>
-            <a:chExt cx="12195175" cy="4464496"/>
-          </a:xfrm>
-        </p:grpSpPr>
-        <p:sp>
-          <p:nvSpPr>
-            <p:cNvPr id="68" name="矩形 67"/>
-            <p:cNvSpPr/>
-            <p:nvPr/>
-          </p:nvSpPr>
-          <p:spPr>
-            <a:xfrm>
-              <a:off x="0" y="1321272"/>
-              <a:ext cx="12187998" cy="4464496"/>
-            </a:xfrm>
-            <a:prstGeom prst="rect">
-              <a:avLst/>
-            </a:prstGeom>
-            <a:noFill/>
-            <a:ln>
+            <a:r>
+              <a:rPr lang="zh-TW" altLang="en-US" dirty="0">
+                <a:solidFill>
+                  <a:schemeClr val="tx1"/>
+                </a:solidFill>
+              </a:rPr>
+              <a:t>最新</a:t>
+            </a:r>
+            <a:r>
+              <a:rPr lang="zh-TW" altLang="en-US" dirty="0" smtClean="0">
+                <a:solidFill>
+                  <a:schemeClr val="tx1"/>
+                </a:solidFill>
+              </a:rPr>
+              <a:t>議題</a:t>
+            </a:r>
+            <a:endParaRPr lang="zh-TW" altLang="en-US" dirty="0">
               <a:solidFill>
                 <a:schemeClr val="tx1"/>
               </a:solidFill>
-            </a:ln>
-          </p:spPr>
-          <p:style>
-            <a:lnRef idx="2">
-              <a:schemeClr val="accent1">
-                <a:shade val="50000"/>
-              </a:schemeClr>
-            </a:lnRef>
-            <a:fillRef idx="1">
-              <a:schemeClr val="accent1"/>
-            </a:fillRef>
-            <a:effectRef idx="0">
-              <a:schemeClr val="accent1"/>
-            </a:effectRef>
-            <a:fontRef idx="minor">
-              <a:schemeClr val="lt1"/>
-            </a:fontRef>
-          </p:style>
-          <p:txBody>
-            <a:bodyPr rtlCol="0" anchor="ctr"/>
-            <a:lstStyle/>
-            <a:p>
-              <a:pPr algn="ctr"/>
-              <a:endParaRPr lang="zh-TW" altLang="en-US"/>
-            </a:p>
-          </p:txBody>
-        </p:sp>
-        <p:cxnSp>
-          <p:nvCxnSpPr>
-            <p:cNvPr id="69" name="直線接點 68"/>
-            <p:cNvCxnSpPr/>
-            <p:nvPr/>
-          </p:nvCxnSpPr>
-          <p:spPr>
-            <a:xfrm>
-              <a:off x="0" y="1328094"/>
-              <a:ext cx="12187998" cy="4457674"/>
-            </a:xfrm>
-            <a:prstGeom prst="line">
-              <a:avLst/>
-            </a:prstGeom>
-            <a:ln>
+            </a:endParaRPr>
+          </a:p>
+        </p:txBody>
+      </p:sp>
+      <p:sp>
+        <p:nvSpPr>
+          <p:cNvPr id="69" name="矩形 68"/>
+          <p:cNvSpPr/>
+          <p:nvPr/>
+        </p:nvSpPr>
+        <p:spPr>
+          <a:xfrm>
+            <a:off x="419347" y="9098136"/>
+            <a:ext cx="11253015" cy="1008112"/>
+          </a:xfrm>
+          <a:prstGeom prst="rect">
+            <a:avLst/>
+          </a:prstGeom>
+          <a:noFill/>
+        </p:spPr>
+        <p:style>
+          <a:lnRef idx="2">
+            <a:schemeClr val="accent1">
+              <a:shade val="50000"/>
+            </a:schemeClr>
+          </a:lnRef>
+          <a:fillRef idx="1">
+            <a:schemeClr val="accent1"/>
+          </a:fillRef>
+          <a:effectRef idx="0">
+            <a:schemeClr val="accent1"/>
+          </a:effectRef>
+          <a:fontRef idx="minor">
+            <a:schemeClr val="lt1"/>
+          </a:fontRef>
+        </p:style>
+        <p:txBody>
+          <a:bodyPr rtlCol="0" anchor="ctr"/>
+          <a:lstStyle/>
+          <a:p>
+            <a:pPr algn="ctr"/>
+            <a:r>
+              <a:rPr lang="zh-TW" altLang="en-US" dirty="0" smtClean="0">
+                <a:solidFill>
+                  <a:schemeClr val="tx1"/>
+                </a:solidFill>
+              </a:rPr>
+              <a:t>全部議題</a:t>
+            </a:r>
+            <a:endParaRPr lang="zh-TW" altLang="en-US" dirty="0">
               <a:solidFill>
                 <a:schemeClr val="tx1"/>
               </a:solidFill>
-            </a:ln>
-          </p:spPr>
-          <p:style>
-            <a:lnRef idx="1">
-              <a:schemeClr val="accent1"/>
-            </a:lnRef>
-            <a:fillRef idx="0">
-              <a:schemeClr val="accent1"/>
-            </a:fillRef>
-            <a:effectRef idx="0">
-              <a:schemeClr val="accent1"/>
-            </a:effectRef>
-            <a:fontRef idx="minor">
-              <a:schemeClr val="tx1"/>
-            </a:fontRef>
-          </p:style>
-        </p:cxnSp>
-        <p:cxnSp>
-          <p:nvCxnSpPr>
-            <p:cNvPr id="70" name="直線接點 69"/>
-            <p:cNvCxnSpPr/>
-            <p:nvPr/>
-          </p:nvCxnSpPr>
-          <p:spPr>
-            <a:xfrm flipH="1">
-              <a:off x="0" y="1321272"/>
-              <a:ext cx="12195175" cy="4464496"/>
-            </a:xfrm>
-            <a:prstGeom prst="line">
-              <a:avLst/>
-            </a:prstGeom>
-            <a:ln>
+            </a:endParaRPr>
+          </a:p>
+        </p:txBody>
+      </p:sp>
+      <p:sp>
+        <p:nvSpPr>
+          <p:cNvPr id="73" name="矩形 72"/>
+          <p:cNvSpPr/>
+          <p:nvPr/>
+        </p:nvSpPr>
+        <p:spPr>
+          <a:xfrm>
+            <a:off x="2397879" y="10537987"/>
+            <a:ext cx="7363846" cy="612454"/>
+          </a:xfrm>
+          <a:prstGeom prst="rect">
+            <a:avLst/>
+          </a:prstGeom>
+          <a:noFill/>
+        </p:spPr>
+        <p:style>
+          <a:lnRef idx="2">
+            <a:schemeClr val="accent1">
+              <a:shade val="50000"/>
+            </a:schemeClr>
+          </a:lnRef>
+          <a:fillRef idx="1">
+            <a:schemeClr val="accent1"/>
+          </a:fillRef>
+          <a:effectRef idx="0">
+            <a:schemeClr val="accent1"/>
+          </a:effectRef>
+          <a:fontRef idx="minor">
+            <a:schemeClr val="lt1"/>
+          </a:fontRef>
+        </p:style>
+        <p:txBody>
+          <a:bodyPr rtlCol="0" anchor="ctr"/>
+          <a:lstStyle/>
+          <a:p>
+            <a:r>
+              <a:rPr lang="en-US" altLang="zh-TW" dirty="0" smtClean="0">
+                <a:solidFill>
+                  <a:schemeClr val="tx1"/>
+                </a:solidFill>
+              </a:rPr>
+              <a:t>1.</a:t>
+            </a:r>
+            <a:endParaRPr lang="zh-TW" altLang="en-US" dirty="0">
               <a:solidFill>
                 <a:schemeClr val="tx1"/>
               </a:solidFill>
-            </a:ln>
-          </p:spPr>
-          <p:style>
-            <a:lnRef idx="1">
-              <a:schemeClr val="accent1"/>
-            </a:lnRef>
-            <a:fillRef idx="0">
-              <a:schemeClr val="accent1"/>
-            </a:fillRef>
-            <a:effectRef idx="0">
-              <a:schemeClr val="accent1"/>
-            </a:effectRef>
-            <a:fontRef idx="minor">
-              <a:schemeClr val="tx1"/>
-            </a:fontRef>
-          </p:style>
-        </p:cxnSp>
-      </p:grpSp>
-      <p:grpSp>
-        <p:nvGrpSpPr>
-          <p:cNvPr id="71" name="群組 70"/>
-          <p:cNvGrpSpPr/>
+            </a:endParaRPr>
+          </a:p>
+        </p:txBody>
+      </p:sp>
+      <p:sp>
+        <p:nvSpPr>
+          <p:cNvPr id="74" name="矩形 73"/>
+          <p:cNvSpPr/>
           <p:nvPr/>
-        </p:nvGrpSpPr>
-        <p:grpSpPr>
+        </p:nvSpPr>
+        <p:spPr>
           <a:xfrm>
-            <a:off x="-64826" y="3320008"/>
-            <a:ext cx="521365" cy="655569"/>
-            <a:chOff x="0" y="1321272"/>
-            <a:chExt cx="12195175" cy="4464496"/>
+            <a:off x="2395193" y="11582180"/>
+            <a:ext cx="7353616" cy="612454"/>
           </a:xfrm>
-        </p:grpSpPr>
-        <p:sp>
-          <p:nvSpPr>
-            <p:cNvPr id="72" name="矩形 71"/>
-            <p:cNvSpPr/>
-            <p:nvPr/>
-          </p:nvSpPr>
-          <p:spPr>
-            <a:xfrm>
-              <a:off x="0" y="1321272"/>
-              <a:ext cx="12187998" cy="4464496"/>
-            </a:xfrm>
-            <a:prstGeom prst="rect">
-              <a:avLst/>
-            </a:prstGeom>
-            <a:noFill/>
-            <a:ln>
+          <a:prstGeom prst="rect">
+            <a:avLst/>
+          </a:prstGeom>
+          <a:noFill/>
+        </p:spPr>
+        <p:style>
+          <a:lnRef idx="2">
+            <a:schemeClr val="accent1">
+              <a:shade val="50000"/>
+            </a:schemeClr>
+          </a:lnRef>
+          <a:fillRef idx="1">
+            <a:schemeClr val="accent1"/>
+          </a:fillRef>
+          <a:effectRef idx="0">
+            <a:schemeClr val="accent1"/>
+          </a:effectRef>
+          <a:fontRef idx="minor">
+            <a:schemeClr val="lt1"/>
+          </a:fontRef>
+        </p:style>
+        <p:txBody>
+          <a:bodyPr rtlCol="0" anchor="ctr"/>
+          <a:lstStyle/>
+          <a:p>
+            <a:r>
+              <a:rPr lang="en-US" altLang="zh-TW" dirty="0">
+                <a:solidFill>
+                  <a:schemeClr val="tx1"/>
+                </a:solidFill>
+              </a:rPr>
+              <a:t>2</a:t>
+            </a:r>
+            <a:r>
+              <a:rPr lang="en-US" altLang="zh-TW" dirty="0" smtClean="0">
+                <a:solidFill>
+                  <a:schemeClr val="tx1"/>
+                </a:solidFill>
+              </a:rPr>
+              <a:t>.</a:t>
+            </a:r>
+            <a:endParaRPr lang="zh-TW" altLang="en-US" dirty="0">
               <a:solidFill>
                 <a:schemeClr val="tx1"/>
               </a:solidFill>
-            </a:ln>
-          </p:spPr>
-          <p:style>
-            <a:lnRef idx="2">
-              <a:schemeClr val="accent1">
-                <a:shade val="50000"/>
-              </a:schemeClr>
-            </a:lnRef>
-            <a:fillRef idx="1">
-              <a:schemeClr val="accent1"/>
-            </a:fillRef>
-            <a:effectRef idx="0">
-              <a:schemeClr val="accent1"/>
-            </a:effectRef>
-            <a:fontRef idx="minor">
-              <a:schemeClr val="lt1"/>
-            </a:fontRef>
-          </p:style>
-          <p:txBody>
-            <a:bodyPr rtlCol="0" anchor="ctr"/>
-            <a:lstStyle/>
-            <a:p>
-              <a:pPr algn="ctr"/>
-              <a:endParaRPr lang="zh-TW" altLang="en-US"/>
-            </a:p>
-          </p:txBody>
-        </p:sp>
-        <p:cxnSp>
-          <p:nvCxnSpPr>
-            <p:cNvPr id="73" name="直線接點 72"/>
-            <p:cNvCxnSpPr/>
-            <p:nvPr/>
-          </p:nvCxnSpPr>
-          <p:spPr>
-            <a:xfrm>
-              <a:off x="0" y="1328094"/>
-              <a:ext cx="12187998" cy="4457674"/>
-            </a:xfrm>
-            <a:prstGeom prst="line">
-              <a:avLst/>
-            </a:prstGeom>
-            <a:ln>
+            </a:endParaRPr>
+          </a:p>
+        </p:txBody>
+      </p:sp>
+      <p:sp>
+        <p:nvSpPr>
+          <p:cNvPr id="75" name="矩形 74"/>
+          <p:cNvSpPr/>
+          <p:nvPr/>
+        </p:nvSpPr>
+        <p:spPr>
+          <a:xfrm>
+            <a:off x="2395354" y="12626373"/>
+            <a:ext cx="7353278" cy="612454"/>
+          </a:xfrm>
+          <a:prstGeom prst="rect">
+            <a:avLst/>
+          </a:prstGeom>
+          <a:noFill/>
+        </p:spPr>
+        <p:style>
+          <a:lnRef idx="2">
+            <a:schemeClr val="accent1">
+              <a:shade val="50000"/>
+            </a:schemeClr>
+          </a:lnRef>
+          <a:fillRef idx="1">
+            <a:schemeClr val="accent1"/>
+          </a:fillRef>
+          <a:effectRef idx="0">
+            <a:schemeClr val="accent1"/>
+          </a:effectRef>
+          <a:fontRef idx="minor">
+            <a:schemeClr val="lt1"/>
+          </a:fontRef>
+        </p:style>
+        <p:txBody>
+          <a:bodyPr rtlCol="0" anchor="ctr"/>
+          <a:lstStyle/>
+          <a:p>
+            <a:r>
+              <a:rPr lang="en-US" altLang="zh-TW" dirty="0" smtClean="0">
+                <a:solidFill>
+                  <a:schemeClr val="tx1"/>
+                </a:solidFill>
+              </a:rPr>
+              <a:t>3.</a:t>
+            </a:r>
+            <a:endParaRPr lang="zh-TW" altLang="en-US" dirty="0">
               <a:solidFill>
                 <a:schemeClr val="tx1"/>
               </a:solidFill>
-            </a:ln>
-          </p:spPr>
-          <p:style>
-            <a:lnRef idx="1">
-              <a:schemeClr val="accent1"/>
-            </a:lnRef>
-            <a:fillRef idx="0">
-              <a:schemeClr val="accent1"/>
-            </a:fillRef>
-            <a:effectRef idx="0">
-              <a:schemeClr val="accent1"/>
-            </a:effectRef>
-            <a:fontRef idx="minor">
-              <a:schemeClr val="tx1"/>
-            </a:fontRef>
-          </p:style>
-        </p:cxnSp>
-        <p:cxnSp>
-          <p:nvCxnSpPr>
-            <p:cNvPr id="74" name="直線接點 73"/>
-            <p:cNvCxnSpPr/>
-            <p:nvPr/>
-          </p:nvCxnSpPr>
-          <p:spPr>
-            <a:xfrm flipH="1">
-              <a:off x="0" y="1321272"/>
-              <a:ext cx="12195175" cy="4464496"/>
-            </a:xfrm>
-            <a:prstGeom prst="line">
-              <a:avLst/>
-            </a:prstGeom>
-            <a:ln>
+            </a:endParaRPr>
+          </a:p>
+        </p:txBody>
+      </p:sp>
+      <p:sp>
+        <p:nvSpPr>
+          <p:cNvPr id="76" name="矩形 75"/>
+          <p:cNvSpPr/>
+          <p:nvPr/>
+        </p:nvSpPr>
+        <p:spPr>
+          <a:xfrm>
+            <a:off x="2386772" y="13670566"/>
+            <a:ext cx="7353278" cy="612454"/>
+          </a:xfrm>
+          <a:prstGeom prst="rect">
+            <a:avLst/>
+          </a:prstGeom>
+          <a:noFill/>
+        </p:spPr>
+        <p:style>
+          <a:lnRef idx="2">
+            <a:schemeClr val="accent1">
+              <a:shade val="50000"/>
+            </a:schemeClr>
+          </a:lnRef>
+          <a:fillRef idx="1">
+            <a:schemeClr val="accent1"/>
+          </a:fillRef>
+          <a:effectRef idx="0">
+            <a:schemeClr val="accent1"/>
+          </a:effectRef>
+          <a:fontRef idx="minor">
+            <a:schemeClr val="lt1"/>
+          </a:fontRef>
+        </p:style>
+        <p:txBody>
+          <a:bodyPr rtlCol="0" anchor="ctr"/>
+          <a:lstStyle/>
+          <a:p>
+            <a:r>
+              <a:rPr lang="en-US" altLang="zh-TW" dirty="0">
+                <a:solidFill>
+                  <a:schemeClr val="tx1"/>
+                </a:solidFill>
+              </a:rPr>
+              <a:t>4</a:t>
+            </a:r>
+            <a:r>
+              <a:rPr lang="en-US" altLang="zh-TW" dirty="0" smtClean="0">
+                <a:solidFill>
+                  <a:schemeClr val="tx1"/>
+                </a:solidFill>
+              </a:rPr>
+              <a:t>.</a:t>
+            </a:r>
+            <a:endParaRPr lang="zh-TW" altLang="en-US" dirty="0">
               <a:solidFill>
                 <a:schemeClr val="tx1"/>
               </a:solidFill>
-            </a:ln>
-          </p:spPr>
-          <p:style>
-            <a:lnRef idx="1">
-              <a:schemeClr val="accent1"/>
-            </a:lnRef>
-            <a:fillRef idx="0">
-              <a:schemeClr val="accent1"/>
-            </a:fillRef>
-            <a:effectRef idx="0">
-              <a:schemeClr val="accent1"/>
-            </a:effectRef>
-            <a:fontRef idx="minor">
-              <a:schemeClr val="tx1"/>
-            </a:fontRef>
-          </p:style>
-        </p:cxnSp>
-      </p:grpSp>
-      <p:grpSp>
-        <p:nvGrpSpPr>
-          <p:cNvPr id="75" name="群組 74"/>
-          <p:cNvGrpSpPr/>
-          <p:nvPr/>
-        </p:nvGrpSpPr>
-        <p:grpSpPr>
-          <a:xfrm>
-            <a:off x="-64825" y="4914174"/>
-            <a:ext cx="521366" cy="661788"/>
-            <a:chOff x="0" y="1321272"/>
-            <a:chExt cx="12195175" cy="4464496"/>
-          </a:xfrm>
-        </p:grpSpPr>
-        <p:sp>
-          <p:nvSpPr>
-            <p:cNvPr id="76" name="矩形 75"/>
-            <p:cNvSpPr/>
-            <p:nvPr/>
-          </p:nvSpPr>
-          <p:spPr>
-            <a:xfrm>
-              <a:off x="0" y="1321272"/>
-              <a:ext cx="12187998" cy="4464496"/>
-            </a:xfrm>
-            <a:prstGeom prst="rect">
-              <a:avLst/>
-            </a:prstGeom>
-            <a:noFill/>
-            <a:ln>
-              <a:solidFill>
-                <a:schemeClr val="tx1"/>
-              </a:solidFill>
-            </a:ln>
-          </p:spPr>
-          <p:style>
-            <a:lnRef idx="2">
-              <a:schemeClr val="accent1">
-                <a:shade val="50000"/>
-              </a:schemeClr>
-            </a:lnRef>
-            <a:fillRef idx="1">
-              <a:schemeClr val="accent1"/>
-            </a:fillRef>
-            <a:effectRef idx="0">
-              <a:schemeClr val="accent1"/>
-            </a:effectRef>
-            <a:fontRef idx="minor">
-              <a:schemeClr val="lt1"/>
-            </a:fontRef>
-          </p:style>
-          <p:txBody>
-            <a:bodyPr rtlCol="0" anchor="ctr"/>
-            <a:lstStyle/>
-            <a:p>
-              <a:pPr algn="ctr"/>
-              <a:endParaRPr lang="zh-TW" altLang="en-US"/>
-            </a:p>
-          </p:txBody>
-        </p:sp>
-        <p:cxnSp>
-          <p:nvCxnSpPr>
-            <p:cNvPr id="77" name="直線接點 76"/>
-            <p:cNvCxnSpPr/>
-            <p:nvPr/>
-          </p:nvCxnSpPr>
-          <p:spPr>
-            <a:xfrm>
-              <a:off x="0" y="1328094"/>
-              <a:ext cx="12187998" cy="4457674"/>
-            </a:xfrm>
-            <a:prstGeom prst="line">
-              <a:avLst/>
-            </a:prstGeom>
-            <a:ln>
-              <a:solidFill>
-                <a:schemeClr val="tx1"/>
-              </a:solidFill>
-            </a:ln>
-          </p:spPr>
-          <p:style>
-            <a:lnRef idx="1">
-              <a:schemeClr val="accent1"/>
-            </a:lnRef>
-            <a:fillRef idx="0">
-              <a:schemeClr val="accent1"/>
-            </a:fillRef>
-            <a:effectRef idx="0">
-              <a:schemeClr val="accent1"/>
-            </a:effectRef>
-            <a:fontRef idx="minor">
-              <a:schemeClr val="tx1"/>
-            </a:fontRef>
-          </p:style>
-        </p:cxnSp>
-        <p:cxnSp>
-          <p:nvCxnSpPr>
-            <p:cNvPr id="78" name="直線接點 77"/>
-            <p:cNvCxnSpPr/>
-            <p:nvPr/>
-          </p:nvCxnSpPr>
-          <p:spPr>
-            <a:xfrm flipH="1">
-              <a:off x="0" y="1321272"/>
-              <a:ext cx="12195175" cy="4464496"/>
-            </a:xfrm>
-            <a:prstGeom prst="line">
-              <a:avLst/>
-            </a:prstGeom>
-            <a:ln>
-              <a:solidFill>
-                <a:schemeClr val="tx1"/>
-              </a:solidFill>
-            </a:ln>
-          </p:spPr>
-          <p:style>
-            <a:lnRef idx="1">
-              <a:schemeClr val="accent1"/>
-            </a:lnRef>
-            <a:fillRef idx="0">
-              <a:schemeClr val="accent1"/>
-            </a:fillRef>
-            <a:effectRef idx="0">
-              <a:schemeClr val="accent1"/>
-            </a:effectRef>
-            <a:fontRef idx="minor">
-              <a:schemeClr val="tx1"/>
-            </a:fontRef>
-          </p:style>
-        </p:cxnSp>
-      </p:grpSp>
+            </a:endParaRPr>
+          </a:p>
+        </p:txBody>
+      </p:sp>
     </p:spTree>
     <p:extLst>
       <p:ext uri="{BB962C8B-B14F-4D97-AF65-F5344CB8AC3E}">
-        <p14:creationId xmlns:p14="http://schemas.microsoft.com/office/powerpoint/2010/main" val="505005003"/>
+        <p14:creationId xmlns:p14="http://schemas.microsoft.com/office/powerpoint/2010/main" val="206578510"/>
       </p:ext>
     </p:extLst>
   </p:cSld>
@@ -7093,7 +7068,7 @@
         </p:nvGrpSpPr>
         <p:grpSpPr>
           <a:xfrm>
-            <a:off x="4306623" y="-3745"/>
+            <a:off x="547674" y="-2736"/>
             <a:ext cx="3529092" cy="1321272"/>
             <a:chOff x="0" y="1321272"/>
             <a:chExt cx="12195175" cy="4464496"/>
@@ -7251,15 +7226,68 @@
           </a:fontRef>
         </p:style>
       </p:cxnSp>
+      <p:sp>
+        <p:nvSpPr>
+          <p:cNvPr id="35" name="矩形 34"/>
+          <p:cNvSpPr/>
+          <p:nvPr/>
+        </p:nvSpPr>
+        <p:spPr>
+          <a:xfrm>
+            <a:off x="10098089" y="358867"/>
+            <a:ext cx="1574274" cy="598066"/>
+          </a:xfrm>
+          <a:prstGeom prst="rect">
+            <a:avLst/>
+          </a:prstGeom>
+          <a:noFill/>
+        </p:spPr>
+        <p:style>
+          <a:lnRef idx="2">
+            <a:schemeClr val="accent1">
+              <a:shade val="50000"/>
+            </a:schemeClr>
+          </a:lnRef>
+          <a:fillRef idx="1">
+            <a:schemeClr val="accent1"/>
+          </a:fillRef>
+          <a:effectRef idx="0">
+            <a:schemeClr val="accent1"/>
+          </a:effectRef>
+          <a:fontRef idx="minor">
+            <a:schemeClr val="lt1"/>
+          </a:fontRef>
+        </p:style>
+        <p:txBody>
+          <a:bodyPr rtlCol="0" anchor="ctr"/>
+          <a:lstStyle/>
+          <a:p>
+            <a:pPr algn="ctr"/>
+            <a:r>
+              <a:rPr lang="zh-TW" altLang="en-US" dirty="0" smtClean="0">
+                <a:solidFill>
+                  <a:schemeClr val="tx1"/>
+                </a:solidFill>
+              </a:rPr>
+              <a:t>漢堡</a:t>
+            </a:r>
+            <a:endParaRPr lang="zh-TW" altLang="en-US" dirty="0">
+              <a:solidFill>
+                <a:schemeClr val="tx1"/>
+              </a:solidFill>
+            </a:endParaRPr>
+          </a:p>
+        </p:txBody>
+      </p:sp>
       <p:cxnSp>
         <p:nvCxnSpPr>
-          <p:cNvPr id="35" name="直線接點 34"/>
+          <p:cNvPr id="36" name="直線接點 35"/>
           <p:cNvCxnSpPr/>
           <p:nvPr/>
         </p:nvCxnSpPr>
         <p:spPr>
           <a:xfrm>
-            <a:off x="-23093" y="7937396"/>
+            <a:off x="-27458" y="9458176"/>
             <a:ext cx="12195175" cy="0"/>
           </a:xfrm>
           <a:prstGeom prst="line">
@@ -7288,13 +7316,13 @@
       </p:cxnSp>
       <p:sp>
         <p:nvSpPr>
-          <p:cNvPr id="36" name="矩形 35"/>
+          <p:cNvPr id="37" name="矩形 36"/>
           <p:cNvSpPr/>
           <p:nvPr/>
         </p:nvSpPr>
         <p:spPr>
           <a:xfrm>
-            <a:off x="5277757" y="1903391"/>
+            <a:off x="480963" y="1903391"/>
             <a:ext cx="5461820" cy="655570"/>
           </a:xfrm>
           <a:prstGeom prst="rect">
@@ -7324,31 +7352,34 @@
           <a:p>
             <a:pPr algn="ctr"/>
             <a:r>
+              <a:rPr lang="zh-TW" altLang="en-US" dirty="0" smtClean="0">
+                <a:solidFill>
+                  <a:schemeClr val="tx1"/>
+                </a:solidFill>
+              </a:rPr>
+              <a:t>議題</a:t>
+            </a:r>
+            <a:r>
               <a:rPr lang="zh-TW" altLang="en-US" dirty="0">
                 <a:solidFill>
                   <a:schemeClr val="tx1"/>
                 </a:solidFill>
               </a:rPr>
-              <a:t>議題列表</a:t>
-            </a:r>
-            <a:endParaRPr lang="zh-TW" altLang="en-US" dirty="0">
-              <a:solidFill>
-                <a:schemeClr val="tx1"/>
-              </a:solidFill>
-            </a:endParaRPr>
-          </a:p>
-        </p:txBody>
-      </p:sp>
-      <p:sp>
-        <p:nvSpPr>
-          <p:cNvPr id="37" name="矩形 36"/>
+              <a:t>名稱</a:t>
+            </a:r>
+          </a:p>
+        </p:txBody>
+      </p:sp>
+      <p:sp>
+        <p:nvSpPr>
+          <p:cNvPr id="38" name="矩形 37"/>
           <p:cNvSpPr/>
           <p:nvPr/>
         </p:nvSpPr>
         <p:spPr>
           <a:xfrm>
-            <a:off x="-64825" y="1326113"/>
-            <a:ext cx="2432002" cy="6611283"/>
+            <a:off x="480963" y="3136239"/>
+            <a:ext cx="7361412" cy="1281377"/>
           </a:xfrm>
           <a:prstGeom prst="rect">
             <a:avLst/>
@@ -7376,27 +7407,732 @@
           <a:lstStyle/>
           <a:p>
             <a:pPr algn="ctr"/>
+            <a:r>
+              <a:rPr lang="zh-TW" altLang="en-US" dirty="0">
+                <a:solidFill>
+                  <a:schemeClr val="tx1"/>
+                </a:solidFill>
+              </a:rPr>
+              <a:t>議題描述</a:t>
+            </a:r>
+            <a:r>
+              <a:rPr lang="en-US" altLang="zh-TW" dirty="0" smtClean="0">
+                <a:solidFill>
+                  <a:schemeClr val="tx1"/>
+                </a:solidFill>
+              </a:rPr>
+              <a:t>.</a:t>
+            </a:r>
+            <a:endParaRPr lang="zh-TW" altLang="en-US" dirty="0">
+              <a:solidFill>
+                <a:schemeClr val="tx1"/>
+              </a:solidFill>
+            </a:endParaRPr>
+          </a:p>
+        </p:txBody>
+      </p:sp>
+      <p:sp>
+        <p:nvSpPr>
+          <p:cNvPr id="39" name="矩形 38"/>
+          <p:cNvSpPr/>
+          <p:nvPr/>
+        </p:nvSpPr>
+        <p:spPr>
+          <a:xfrm>
+            <a:off x="-6717055" y="4427615"/>
+            <a:ext cx="1574274" cy="598066"/>
+          </a:xfrm>
+          <a:prstGeom prst="rect">
+            <a:avLst/>
+          </a:prstGeom>
+          <a:noFill/>
+        </p:spPr>
+        <p:style>
+          <a:lnRef idx="2">
+            <a:schemeClr val="accent1">
+              <a:shade val="50000"/>
+            </a:schemeClr>
+          </a:lnRef>
+          <a:fillRef idx="1">
+            <a:schemeClr val="accent1"/>
+          </a:fillRef>
+          <a:effectRef idx="0">
+            <a:schemeClr val="accent1"/>
+          </a:effectRef>
+          <a:fontRef idx="minor">
+            <a:schemeClr val="lt1"/>
+          </a:fontRef>
+        </p:style>
+        <p:txBody>
+          <a:bodyPr rtlCol="0" anchor="ctr"/>
+          <a:lstStyle/>
+          <a:p>
+            <a:pPr algn="ctr"/>
+            <a:endParaRPr lang="zh-TW" altLang="en-US"/>
+          </a:p>
+        </p:txBody>
+      </p:sp>
+      <p:sp>
+        <p:nvSpPr>
+          <p:cNvPr id="40" name="矩形 39"/>
+          <p:cNvSpPr/>
+          <p:nvPr/>
+        </p:nvSpPr>
+        <p:spPr>
+          <a:xfrm>
+            <a:off x="456539" y="5192102"/>
+            <a:ext cx="1574274" cy="598066"/>
+          </a:xfrm>
+          <a:prstGeom prst="rect">
+            <a:avLst/>
+          </a:prstGeom>
+          <a:noFill/>
+        </p:spPr>
+        <p:style>
+          <a:lnRef idx="2">
+            <a:schemeClr val="accent1">
+              <a:shade val="50000"/>
+            </a:schemeClr>
+          </a:lnRef>
+          <a:fillRef idx="1">
+            <a:schemeClr val="accent1"/>
+          </a:fillRef>
+          <a:effectRef idx="0">
+            <a:schemeClr val="accent1"/>
+          </a:effectRef>
+          <a:fontRef idx="minor">
+            <a:schemeClr val="lt1"/>
+          </a:fontRef>
+        </p:style>
+        <p:txBody>
+          <a:bodyPr rtlCol="0" anchor="ctr"/>
+          <a:lstStyle/>
+          <a:p>
+            <a:pPr algn="ctr"/>
+            <a:r>
+              <a:rPr lang="zh-TW" altLang="en-US" dirty="0" smtClean="0">
+                <a:solidFill>
+                  <a:schemeClr val="tx1"/>
+                </a:solidFill>
+              </a:rPr>
+              <a:t>匿名</a:t>
+            </a:r>
+            <a:r>
+              <a:rPr lang="en-US" altLang="zh-TW" dirty="0" smtClean="0">
+                <a:solidFill>
+                  <a:schemeClr val="tx1"/>
+                </a:solidFill>
+              </a:rPr>
+              <a:t>:</a:t>
+            </a:r>
+            <a:endParaRPr lang="zh-TW" altLang="en-US" dirty="0">
+              <a:solidFill>
+                <a:schemeClr val="tx1"/>
+              </a:solidFill>
+            </a:endParaRPr>
+          </a:p>
+        </p:txBody>
+      </p:sp>
+      <p:cxnSp>
+        <p:nvCxnSpPr>
+          <p:cNvPr id="41" name="直線接點 40"/>
+          <p:cNvCxnSpPr/>
+          <p:nvPr/>
+        </p:nvCxnSpPr>
+        <p:spPr>
+          <a:xfrm>
+            <a:off x="-23093" y="4705648"/>
+            <a:ext cx="12195175" cy="0"/>
+          </a:xfrm>
+          <a:prstGeom prst="line">
+            <a:avLst/>
+          </a:prstGeom>
+          <a:ln>
+            <a:solidFill>
+              <a:schemeClr val="tx1"/>
+            </a:solidFill>
+          </a:ln>
+        </p:spPr>
+        <p:style>
+          <a:lnRef idx="1">
+            <a:schemeClr val="accent1"/>
+          </a:lnRef>
+          <a:fillRef idx="0">
+            <a:schemeClr val="accent1"/>
+          </a:fillRef>
+          <a:effectRef idx="0">
+            <a:schemeClr val="accent1"/>
+          </a:effectRef>
+          <a:fontRef idx="minor">
+            <a:schemeClr val="tx1"/>
+          </a:fontRef>
+        </p:style>
+      </p:cxnSp>
+      <p:sp>
+        <p:nvSpPr>
+          <p:cNvPr id="42" name="矩形 41"/>
+          <p:cNvSpPr/>
+          <p:nvPr/>
+        </p:nvSpPr>
+        <p:spPr>
+          <a:xfrm>
+            <a:off x="2400313" y="5192102"/>
+            <a:ext cx="9294140" cy="598066"/>
+          </a:xfrm>
+          <a:prstGeom prst="rect">
+            <a:avLst/>
+          </a:prstGeom>
+          <a:noFill/>
+        </p:spPr>
+        <p:style>
+          <a:lnRef idx="2">
+            <a:schemeClr val="accent1">
+              <a:shade val="50000"/>
+            </a:schemeClr>
+          </a:lnRef>
+          <a:fillRef idx="1">
+            <a:schemeClr val="accent1"/>
+          </a:fillRef>
+          <a:effectRef idx="0">
+            <a:schemeClr val="accent1"/>
+          </a:effectRef>
+          <a:fontRef idx="minor">
+            <a:schemeClr val="lt1"/>
+          </a:fontRef>
+        </p:style>
+        <p:txBody>
+          <a:bodyPr rtlCol="0" anchor="ctr"/>
+          <a:lstStyle/>
+          <a:p>
+            <a:pPr algn="ctr"/>
+            <a:endParaRPr lang="zh-TW" altLang="en-US"/>
+          </a:p>
+        </p:txBody>
+      </p:sp>
+      <p:sp>
+        <p:nvSpPr>
+          <p:cNvPr id="43" name="矩形 42"/>
+          <p:cNvSpPr/>
+          <p:nvPr/>
+        </p:nvSpPr>
+        <p:spPr>
+          <a:xfrm>
+            <a:off x="456539" y="6276622"/>
+            <a:ext cx="1574274" cy="598066"/>
+          </a:xfrm>
+          <a:prstGeom prst="rect">
+            <a:avLst/>
+          </a:prstGeom>
+          <a:noFill/>
+        </p:spPr>
+        <p:style>
+          <a:lnRef idx="2">
+            <a:schemeClr val="accent1">
+              <a:shade val="50000"/>
+            </a:schemeClr>
+          </a:lnRef>
+          <a:fillRef idx="1">
+            <a:schemeClr val="accent1"/>
+          </a:fillRef>
+          <a:effectRef idx="0">
+            <a:schemeClr val="accent1"/>
+          </a:effectRef>
+          <a:fontRef idx="minor">
+            <a:schemeClr val="lt1"/>
+          </a:fontRef>
+        </p:style>
+        <p:txBody>
+          <a:bodyPr rtlCol="0" anchor="ctr"/>
+          <a:lstStyle/>
+          <a:p>
+            <a:pPr algn="ctr"/>
+            <a:r>
+              <a:rPr lang="zh-TW" altLang="en-US" dirty="0" smtClean="0">
+                <a:solidFill>
+                  <a:schemeClr val="tx1"/>
+                </a:solidFill>
+              </a:rPr>
+              <a:t>匿名</a:t>
+            </a:r>
+            <a:r>
+              <a:rPr lang="en-US" altLang="zh-TW" dirty="0" smtClean="0">
+                <a:solidFill>
+                  <a:schemeClr val="tx1"/>
+                </a:solidFill>
+              </a:rPr>
+              <a:t>:</a:t>
+            </a:r>
+            <a:endParaRPr lang="zh-TW" altLang="en-US" dirty="0">
+              <a:solidFill>
+                <a:schemeClr val="tx1"/>
+              </a:solidFill>
+            </a:endParaRPr>
+          </a:p>
+        </p:txBody>
+      </p:sp>
+      <p:sp>
+        <p:nvSpPr>
+          <p:cNvPr id="44" name="矩形 43"/>
+          <p:cNvSpPr/>
+          <p:nvPr/>
+        </p:nvSpPr>
+        <p:spPr>
+          <a:xfrm>
+            <a:off x="456539" y="7361142"/>
+            <a:ext cx="1574274" cy="598066"/>
+          </a:xfrm>
+          <a:prstGeom prst="rect">
+            <a:avLst/>
+          </a:prstGeom>
+          <a:noFill/>
+        </p:spPr>
+        <p:style>
+          <a:lnRef idx="2">
+            <a:schemeClr val="accent1">
+              <a:shade val="50000"/>
+            </a:schemeClr>
+          </a:lnRef>
+          <a:fillRef idx="1">
+            <a:schemeClr val="accent1"/>
+          </a:fillRef>
+          <a:effectRef idx="0">
+            <a:schemeClr val="accent1"/>
+          </a:effectRef>
+          <a:fontRef idx="minor">
+            <a:schemeClr val="lt1"/>
+          </a:fontRef>
+        </p:style>
+        <p:txBody>
+          <a:bodyPr rtlCol="0" anchor="ctr"/>
+          <a:lstStyle/>
+          <a:p>
+            <a:pPr algn="ctr"/>
+            <a:r>
+              <a:rPr lang="zh-TW" altLang="en-US" dirty="0" smtClean="0">
+                <a:solidFill>
+                  <a:schemeClr val="tx1"/>
+                </a:solidFill>
+              </a:rPr>
+              <a:t>匿名</a:t>
+            </a:r>
+            <a:r>
+              <a:rPr lang="en-US" altLang="zh-TW" dirty="0" smtClean="0">
+                <a:solidFill>
+                  <a:schemeClr val="tx1"/>
+                </a:solidFill>
+              </a:rPr>
+              <a:t>:</a:t>
+            </a:r>
+            <a:endParaRPr lang="zh-TW" altLang="en-US" dirty="0">
+              <a:solidFill>
+                <a:schemeClr val="tx1"/>
+              </a:solidFill>
+            </a:endParaRPr>
+          </a:p>
+        </p:txBody>
+      </p:sp>
+      <p:sp>
+        <p:nvSpPr>
+          <p:cNvPr id="45" name="矩形 44"/>
+          <p:cNvSpPr/>
+          <p:nvPr/>
+        </p:nvSpPr>
+        <p:spPr>
+          <a:xfrm>
+            <a:off x="456539" y="8445662"/>
+            <a:ext cx="1574274" cy="598066"/>
+          </a:xfrm>
+          <a:prstGeom prst="rect">
+            <a:avLst/>
+          </a:prstGeom>
+          <a:noFill/>
+        </p:spPr>
+        <p:style>
+          <a:lnRef idx="2">
+            <a:schemeClr val="accent1">
+              <a:shade val="50000"/>
+            </a:schemeClr>
+          </a:lnRef>
+          <a:fillRef idx="1">
+            <a:schemeClr val="accent1"/>
+          </a:fillRef>
+          <a:effectRef idx="0">
+            <a:schemeClr val="accent1"/>
+          </a:effectRef>
+          <a:fontRef idx="minor">
+            <a:schemeClr val="lt1"/>
+          </a:fontRef>
+        </p:style>
+        <p:txBody>
+          <a:bodyPr rtlCol="0" anchor="ctr"/>
+          <a:lstStyle/>
+          <a:p>
+            <a:pPr algn="ctr"/>
+            <a:r>
+              <a:rPr lang="zh-TW" altLang="en-US" dirty="0" smtClean="0">
+                <a:solidFill>
+                  <a:schemeClr val="tx1"/>
+                </a:solidFill>
+              </a:rPr>
+              <a:t>匿名</a:t>
+            </a:r>
+            <a:r>
+              <a:rPr lang="en-US" altLang="zh-TW" dirty="0" smtClean="0">
+                <a:solidFill>
+                  <a:schemeClr val="tx1"/>
+                </a:solidFill>
+              </a:rPr>
+              <a:t>:</a:t>
+            </a:r>
+            <a:endParaRPr lang="zh-TW" altLang="en-US" dirty="0">
+              <a:solidFill>
+                <a:schemeClr val="tx1"/>
+              </a:solidFill>
+            </a:endParaRPr>
+          </a:p>
+        </p:txBody>
+      </p:sp>
+      <p:sp>
+        <p:nvSpPr>
+          <p:cNvPr id="46" name="矩形 45"/>
+          <p:cNvSpPr/>
+          <p:nvPr/>
+        </p:nvSpPr>
+        <p:spPr>
+          <a:xfrm>
+            <a:off x="2378223" y="6276622"/>
+            <a:ext cx="9294140" cy="598066"/>
+          </a:xfrm>
+          <a:prstGeom prst="rect">
+            <a:avLst/>
+          </a:prstGeom>
+          <a:noFill/>
+        </p:spPr>
+        <p:style>
+          <a:lnRef idx="2">
+            <a:schemeClr val="accent1">
+              <a:shade val="50000"/>
+            </a:schemeClr>
+          </a:lnRef>
+          <a:fillRef idx="1">
+            <a:schemeClr val="accent1"/>
+          </a:fillRef>
+          <a:effectRef idx="0">
+            <a:schemeClr val="accent1"/>
+          </a:effectRef>
+          <a:fontRef idx="minor">
+            <a:schemeClr val="lt1"/>
+          </a:fontRef>
+        </p:style>
+        <p:txBody>
+          <a:bodyPr rtlCol="0" anchor="ctr"/>
+          <a:lstStyle/>
+          <a:p>
+            <a:pPr algn="ctr"/>
+            <a:endParaRPr lang="zh-TW" altLang="en-US"/>
+          </a:p>
+        </p:txBody>
+      </p:sp>
+      <p:sp>
+        <p:nvSpPr>
+          <p:cNvPr id="47" name="矩形 46"/>
+          <p:cNvSpPr/>
+          <p:nvPr/>
+        </p:nvSpPr>
+        <p:spPr>
+          <a:xfrm>
+            <a:off x="2367177" y="7361142"/>
+            <a:ext cx="9294140" cy="598066"/>
+          </a:xfrm>
+          <a:prstGeom prst="rect">
+            <a:avLst/>
+          </a:prstGeom>
+          <a:noFill/>
+        </p:spPr>
+        <p:style>
+          <a:lnRef idx="2">
+            <a:schemeClr val="accent1">
+              <a:shade val="50000"/>
+            </a:schemeClr>
+          </a:lnRef>
+          <a:fillRef idx="1">
+            <a:schemeClr val="accent1"/>
+          </a:fillRef>
+          <a:effectRef idx="0">
+            <a:schemeClr val="accent1"/>
+          </a:effectRef>
+          <a:fontRef idx="minor">
+            <a:schemeClr val="lt1"/>
+          </a:fontRef>
+        </p:style>
+        <p:txBody>
+          <a:bodyPr rtlCol="0" anchor="ctr"/>
+          <a:lstStyle/>
+          <a:p>
+            <a:pPr algn="ctr"/>
+            <a:endParaRPr lang="zh-TW" altLang="en-US"/>
+          </a:p>
+        </p:txBody>
+      </p:sp>
+      <p:sp>
+        <p:nvSpPr>
+          <p:cNvPr id="48" name="矩形 47"/>
+          <p:cNvSpPr/>
+          <p:nvPr/>
+        </p:nvSpPr>
+        <p:spPr>
+          <a:xfrm>
+            <a:off x="2367177" y="8445662"/>
+            <a:ext cx="9294140" cy="598066"/>
+          </a:xfrm>
+          <a:prstGeom prst="rect">
+            <a:avLst/>
+          </a:prstGeom>
+          <a:noFill/>
+        </p:spPr>
+        <p:style>
+          <a:lnRef idx="2">
+            <a:schemeClr val="accent1">
+              <a:shade val="50000"/>
+            </a:schemeClr>
+          </a:lnRef>
+          <a:fillRef idx="1">
+            <a:schemeClr val="accent1"/>
+          </a:fillRef>
+          <a:effectRef idx="0">
+            <a:schemeClr val="accent1"/>
+          </a:effectRef>
+          <a:fontRef idx="minor">
+            <a:schemeClr val="lt1"/>
+          </a:fontRef>
+        </p:style>
+        <p:txBody>
+          <a:bodyPr rtlCol="0" anchor="ctr"/>
+          <a:lstStyle/>
+          <a:p>
+            <a:pPr algn="ctr"/>
+            <a:endParaRPr lang="zh-TW" altLang="en-US"/>
+          </a:p>
+        </p:txBody>
+      </p:sp>
+      <p:sp>
+        <p:nvSpPr>
+          <p:cNvPr id="49" name="矩形 48"/>
+          <p:cNvSpPr/>
+          <p:nvPr/>
+        </p:nvSpPr>
+        <p:spPr>
+          <a:xfrm>
+            <a:off x="469461" y="9880488"/>
+            <a:ext cx="2492703" cy="598066"/>
+          </a:xfrm>
+          <a:prstGeom prst="rect">
+            <a:avLst/>
+          </a:prstGeom>
+          <a:noFill/>
+        </p:spPr>
+        <p:style>
+          <a:lnRef idx="2">
+            <a:schemeClr val="accent1">
+              <a:shade val="50000"/>
+            </a:schemeClr>
+          </a:lnRef>
+          <a:fillRef idx="1">
+            <a:schemeClr val="accent1"/>
+          </a:fillRef>
+          <a:effectRef idx="0">
+            <a:schemeClr val="accent1"/>
+          </a:effectRef>
+          <a:fontRef idx="minor">
+            <a:schemeClr val="lt1"/>
+          </a:fontRef>
+        </p:style>
+        <p:txBody>
+          <a:bodyPr rtlCol="0" anchor="ctr"/>
+          <a:lstStyle/>
+          <a:p>
+            <a:pPr algn="ctr"/>
+            <a:r>
+              <a:rPr lang="en-US" altLang="zh-TW" dirty="0" smtClean="0">
+                <a:solidFill>
+                  <a:schemeClr val="tx1"/>
+                </a:solidFill>
+              </a:rPr>
+              <a:t>copyright</a:t>
+            </a:r>
+            <a:endParaRPr lang="zh-TW" altLang="en-US" dirty="0">
+              <a:solidFill>
+                <a:schemeClr val="tx1"/>
+              </a:solidFill>
+            </a:endParaRPr>
+          </a:p>
+        </p:txBody>
+      </p:sp>
+      <p:pic>
+        <p:nvPicPr>
+          <p:cNvPr id="2" name="圖片 1"/>
+          <p:cNvPicPr>
+            <a:picLocks noChangeAspect="1"/>
+          </p:cNvPicPr>
+          <p:nvPr/>
+        </p:nvPicPr>
+        <p:blipFill>
+          <a:blip r:embed="rId2"/>
+          <a:stretch>
+            <a:fillRect/>
+          </a:stretch>
+        </p:blipFill>
+        <p:spPr>
+          <a:xfrm>
+            <a:off x="-65793" y="11106355"/>
+            <a:ext cx="12205250" cy="12193"/>
+          </a:xfrm>
+          <a:prstGeom prst="rect">
+            <a:avLst/>
+          </a:prstGeom>
+        </p:spPr>
+      </p:pic>
+      <p:sp>
+        <p:nvSpPr>
+          <p:cNvPr id="3" name="文字方塊 2"/>
+          <p:cNvSpPr txBox="1"/>
+          <p:nvPr/>
+        </p:nvSpPr>
+        <p:spPr>
+          <a:xfrm>
+            <a:off x="13658427" y="11118548"/>
+            <a:ext cx="5181794" cy="1046440"/>
+          </a:xfrm>
+          <a:prstGeom prst="rect">
+            <a:avLst/>
+          </a:prstGeom>
+          <a:noFill/>
+        </p:spPr>
+        <p:txBody>
+          <a:bodyPr wrap="square" rtlCol="0">
+            <a:spAutoFit/>
+          </a:bodyPr>
+          <a:lstStyle/>
+          <a:p>
+            <a:r>
+              <a:rPr lang="zh-TW" altLang="en-US" dirty="0" smtClean="0"/>
+              <a:t>把連杰拉到漢堡 帳號管理也是</a:t>
+            </a:r>
+            <a:endParaRPr lang="zh-TW" altLang="en-US" dirty="0"/>
+          </a:p>
+        </p:txBody>
+      </p:sp>
+      <p:sp>
+        <p:nvSpPr>
+          <p:cNvPr id="51" name="矩形 50"/>
+          <p:cNvSpPr/>
+          <p:nvPr/>
+        </p:nvSpPr>
+        <p:spPr>
+          <a:xfrm>
+            <a:off x="9153815" y="1838829"/>
+            <a:ext cx="2507502" cy="2578787"/>
+          </a:xfrm>
+          <a:prstGeom prst="rect">
+            <a:avLst/>
+          </a:prstGeom>
+          <a:noFill/>
+        </p:spPr>
+        <p:style>
+          <a:lnRef idx="2">
+            <a:schemeClr val="accent1">
+              <a:shade val="50000"/>
+            </a:schemeClr>
+          </a:lnRef>
+          <a:fillRef idx="1">
+            <a:schemeClr val="accent1"/>
+          </a:fillRef>
+          <a:effectRef idx="0">
+            <a:schemeClr val="accent1"/>
+          </a:effectRef>
+          <a:fontRef idx="minor">
+            <a:schemeClr val="lt1"/>
+          </a:fontRef>
+        </p:style>
+        <p:txBody>
+          <a:bodyPr rtlCol="0" anchor="ctr"/>
+          <a:lstStyle/>
+          <a:p>
+            <a:pPr algn="ctr"/>
+            <a:r>
+              <a:rPr lang="zh-TW" altLang="en-US" dirty="0" smtClean="0">
+                <a:solidFill>
+                  <a:schemeClr val="tx1"/>
+                </a:solidFill>
+              </a:rPr>
+              <a:t>創建者資料</a:t>
+            </a:r>
+            <a:endParaRPr lang="zh-TW" altLang="en-US" dirty="0">
+              <a:solidFill>
+                <a:schemeClr val="tx1"/>
+              </a:solidFill>
+            </a:endParaRPr>
+          </a:p>
+        </p:txBody>
+      </p:sp>
+      <p:sp>
+        <p:nvSpPr>
+          <p:cNvPr id="53" name="矩形 52"/>
+          <p:cNvSpPr/>
+          <p:nvPr/>
+        </p:nvSpPr>
+        <p:spPr>
+          <a:xfrm>
+            <a:off x="14773160" y="956933"/>
+            <a:ext cx="2952328" cy="7445060"/>
+          </a:xfrm>
+          <a:prstGeom prst="rect">
+            <a:avLst/>
+          </a:prstGeom>
+          <a:noFill/>
+        </p:spPr>
+        <p:style>
+          <a:lnRef idx="2">
+            <a:schemeClr val="accent1">
+              <a:shade val="50000"/>
+            </a:schemeClr>
+          </a:lnRef>
+          <a:fillRef idx="1">
+            <a:schemeClr val="accent1"/>
+          </a:fillRef>
+          <a:effectRef idx="0">
+            <a:schemeClr val="accent1"/>
+          </a:effectRef>
+          <a:fontRef idx="minor">
+            <a:schemeClr val="lt1"/>
+          </a:fontRef>
+        </p:style>
+        <p:txBody>
+          <a:bodyPr rtlCol="0" anchor="ctr"/>
+          <a:lstStyle/>
+          <a:p>
+            <a:pPr algn="ctr"/>
             <a:endParaRPr lang="zh-TW" altLang="en-US"/>
           </a:p>
         </p:txBody>
       </p:sp>
       <p:grpSp>
         <p:nvGrpSpPr>
-          <p:cNvPr id="38" name="群組 37"/>
+          <p:cNvPr id="54" name="群組 53"/>
           <p:cNvGrpSpPr/>
           <p:nvPr/>
         </p:nvGrpSpPr>
         <p:grpSpPr>
           <a:xfrm>
-            <a:off x="-64826" y="1903391"/>
-            <a:ext cx="521366" cy="655571"/>
+            <a:off x="14773160" y="956933"/>
+            <a:ext cx="2952328" cy="1580410"/>
             <a:chOff x="0" y="1321272"/>
             <a:chExt cx="12195175" cy="4464496"/>
           </a:xfrm>
         </p:grpSpPr>
         <p:sp>
           <p:nvSpPr>
-            <p:cNvPr id="39" name="矩形 38"/>
+            <p:cNvPr id="55" name="矩形 54"/>
             <p:cNvSpPr/>
             <p:nvPr/>
           </p:nvSpPr>
@@ -7442,7 +8178,7 @@
         </p:sp>
         <p:cxnSp>
           <p:nvCxnSpPr>
-            <p:cNvPr id="40" name="直線接點 39"/>
+            <p:cNvPr id="56" name="直線接點 55"/>
             <p:cNvCxnSpPr/>
             <p:nvPr/>
           </p:nvCxnSpPr>
@@ -7477,7 +8213,7 @@
         </p:cxnSp>
         <p:cxnSp>
           <p:nvCxnSpPr>
-            <p:cNvPr id="41" name="直線接點 40"/>
+            <p:cNvPr id="57" name="直線接點 56"/>
             <p:cNvCxnSpPr/>
             <p:nvPr/>
           </p:nvCxnSpPr>
@@ -7513,14 +8249,14 @@
       </p:grpSp>
       <p:sp>
         <p:nvSpPr>
-          <p:cNvPr id="42" name="矩形 41"/>
+          <p:cNvPr id="58" name="矩形 57"/>
           <p:cNvSpPr/>
           <p:nvPr/>
         </p:nvSpPr>
         <p:spPr>
           <a:xfrm>
-            <a:off x="456540" y="1903391"/>
-            <a:ext cx="1910636" cy="655570"/>
+            <a:off x="15246424" y="2825375"/>
+            <a:ext cx="1975008" cy="840922"/>
           </a:xfrm>
           <a:prstGeom prst="rect">
             <a:avLst/>
@@ -7549,12 +8285,12 @@
           <a:p>
             <a:pPr algn="ctr"/>
             <a:r>
-              <a:rPr lang="zh-TW" altLang="en-US" dirty="0" smtClean="0">
+              <a:rPr lang="en-US" altLang="zh-TW" dirty="0" smtClean="0">
                 <a:solidFill>
                   <a:schemeClr val="tx1"/>
                 </a:solidFill>
               </a:rPr>
-              <a:t>議題搜尋</a:t>
+              <a:t>HOME</a:t>
             </a:r>
             <a:endParaRPr lang="zh-TW" altLang="en-US" dirty="0">
               <a:solidFill>
@@ -7566,14 +8302,14 @@
       </p:sp>
       <p:sp>
         <p:nvSpPr>
-          <p:cNvPr id="43" name="矩形 42"/>
+          <p:cNvPr id="59" name="矩形 58"/>
           <p:cNvSpPr/>
           <p:nvPr/>
         </p:nvSpPr>
         <p:spPr>
           <a:xfrm>
-            <a:off x="456540" y="3320007"/>
-            <a:ext cx="1910635" cy="655570"/>
+            <a:off x="15260951" y="4116750"/>
+            <a:ext cx="1975008" cy="840922"/>
           </a:xfrm>
           <a:prstGeom prst="rect">
             <a:avLst/>
@@ -7602,12 +8338,12 @@
           <a:p>
             <a:pPr algn="ctr"/>
             <a:r>
-              <a:rPr lang="zh-TW" altLang="en-US" dirty="0" smtClean="0">
+              <a:rPr lang="en-US" altLang="zh-TW" dirty="0" smtClean="0">
                 <a:solidFill>
                   <a:schemeClr val="tx1"/>
                 </a:solidFill>
               </a:rPr>
-              <a:t>議題列表</a:t>
+              <a:t>HOME</a:t>
             </a:r>
             <a:endParaRPr lang="zh-TW" altLang="en-US" dirty="0">
               <a:solidFill>
@@ -7617,542 +8353,10 @@
           </a:p>
         </p:txBody>
       </p:sp>
-      <p:sp>
-        <p:nvSpPr>
-          <p:cNvPr id="44" name="矩形 43"/>
-          <p:cNvSpPr/>
-          <p:nvPr/>
-        </p:nvSpPr>
-        <p:spPr>
-          <a:xfrm>
-            <a:off x="456540" y="4920392"/>
-            <a:ext cx="1910635" cy="655570"/>
-          </a:xfrm>
-          <a:prstGeom prst="rect">
-            <a:avLst/>
-          </a:prstGeom>
-          <a:noFill/>
-        </p:spPr>
-        <p:style>
-          <a:lnRef idx="2">
-            <a:schemeClr val="accent1">
-              <a:shade val="50000"/>
-            </a:schemeClr>
-          </a:lnRef>
-          <a:fillRef idx="1">
-            <a:schemeClr val="accent1"/>
-          </a:fillRef>
-          <a:effectRef idx="0">
-            <a:schemeClr val="accent1"/>
-          </a:effectRef>
-          <a:fontRef idx="minor">
-            <a:schemeClr val="lt1"/>
-          </a:fontRef>
-        </p:style>
-        <p:txBody>
-          <a:bodyPr rtlCol="0" anchor="ctr"/>
-          <a:lstStyle/>
-          <a:p>
-            <a:pPr algn="ctr"/>
-            <a:r>
-              <a:rPr lang="zh-TW" altLang="en-US" dirty="0" smtClean="0">
-                <a:solidFill>
-                  <a:schemeClr val="tx1"/>
-                </a:solidFill>
-              </a:rPr>
-              <a:t>議題建立</a:t>
-            </a:r>
-            <a:endParaRPr lang="zh-TW" altLang="en-US" dirty="0">
-              <a:solidFill>
-                <a:schemeClr val="tx1"/>
-              </a:solidFill>
-            </a:endParaRPr>
-          </a:p>
-        </p:txBody>
-      </p:sp>
-      <p:grpSp>
-        <p:nvGrpSpPr>
-          <p:cNvPr id="45" name="群組 44"/>
-          <p:cNvGrpSpPr/>
-          <p:nvPr/>
-        </p:nvGrpSpPr>
-        <p:grpSpPr>
-          <a:xfrm>
-            <a:off x="-64826" y="3320008"/>
-            <a:ext cx="521365" cy="655569"/>
-            <a:chOff x="0" y="1321272"/>
-            <a:chExt cx="12195175" cy="4464496"/>
-          </a:xfrm>
-        </p:grpSpPr>
-        <p:sp>
-          <p:nvSpPr>
-            <p:cNvPr id="46" name="矩形 45"/>
-            <p:cNvSpPr/>
-            <p:nvPr/>
-          </p:nvSpPr>
-          <p:spPr>
-            <a:xfrm>
-              <a:off x="0" y="1321272"/>
-              <a:ext cx="12187998" cy="4464496"/>
-            </a:xfrm>
-            <a:prstGeom prst="rect">
-              <a:avLst/>
-            </a:prstGeom>
-            <a:noFill/>
-            <a:ln>
-              <a:solidFill>
-                <a:schemeClr val="tx1"/>
-              </a:solidFill>
-            </a:ln>
-          </p:spPr>
-          <p:style>
-            <a:lnRef idx="2">
-              <a:schemeClr val="accent1">
-                <a:shade val="50000"/>
-              </a:schemeClr>
-            </a:lnRef>
-            <a:fillRef idx="1">
-              <a:schemeClr val="accent1"/>
-            </a:fillRef>
-            <a:effectRef idx="0">
-              <a:schemeClr val="accent1"/>
-            </a:effectRef>
-            <a:fontRef idx="minor">
-              <a:schemeClr val="lt1"/>
-            </a:fontRef>
-          </p:style>
-          <p:txBody>
-            <a:bodyPr rtlCol="0" anchor="ctr"/>
-            <a:lstStyle/>
-            <a:p>
-              <a:pPr algn="ctr"/>
-              <a:endParaRPr lang="zh-TW" altLang="en-US"/>
-            </a:p>
-          </p:txBody>
-        </p:sp>
-        <p:cxnSp>
-          <p:nvCxnSpPr>
-            <p:cNvPr id="47" name="直線接點 46"/>
-            <p:cNvCxnSpPr/>
-            <p:nvPr/>
-          </p:nvCxnSpPr>
-          <p:spPr>
-            <a:xfrm>
-              <a:off x="0" y="1328094"/>
-              <a:ext cx="12187998" cy="4457674"/>
-            </a:xfrm>
-            <a:prstGeom prst="line">
-              <a:avLst/>
-            </a:prstGeom>
-            <a:ln>
-              <a:solidFill>
-                <a:schemeClr val="tx1"/>
-              </a:solidFill>
-            </a:ln>
-          </p:spPr>
-          <p:style>
-            <a:lnRef idx="1">
-              <a:schemeClr val="accent1"/>
-            </a:lnRef>
-            <a:fillRef idx="0">
-              <a:schemeClr val="accent1"/>
-            </a:fillRef>
-            <a:effectRef idx="0">
-              <a:schemeClr val="accent1"/>
-            </a:effectRef>
-            <a:fontRef idx="minor">
-              <a:schemeClr val="tx1"/>
-            </a:fontRef>
-          </p:style>
-        </p:cxnSp>
-        <p:cxnSp>
-          <p:nvCxnSpPr>
-            <p:cNvPr id="48" name="直線接點 47"/>
-            <p:cNvCxnSpPr/>
-            <p:nvPr/>
-          </p:nvCxnSpPr>
-          <p:spPr>
-            <a:xfrm flipH="1">
-              <a:off x="0" y="1321272"/>
-              <a:ext cx="12195175" cy="4464496"/>
-            </a:xfrm>
-            <a:prstGeom prst="line">
-              <a:avLst/>
-            </a:prstGeom>
-            <a:ln>
-              <a:solidFill>
-                <a:schemeClr val="tx1"/>
-              </a:solidFill>
-            </a:ln>
-          </p:spPr>
-          <p:style>
-            <a:lnRef idx="1">
-              <a:schemeClr val="accent1"/>
-            </a:lnRef>
-            <a:fillRef idx="0">
-              <a:schemeClr val="accent1"/>
-            </a:fillRef>
-            <a:effectRef idx="0">
-              <a:schemeClr val="accent1"/>
-            </a:effectRef>
-            <a:fontRef idx="minor">
-              <a:schemeClr val="tx1"/>
-            </a:fontRef>
-          </p:style>
-        </p:cxnSp>
-      </p:grpSp>
-      <p:grpSp>
-        <p:nvGrpSpPr>
-          <p:cNvPr id="49" name="群組 48"/>
-          <p:cNvGrpSpPr/>
-          <p:nvPr/>
-        </p:nvGrpSpPr>
-        <p:grpSpPr>
-          <a:xfrm>
-            <a:off x="-64825" y="4914174"/>
-            <a:ext cx="521366" cy="661788"/>
-            <a:chOff x="0" y="1321272"/>
-            <a:chExt cx="12195175" cy="4464496"/>
-          </a:xfrm>
-        </p:grpSpPr>
-        <p:sp>
-          <p:nvSpPr>
-            <p:cNvPr id="50" name="矩形 49"/>
-            <p:cNvSpPr/>
-            <p:nvPr/>
-          </p:nvSpPr>
-          <p:spPr>
-            <a:xfrm>
-              <a:off x="0" y="1321272"/>
-              <a:ext cx="12187998" cy="4464496"/>
-            </a:xfrm>
-            <a:prstGeom prst="rect">
-              <a:avLst/>
-            </a:prstGeom>
-            <a:noFill/>
-            <a:ln>
-              <a:solidFill>
-                <a:schemeClr val="tx1"/>
-              </a:solidFill>
-            </a:ln>
-          </p:spPr>
-          <p:style>
-            <a:lnRef idx="2">
-              <a:schemeClr val="accent1">
-                <a:shade val="50000"/>
-              </a:schemeClr>
-            </a:lnRef>
-            <a:fillRef idx="1">
-              <a:schemeClr val="accent1"/>
-            </a:fillRef>
-            <a:effectRef idx="0">
-              <a:schemeClr val="accent1"/>
-            </a:effectRef>
-            <a:fontRef idx="minor">
-              <a:schemeClr val="lt1"/>
-            </a:fontRef>
-          </p:style>
-          <p:txBody>
-            <a:bodyPr rtlCol="0" anchor="ctr"/>
-            <a:lstStyle/>
-            <a:p>
-              <a:pPr algn="ctr"/>
-              <a:endParaRPr lang="zh-TW" altLang="en-US"/>
-            </a:p>
-          </p:txBody>
-        </p:sp>
-        <p:cxnSp>
-          <p:nvCxnSpPr>
-            <p:cNvPr id="51" name="直線接點 50"/>
-            <p:cNvCxnSpPr/>
-            <p:nvPr/>
-          </p:nvCxnSpPr>
-          <p:spPr>
-            <a:xfrm>
-              <a:off x="0" y="1328094"/>
-              <a:ext cx="12187998" cy="4457674"/>
-            </a:xfrm>
-            <a:prstGeom prst="line">
-              <a:avLst/>
-            </a:prstGeom>
-            <a:ln>
-              <a:solidFill>
-                <a:schemeClr val="tx1"/>
-              </a:solidFill>
-            </a:ln>
-          </p:spPr>
-          <p:style>
-            <a:lnRef idx="1">
-              <a:schemeClr val="accent1"/>
-            </a:lnRef>
-            <a:fillRef idx="0">
-              <a:schemeClr val="accent1"/>
-            </a:fillRef>
-            <a:effectRef idx="0">
-              <a:schemeClr val="accent1"/>
-            </a:effectRef>
-            <a:fontRef idx="minor">
-              <a:schemeClr val="tx1"/>
-            </a:fontRef>
-          </p:style>
-        </p:cxnSp>
-        <p:cxnSp>
-          <p:nvCxnSpPr>
-            <p:cNvPr id="52" name="直線接點 51"/>
-            <p:cNvCxnSpPr/>
-            <p:nvPr/>
-          </p:nvCxnSpPr>
-          <p:spPr>
-            <a:xfrm flipH="1">
-              <a:off x="0" y="1321272"/>
-              <a:ext cx="12195175" cy="4464496"/>
-            </a:xfrm>
-            <a:prstGeom prst="line">
-              <a:avLst/>
-            </a:prstGeom>
-            <a:ln>
-              <a:solidFill>
-                <a:schemeClr val="tx1"/>
-              </a:solidFill>
-            </a:ln>
-          </p:spPr>
-          <p:style>
-            <a:lnRef idx="1">
-              <a:schemeClr val="accent1"/>
-            </a:lnRef>
-            <a:fillRef idx="0">
-              <a:schemeClr val="accent1"/>
-            </a:fillRef>
-            <a:effectRef idx="0">
-              <a:schemeClr val="accent1"/>
-            </a:effectRef>
-            <a:fontRef idx="minor">
-              <a:schemeClr val="tx1"/>
-            </a:fontRef>
-          </p:style>
-        </p:cxnSp>
-      </p:grpSp>
-      <p:sp>
-        <p:nvSpPr>
-          <p:cNvPr id="53" name="矩形 52"/>
-          <p:cNvSpPr/>
-          <p:nvPr/>
-        </p:nvSpPr>
-        <p:spPr>
-          <a:xfrm>
-            <a:off x="4311393" y="3136239"/>
-            <a:ext cx="7394548" cy="1023107"/>
-          </a:xfrm>
-          <a:prstGeom prst="rect">
-            <a:avLst/>
-          </a:prstGeom>
-          <a:noFill/>
-        </p:spPr>
-        <p:style>
-          <a:lnRef idx="2">
-            <a:schemeClr val="accent1">
-              <a:shade val="50000"/>
-            </a:schemeClr>
-          </a:lnRef>
-          <a:fillRef idx="1">
-            <a:schemeClr val="accent1"/>
-          </a:fillRef>
-          <a:effectRef idx="0">
-            <a:schemeClr val="accent1"/>
-          </a:effectRef>
-          <a:fontRef idx="minor">
-            <a:schemeClr val="lt1"/>
-          </a:fontRef>
-        </p:style>
-        <p:txBody>
-          <a:bodyPr rtlCol="0" anchor="ctr"/>
-          <a:lstStyle/>
-          <a:p>
-            <a:r>
-              <a:rPr lang="en-US" altLang="zh-TW" dirty="0" smtClean="0">
-                <a:solidFill>
-                  <a:schemeClr val="tx1"/>
-                </a:solidFill>
-              </a:rPr>
-              <a:t>1.</a:t>
-            </a:r>
-            <a:endParaRPr lang="zh-TW" altLang="en-US" dirty="0">
-              <a:solidFill>
-                <a:schemeClr val="tx1"/>
-              </a:solidFill>
-            </a:endParaRPr>
-          </a:p>
-        </p:txBody>
-      </p:sp>
-      <p:sp>
-        <p:nvSpPr>
-          <p:cNvPr id="54" name="矩形 53"/>
-          <p:cNvSpPr/>
-          <p:nvPr/>
-        </p:nvSpPr>
-        <p:spPr>
-          <a:xfrm>
-            <a:off x="4321470" y="4736624"/>
-            <a:ext cx="7387830" cy="1023107"/>
-          </a:xfrm>
-          <a:prstGeom prst="rect">
-            <a:avLst/>
-          </a:prstGeom>
-          <a:noFill/>
-        </p:spPr>
-        <p:style>
-          <a:lnRef idx="2">
-            <a:schemeClr val="accent1">
-              <a:shade val="50000"/>
-            </a:schemeClr>
-          </a:lnRef>
-          <a:fillRef idx="1">
-            <a:schemeClr val="accent1"/>
-          </a:fillRef>
-          <a:effectRef idx="0">
-            <a:schemeClr val="accent1"/>
-          </a:effectRef>
-          <a:fontRef idx="minor">
-            <a:schemeClr val="lt1"/>
-          </a:fontRef>
-        </p:style>
-        <p:txBody>
-          <a:bodyPr rtlCol="0" anchor="ctr"/>
-          <a:lstStyle/>
-          <a:p>
-            <a:r>
-              <a:rPr lang="en-US" altLang="zh-TW" dirty="0">
-                <a:solidFill>
-                  <a:schemeClr val="tx1"/>
-                </a:solidFill>
-              </a:rPr>
-              <a:t>2</a:t>
-            </a:r>
-            <a:r>
-              <a:rPr lang="en-US" altLang="zh-TW" dirty="0" smtClean="0">
-                <a:solidFill>
-                  <a:schemeClr val="tx1"/>
-                </a:solidFill>
-              </a:rPr>
-              <a:t>.</a:t>
-            </a:r>
-            <a:endParaRPr lang="zh-TW" altLang="en-US" dirty="0">
-              <a:solidFill>
-                <a:schemeClr val="tx1"/>
-              </a:solidFill>
-            </a:endParaRPr>
-          </a:p>
-        </p:txBody>
-      </p:sp>
-      <p:sp>
-        <p:nvSpPr>
-          <p:cNvPr id="55" name="矩形 54"/>
-          <p:cNvSpPr/>
-          <p:nvPr/>
-        </p:nvSpPr>
-        <p:spPr>
-          <a:xfrm>
-            <a:off x="4297387" y="6337009"/>
-            <a:ext cx="7387830" cy="1023107"/>
-          </a:xfrm>
-          <a:prstGeom prst="rect">
-            <a:avLst/>
-          </a:prstGeom>
-          <a:noFill/>
-        </p:spPr>
-        <p:style>
-          <a:lnRef idx="2">
-            <a:schemeClr val="accent1">
-              <a:shade val="50000"/>
-            </a:schemeClr>
-          </a:lnRef>
-          <a:fillRef idx="1">
-            <a:schemeClr val="accent1"/>
-          </a:fillRef>
-          <a:effectRef idx="0">
-            <a:schemeClr val="accent1"/>
-          </a:effectRef>
-          <a:fontRef idx="minor">
-            <a:schemeClr val="lt1"/>
-          </a:fontRef>
-        </p:style>
-        <p:txBody>
-          <a:bodyPr rtlCol="0" anchor="ctr"/>
-          <a:lstStyle/>
-          <a:p>
-            <a:r>
-              <a:rPr lang="en-US" altLang="zh-TW" dirty="0" smtClean="0">
-                <a:solidFill>
-                  <a:schemeClr val="tx1"/>
-                </a:solidFill>
-              </a:rPr>
-              <a:t>3.</a:t>
-            </a:r>
-            <a:endParaRPr lang="zh-TW" altLang="en-US" dirty="0">
-              <a:solidFill>
-                <a:schemeClr val="tx1"/>
-              </a:solidFill>
-            </a:endParaRPr>
-          </a:p>
-        </p:txBody>
-      </p:sp>
-      <p:sp>
-        <p:nvSpPr>
-          <p:cNvPr id="59" name="矩形 58"/>
-          <p:cNvSpPr/>
-          <p:nvPr/>
-        </p:nvSpPr>
-        <p:spPr>
-          <a:xfrm>
-            <a:off x="10098089" y="358867"/>
-            <a:ext cx="1574274" cy="598066"/>
-          </a:xfrm>
-          <a:prstGeom prst="rect">
-            <a:avLst/>
-          </a:prstGeom>
-          <a:noFill/>
-        </p:spPr>
-        <p:style>
-          <a:lnRef idx="2">
-            <a:schemeClr val="accent1">
-              <a:shade val="50000"/>
-            </a:schemeClr>
-          </a:lnRef>
-          <a:fillRef idx="1">
-            <a:schemeClr val="accent1"/>
-          </a:fillRef>
-          <a:effectRef idx="0">
-            <a:schemeClr val="accent1"/>
-          </a:effectRef>
-          <a:fontRef idx="minor">
-            <a:schemeClr val="lt1"/>
-          </a:fontRef>
-        </p:style>
-        <p:txBody>
-          <a:bodyPr rtlCol="0" anchor="ctr"/>
-          <a:lstStyle/>
-          <a:p>
-            <a:pPr algn="ctr"/>
-            <a:r>
-              <a:rPr lang="en-US" altLang="zh-TW" dirty="0" smtClean="0">
-                <a:solidFill>
-                  <a:schemeClr val="tx1"/>
-                </a:solidFill>
-              </a:rPr>
-              <a:t>HI!XXX</a:t>
-            </a:r>
-            <a:endParaRPr lang="zh-TW" altLang="en-US" dirty="0">
-              <a:solidFill>
-                <a:schemeClr val="tx1"/>
-              </a:solidFill>
-            </a:endParaRPr>
-          </a:p>
-        </p:txBody>
-      </p:sp>
     </p:spTree>
     <p:extLst>
       <p:ext uri="{BB962C8B-B14F-4D97-AF65-F5344CB8AC3E}">
-        <p14:creationId xmlns:p14="http://schemas.microsoft.com/office/powerpoint/2010/main" val="206578510"/>
+        <p14:creationId xmlns:p14="http://schemas.microsoft.com/office/powerpoint/2010/main" val="3100140722"/>
       </p:ext>
     </p:extLst>
   </p:cSld>
@@ -8817,7 +9021,7 @@
         </p:nvGrpSpPr>
         <p:grpSpPr>
           <a:xfrm>
-            <a:off x="4306623" y="-3745"/>
+            <a:off x="547674" y="-2736"/>
             <a:ext cx="3529092" cy="1321272"/>
             <a:chOff x="0" y="1321272"/>
             <a:chExt cx="12195175" cy="4464496"/>
@@ -9013,12 +9217,12 @@
           <a:p>
             <a:pPr algn="ctr"/>
             <a:r>
-              <a:rPr lang="en-US" altLang="zh-TW" dirty="0" smtClean="0">
+              <a:rPr lang="zh-TW" altLang="en-US" dirty="0" smtClean="0">
                 <a:solidFill>
                   <a:schemeClr val="tx1"/>
                 </a:solidFill>
               </a:rPr>
-              <a:t>HI!XXX</a:t>
+              <a:t>漢堡</a:t>
             </a:r>
             <a:endParaRPr lang="zh-TW" altLang="en-US" dirty="0">
               <a:solidFill>
@@ -9028,41 +9232,6 @@
           </a:p>
         </p:txBody>
       </p:sp>
-      <p:cxnSp>
-        <p:nvCxnSpPr>
-          <p:cNvPr id="36" name="直線接點 35"/>
-          <p:cNvCxnSpPr/>
-          <p:nvPr/>
-        </p:nvCxnSpPr>
-        <p:spPr>
-          <a:xfrm>
-            <a:off x="-23093" y="9530184"/>
-            <a:ext cx="12195175" cy="0"/>
-          </a:xfrm>
-          <a:prstGeom prst="line">
-            <a:avLst/>
-          </a:prstGeom>
-          <a:ln>
-            <a:solidFill>
-              <a:schemeClr val="tx1"/>
-            </a:solidFill>
-          </a:ln>
-        </p:spPr>
-        <p:style>
-          <a:lnRef idx="1">
-            <a:schemeClr val="accent1"/>
-          </a:lnRef>
-          <a:fillRef idx="0">
-            <a:schemeClr val="accent1"/>
-          </a:fillRef>
-          <a:effectRef idx="0">
-            <a:schemeClr val="accent1"/>
-          </a:effectRef>
-          <a:fontRef idx="minor">
-            <a:schemeClr val="tx1"/>
-          </a:fontRef>
-        </p:style>
-      </p:cxnSp>
       <p:sp>
         <p:nvSpPr>
           <p:cNvPr id="37" name="矩形 36"/>
@@ -9071,7 +9240,7 @@
         </p:nvSpPr>
         <p:spPr>
           <a:xfrm>
-            <a:off x="3366677" y="1903391"/>
+            <a:off x="480963" y="1903391"/>
             <a:ext cx="5461820" cy="655570"/>
           </a:xfrm>
           <a:prstGeom prst="rect">
@@ -9106,15 +9275,15 @@
                   <a:schemeClr val="tx1"/>
                 </a:solidFill>
               </a:rPr>
-              <a:t>議題</a:t>
-            </a:r>
-            <a:r>
-              <a:rPr lang="zh-TW" altLang="en-US" dirty="0">
+              <a:t>議題建立</a:t>
+            </a:r>
+            <a:r>
+              <a:rPr lang="en-US" altLang="zh-TW" dirty="0" smtClean="0">
                 <a:solidFill>
                   <a:schemeClr val="tx1"/>
                 </a:solidFill>
               </a:rPr>
-              <a:t>名稱</a:t>
+              <a:t>	</a:t>
             </a:r>
             <a:endParaRPr lang="zh-TW" altLang="en-US" dirty="0">
               <a:solidFill>
@@ -9132,7 +9301,7 @@
         </p:nvSpPr>
         <p:spPr>
           <a:xfrm>
-            <a:off x="2400313" y="3136239"/>
+            <a:off x="480963" y="3136239"/>
             <a:ext cx="7361412" cy="1281377"/>
           </a:xfrm>
           <a:prstGeom prst="rect">
@@ -9222,19 +9391,2154 @@
           <a:lstStyle/>
           <a:p>
             <a:pPr algn="ctr"/>
-            <a:endParaRPr lang="zh-TW" altLang="en-US"/>
-          </a:p>
-        </p:txBody>
-      </p:sp>
-      <p:sp>
-        <p:nvSpPr>
-          <p:cNvPr id="40" name="矩形 39"/>
+            <a:endParaRPr lang="zh-TW" altLang="en-US">
+              <a:solidFill>
+                <a:schemeClr val="tx1"/>
+              </a:solidFill>
+            </a:endParaRPr>
+          </a:p>
+        </p:txBody>
+      </p:sp>
+      <p:cxnSp>
+        <p:nvCxnSpPr>
+          <p:cNvPr id="41" name="直線接點 40"/>
+          <p:cNvCxnSpPr/>
+          <p:nvPr/>
+        </p:nvCxnSpPr>
+        <p:spPr>
+          <a:xfrm>
+            <a:off x="-34176" y="8810104"/>
+            <a:ext cx="12195175" cy="0"/>
+          </a:xfrm>
+          <a:prstGeom prst="line">
+            <a:avLst/>
+          </a:prstGeom>
+          <a:ln>
+            <a:solidFill>
+              <a:schemeClr val="tx1"/>
+            </a:solidFill>
+          </a:ln>
+        </p:spPr>
+        <p:style>
+          <a:lnRef idx="1">
+            <a:schemeClr val="accent1"/>
+          </a:lnRef>
+          <a:fillRef idx="0">
+            <a:schemeClr val="accent1"/>
+          </a:fillRef>
+          <a:effectRef idx="0">
+            <a:schemeClr val="accent1"/>
+          </a:effectRef>
+          <a:fontRef idx="minor">
+            <a:schemeClr val="tx1"/>
+          </a:fontRef>
+        </p:style>
+      </p:cxnSp>
+      <p:sp>
+        <p:nvSpPr>
+          <p:cNvPr id="53" name="矩形 52"/>
           <p:cNvSpPr/>
           <p:nvPr/>
         </p:nvSpPr>
         <p:spPr>
           <a:xfrm>
-            <a:off x="456539" y="5192102"/>
+            <a:off x="12759127" y="426876"/>
+            <a:ext cx="2952328" cy="7445060"/>
+          </a:xfrm>
+          <a:prstGeom prst="rect">
+            <a:avLst/>
+          </a:prstGeom>
+          <a:noFill/>
+        </p:spPr>
+        <p:style>
+          <a:lnRef idx="2">
+            <a:schemeClr val="accent1">
+              <a:shade val="50000"/>
+            </a:schemeClr>
+          </a:lnRef>
+          <a:fillRef idx="1">
+            <a:schemeClr val="accent1"/>
+          </a:fillRef>
+          <a:effectRef idx="0">
+            <a:schemeClr val="accent1"/>
+          </a:effectRef>
+          <a:fontRef idx="minor">
+            <a:schemeClr val="lt1"/>
+          </a:fontRef>
+        </p:style>
+        <p:txBody>
+          <a:bodyPr rtlCol="0" anchor="ctr"/>
+          <a:lstStyle/>
+          <a:p>
+            <a:pPr algn="ctr"/>
+            <a:endParaRPr lang="zh-TW" altLang="en-US"/>
+          </a:p>
+        </p:txBody>
+      </p:sp>
+      <p:grpSp>
+        <p:nvGrpSpPr>
+          <p:cNvPr id="54" name="群組 53"/>
+          <p:cNvGrpSpPr/>
+          <p:nvPr/>
+        </p:nvGrpSpPr>
+        <p:grpSpPr>
+          <a:xfrm>
+            <a:off x="12759127" y="426876"/>
+            <a:ext cx="2952328" cy="1580410"/>
+            <a:chOff x="0" y="1321272"/>
+            <a:chExt cx="12195175" cy="4464496"/>
+          </a:xfrm>
+        </p:grpSpPr>
+        <p:sp>
+          <p:nvSpPr>
+            <p:cNvPr id="55" name="矩形 54"/>
+            <p:cNvSpPr/>
+            <p:nvPr/>
+          </p:nvSpPr>
+          <p:spPr>
+            <a:xfrm>
+              <a:off x="0" y="1321272"/>
+              <a:ext cx="12187998" cy="4464496"/>
+            </a:xfrm>
+            <a:prstGeom prst="rect">
+              <a:avLst/>
+            </a:prstGeom>
+            <a:noFill/>
+            <a:ln>
+              <a:solidFill>
+                <a:schemeClr val="tx1"/>
+              </a:solidFill>
+            </a:ln>
+          </p:spPr>
+          <p:style>
+            <a:lnRef idx="2">
+              <a:schemeClr val="accent1">
+                <a:shade val="50000"/>
+              </a:schemeClr>
+            </a:lnRef>
+            <a:fillRef idx="1">
+              <a:schemeClr val="accent1"/>
+            </a:fillRef>
+            <a:effectRef idx="0">
+              <a:schemeClr val="accent1"/>
+            </a:effectRef>
+            <a:fontRef idx="minor">
+              <a:schemeClr val="lt1"/>
+            </a:fontRef>
+          </p:style>
+          <p:txBody>
+            <a:bodyPr rtlCol="0" anchor="ctr"/>
+            <a:lstStyle/>
+            <a:p>
+              <a:pPr algn="ctr"/>
+              <a:endParaRPr lang="zh-TW" altLang="en-US"/>
+            </a:p>
+          </p:txBody>
+        </p:sp>
+        <p:cxnSp>
+          <p:nvCxnSpPr>
+            <p:cNvPr id="56" name="直線接點 55"/>
+            <p:cNvCxnSpPr/>
+            <p:nvPr/>
+          </p:nvCxnSpPr>
+          <p:spPr>
+            <a:xfrm>
+              <a:off x="0" y="1328094"/>
+              <a:ext cx="12187998" cy="4457674"/>
+            </a:xfrm>
+            <a:prstGeom prst="line">
+              <a:avLst/>
+            </a:prstGeom>
+            <a:ln>
+              <a:solidFill>
+                <a:schemeClr val="tx1"/>
+              </a:solidFill>
+            </a:ln>
+          </p:spPr>
+          <p:style>
+            <a:lnRef idx="1">
+              <a:schemeClr val="accent1"/>
+            </a:lnRef>
+            <a:fillRef idx="0">
+              <a:schemeClr val="accent1"/>
+            </a:fillRef>
+            <a:effectRef idx="0">
+              <a:schemeClr val="accent1"/>
+            </a:effectRef>
+            <a:fontRef idx="minor">
+              <a:schemeClr val="tx1"/>
+            </a:fontRef>
+          </p:style>
+        </p:cxnSp>
+        <p:cxnSp>
+          <p:nvCxnSpPr>
+            <p:cNvPr id="57" name="直線接點 56"/>
+            <p:cNvCxnSpPr/>
+            <p:nvPr/>
+          </p:nvCxnSpPr>
+          <p:spPr>
+            <a:xfrm flipH="1">
+              <a:off x="0" y="1321272"/>
+              <a:ext cx="12195175" cy="4464496"/>
+            </a:xfrm>
+            <a:prstGeom prst="line">
+              <a:avLst/>
+            </a:prstGeom>
+            <a:ln>
+              <a:solidFill>
+                <a:schemeClr val="tx1"/>
+              </a:solidFill>
+            </a:ln>
+          </p:spPr>
+          <p:style>
+            <a:lnRef idx="1">
+              <a:schemeClr val="accent1"/>
+            </a:lnRef>
+            <a:fillRef idx="0">
+              <a:schemeClr val="accent1"/>
+            </a:fillRef>
+            <a:effectRef idx="0">
+              <a:schemeClr val="accent1"/>
+            </a:effectRef>
+            <a:fontRef idx="minor">
+              <a:schemeClr val="tx1"/>
+            </a:fontRef>
+          </p:style>
+        </p:cxnSp>
+      </p:grpSp>
+      <p:sp>
+        <p:nvSpPr>
+          <p:cNvPr id="58" name="矩形 57"/>
+          <p:cNvSpPr/>
+          <p:nvPr/>
+        </p:nvSpPr>
+        <p:spPr>
+          <a:xfrm>
+            <a:off x="13232391" y="2295318"/>
+            <a:ext cx="1975008" cy="840922"/>
+          </a:xfrm>
+          <a:prstGeom prst="rect">
+            <a:avLst/>
+          </a:prstGeom>
+          <a:noFill/>
+        </p:spPr>
+        <p:style>
+          <a:lnRef idx="2">
+            <a:schemeClr val="accent1">
+              <a:shade val="50000"/>
+            </a:schemeClr>
+          </a:lnRef>
+          <a:fillRef idx="1">
+            <a:schemeClr val="accent1"/>
+          </a:fillRef>
+          <a:effectRef idx="0">
+            <a:schemeClr val="accent1"/>
+          </a:effectRef>
+          <a:fontRef idx="minor">
+            <a:schemeClr val="lt1"/>
+          </a:fontRef>
+        </p:style>
+        <p:txBody>
+          <a:bodyPr rtlCol="0" anchor="ctr"/>
+          <a:lstStyle/>
+          <a:p>
+            <a:pPr algn="ctr"/>
+            <a:r>
+              <a:rPr lang="en-US" altLang="zh-TW" dirty="0" smtClean="0">
+                <a:solidFill>
+                  <a:schemeClr val="tx1"/>
+                </a:solidFill>
+              </a:rPr>
+              <a:t>HOME</a:t>
+            </a:r>
+            <a:endParaRPr lang="zh-TW" altLang="en-US" dirty="0">
+              <a:solidFill>
+                <a:schemeClr val="tx1"/>
+              </a:solidFill>
+            </a:endParaRPr>
+          </a:p>
+        </p:txBody>
+      </p:sp>
+      <p:sp>
+        <p:nvSpPr>
+          <p:cNvPr id="59" name="矩形 58"/>
+          <p:cNvSpPr/>
+          <p:nvPr/>
+        </p:nvSpPr>
+        <p:spPr>
+          <a:xfrm>
+            <a:off x="13246918" y="3586693"/>
+            <a:ext cx="1975008" cy="840922"/>
+          </a:xfrm>
+          <a:prstGeom prst="rect">
+            <a:avLst/>
+          </a:prstGeom>
+          <a:noFill/>
+        </p:spPr>
+        <p:style>
+          <a:lnRef idx="2">
+            <a:schemeClr val="accent1">
+              <a:shade val="50000"/>
+            </a:schemeClr>
+          </a:lnRef>
+          <a:fillRef idx="1">
+            <a:schemeClr val="accent1"/>
+          </a:fillRef>
+          <a:effectRef idx="0">
+            <a:schemeClr val="accent1"/>
+          </a:effectRef>
+          <a:fontRef idx="minor">
+            <a:schemeClr val="lt1"/>
+          </a:fontRef>
+        </p:style>
+        <p:txBody>
+          <a:bodyPr rtlCol="0" anchor="ctr"/>
+          <a:lstStyle/>
+          <a:p>
+            <a:pPr algn="ctr"/>
+            <a:r>
+              <a:rPr lang="en-US" altLang="zh-TW" dirty="0" smtClean="0">
+                <a:solidFill>
+                  <a:schemeClr val="tx1"/>
+                </a:solidFill>
+              </a:rPr>
+              <a:t>HOME</a:t>
+            </a:r>
+            <a:endParaRPr lang="zh-TW" altLang="en-US" dirty="0">
+              <a:solidFill>
+                <a:schemeClr val="tx1"/>
+              </a:solidFill>
+            </a:endParaRPr>
+          </a:p>
+        </p:txBody>
+      </p:sp>
+      <p:sp>
+        <p:nvSpPr>
+          <p:cNvPr id="50" name="矩形 49"/>
+          <p:cNvSpPr/>
+          <p:nvPr/>
+        </p:nvSpPr>
+        <p:spPr>
+          <a:xfrm>
+            <a:off x="480772" y="4921672"/>
+            <a:ext cx="2516405" cy="737323"/>
+          </a:xfrm>
+          <a:prstGeom prst="rect">
+            <a:avLst/>
+          </a:prstGeom>
+          <a:noFill/>
+        </p:spPr>
+        <p:style>
+          <a:lnRef idx="2">
+            <a:schemeClr val="accent1">
+              <a:shade val="50000"/>
+            </a:schemeClr>
+          </a:lnRef>
+          <a:fillRef idx="1">
+            <a:schemeClr val="accent1"/>
+          </a:fillRef>
+          <a:effectRef idx="0">
+            <a:schemeClr val="accent1"/>
+          </a:effectRef>
+          <a:fontRef idx="minor">
+            <a:schemeClr val="lt1"/>
+          </a:fontRef>
+        </p:style>
+        <p:txBody>
+          <a:bodyPr rtlCol="0" anchor="ctr"/>
+          <a:lstStyle/>
+          <a:p>
+            <a:pPr algn="ctr"/>
+            <a:r>
+              <a:rPr lang="zh-TW" altLang="en-US" dirty="0" smtClean="0">
+                <a:solidFill>
+                  <a:schemeClr val="tx1"/>
+                </a:solidFill>
+              </a:rPr>
+              <a:t>分類選</a:t>
+            </a:r>
+            <a:r>
+              <a:rPr lang="zh-TW" altLang="en-US" dirty="0">
+                <a:solidFill>
+                  <a:schemeClr val="tx1"/>
+                </a:solidFill>
+              </a:rPr>
+              <a:t>單</a:t>
+            </a:r>
+          </a:p>
+        </p:txBody>
+      </p:sp>
+      <p:sp>
+        <p:nvSpPr>
+          <p:cNvPr id="52" name="矩形 51"/>
+          <p:cNvSpPr/>
+          <p:nvPr/>
+        </p:nvSpPr>
+        <p:spPr>
+          <a:xfrm>
+            <a:off x="480772" y="6227740"/>
+            <a:ext cx="7348225" cy="1070195"/>
+          </a:xfrm>
+          <a:prstGeom prst="rect">
+            <a:avLst/>
+          </a:prstGeom>
+          <a:noFill/>
+        </p:spPr>
+        <p:style>
+          <a:lnRef idx="2">
+            <a:schemeClr val="accent1">
+              <a:shade val="50000"/>
+            </a:schemeClr>
+          </a:lnRef>
+          <a:fillRef idx="1">
+            <a:schemeClr val="accent1"/>
+          </a:fillRef>
+          <a:effectRef idx="0">
+            <a:schemeClr val="accent1"/>
+          </a:effectRef>
+          <a:fontRef idx="minor">
+            <a:schemeClr val="lt1"/>
+          </a:fontRef>
+        </p:style>
+        <p:txBody>
+          <a:bodyPr rtlCol="0" anchor="ctr"/>
+          <a:lstStyle/>
+          <a:p>
+            <a:pPr algn="ctr"/>
+            <a:r>
+              <a:rPr lang="zh-TW" altLang="en-US" dirty="0" smtClean="0">
+                <a:solidFill>
+                  <a:schemeClr val="tx1"/>
+                </a:solidFill>
+              </a:rPr>
+              <a:t>樓主看</a:t>
+            </a:r>
+            <a:r>
+              <a:rPr lang="zh-TW" altLang="en-US" dirty="0">
+                <a:solidFill>
+                  <a:schemeClr val="tx1"/>
+                </a:solidFill>
+              </a:rPr>
+              <a:t>法</a:t>
+            </a:r>
+          </a:p>
+        </p:txBody>
+      </p:sp>
+      <p:cxnSp>
+        <p:nvCxnSpPr>
+          <p:cNvPr id="60" name="直線接點 59"/>
+          <p:cNvCxnSpPr/>
+          <p:nvPr/>
+        </p:nvCxnSpPr>
+        <p:spPr>
+          <a:xfrm>
+            <a:off x="26117" y="9528512"/>
+            <a:ext cx="12195175" cy="0"/>
+          </a:xfrm>
+          <a:prstGeom prst="line">
+            <a:avLst/>
+          </a:prstGeom>
+          <a:ln>
+            <a:solidFill>
+              <a:schemeClr val="tx1"/>
+            </a:solidFill>
+          </a:ln>
+        </p:spPr>
+        <p:style>
+          <a:lnRef idx="1">
+            <a:schemeClr val="accent1"/>
+          </a:lnRef>
+          <a:fillRef idx="0">
+            <a:schemeClr val="accent1"/>
+          </a:fillRef>
+          <a:effectRef idx="0">
+            <a:schemeClr val="accent1"/>
+          </a:effectRef>
+          <a:fontRef idx="minor">
+            <a:schemeClr val="tx1"/>
+          </a:fontRef>
+        </p:style>
+      </p:cxnSp>
+    </p:spTree>
+    <p:extLst>
+      <p:ext uri="{BB962C8B-B14F-4D97-AF65-F5344CB8AC3E}">
+        <p14:creationId xmlns:p14="http://schemas.microsoft.com/office/powerpoint/2010/main" val="2174839167"/>
+      </p:ext>
+    </p:extLst>
+  </p:cSld>
+  <p:clrMapOvr>
+    <a:masterClrMapping/>
+  </p:clrMapOvr>
+</p:sld>
+</file>
+
+<file path=ppt/slides/slide5.xml><?xml version="1.0" encoding="utf-8"?>
+<p:sld xmlns:a="http://schemas.openxmlformats.org/drawingml/2006/main" xmlns:r="http://schemas.openxmlformats.org/officeDocument/2006/relationships" xmlns:p="http://schemas.openxmlformats.org/presentationml/2006/main">
+  <p:cSld>
+    <p:spTree>
+      <p:nvGrpSpPr>
+        <p:cNvPr id="1" name=""/>
+        <p:cNvGrpSpPr/>
+        <p:nvPr/>
+      </p:nvGrpSpPr>
+      <p:grpSpPr>
+        <a:xfrm>
+          <a:off x="0" y="0"/>
+          <a:ext cx="0" cy="0"/>
+          <a:chOff x="0" y="0"/>
+          <a:chExt cx="0" cy="0"/>
+        </a:xfrm>
+      </p:grpSpPr>
+      <p:grpSp>
+        <p:nvGrpSpPr>
+          <p:cNvPr id="17" name="群組 16"/>
+          <p:cNvGrpSpPr/>
+          <p:nvPr/>
+        </p:nvGrpSpPr>
+        <p:grpSpPr>
+          <a:xfrm>
+            <a:off x="456540" y="0"/>
+            <a:ext cx="11237913" cy="15764664"/>
+            <a:chOff x="349571" y="-9480"/>
+            <a:chExt cx="11237913" cy="15764664"/>
+          </a:xfrm>
+          <a:solidFill>
+            <a:schemeClr val="bg2"/>
+          </a:solidFill>
+        </p:grpSpPr>
+        <p:sp>
+          <p:nvSpPr>
+            <p:cNvPr id="18" name="矩形 17"/>
+            <p:cNvSpPr/>
+            <p:nvPr/>
+          </p:nvSpPr>
+          <p:spPr>
+            <a:xfrm>
+              <a:off x="349571" y="0"/>
+              <a:ext cx="630000" cy="15748000"/>
+            </a:xfrm>
+            <a:prstGeom prst="rect">
+              <a:avLst/>
+            </a:prstGeom>
+            <a:grpFill/>
+            <a:ln>
+              <a:noFill/>
+            </a:ln>
+          </p:spPr>
+          <p:style>
+            <a:lnRef idx="2">
+              <a:schemeClr val="accent1">
+                <a:shade val="50000"/>
+              </a:schemeClr>
+            </a:lnRef>
+            <a:fillRef idx="1">
+              <a:schemeClr val="accent1"/>
+            </a:fillRef>
+            <a:effectRef idx="0">
+              <a:schemeClr val="accent1"/>
+            </a:effectRef>
+            <a:fontRef idx="minor">
+              <a:schemeClr val="lt1"/>
+            </a:fontRef>
+          </p:style>
+          <p:txBody>
+            <a:bodyPr rtlCol="0" anchor="ctr"/>
+            <a:lstStyle/>
+            <a:p>
+              <a:pPr algn="ctr"/>
+              <a:endParaRPr lang="zh-TW" altLang="en-US">
+                <a:solidFill>
+                  <a:schemeClr val="tx2">
+                    <a:lumMod val="20000"/>
+                    <a:lumOff val="80000"/>
+                  </a:schemeClr>
+                </a:solidFill>
+              </a:endParaRPr>
+            </a:p>
+          </p:txBody>
+        </p:sp>
+        <p:sp>
+          <p:nvSpPr>
+            <p:cNvPr id="19" name="矩形 18"/>
+            <p:cNvSpPr/>
+            <p:nvPr/>
+          </p:nvSpPr>
+          <p:spPr>
+            <a:xfrm>
+              <a:off x="1293844" y="0"/>
+              <a:ext cx="630000" cy="15748000"/>
+            </a:xfrm>
+            <a:prstGeom prst="rect">
+              <a:avLst/>
+            </a:prstGeom>
+            <a:grpFill/>
+            <a:ln>
+              <a:noFill/>
+            </a:ln>
+          </p:spPr>
+          <p:style>
+            <a:lnRef idx="2">
+              <a:schemeClr val="accent1">
+                <a:shade val="50000"/>
+              </a:schemeClr>
+            </a:lnRef>
+            <a:fillRef idx="1">
+              <a:schemeClr val="accent1"/>
+            </a:fillRef>
+            <a:effectRef idx="0">
+              <a:schemeClr val="accent1"/>
+            </a:effectRef>
+            <a:fontRef idx="minor">
+              <a:schemeClr val="lt1"/>
+            </a:fontRef>
+          </p:style>
+          <p:txBody>
+            <a:bodyPr rtlCol="0" anchor="ctr"/>
+            <a:lstStyle/>
+            <a:p>
+              <a:pPr algn="ctr"/>
+              <a:endParaRPr lang="zh-TW" altLang="en-US">
+                <a:solidFill>
+                  <a:schemeClr val="tx2">
+                    <a:lumMod val="20000"/>
+                    <a:lumOff val="80000"/>
+                  </a:schemeClr>
+                </a:solidFill>
+              </a:endParaRPr>
+            </a:p>
+          </p:txBody>
+        </p:sp>
+        <p:sp>
+          <p:nvSpPr>
+            <p:cNvPr id="20" name="矩形 19"/>
+            <p:cNvSpPr/>
+            <p:nvPr/>
+          </p:nvSpPr>
+          <p:spPr>
+            <a:xfrm>
+              <a:off x="2260208" y="-9480"/>
+              <a:ext cx="630000" cy="15748000"/>
+            </a:xfrm>
+            <a:prstGeom prst="rect">
+              <a:avLst/>
+            </a:prstGeom>
+            <a:grpFill/>
+            <a:ln>
+              <a:noFill/>
+            </a:ln>
+          </p:spPr>
+          <p:style>
+            <a:lnRef idx="2">
+              <a:schemeClr val="accent1">
+                <a:shade val="50000"/>
+              </a:schemeClr>
+            </a:lnRef>
+            <a:fillRef idx="1">
+              <a:schemeClr val="accent1"/>
+            </a:fillRef>
+            <a:effectRef idx="0">
+              <a:schemeClr val="accent1"/>
+            </a:effectRef>
+            <a:fontRef idx="minor">
+              <a:schemeClr val="lt1"/>
+            </a:fontRef>
+          </p:style>
+          <p:txBody>
+            <a:bodyPr rtlCol="0" anchor="ctr"/>
+            <a:lstStyle/>
+            <a:p>
+              <a:pPr algn="ctr"/>
+              <a:endParaRPr lang="zh-TW" altLang="en-US">
+                <a:solidFill>
+                  <a:schemeClr val="tx2">
+                    <a:lumMod val="20000"/>
+                    <a:lumOff val="80000"/>
+                  </a:schemeClr>
+                </a:solidFill>
+              </a:endParaRPr>
+            </a:p>
+          </p:txBody>
+        </p:sp>
+        <p:sp>
+          <p:nvSpPr>
+            <p:cNvPr id="21" name="矩形 20"/>
+            <p:cNvSpPr/>
+            <p:nvPr/>
+          </p:nvSpPr>
+          <p:spPr>
+            <a:xfrm>
+              <a:off x="3226572" y="7184"/>
+              <a:ext cx="630000" cy="15748000"/>
+            </a:xfrm>
+            <a:prstGeom prst="rect">
+              <a:avLst/>
+            </a:prstGeom>
+            <a:grpFill/>
+            <a:ln>
+              <a:noFill/>
+            </a:ln>
+          </p:spPr>
+          <p:style>
+            <a:lnRef idx="2">
+              <a:schemeClr val="accent1">
+                <a:shade val="50000"/>
+              </a:schemeClr>
+            </a:lnRef>
+            <a:fillRef idx="1">
+              <a:schemeClr val="accent1"/>
+            </a:fillRef>
+            <a:effectRef idx="0">
+              <a:schemeClr val="accent1"/>
+            </a:effectRef>
+            <a:fontRef idx="minor">
+              <a:schemeClr val="lt1"/>
+            </a:fontRef>
+          </p:style>
+          <p:txBody>
+            <a:bodyPr rtlCol="0" anchor="ctr"/>
+            <a:lstStyle/>
+            <a:p>
+              <a:pPr algn="ctr"/>
+              <a:endParaRPr lang="zh-TW" altLang="en-US">
+                <a:solidFill>
+                  <a:schemeClr val="tx2">
+                    <a:lumMod val="20000"/>
+                    <a:lumOff val="80000"/>
+                  </a:schemeClr>
+                </a:solidFill>
+              </a:endParaRPr>
+            </a:p>
+          </p:txBody>
+        </p:sp>
+        <p:sp>
+          <p:nvSpPr>
+            <p:cNvPr id="22" name="矩形 21"/>
+            <p:cNvSpPr/>
+            <p:nvPr/>
+          </p:nvSpPr>
+          <p:spPr>
+            <a:xfrm>
+              <a:off x="8058392" y="-9480"/>
+              <a:ext cx="630000" cy="15748000"/>
+            </a:xfrm>
+            <a:prstGeom prst="rect">
+              <a:avLst/>
+            </a:prstGeom>
+            <a:grpFill/>
+            <a:ln>
+              <a:noFill/>
+            </a:ln>
+          </p:spPr>
+          <p:style>
+            <a:lnRef idx="2">
+              <a:schemeClr val="accent1">
+                <a:shade val="50000"/>
+              </a:schemeClr>
+            </a:lnRef>
+            <a:fillRef idx="1">
+              <a:schemeClr val="accent1"/>
+            </a:fillRef>
+            <a:effectRef idx="0">
+              <a:schemeClr val="accent1"/>
+            </a:effectRef>
+            <a:fontRef idx="minor">
+              <a:schemeClr val="lt1"/>
+            </a:fontRef>
+          </p:style>
+          <p:txBody>
+            <a:bodyPr rtlCol="0" anchor="ctr"/>
+            <a:lstStyle/>
+            <a:p>
+              <a:pPr algn="ctr"/>
+              <a:endParaRPr lang="zh-TW" altLang="en-US">
+                <a:solidFill>
+                  <a:schemeClr val="tx2">
+                    <a:lumMod val="20000"/>
+                    <a:lumOff val="80000"/>
+                  </a:schemeClr>
+                </a:solidFill>
+              </a:endParaRPr>
+            </a:p>
+          </p:txBody>
+        </p:sp>
+        <p:sp>
+          <p:nvSpPr>
+            <p:cNvPr id="23" name="矩形 22"/>
+            <p:cNvSpPr/>
+            <p:nvPr/>
+          </p:nvSpPr>
+          <p:spPr>
+            <a:xfrm>
+              <a:off x="9024756" y="-9480"/>
+              <a:ext cx="630000" cy="15748000"/>
+            </a:xfrm>
+            <a:prstGeom prst="rect">
+              <a:avLst/>
+            </a:prstGeom>
+            <a:grpFill/>
+            <a:ln>
+              <a:noFill/>
+            </a:ln>
+          </p:spPr>
+          <p:style>
+            <a:lnRef idx="2">
+              <a:schemeClr val="accent1">
+                <a:shade val="50000"/>
+              </a:schemeClr>
+            </a:lnRef>
+            <a:fillRef idx="1">
+              <a:schemeClr val="accent1"/>
+            </a:fillRef>
+            <a:effectRef idx="0">
+              <a:schemeClr val="accent1"/>
+            </a:effectRef>
+            <a:fontRef idx="minor">
+              <a:schemeClr val="lt1"/>
+            </a:fontRef>
+          </p:style>
+          <p:txBody>
+            <a:bodyPr rtlCol="0" anchor="ctr"/>
+            <a:lstStyle/>
+            <a:p>
+              <a:pPr algn="ctr"/>
+              <a:endParaRPr lang="zh-TW" altLang="en-US">
+                <a:solidFill>
+                  <a:schemeClr val="tx2">
+                    <a:lumMod val="20000"/>
+                    <a:lumOff val="80000"/>
+                  </a:schemeClr>
+                </a:solidFill>
+              </a:endParaRPr>
+            </a:p>
+          </p:txBody>
+        </p:sp>
+        <p:sp>
+          <p:nvSpPr>
+            <p:cNvPr id="24" name="矩形 23"/>
+            <p:cNvSpPr/>
+            <p:nvPr/>
+          </p:nvSpPr>
+          <p:spPr>
+            <a:xfrm>
+              <a:off x="9991120" y="-9480"/>
+              <a:ext cx="630000" cy="15748000"/>
+            </a:xfrm>
+            <a:prstGeom prst="rect">
+              <a:avLst/>
+            </a:prstGeom>
+            <a:grpFill/>
+            <a:ln>
+              <a:noFill/>
+            </a:ln>
+          </p:spPr>
+          <p:style>
+            <a:lnRef idx="2">
+              <a:schemeClr val="accent1">
+                <a:shade val="50000"/>
+              </a:schemeClr>
+            </a:lnRef>
+            <a:fillRef idx="1">
+              <a:schemeClr val="accent1"/>
+            </a:fillRef>
+            <a:effectRef idx="0">
+              <a:schemeClr val="accent1"/>
+            </a:effectRef>
+            <a:fontRef idx="minor">
+              <a:schemeClr val="lt1"/>
+            </a:fontRef>
+          </p:style>
+          <p:txBody>
+            <a:bodyPr rtlCol="0" anchor="ctr"/>
+            <a:lstStyle/>
+            <a:p>
+              <a:pPr algn="ctr"/>
+              <a:endParaRPr lang="zh-TW" altLang="en-US">
+                <a:solidFill>
+                  <a:schemeClr val="tx2">
+                    <a:lumMod val="20000"/>
+                    <a:lumOff val="80000"/>
+                  </a:schemeClr>
+                </a:solidFill>
+              </a:endParaRPr>
+            </a:p>
+          </p:txBody>
+        </p:sp>
+        <p:sp>
+          <p:nvSpPr>
+            <p:cNvPr id="25" name="矩形 24"/>
+            <p:cNvSpPr/>
+            <p:nvPr/>
+          </p:nvSpPr>
+          <p:spPr>
+            <a:xfrm>
+              <a:off x="10957484" y="-9480"/>
+              <a:ext cx="630000" cy="15748000"/>
+            </a:xfrm>
+            <a:prstGeom prst="rect">
+              <a:avLst/>
+            </a:prstGeom>
+            <a:grpFill/>
+            <a:ln>
+              <a:noFill/>
+            </a:ln>
+          </p:spPr>
+          <p:style>
+            <a:lnRef idx="2">
+              <a:schemeClr val="accent1">
+                <a:shade val="50000"/>
+              </a:schemeClr>
+            </a:lnRef>
+            <a:fillRef idx="1">
+              <a:schemeClr val="accent1"/>
+            </a:fillRef>
+            <a:effectRef idx="0">
+              <a:schemeClr val="accent1"/>
+            </a:effectRef>
+            <a:fontRef idx="minor">
+              <a:schemeClr val="lt1"/>
+            </a:fontRef>
+          </p:style>
+          <p:txBody>
+            <a:bodyPr rtlCol="0" anchor="ctr"/>
+            <a:lstStyle/>
+            <a:p>
+              <a:pPr algn="ctr"/>
+              <a:endParaRPr lang="zh-TW" altLang="en-US">
+                <a:solidFill>
+                  <a:schemeClr val="tx2">
+                    <a:lumMod val="20000"/>
+                    <a:lumOff val="80000"/>
+                  </a:schemeClr>
+                </a:solidFill>
+              </a:endParaRPr>
+            </a:p>
+          </p:txBody>
+        </p:sp>
+        <p:sp>
+          <p:nvSpPr>
+            <p:cNvPr id="26" name="矩形 25"/>
+            <p:cNvSpPr/>
+            <p:nvPr/>
+          </p:nvSpPr>
+          <p:spPr>
+            <a:xfrm>
+              <a:off x="4192936" y="-9480"/>
+              <a:ext cx="630000" cy="15748000"/>
+            </a:xfrm>
+            <a:prstGeom prst="rect">
+              <a:avLst/>
+            </a:prstGeom>
+            <a:grpFill/>
+            <a:ln>
+              <a:noFill/>
+            </a:ln>
+          </p:spPr>
+          <p:style>
+            <a:lnRef idx="2">
+              <a:schemeClr val="accent1">
+                <a:shade val="50000"/>
+              </a:schemeClr>
+            </a:lnRef>
+            <a:fillRef idx="1">
+              <a:schemeClr val="accent1"/>
+            </a:fillRef>
+            <a:effectRef idx="0">
+              <a:schemeClr val="accent1"/>
+            </a:effectRef>
+            <a:fontRef idx="minor">
+              <a:schemeClr val="lt1"/>
+            </a:fontRef>
+          </p:style>
+          <p:txBody>
+            <a:bodyPr rtlCol="0" anchor="ctr"/>
+            <a:lstStyle/>
+            <a:p>
+              <a:pPr algn="ctr"/>
+              <a:endParaRPr lang="zh-TW" altLang="en-US">
+                <a:solidFill>
+                  <a:schemeClr val="tx2">
+                    <a:lumMod val="20000"/>
+                    <a:lumOff val="80000"/>
+                  </a:schemeClr>
+                </a:solidFill>
+              </a:endParaRPr>
+            </a:p>
+          </p:txBody>
+        </p:sp>
+        <p:sp>
+          <p:nvSpPr>
+            <p:cNvPr id="27" name="矩形 26"/>
+            <p:cNvSpPr/>
+            <p:nvPr/>
+          </p:nvSpPr>
+          <p:spPr>
+            <a:xfrm>
+              <a:off x="5159300" y="-9480"/>
+              <a:ext cx="630000" cy="15748000"/>
+            </a:xfrm>
+            <a:prstGeom prst="rect">
+              <a:avLst/>
+            </a:prstGeom>
+            <a:grpFill/>
+            <a:ln>
+              <a:noFill/>
+            </a:ln>
+          </p:spPr>
+          <p:style>
+            <a:lnRef idx="2">
+              <a:schemeClr val="accent1">
+                <a:shade val="50000"/>
+              </a:schemeClr>
+            </a:lnRef>
+            <a:fillRef idx="1">
+              <a:schemeClr val="accent1"/>
+            </a:fillRef>
+            <a:effectRef idx="0">
+              <a:schemeClr val="accent1"/>
+            </a:effectRef>
+            <a:fontRef idx="minor">
+              <a:schemeClr val="lt1"/>
+            </a:fontRef>
+          </p:style>
+          <p:txBody>
+            <a:bodyPr rtlCol="0" anchor="ctr"/>
+            <a:lstStyle/>
+            <a:p>
+              <a:pPr algn="ctr"/>
+              <a:endParaRPr lang="zh-TW" altLang="en-US">
+                <a:solidFill>
+                  <a:schemeClr val="tx2">
+                    <a:lumMod val="20000"/>
+                    <a:lumOff val="80000"/>
+                  </a:schemeClr>
+                </a:solidFill>
+              </a:endParaRPr>
+            </a:p>
+          </p:txBody>
+        </p:sp>
+        <p:sp>
+          <p:nvSpPr>
+            <p:cNvPr id="28" name="矩形 27"/>
+            <p:cNvSpPr/>
+            <p:nvPr/>
+          </p:nvSpPr>
+          <p:spPr>
+            <a:xfrm>
+              <a:off x="6125664" y="-9480"/>
+              <a:ext cx="630000" cy="15748000"/>
+            </a:xfrm>
+            <a:prstGeom prst="rect">
+              <a:avLst/>
+            </a:prstGeom>
+            <a:grpFill/>
+            <a:ln>
+              <a:noFill/>
+            </a:ln>
+          </p:spPr>
+          <p:style>
+            <a:lnRef idx="2">
+              <a:schemeClr val="accent1">
+                <a:shade val="50000"/>
+              </a:schemeClr>
+            </a:lnRef>
+            <a:fillRef idx="1">
+              <a:schemeClr val="accent1"/>
+            </a:fillRef>
+            <a:effectRef idx="0">
+              <a:schemeClr val="accent1"/>
+            </a:effectRef>
+            <a:fontRef idx="minor">
+              <a:schemeClr val="lt1"/>
+            </a:fontRef>
+          </p:style>
+          <p:txBody>
+            <a:bodyPr rtlCol="0" anchor="ctr"/>
+            <a:lstStyle/>
+            <a:p>
+              <a:pPr algn="ctr"/>
+              <a:endParaRPr lang="zh-TW" altLang="en-US">
+                <a:solidFill>
+                  <a:schemeClr val="tx2">
+                    <a:lumMod val="20000"/>
+                    <a:lumOff val="80000"/>
+                  </a:schemeClr>
+                </a:solidFill>
+              </a:endParaRPr>
+            </a:p>
+          </p:txBody>
+        </p:sp>
+        <p:sp>
+          <p:nvSpPr>
+            <p:cNvPr id="29" name="矩形 28"/>
+            <p:cNvSpPr/>
+            <p:nvPr/>
+          </p:nvSpPr>
+          <p:spPr>
+            <a:xfrm>
+              <a:off x="7092028" y="-9480"/>
+              <a:ext cx="630000" cy="15748000"/>
+            </a:xfrm>
+            <a:prstGeom prst="rect">
+              <a:avLst/>
+            </a:prstGeom>
+            <a:grpFill/>
+            <a:ln>
+              <a:noFill/>
+            </a:ln>
+          </p:spPr>
+          <p:style>
+            <a:lnRef idx="2">
+              <a:schemeClr val="accent1">
+                <a:shade val="50000"/>
+              </a:schemeClr>
+            </a:lnRef>
+            <a:fillRef idx="1">
+              <a:schemeClr val="accent1"/>
+            </a:fillRef>
+            <a:effectRef idx="0">
+              <a:schemeClr val="accent1"/>
+            </a:effectRef>
+            <a:fontRef idx="minor">
+              <a:schemeClr val="lt1"/>
+            </a:fontRef>
+          </p:style>
+          <p:txBody>
+            <a:bodyPr rtlCol="0" anchor="ctr"/>
+            <a:lstStyle/>
+            <a:p>
+              <a:pPr algn="ctr"/>
+              <a:endParaRPr lang="zh-TW" altLang="en-US">
+                <a:solidFill>
+                  <a:schemeClr val="tx2">
+                    <a:lumMod val="20000"/>
+                    <a:lumOff val="80000"/>
+                  </a:schemeClr>
+                </a:solidFill>
+              </a:endParaRPr>
+            </a:p>
+          </p:txBody>
+        </p:sp>
+      </p:grpSp>
+      <p:grpSp>
+        <p:nvGrpSpPr>
+          <p:cNvPr id="30" name="群組 29"/>
+          <p:cNvGrpSpPr/>
+          <p:nvPr/>
+        </p:nvGrpSpPr>
+        <p:grpSpPr>
+          <a:xfrm>
+            <a:off x="456232" y="-38254"/>
+            <a:ext cx="3529092" cy="1321272"/>
+            <a:chOff x="0" y="1321272"/>
+            <a:chExt cx="12195175" cy="4464496"/>
+          </a:xfrm>
+        </p:grpSpPr>
+        <p:sp>
+          <p:nvSpPr>
+            <p:cNvPr id="31" name="矩形 30"/>
+            <p:cNvSpPr/>
+            <p:nvPr/>
+          </p:nvSpPr>
+          <p:spPr>
+            <a:xfrm>
+              <a:off x="0" y="1321272"/>
+              <a:ext cx="12187998" cy="4464496"/>
+            </a:xfrm>
+            <a:prstGeom prst="rect">
+              <a:avLst/>
+            </a:prstGeom>
+            <a:noFill/>
+            <a:ln>
+              <a:solidFill>
+                <a:schemeClr val="tx1"/>
+              </a:solidFill>
+            </a:ln>
+          </p:spPr>
+          <p:style>
+            <a:lnRef idx="2">
+              <a:schemeClr val="accent1">
+                <a:shade val="50000"/>
+              </a:schemeClr>
+            </a:lnRef>
+            <a:fillRef idx="1">
+              <a:schemeClr val="accent1"/>
+            </a:fillRef>
+            <a:effectRef idx="0">
+              <a:schemeClr val="accent1"/>
+            </a:effectRef>
+            <a:fontRef idx="minor">
+              <a:schemeClr val="lt1"/>
+            </a:fontRef>
+          </p:style>
+          <p:txBody>
+            <a:bodyPr rtlCol="0" anchor="ctr"/>
+            <a:lstStyle/>
+            <a:p>
+              <a:pPr algn="ctr"/>
+              <a:endParaRPr lang="zh-TW" altLang="en-US"/>
+            </a:p>
+          </p:txBody>
+        </p:sp>
+        <p:cxnSp>
+          <p:nvCxnSpPr>
+            <p:cNvPr id="32" name="直線接點 31"/>
+            <p:cNvCxnSpPr/>
+            <p:nvPr/>
+          </p:nvCxnSpPr>
+          <p:spPr>
+            <a:xfrm>
+              <a:off x="0" y="1328094"/>
+              <a:ext cx="12187998" cy="4457674"/>
+            </a:xfrm>
+            <a:prstGeom prst="line">
+              <a:avLst/>
+            </a:prstGeom>
+            <a:ln>
+              <a:solidFill>
+                <a:schemeClr val="tx1"/>
+              </a:solidFill>
+            </a:ln>
+          </p:spPr>
+          <p:style>
+            <a:lnRef idx="1">
+              <a:schemeClr val="accent1"/>
+            </a:lnRef>
+            <a:fillRef idx="0">
+              <a:schemeClr val="accent1"/>
+            </a:fillRef>
+            <a:effectRef idx="0">
+              <a:schemeClr val="accent1"/>
+            </a:effectRef>
+            <a:fontRef idx="minor">
+              <a:schemeClr val="tx1"/>
+            </a:fontRef>
+          </p:style>
+        </p:cxnSp>
+        <p:cxnSp>
+          <p:nvCxnSpPr>
+            <p:cNvPr id="33" name="直線接點 32"/>
+            <p:cNvCxnSpPr/>
+            <p:nvPr/>
+          </p:nvCxnSpPr>
+          <p:spPr>
+            <a:xfrm flipH="1">
+              <a:off x="0" y="1321272"/>
+              <a:ext cx="12195175" cy="4464496"/>
+            </a:xfrm>
+            <a:prstGeom prst="line">
+              <a:avLst/>
+            </a:prstGeom>
+            <a:ln>
+              <a:solidFill>
+                <a:schemeClr val="tx1"/>
+              </a:solidFill>
+            </a:ln>
+          </p:spPr>
+          <p:style>
+            <a:lnRef idx="1">
+              <a:schemeClr val="accent1"/>
+            </a:lnRef>
+            <a:fillRef idx="0">
+              <a:schemeClr val="accent1"/>
+            </a:fillRef>
+            <a:effectRef idx="0">
+              <a:schemeClr val="accent1"/>
+            </a:effectRef>
+            <a:fontRef idx="minor">
+              <a:schemeClr val="tx1"/>
+            </a:fontRef>
+          </p:style>
+        </p:cxnSp>
+      </p:grpSp>
+      <p:cxnSp>
+        <p:nvCxnSpPr>
+          <p:cNvPr id="34" name="直線接點 33"/>
+          <p:cNvCxnSpPr/>
+          <p:nvPr/>
+        </p:nvCxnSpPr>
+        <p:spPr>
+          <a:xfrm>
+            <a:off x="-34176" y="1326113"/>
+            <a:ext cx="12195175" cy="0"/>
+          </a:xfrm>
+          <a:prstGeom prst="line">
+            <a:avLst/>
+          </a:prstGeom>
+          <a:ln>
+            <a:solidFill>
+              <a:schemeClr val="tx1"/>
+            </a:solidFill>
+          </a:ln>
+        </p:spPr>
+        <p:style>
+          <a:lnRef idx="1">
+            <a:schemeClr val="accent1"/>
+          </a:lnRef>
+          <a:fillRef idx="0">
+            <a:schemeClr val="accent1"/>
+          </a:fillRef>
+          <a:effectRef idx="0">
+            <a:schemeClr val="accent1"/>
+          </a:effectRef>
+          <a:fontRef idx="minor">
+            <a:schemeClr val="tx1"/>
+          </a:fontRef>
+        </p:style>
+      </p:cxnSp>
+      <p:cxnSp>
+        <p:nvCxnSpPr>
+          <p:cNvPr id="35" name="直線接點 34"/>
+          <p:cNvCxnSpPr/>
+          <p:nvPr/>
+        </p:nvCxnSpPr>
+        <p:spPr>
+          <a:xfrm>
+            <a:off x="-23093" y="7937396"/>
+            <a:ext cx="12195175" cy="0"/>
+          </a:xfrm>
+          <a:prstGeom prst="line">
+            <a:avLst/>
+          </a:prstGeom>
+          <a:ln>
+            <a:solidFill>
+              <a:schemeClr val="tx1"/>
+            </a:solidFill>
+          </a:ln>
+        </p:spPr>
+        <p:style>
+          <a:lnRef idx="1">
+            <a:schemeClr val="accent1"/>
+          </a:lnRef>
+          <a:fillRef idx="0">
+            <a:schemeClr val="accent1"/>
+          </a:fillRef>
+          <a:effectRef idx="0">
+            <a:schemeClr val="accent1"/>
+          </a:effectRef>
+          <a:fontRef idx="minor">
+            <a:schemeClr val="tx1"/>
+          </a:fontRef>
+        </p:style>
+      </p:cxnSp>
+      <p:sp>
+        <p:nvSpPr>
+          <p:cNvPr id="36" name="矩形 35"/>
+          <p:cNvSpPr/>
+          <p:nvPr/>
+        </p:nvSpPr>
+        <p:spPr>
+          <a:xfrm>
+            <a:off x="5277757" y="1903391"/>
+            <a:ext cx="5461820" cy="655570"/>
+          </a:xfrm>
+          <a:prstGeom prst="rect">
+            <a:avLst/>
+          </a:prstGeom>
+          <a:noFill/>
+        </p:spPr>
+        <p:style>
+          <a:lnRef idx="2">
+            <a:schemeClr val="accent1">
+              <a:shade val="50000"/>
+            </a:schemeClr>
+          </a:lnRef>
+          <a:fillRef idx="1">
+            <a:schemeClr val="accent1"/>
+          </a:fillRef>
+          <a:effectRef idx="0">
+            <a:schemeClr val="accent1"/>
+          </a:effectRef>
+          <a:fontRef idx="minor">
+            <a:schemeClr val="lt1"/>
+          </a:fontRef>
+        </p:style>
+        <p:txBody>
+          <a:bodyPr rtlCol="0" anchor="ctr"/>
+          <a:lstStyle/>
+          <a:p>
+            <a:pPr algn="ctr"/>
+            <a:r>
+              <a:rPr lang="zh-TW" altLang="en-US" dirty="0" smtClean="0">
+                <a:solidFill>
+                  <a:schemeClr val="tx1"/>
+                </a:solidFill>
+              </a:rPr>
+              <a:t>搜尋結果</a:t>
+            </a:r>
+            <a:endParaRPr lang="zh-TW" altLang="en-US" dirty="0">
+              <a:solidFill>
+                <a:schemeClr val="tx1"/>
+              </a:solidFill>
+            </a:endParaRPr>
+          </a:p>
+        </p:txBody>
+      </p:sp>
+      <p:sp>
+        <p:nvSpPr>
+          <p:cNvPr id="37" name="矩形 36"/>
+          <p:cNvSpPr/>
+          <p:nvPr/>
+        </p:nvSpPr>
+        <p:spPr>
+          <a:xfrm>
+            <a:off x="-64825" y="1326113"/>
+            <a:ext cx="2432002" cy="6611283"/>
+          </a:xfrm>
+          <a:prstGeom prst="rect">
+            <a:avLst/>
+          </a:prstGeom>
+          <a:noFill/>
+        </p:spPr>
+        <p:style>
+          <a:lnRef idx="2">
+            <a:schemeClr val="accent1">
+              <a:shade val="50000"/>
+            </a:schemeClr>
+          </a:lnRef>
+          <a:fillRef idx="1">
+            <a:schemeClr val="accent1"/>
+          </a:fillRef>
+          <a:effectRef idx="0">
+            <a:schemeClr val="accent1"/>
+          </a:effectRef>
+          <a:fontRef idx="minor">
+            <a:schemeClr val="lt1"/>
+          </a:fontRef>
+        </p:style>
+        <p:txBody>
+          <a:bodyPr rtlCol="0" anchor="ctr"/>
+          <a:lstStyle/>
+          <a:p>
+            <a:pPr algn="ctr"/>
+            <a:endParaRPr lang="zh-TW" altLang="en-US"/>
+          </a:p>
+        </p:txBody>
+      </p:sp>
+      <p:grpSp>
+        <p:nvGrpSpPr>
+          <p:cNvPr id="38" name="群組 37"/>
+          <p:cNvGrpSpPr/>
+          <p:nvPr/>
+        </p:nvGrpSpPr>
+        <p:grpSpPr>
+          <a:xfrm>
+            <a:off x="-64826" y="1903391"/>
+            <a:ext cx="521366" cy="655571"/>
+            <a:chOff x="0" y="1321272"/>
+            <a:chExt cx="12195175" cy="4464496"/>
+          </a:xfrm>
+        </p:grpSpPr>
+        <p:sp>
+          <p:nvSpPr>
+            <p:cNvPr id="39" name="矩形 38"/>
+            <p:cNvSpPr/>
+            <p:nvPr/>
+          </p:nvSpPr>
+          <p:spPr>
+            <a:xfrm>
+              <a:off x="0" y="1321272"/>
+              <a:ext cx="12187998" cy="4464496"/>
+            </a:xfrm>
+            <a:prstGeom prst="rect">
+              <a:avLst/>
+            </a:prstGeom>
+            <a:noFill/>
+            <a:ln>
+              <a:solidFill>
+                <a:schemeClr val="tx1"/>
+              </a:solidFill>
+            </a:ln>
+          </p:spPr>
+          <p:style>
+            <a:lnRef idx="2">
+              <a:schemeClr val="accent1">
+                <a:shade val="50000"/>
+              </a:schemeClr>
+            </a:lnRef>
+            <a:fillRef idx="1">
+              <a:schemeClr val="accent1"/>
+            </a:fillRef>
+            <a:effectRef idx="0">
+              <a:schemeClr val="accent1"/>
+            </a:effectRef>
+            <a:fontRef idx="minor">
+              <a:schemeClr val="lt1"/>
+            </a:fontRef>
+          </p:style>
+          <p:txBody>
+            <a:bodyPr rtlCol="0" anchor="ctr"/>
+            <a:lstStyle/>
+            <a:p>
+              <a:pPr algn="ctr"/>
+              <a:endParaRPr lang="zh-TW" altLang="en-US"/>
+            </a:p>
+          </p:txBody>
+        </p:sp>
+        <p:cxnSp>
+          <p:nvCxnSpPr>
+            <p:cNvPr id="40" name="直線接點 39"/>
+            <p:cNvCxnSpPr/>
+            <p:nvPr/>
+          </p:nvCxnSpPr>
+          <p:spPr>
+            <a:xfrm>
+              <a:off x="0" y="1328094"/>
+              <a:ext cx="12187998" cy="4457674"/>
+            </a:xfrm>
+            <a:prstGeom prst="line">
+              <a:avLst/>
+            </a:prstGeom>
+            <a:ln>
+              <a:solidFill>
+                <a:schemeClr val="tx1"/>
+              </a:solidFill>
+            </a:ln>
+          </p:spPr>
+          <p:style>
+            <a:lnRef idx="1">
+              <a:schemeClr val="accent1"/>
+            </a:lnRef>
+            <a:fillRef idx="0">
+              <a:schemeClr val="accent1"/>
+            </a:fillRef>
+            <a:effectRef idx="0">
+              <a:schemeClr val="accent1"/>
+            </a:effectRef>
+            <a:fontRef idx="minor">
+              <a:schemeClr val="tx1"/>
+            </a:fontRef>
+          </p:style>
+        </p:cxnSp>
+        <p:cxnSp>
+          <p:nvCxnSpPr>
+            <p:cNvPr id="41" name="直線接點 40"/>
+            <p:cNvCxnSpPr/>
+            <p:nvPr/>
+          </p:nvCxnSpPr>
+          <p:spPr>
+            <a:xfrm flipH="1">
+              <a:off x="0" y="1321272"/>
+              <a:ext cx="12195175" cy="4464496"/>
+            </a:xfrm>
+            <a:prstGeom prst="line">
+              <a:avLst/>
+            </a:prstGeom>
+            <a:ln>
+              <a:solidFill>
+                <a:schemeClr val="tx1"/>
+              </a:solidFill>
+            </a:ln>
+          </p:spPr>
+          <p:style>
+            <a:lnRef idx="1">
+              <a:schemeClr val="accent1"/>
+            </a:lnRef>
+            <a:fillRef idx="0">
+              <a:schemeClr val="accent1"/>
+            </a:fillRef>
+            <a:effectRef idx="0">
+              <a:schemeClr val="accent1"/>
+            </a:effectRef>
+            <a:fontRef idx="minor">
+              <a:schemeClr val="tx1"/>
+            </a:fontRef>
+          </p:style>
+        </p:cxnSp>
+      </p:grpSp>
+      <p:sp>
+        <p:nvSpPr>
+          <p:cNvPr id="42" name="矩形 41"/>
+          <p:cNvSpPr/>
+          <p:nvPr/>
+        </p:nvSpPr>
+        <p:spPr>
+          <a:xfrm>
+            <a:off x="456540" y="1903391"/>
+            <a:ext cx="1910636" cy="655570"/>
+          </a:xfrm>
+          <a:prstGeom prst="rect">
+            <a:avLst/>
+          </a:prstGeom>
+          <a:noFill/>
+        </p:spPr>
+        <p:style>
+          <a:lnRef idx="2">
+            <a:schemeClr val="accent1">
+              <a:shade val="50000"/>
+            </a:schemeClr>
+          </a:lnRef>
+          <a:fillRef idx="1">
+            <a:schemeClr val="accent1"/>
+          </a:fillRef>
+          <a:effectRef idx="0">
+            <a:schemeClr val="accent1"/>
+          </a:effectRef>
+          <a:fontRef idx="minor">
+            <a:schemeClr val="lt1"/>
+          </a:fontRef>
+        </p:style>
+        <p:txBody>
+          <a:bodyPr rtlCol="0" anchor="ctr"/>
+          <a:lstStyle/>
+          <a:p>
+            <a:pPr algn="ctr"/>
+            <a:r>
+              <a:rPr lang="zh-TW" altLang="en-US" dirty="0" smtClean="0">
+                <a:solidFill>
+                  <a:schemeClr val="tx1"/>
+                </a:solidFill>
+              </a:rPr>
+              <a:t>議題搜尋</a:t>
+            </a:r>
+            <a:endParaRPr lang="zh-TW" altLang="en-US" dirty="0">
+              <a:solidFill>
+                <a:schemeClr val="tx1"/>
+              </a:solidFill>
+            </a:endParaRPr>
+          </a:p>
+        </p:txBody>
+      </p:sp>
+      <p:sp>
+        <p:nvSpPr>
+          <p:cNvPr id="43" name="矩形 42"/>
+          <p:cNvSpPr/>
+          <p:nvPr/>
+        </p:nvSpPr>
+        <p:spPr>
+          <a:xfrm>
+            <a:off x="456540" y="3320007"/>
+            <a:ext cx="1910635" cy="655570"/>
+          </a:xfrm>
+          <a:prstGeom prst="rect">
+            <a:avLst/>
+          </a:prstGeom>
+          <a:noFill/>
+        </p:spPr>
+        <p:style>
+          <a:lnRef idx="2">
+            <a:schemeClr val="accent1">
+              <a:shade val="50000"/>
+            </a:schemeClr>
+          </a:lnRef>
+          <a:fillRef idx="1">
+            <a:schemeClr val="accent1"/>
+          </a:fillRef>
+          <a:effectRef idx="0">
+            <a:schemeClr val="accent1"/>
+          </a:effectRef>
+          <a:fontRef idx="minor">
+            <a:schemeClr val="lt1"/>
+          </a:fontRef>
+        </p:style>
+        <p:txBody>
+          <a:bodyPr rtlCol="0" anchor="ctr"/>
+          <a:lstStyle/>
+          <a:p>
+            <a:pPr algn="ctr"/>
+            <a:r>
+              <a:rPr lang="zh-TW" altLang="en-US" dirty="0" smtClean="0">
+                <a:solidFill>
+                  <a:schemeClr val="tx1"/>
+                </a:solidFill>
+              </a:rPr>
+              <a:t>議題列表</a:t>
+            </a:r>
+            <a:endParaRPr lang="zh-TW" altLang="en-US" dirty="0">
+              <a:solidFill>
+                <a:schemeClr val="tx1"/>
+              </a:solidFill>
+            </a:endParaRPr>
+          </a:p>
+        </p:txBody>
+      </p:sp>
+      <p:sp>
+        <p:nvSpPr>
+          <p:cNvPr id="44" name="矩形 43"/>
+          <p:cNvSpPr/>
+          <p:nvPr/>
+        </p:nvSpPr>
+        <p:spPr>
+          <a:xfrm>
+            <a:off x="456540" y="4920392"/>
+            <a:ext cx="1910635" cy="655570"/>
+          </a:xfrm>
+          <a:prstGeom prst="rect">
+            <a:avLst/>
+          </a:prstGeom>
+          <a:noFill/>
+        </p:spPr>
+        <p:style>
+          <a:lnRef idx="2">
+            <a:schemeClr val="accent1">
+              <a:shade val="50000"/>
+            </a:schemeClr>
+          </a:lnRef>
+          <a:fillRef idx="1">
+            <a:schemeClr val="accent1"/>
+          </a:fillRef>
+          <a:effectRef idx="0">
+            <a:schemeClr val="accent1"/>
+          </a:effectRef>
+          <a:fontRef idx="minor">
+            <a:schemeClr val="lt1"/>
+          </a:fontRef>
+        </p:style>
+        <p:txBody>
+          <a:bodyPr rtlCol="0" anchor="ctr"/>
+          <a:lstStyle/>
+          <a:p>
+            <a:pPr algn="ctr"/>
+            <a:r>
+              <a:rPr lang="zh-TW" altLang="en-US" dirty="0" smtClean="0">
+                <a:solidFill>
+                  <a:schemeClr val="tx1"/>
+                </a:solidFill>
+              </a:rPr>
+              <a:t>議題建立</a:t>
+            </a:r>
+            <a:endParaRPr lang="zh-TW" altLang="en-US" dirty="0">
+              <a:solidFill>
+                <a:schemeClr val="tx1"/>
+              </a:solidFill>
+            </a:endParaRPr>
+          </a:p>
+        </p:txBody>
+      </p:sp>
+      <p:grpSp>
+        <p:nvGrpSpPr>
+          <p:cNvPr id="45" name="群組 44"/>
+          <p:cNvGrpSpPr/>
+          <p:nvPr/>
+        </p:nvGrpSpPr>
+        <p:grpSpPr>
+          <a:xfrm>
+            <a:off x="-64826" y="3320008"/>
+            <a:ext cx="521365" cy="655569"/>
+            <a:chOff x="0" y="1321272"/>
+            <a:chExt cx="12195175" cy="4464496"/>
+          </a:xfrm>
+        </p:grpSpPr>
+        <p:sp>
+          <p:nvSpPr>
+            <p:cNvPr id="46" name="矩形 45"/>
+            <p:cNvSpPr/>
+            <p:nvPr/>
+          </p:nvSpPr>
+          <p:spPr>
+            <a:xfrm>
+              <a:off x="0" y="1321272"/>
+              <a:ext cx="12187998" cy="4464496"/>
+            </a:xfrm>
+            <a:prstGeom prst="rect">
+              <a:avLst/>
+            </a:prstGeom>
+            <a:noFill/>
+            <a:ln>
+              <a:solidFill>
+                <a:schemeClr val="tx1"/>
+              </a:solidFill>
+            </a:ln>
+          </p:spPr>
+          <p:style>
+            <a:lnRef idx="2">
+              <a:schemeClr val="accent1">
+                <a:shade val="50000"/>
+              </a:schemeClr>
+            </a:lnRef>
+            <a:fillRef idx="1">
+              <a:schemeClr val="accent1"/>
+            </a:fillRef>
+            <a:effectRef idx="0">
+              <a:schemeClr val="accent1"/>
+            </a:effectRef>
+            <a:fontRef idx="minor">
+              <a:schemeClr val="lt1"/>
+            </a:fontRef>
+          </p:style>
+          <p:txBody>
+            <a:bodyPr rtlCol="0" anchor="ctr"/>
+            <a:lstStyle/>
+            <a:p>
+              <a:pPr algn="ctr"/>
+              <a:endParaRPr lang="zh-TW" altLang="en-US"/>
+            </a:p>
+          </p:txBody>
+        </p:sp>
+        <p:cxnSp>
+          <p:nvCxnSpPr>
+            <p:cNvPr id="47" name="直線接點 46"/>
+            <p:cNvCxnSpPr/>
+            <p:nvPr/>
+          </p:nvCxnSpPr>
+          <p:spPr>
+            <a:xfrm>
+              <a:off x="0" y="1328094"/>
+              <a:ext cx="12187998" cy="4457674"/>
+            </a:xfrm>
+            <a:prstGeom prst="line">
+              <a:avLst/>
+            </a:prstGeom>
+            <a:ln>
+              <a:solidFill>
+                <a:schemeClr val="tx1"/>
+              </a:solidFill>
+            </a:ln>
+          </p:spPr>
+          <p:style>
+            <a:lnRef idx="1">
+              <a:schemeClr val="accent1"/>
+            </a:lnRef>
+            <a:fillRef idx="0">
+              <a:schemeClr val="accent1"/>
+            </a:fillRef>
+            <a:effectRef idx="0">
+              <a:schemeClr val="accent1"/>
+            </a:effectRef>
+            <a:fontRef idx="minor">
+              <a:schemeClr val="tx1"/>
+            </a:fontRef>
+          </p:style>
+        </p:cxnSp>
+        <p:cxnSp>
+          <p:nvCxnSpPr>
+            <p:cNvPr id="48" name="直線接點 47"/>
+            <p:cNvCxnSpPr/>
+            <p:nvPr/>
+          </p:nvCxnSpPr>
+          <p:spPr>
+            <a:xfrm flipH="1">
+              <a:off x="0" y="1321272"/>
+              <a:ext cx="12195175" cy="4464496"/>
+            </a:xfrm>
+            <a:prstGeom prst="line">
+              <a:avLst/>
+            </a:prstGeom>
+            <a:ln>
+              <a:solidFill>
+                <a:schemeClr val="tx1"/>
+              </a:solidFill>
+            </a:ln>
+          </p:spPr>
+          <p:style>
+            <a:lnRef idx="1">
+              <a:schemeClr val="accent1"/>
+            </a:lnRef>
+            <a:fillRef idx="0">
+              <a:schemeClr val="accent1"/>
+            </a:fillRef>
+            <a:effectRef idx="0">
+              <a:schemeClr val="accent1"/>
+            </a:effectRef>
+            <a:fontRef idx="minor">
+              <a:schemeClr val="tx1"/>
+            </a:fontRef>
+          </p:style>
+        </p:cxnSp>
+      </p:grpSp>
+      <p:grpSp>
+        <p:nvGrpSpPr>
+          <p:cNvPr id="49" name="群組 48"/>
+          <p:cNvGrpSpPr/>
+          <p:nvPr/>
+        </p:nvGrpSpPr>
+        <p:grpSpPr>
+          <a:xfrm>
+            <a:off x="-64825" y="4914174"/>
+            <a:ext cx="521366" cy="661788"/>
+            <a:chOff x="0" y="1321272"/>
+            <a:chExt cx="12195175" cy="4464496"/>
+          </a:xfrm>
+        </p:grpSpPr>
+        <p:sp>
+          <p:nvSpPr>
+            <p:cNvPr id="50" name="矩形 49"/>
+            <p:cNvSpPr/>
+            <p:nvPr/>
+          </p:nvSpPr>
+          <p:spPr>
+            <a:xfrm>
+              <a:off x="0" y="1321272"/>
+              <a:ext cx="12187998" cy="4464496"/>
+            </a:xfrm>
+            <a:prstGeom prst="rect">
+              <a:avLst/>
+            </a:prstGeom>
+            <a:noFill/>
+            <a:ln>
+              <a:solidFill>
+                <a:schemeClr val="tx1"/>
+              </a:solidFill>
+            </a:ln>
+          </p:spPr>
+          <p:style>
+            <a:lnRef idx="2">
+              <a:schemeClr val="accent1">
+                <a:shade val="50000"/>
+              </a:schemeClr>
+            </a:lnRef>
+            <a:fillRef idx="1">
+              <a:schemeClr val="accent1"/>
+            </a:fillRef>
+            <a:effectRef idx="0">
+              <a:schemeClr val="accent1"/>
+            </a:effectRef>
+            <a:fontRef idx="minor">
+              <a:schemeClr val="lt1"/>
+            </a:fontRef>
+          </p:style>
+          <p:txBody>
+            <a:bodyPr rtlCol="0" anchor="ctr"/>
+            <a:lstStyle/>
+            <a:p>
+              <a:pPr algn="ctr"/>
+              <a:endParaRPr lang="zh-TW" altLang="en-US"/>
+            </a:p>
+          </p:txBody>
+        </p:sp>
+        <p:cxnSp>
+          <p:nvCxnSpPr>
+            <p:cNvPr id="51" name="直線接點 50"/>
+            <p:cNvCxnSpPr/>
+            <p:nvPr/>
+          </p:nvCxnSpPr>
+          <p:spPr>
+            <a:xfrm>
+              <a:off x="0" y="1328094"/>
+              <a:ext cx="12187998" cy="4457674"/>
+            </a:xfrm>
+            <a:prstGeom prst="line">
+              <a:avLst/>
+            </a:prstGeom>
+            <a:ln>
+              <a:solidFill>
+                <a:schemeClr val="tx1"/>
+              </a:solidFill>
+            </a:ln>
+          </p:spPr>
+          <p:style>
+            <a:lnRef idx="1">
+              <a:schemeClr val="accent1"/>
+            </a:lnRef>
+            <a:fillRef idx="0">
+              <a:schemeClr val="accent1"/>
+            </a:fillRef>
+            <a:effectRef idx="0">
+              <a:schemeClr val="accent1"/>
+            </a:effectRef>
+            <a:fontRef idx="minor">
+              <a:schemeClr val="tx1"/>
+            </a:fontRef>
+          </p:style>
+        </p:cxnSp>
+        <p:cxnSp>
+          <p:nvCxnSpPr>
+            <p:cNvPr id="52" name="直線接點 51"/>
+            <p:cNvCxnSpPr/>
+            <p:nvPr/>
+          </p:nvCxnSpPr>
+          <p:spPr>
+            <a:xfrm flipH="1">
+              <a:off x="0" y="1321272"/>
+              <a:ext cx="12195175" cy="4464496"/>
+            </a:xfrm>
+            <a:prstGeom prst="line">
+              <a:avLst/>
+            </a:prstGeom>
+            <a:ln>
+              <a:solidFill>
+                <a:schemeClr val="tx1"/>
+              </a:solidFill>
+            </a:ln>
+          </p:spPr>
+          <p:style>
+            <a:lnRef idx="1">
+              <a:schemeClr val="accent1"/>
+            </a:lnRef>
+            <a:fillRef idx="0">
+              <a:schemeClr val="accent1"/>
+            </a:fillRef>
+            <a:effectRef idx="0">
+              <a:schemeClr val="accent1"/>
+            </a:effectRef>
+            <a:fontRef idx="minor">
+              <a:schemeClr val="tx1"/>
+            </a:fontRef>
+          </p:style>
+        </p:cxnSp>
+      </p:grpSp>
+      <p:sp>
+        <p:nvSpPr>
+          <p:cNvPr id="53" name="矩形 52"/>
+          <p:cNvSpPr/>
+          <p:nvPr/>
+        </p:nvSpPr>
+        <p:spPr>
+          <a:xfrm>
+            <a:off x="4311393" y="3136239"/>
+            <a:ext cx="7394548" cy="1023107"/>
+          </a:xfrm>
+          <a:prstGeom prst="rect">
+            <a:avLst/>
+          </a:prstGeom>
+          <a:noFill/>
+        </p:spPr>
+        <p:style>
+          <a:lnRef idx="2">
+            <a:schemeClr val="accent1">
+              <a:shade val="50000"/>
+            </a:schemeClr>
+          </a:lnRef>
+          <a:fillRef idx="1">
+            <a:schemeClr val="accent1"/>
+          </a:fillRef>
+          <a:effectRef idx="0">
+            <a:schemeClr val="accent1"/>
+          </a:effectRef>
+          <a:fontRef idx="minor">
+            <a:schemeClr val="lt1"/>
+          </a:fontRef>
+        </p:style>
+        <p:txBody>
+          <a:bodyPr rtlCol="0" anchor="ctr"/>
+          <a:lstStyle/>
+          <a:p>
+            <a:r>
+              <a:rPr lang="en-US" altLang="zh-TW" dirty="0" smtClean="0">
+                <a:solidFill>
+                  <a:schemeClr val="tx1"/>
+                </a:solidFill>
+              </a:rPr>
+              <a:t>1.</a:t>
+            </a:r>
+            <a:endParaRPr lang="zh-TW" altLang="en-US" dirty="0">
+              <a:solidFill>
+                <a:schemeClr val="tx1"/>
+              </a:solidFill>
+            </a:endParaRPr>
+          </a:p>
+        </p:txBody>
+      </p:sp>
+      <p:sp>
+        <p:nvSpPr>
+          <p:cNvPr id="54" name="矩形 53"/>
+          <p:cNvSpPr/>
+          <p:nvPr/>
+        </p:nvSpPr>
+        <p:spPr>
+          <a:xfrm>
+            <a:off x="4321470" y="4736624"/>
+            <a:ext cx="7387830" cy="1023107"/>
+          </a:xfrm>
+          <a:prstGeom prst="rect">
+            <a:avLst/>
+          </a:prstGeom>
+          <a:noFill/>
+        </p:spPr>
+        <p:style>
+          <a:lnRef idx="2">
+            <a:schemeClr val="accent1">
+              <a:shade val="50000"/>
+            </a:schemeClr>
+          </a:lnRef>
+          <a:fillRef idx="1">
+            <a:schemeClr val="accent1"/>
+          </a:fillRef>
+          <a:effectRef idx="0">
+            <a:schemeClr val="accent1"/>
+          </a:effectRef>
+          <a:fontRef idx="minor">
+            <a:schemeClr val="lt1"/>
+          </a:fontRef>
+        </p:style>
+        <p:txBody>
+          <a:bodyPr rtlCol="0" anchor="ctr"/>
+          <a:lstStyle/>
+          <a:p>
+            <a:r>
+              <a:rPr lang="en-US" altLang="zh-TW" dirty="0">
+                <a:solidFill>
+                  <a:schemeClr val="tx1"/>
+                </a:solidFill>
+              </a:rPr>
+              <a:t>2</a:t>
+            </a:r>
+            <a:r>
+              <a:rPr lang="en-US" altLang="zh-TW" dirty="0" smtClean="0">
+                <a:solidFill>
+                  <a:schemeClr val="tx1"/>
+                </a:solidFill>
+              </a:rPr>
+              <a:t>.</a:t>
+            </a:r>
+            <a:endParaRPr lang="zh-TW" altLang="en-US" dirty="0">
+              <a:solidFill>
+                <a:schemeClr val="tx1"/>
+              </a:solidFill>
+            </a:endParaRPr>
+          </a:p>
+        </p:txBody>
+      </p:sp>
+      <p:sp>
+        <p:nvSpPr>
+          <p:cNvPr id="55" name="矩形 54"/>
+          <p:cNvSpPr/>
+          <p:nvPr/>
+        </p:nvSpPr>
+        <p:spPr>
+          <a:xfrm>
+            <a:off x="4297387" y="6337009"/>
+            <a:ext cx="7387830" cy="1023107"/>
+          </a:xfrm>
+          <a:prstGeom prst="rect">
+            <a:avLst/>
+          </a:prstGeom>
+          <a:noFill/>
+        </p:spPr>
+        <p:style>
+          <a:lnRef idx="2">
+            <a:schemeClr val="accent1">
+              <a:shade val="50000"/>
+            </a:schemeClr>
+          </a:lnRef>
+          <a:fillRef idx="1">
+            <a:schemeClr val="accent1"/>
+          </a:fillRef>
+          <a:effectRef idx="0">
+            <a:schemeClr val="accent1"/>
+          </a:effectRef>
+          <a:fontRef idx="minor">
+            <a:schemeClr val="lt1"/>
+          </a:fontRef>
+        </p:style>
+        <p:txBody>
+          <a:bodyPr rtlCol="0" anchor="ctr"/>
+          <a:lstStyle/>
+          <a:p>
+            <a:r>
+              <a:rPr lang="en-US" altLang="zh-TW" dirty="0" smtClean="0">
+                <a:solidFill>
+                  <a:schemeClr val="tx1"/>
+                </a:solidFill>
+              </a:rPr>
+              <a:t>3.</a:t>
+            </a:r>
+            <a:endParaRPr lang="zh-TW" altLang="en-US" dirty="0">
+              <a:solidFill>
+                <a:schemeClr val="tx1"/>
+              </a:solidFill>
+            </a:endParaRPr>
+          </a:p>
+        </p:txBody>
+      </p:sp>
+      <p:sp>
+        <p:nvSpPr>
+          <p:cNvPr id="59" name="矩形 58"/>
+          <p:cNvSpPr/>
+          <p:nvPr/>
+        </p:nvSpPr>
+        <p:spPr>
+          <a:xfrm>
+            <a:off x="10098089" y="358867"/>
             <a:ext cx="1574274" cy="598066"/>
           </a:xfrm>
           <a:prstGeom prst="rect">
@@ -9264,20 +11568,12 @@
           <a:p>
             <a:pPr algn="ctr"/>
             <a:r>
-              <a:rPr lang="zh-TW" altLang="en-US" dirty="0" smtClean="0">
+              <a:rPr lang="en-US" altLang="zh-TW" dirty="0" smtClean="0">
                 <a:solidFill>
                   <a:schemeClr val="tx1"/>
                 </a:solidFill>
               </a:rPr>
-              <a:t>匿名</a:t>
-            </a:r>
-            <a:r>
-              <a:rPr lang="en-US" altLang="zh-TW" dirty="0" smtClean="0">
-                <a:solidFill>
-                  <a:schemeClr val="tx1"/>
-                </a:solidFill>
-              </a:rPr>
-              <a:t>:</a:t>
+              <a:t>HI!XXX</a:t>
             </a:r>
             <a:endParaRPr lang="zh-TW" altLang="en-US" dirty="0">
               <a:solidFill>
@@ -9287,480 +11583,116 @@
           </a:p>
         </p:txBody>
       </p:sp>
-      <p:cxnSp>
-        <p:nvCxnSpPr>
-          <p:cNvPr id="41" name="直線接點 40"/>
-          <p:cNvCxnSpPr/>
+      <p:sp>
+        <p:nvSpPr>
+          <p:cNvPr id="56" name="文字方塊 55"/>
+          <p:cNvSpPr txBox="1"/>
           <p:nvPr/>
-        </p:nvCxnSpPr>
+        </p:nvSpPr>
         <p:spPr>
           <a:xfrm>
-            <a:off x="-23093" y="4705648"/>
-            <a:ext cx="12195175" cy="0"/>
-          </a:xfrm>
-          <a:prstGeom prst="line">
-            <a:avLst/>
-          </a:prstGeom>
-          <a:ln>
-            <a:solidFill>
-              <a:schemeClr val="tx1"/>
-            </a:solidFill>
-          </a:ln>
-        </p:spPr>
-        <p:style>
-          <a:lnRef idx="1">
-            <a:schemeClr val="accent1"/>
-          </a:lnRef>
-          <a:fillRef idx="0">
-            <a:schemeClr val="accent1"/>
-          </a:fillRef>
-          <a:effectRef idx="0">
-            <a:schemeClr val="accent1"/>
-          </a:effectRef>
-          <a:fontRef idx="minor">
-            <a:schemeClr val="tx1"/>
-          </a:fontRef>
-        </p:style>
-      </p:cxnSp>
-      <p:sp>
-        <p:nvSpPr>
-          <p:cNvPr id="42" name="矩形 41"/>
-          <p:cNvSpPr/>
-          <p:nvPr/>
-        </p:nvSpPr>
-        <p:spPr>
-          <a:xfrm>
-            <a:off x="2400313" y="5192102"/>
-            <a:ext cx="9294140" cy="598066"/>
+            <a:off x="12866339" y="5569744"/>
+            <a:ext cx="3960440" cy="1046440"/>
           </a:xfrm>
           <a:prstGeom prst="rect">
             <a:avLst/>
           </a:prstGeom>
           <a:noFill/>
         </p:spPr>
-        <p:style>
-          <a:lnRef idx="2">
-            <a:schemeClr val="accent1">
-              <a:shade val="50000"/>
-            </a:schemeClr>
-          </a:lnRef>
-          <a:fillRef idx="1">
-            <a:schemeClr val="accent1"/>
-          </a:fillRef>
-          <a:effectRef idx="0">
-            <a:schemeClr val="accent1"/>
-          </a:effectRef>
-          <a:fontRef idx="minor">
-            <a:schemeClr val="lt1"/>
-          </a:fontRef>
-        </p:style>
-        <p:txBody>
-          <a:bodyPr rtlCol="0" anchor="ctr"/>
+        <p:txBody>
+          <a:bodyPr wrap="square" rtlCol="0">
+            <a:spAutoFit/>
+          </a:bodyPr>
           <a:lstStyle/>
           <a:p>
-            <a:pPr algn="ctr"/>
-            <a:endParaRPr lang="zh-TW" altLang="en-US"/>
-          </a:p>
-        </p:txBody>
-      </p:sp>
-      <p:sp>
-        <p:nvSpPr>
-          <p:cNvPr id="43" name="矩形 42"/>
-          <p:cNvSpPr/>
-          <p:nvPr/>
-        </p:nvSpPr>
-        <p:spPr>
-          <a:xfrm>
-            <a:off x="456539" y="6276622"/>
-            <a:ext cx="1574274" cy="598066"/>
-          </a:xfrm>
-          <a:prstGeom prst="rect">
-            <a:avLst/>
-          </a:prstGeom>
-          <a:noFill/>
-        </p:spPr>
-        <p:style>
-          <a:lnRef idx="2">
-            <a:schemeClr val="accent1">
-              <a:shade val="50000"/>
-            </a:schemeClr>
-          </a:lnRef>
-          <a:fillRef idx="1">
-            <a:schemeClr val="accent1"/>
-          </a:fillRef>
-          <a:effectRef idx="0">
-            <a:schemeClr val="accent1"/>
-          </a:effectRef>
-          <a:fontRef idx="minor">
-            <a:schemeClr val="lt1"/>
-          </a:fontRef>
-        </p:style>
-        <p:txBody>
-          <a:bodyPr rtlCol="0" anchor="ctr"/>
-          <a:lstStyle/>
-          <a:p>
-            <a:pPr algn="ctr"/>
-            <a:r>
-              <a:rPr lang="zh-TW" altLang="en-US" dirty="0" smtClean="0">
-                <a:solidFill>
-                  <a:schemeClr val="tx1"/>
-                </a:solidFill>
-              </a:rPr>
-              <a:t>匿名</a:t>
-            </a:r>
-            <a:r>
-              <a:rPr lang="en-US" altLang="zh-TW" dirty="0" smtClean="0">
-                <a:solidFill>
-                  <a:schemeClr val="tx1"/>
-                </a:solidFill>
-              </a:rPr>
-              <a:t>:</a:t>
-            </a:r>
-            <a:endParaRPr lang="zh-TW" altLang="en-US" dirty="0">
-              <a:solidFill>
-                <a:schemeClr val="tx1"/>
-              </a:solidFill>
-            </a:endParaRPr>
-          </a:p>
-        </p:txBody>
-      </p:sp>
-      <p:sp>
-        <p:nvSpPr>
-          <p:cNvPr id="44" name="矩形 43"/>
-          <p:cNvSpPr/>
-          <p:nvPr/>
-        </p:nvSpPr>
-        <p:spPr>
-          <a:xfrm>
-            <a:off x="456539" y="7361142"/>
-            <a:ext cx="1574274" cy="598066"/>
-          </a:xfrm>
-          <a:prstGeom prst="rect">
-            <a:avLst/>
-          </a:prstGeom>
-          <a:noFill/>
-        </p:spPr>
-        <p:style>
-          <a:lnRef idx="2">
-            <a:schemeClr val="accent1">
-              <a:shade val="50000"/>
-            </a:schemeClr>
-          </a:lnRef>
-          <a:fillRef idx="1">
-            <a:schemeClr val="accent1"/>
-          </a:fillRef>
-          <a:effectRef idx="0">
-            <a:schemeClr val="accent1"/>
-          </a:effectRef>
-          <a:fontRef idx="minor">
-            <a:schemeClr val="lt1"/>
-          </a:fontRef>
-        </p:style>
-        <p:txBody>
-          <a:bodyPr rtlCol="0" anchor="ctr"/>
-          <a:lstStyle/>
-          <a:p>
-            <a:pPr algn="ctr"/>
-            <a:r>
-              <a:rPr lang="zh-TW" altLang="en-US" dirty="0" smtClean="0">
-                <a:solidFill>
-                  <a:schemeClr val="tx1"/>
-                </a:solidFill>
-              </a:rPr>
-              <a:t>匿名</a:t>
-            </a:r>
-            <a:r>
-              <a:rPr lang="en-US" altLang="zh-TW" dirty="0" smtClean="0">
-                <a:solidFill>
-                  <a:schemeClr val="tx1"/>
-                </a:solidFill>
-              </a:rPr>
-              <a:t>:</a:t>
-            </a:r>
-            <a:endParaRPr lang="zh-TW" altLang="en-US" dirty="0">
-              <a:solidFill>
-                <a:schemeClr val="tx1"/>
-              </a:solidFill>
-            </a:endParaRPr>
-          </a:p>
-        </p:txBody>
-      </p:sp>
-      <p:sp>
-        <p:nvSpPr>
-          <p:cNvPr id="45" name="矩形 44"/>
-          <p:cNvSpPr/>
-          <p:nvPr/>
-        </p:nvSpPr>
-        <p:spPr>
-          <a:xfrm>
-            <a:off x="456539" y="8445662"/>
-            <a:ext cx="1574274" cy="598066"/>
-          </a:xfrm>
-          <a:prstGeom prst="rect">
-            <a:avLst/>
-          </a:prstGeom>
-          <a:noFill/>
-        </p:spPr>
-        <p:style>
-          <a:lnRef idx="2">
-            <a:schemeClr val="accent1">
-              <a:shade val="50000"/>
-            </a:schemeClr>
-          </a:lnRef>
-          <a:fillRef idx="1">
-            <a:schemeClr val="accent1"/>
-          </a:fillRef>
-          <a:effectRef idx="0">
-            <a:schemeClr val="accent1"/>
-          </a:effectRef>
-          <a:fontRef idx="minor">
-            <a:schemeClr val="lt1"/>
-          </a:fontRef>
-        </p:style>
-        <p:txBody>
-          <a:bodyPr rtlCol="0" anchor="ctr"/>
-          <a:lstStyle/>
-          <a:p>
-            <a:pPr algn="ctr"/>
-            <a:r>
-              <a:rPr lang="zh-TW" altLang="en-US" dirty="0" smtClean="0">
-                <a:solidFill>
-                  <a:schemeClr val="tx1"/>
-                </a:solidFill>
-              </a:rPr>
-              <a:t>匿名</a:t>
-            </a:r>
-            <a:r>
-              <a:rPr lang="en-US" altLang="zh-TW" dirty="0" smtClean="0">
-                <a:solidFill>
-                  <a:schemeClr val="tx1"/>
-                </a:solidFill>
-              </a:rPr>
-              <a:t>:</a:t>
-            </a:r>
-            <a:endParaRPr lang="zh-TW" altLang="en-US" dirty="0">
-              <a:solidFill>
-                <a:schemeClr val="tx1"/>
-              </a:solidFill>
-            </a:endParaRPr>
-          </a:p>
-        </p:txBody>
-      </p:sp>
-      <p:sp>
-        <p:nvSpPr>
-          <p:cNvPr id="46" name="矩形 45"/>
-          <p:cNvSpPr/>
-          <p:nvPr/>
-        </p:nvSpPr>
-        <p:spPr>
-          <a:xfrm>
-            <a:off x="2378223" y="6276622"/>
-            <a:ext cx="9294140" cy="598066"/>
-          </a:xfrm>
-          <a:prstGeom prst="rect">
-            <a:avLst/>
-          </a:prstGeom>
-          <a:noFill/>
-        </p:spPr>
-        <p:style>
-          <a:lnRef idx="2">
-            <a:schemeClr val="accent1">
-              <a:shade val="50000"/>
-            </a:schemeClr>
-          </a:lnRef>
-          <a:fillRef idx="1">
-            <a:schemeClr val="accent1"/>
-          </a:fillRef>
-          <a:effectRef idx="0">
-            <a:schemeClr val="accent1"/>
-          </a:effectRef>
-          <a:fontRef idx="minor">
-            <a:schemeClr val="lt1"/>
-          </a:fontRef>
-        </p:style>
-        <p:txBody>
-          <a:bodyPr rtlCol="0" anchor="ctr"/>
-          <a:lstStyle/>
-          <a:p>
-            <a:pPr algn="ctr"/>
-            <a:endParaRPr lang="zh-TW" altLang="en-US"/>
-          </a:p>
-        </p:txBody>
-      </p:sp>
-      <p:sp>
-        <p:nvSpPr>
-          <p:cNvPr id="47" name="矩形 46"/>
-          <p:cNvSpPr/>
-          <p:nvPr/>
-        </p:nvSpPr>
-        <p:spPr>
-          <a:xfrm>
-            <a:off x="2367177" y="7361142"/>
-            <a:ext cx="9294140" cy="598066"/>
-          </a:xfrm>
-          <a:prstGeom prst="rect">
-            <a:avLst/>
-          </a:prstGeom>
-          <a:noFill/>
-        </p:spPr>
-        <p:style>
-          <a:lnRef idx="2">
-            <a:schemeClr val="accent1">
-              <a:shade val="50000"/>
-            </a:schemeClr>
-          </a:lnRef>
-          <a:fillRef idx="1">
-            <a:schemeClr val="accent1"/>
-          </a:fillRef>
-          <a:effectRef idx="0">
-            <a:schemeClr val="accent1"/>
-          </a:effectRef>
-          <a:fontRef idx="minor">
-            <a:schemeClr val="lt1"/>
-          </a:fontRef>
-        </p:style>
-        <p:txBody>
-          <a:bodyPr rtlCol="0" anchor="ctr"/>
-          <a:lstStyle/>
-          <a:p>
-            <a:pPr algn="ctr"/>
-            <a:endParaRPr lang="zh-TW" altLang="en-US"/>
-          </a:p>
-        </p:txBody>
-      </p:sp>
-      <p:sp>
-        <p:nvSpPr>
-          <p:cNvPr id="48" name="矩形 47"/>
-          <p:cNvSpPr/>
-          <p:nvPr/>
-        </p:nvSpPr>
-        <p:spPr>
-          <a:xfrm>
-            <a:off x="2367177" y="8445662"/>
-            <a:ext cx="9294140" cy="598066"/>
-          </a:xfrm>
-          <a:prstGeom prst="rect">
-            <a:avLst/>
-          </a:prstGeom>
-          <a:noFill/>
-        </p:spPr>
-        <p:style>
-          <a:lnRef idx="2">
-            <a:schemeClr val="accent1">
-              <a:shade val="50000"/>
-            </a:schemeClr>
-          </a:lnRef>
-          <a:fillRef idx="1">
-            <a:schemeClr val="accent1"/>
-          </a:fillRef>
-          <a:effectRef idx="0">
-            <a:schemeClr val="accent1"/>
-          </a:effectRef>
-          <a:fontRef idx="minor">
-            <a:schemeClr val="lt1"/>
-          </a:fontRef>
-        </p:style>
-        <p:txBody>
-          <a:bodyPr rtlCol="0" anchor="ctr"/>
-          <a:lstStyle/>
-          <a:p>
-            <a:pPr algn="ctr"/>
-            <a:endParaRPr lang="zh-TW" altLang="en-US"/>
-          </a:p>
-        </p:txBody>
-      </p:sp>
-      <p:sp>
-        <p:nvSpPr>
-          <p:cNvPr id="50" name="向左箭號 49"/>
-          <p:cNvSpPr/>
-          <p:nvPr/>
-        </p:nvSpPr>
-        <p:spPr>
-          <a:xfrm>
-            <a:off x="456540" y="2266573"/>
-            <a:ext cx="630000" cy="1498615"/>
-          </a:xfrm>
-          <a:prstGeom prst="leftArrow">
-            <a:avLst>
-              <a:gd name="adj1" fmla="val 65254"/>
-              <a:gd name="adj2" fmla="val 72676"/>
-            </a:avLst>
-          </a:prstGeom>
-          <a:noFill/>
-        </p:spPr>
-        <p:style>
-          <a:lnRef idx="2">
-            <a:schemeClr val="accent1">
-              <a:shade val="50000"/>
-            </a:schemeClr>
-          </a:lnRef>
-          <a:fillRef idx="1">
-            <a:schemeClr val="accent1"/>
-          </a:fillRef>
-          <a:effectRef idx="0">
-            <a:schemeClr val="accent1"/>
-          </a:effectRef>
-          <a:fontRef idx="minor">
-            <a:schemeClr val="lt1"/>
-          </a:fontRef>
-        </p:style>
-        <p:txBody>
-          <a:bodyPr rtlCol="0" anchor="ctr"/>
-          <a:lstStyle/>
-          <a:p>
-            <a:pPr algn="ctr"/>
-            <a:endParaRPr lang="zh-TW" altLang="en-US"/>
-          </a:p>
-        </p:txBody>
-      </p:sp>
-      <p:sp>
-        <p:nvSpPr>
-          <p:cNvPr id="52" name="向左箭號 51"/>
-          <p:cNvSpPr/>
-          <p:nvPr/>
-        </p:nvSpPr>
-        <p:spPr>
-          <a:xfrm flipH="1">
-            <a:off x="11088749" y="2266573"/>
-            <a:ext cx="605704" cy="1498615"/>
-          </a:xfrm>
-          <a:prstGeom prst="leftArrow">
-            <a:avLst>
-              <a:gd name="adj1" fmla="val 65254"/>
-              <a:gd name="adj2" fmla="val 72676"/>
-            </a:avLst>
-          </a:prstGeom>
-          <a:noFill/>
-        </p:spPr>
-        <p:style>
-          <a:lnRef idx="2">
-            <a:schemeClr val="accent1">
-              <a:shade val="50000"/>
-            </a:schemeClr>
-          </a:lnRef>
-          <a:fillRef idx="1">
-            <a:schemeClr val="accent1"/>
-          </a:fillRef>
-          <a:effectRef idx="0">
-            <a:schemeClr val="accent1"/>
-          </a:effectRef>
-          <a:fontRef idx="minor">
-            <a:schemeClr val="lt1"/>
-          </a:fontRef>
-        </p:style>
-        <p:txBody>
-          <a:bodyPr rtlCol="0" anchor="ctr"/>
-          <a:lstStyle/>
-          <a:p>
-            <a:pPr algn="ctr"/>
-            <a:endParaRPr lang="zh-TW" altLang="en-US"/>
+            <a:r>
+              <a:rPr lang="zh-TW" altLang="en-US" dirty="0" smtClean="0"/>
+              <a:t>把它切成一辦，最新根最熱門</a:t>
+            </a:r>
+            <a:endParaRPr lang="zh-TW" altLang="en-US" dirty="0"/>
           </a:p>
         </p:txBody>
       </p:sp>
     </p:spTree>
     <p:extLst>
       <p:ext uri="{BB962C8B-B14F-4D97-AF65-F5344CB8AC3E}">
-        <p14:creationId xmlns:p14="http://schemas.microsoft.com/office/powerpoint/2010/main" val="3100140722"/>
+        <p14:creationId xmlns:p14="http://schemas.microsoft.com/office/powerpoint/2010/main" val="3140043899"/>
+      </p:ext>
+    </p:extLst>
+  </p:cSld>
+  <p:clrMapOvr>
+    <a:masterClrMapping/>
+  </p:clrMapOvr>
+</p:sld>
+</file>
+
+<file path=ppt/slides/slide6.xml><?xml version="1.0" encoding="utf-8"?>
+<p:sld xmlns:a="http://schemas.openxmlformats.org/drawingml/2006/main" xmlns:r="http://schemas.openxmlformats.org/officeDocument/2006/relationships" xmlns:p="http://schemas.openxmlformats.org/presentationml/2006/main">
+  <p:cSld>
+    <p:spTree>
+      <p:nvGrpSpPr>
+        <p:cNvPr id="1" name=""/>
+        <p:cNvGrpSpPr/>
+        <p:nvPr/>
+      </p:nvGrpSpPr>
+      <p:grpSpPr>
+        <a:xfrm>
+          <a:off x="0" y="0"/>
+          <a:ext cx="0" cy="0"/>
+          <a:chOff x="0" y="0"/>
+          <a:chExt cx="0" cy="0"/>
+        </a:xfrm>
+      </p:grpSpPr>
+      <p:sp>
+        <p:nvSpPr>
+          <p:cNvPr id="2" name="標題 1"/>
+          <p:cNvSpPr>
+            <a:spLocks noGrp="1"/>
+          </p:cNvSpPr>
+          <p:nvPr>
+            <p:ph type="title"/>
+          </p:nvPr>
+        </p:nvSpPr>
+        <p:spPr/>
+        <p:txBody>
+          <a:bodyPr/>
+          <a:lstStyle/>
+          <a:p>
+            <a:r>
+              <a:rPr lang="en-US" altLang="zh-TW" dirty="0" smtClean="0"/>
+              <a:t>MYPAGE</a:t>
+            </a:r>
+            <a:r>
+              <a:rPr lang="zh-TW" altLang="en-US" smtClean="0"/>
+              <a:t> </a:t>
+            </a:r>
+            <a:endParaRPr lang="zh-TW" altLang="en-US"/>
+          </a:p>
+        </p:txBody>
+      </p:sp>
+      <p:sp>
+        <p:nvSpPr>
+          <p:cNvPr id="3" name="內容版面配置區 2"/>
+          <p:cNvSpPr>
+            <a:spLocks noGrp="1"/>
+          </p:cNvSpPr>
+          <p:nvPr>
+            <p:ph idx="1"/>
+          </p:nvPr>
+        </p:nvSpPr>
+        <p:spPr/>
+        <p:txBody>
+          <a:bodyPr/>
+          <a:lstStyle/>
+          <a:p>
+            <a:endParaRPr lang="zh-TW" altLang="en-US"/>
+          </a:p>
+        </p:txBody>
+      </p:sp>
+    </p:spTree>
+    <p:extLst>
+      <p:ext uri="{BB962C8B-B14F-4D97-AF65-F5344CB8AC3E}">
+        <p14:creationId xmlns:p14="http://schemas.microsoft.com/office/powerpoint/2010/main" val="3386456583"/>
       </p:ext>
     </p:extLst>
   </p:cSld>

--- a/webdesign/Bigsize.pptx
+++ b/webdesign/Bigsize.pptx
@@ -111,7 +111,7 @@
   </p:defaultTextStyle>
   <p:extLst>
     <p:ext uri="{EFAFB233-063F-42B5-8137-9DF3F51BA10A}">
-      <p15:sldGuideLst xmlns:p15="http://schemas.microsoft.com/office/powerpoint/2012/main" xmlns="">
+      <p15:sldGuideLst xmlns="" xmlns:p15="http://schemas.microsoft.com/office/powerpoint/2012/main">
         <p15:guide id="1" orient="horz" pos="4960">
           <p15:clr>
             <a:srgbClr val="A4A3A4"/>
@@ -309,7 +309,7 @@
           <a:p>
             <a:fld id="{BB73866F-F6FF-4E0C-A1E0-5E7F31502E82}" type="datetimeFigureOut">
               <a:rPr lang="zh-TW" altLang="en-US" smtClean="0"/>
-              <a:t>2016/6/13</a:t>
+              <a:t>2016/6/15</a:t>
             </a:fld>
             <a:endParaRPr lang="zh-TW" altLang="en-US"/>
           </a:p>
@@ -479,7 +479,7 @@
           <a:p>
             <a:fld id="{BB73866F-F6FF-4E0C-A1E0-5E7F31502E82}" type="datetimeFigureOut">
               <a:rPr lang="zh-TW" altLang="en-US" smtClean="0"/>
-              <a:t>2016/6/13</a:t>
+              <a:t>2016/6/15</a:t>
             </a:fld>
             <a:endParaRPr lang="zh-TW" altLang="en-US"/>
           </a:p>
@@ -659,7 +659,7 @@
           <a:p>
             <a:fld id="{BB73866F-F6FF-4E0C-A1E0-5E7F31502E82}" type="datetimeFigureOut">
               <a:rPr lang="zh-TW" altLang="en-US" smtClean="0"/>
-              <a:t>2016/6/13</a:t>
+              <a:t>2016/6/15</a:t>
             </a:fld>
             <a:endParaRPr lang="zh-TW" altLang="en-US"/>
           </a:p>
@@ -829,7 +829,7 @@
           <a:p>
             <a:fld id="{BB73866F-F6FF-4E0C-A1E0-5E7F31502E82}" type="datetimeFigureOut">
               <a:rPr lang="zh-TW" altLang="en-US" smtClean="0"/>
-              <a:t>2016/6/13</a:t>
+              <a:t>2016/6/15</a:t>
             </a:fld>
             <a:endParaRPr lang="zh-TW" altLang="en-US"/>
           </a:p>
@@ -1075,7 +1075,7 @@
           <a:p>
             <a:fld id="{BB73866F-F6FF-4E0C-A1E0-5E7F31502E82}" type="datetimeFigureOut">
               <a:rPr lang="zh-TW" altLang="en-US" smtClean="0"/>
-              <a:t>2016/6/13</a:t>
+              <a:t>2016/6/15</a:t>
             </a:fld>
             <a:endParaRPr lang="zh-TW" altLang="en-US"/>
           </a:p>
@@ -1363,7 +1363,7 @@
           <a:p>
             <a:fld id="{BB73866F-F6FF-4E0C-A1E0-5E7F31502E82}" type="datetimeFigureOut">
               <a:rPr lang="zh-TW" altLang="en-US" smtClean="0"/>
-              <a:t>2016/6/13</a:t>
+              <a:t>2016/6/15</a:t>
             </a:fld>
             <a:endParaRPr lang="zh-TW" altLang="en-US"/>
           </a:p>
@@ -1790,7 +1790,7 @@
           <a:p>
             <a:fld id="{BB73866F-F6FF-4E0C-A1E0-5E7F31502E82}" type="datetimeFigureOut">
               <a:rPr lang="zh-TW" altLang="en-US" smtClean="0"/>
-              <a:t>2016/6/13</a:t>
+              <a:t>2016/6/15</a:t>
             </a:fld>
             <a:endParaRPr lang="zh-TW" altLang="en-US"/>
           </a:p>
@@ -1908,7 +1908,7 @@
           <a:p>
             <a:fld id="{BB73866F-F6FF-4E0C-A1E0-5E7F31502E82}" type="datetimeFigureOut">
               <a:rPr lang="zh-TW" altLang="en-US" smtClean="0"/>
-              <a:t>2016/6/13</a:t>
+              <a:t>2016/6/15</a:t>
             </a:fld>
             <a:endParaRPr lang="zh-TW" altLang="en-US"/>
           </a:p>
@@ -2003,7 +2003,7 @@
           <a:p>
             <a:fld id="{BB73866F-F6FF-4E0C-A1E0-5E7F31502E82}" type="datetimeFigureOut">
               <a:rPr lang="zh-TW" altLang="en-US" smtClean="0"/>
-              <a:t>2016/6/13</a:t>
+              <a:t>2016/6/15</a:t>
             </a:fld>
             <a:endParaRPr lang="zh-TW" altLang="en-US"/>
           </a:p>
@@ -2280,7 +2280,7 @@
           <a:p>
             <a:fld id="{BB73866F-F6FF-4E0C-A1E0-5E7F31502E82}" type="datetimeFigureOut">
               <a:rPr lang="zh-TW" altLang="en-US" smtClean="0"/>
-              <a:t>2016/6/13</a:t>
+              <a:t>2016/6/15</a:t>
             </a:fld>
             <a:endParaRPr lang="zh-TW" altLang="en-US"/>
           </a:p>
@@ -2533,7 +2533,7 @@
           <a:p>
             <a:fld id="{BB73866F-F6FF-4E0C-A1E0-5E7F31502E82}" type="datetimeFigureOut">
               <a:rPr lang="zh-TW" altLang="en-US" smtClean="0"/>
-              <a:t>2016/6/13</a:t>
+              <a:t>2016/6/15</a:t>
             </a:fld>
             <a:endParaRPr lang="zh-TW" altLang="en-US"/>
           </a:p>
@@ -2746,7 +2746,7 @@
           <a:p>
             <a:fld id="{BB73866F-F6FF-4E0C-A1E0-5E7F31502E82}" type="datetimeFigureOut">
               <a:rPr lang="zh-TW" altLang="en-US" smtClean="0"/>
-              <a:t>2016/6/13</a:t>
+              <a:t>2016/6/15</a:t>
             </a:fld>
             <a:endParaRPr lang="zh-TW" altLang="en-US"/>
           </a:p>
@@ -5606,7 +5606,7 @@
         </p:nvSpPr>
         <p:spPr>
           <a:xfrm>
-            <a:off x="464096" y="4705648"/>
+            <a:off x="464096" y="5071368"/>
             <a:ext cx="5424618" cy="612453"/>
           </a:xfrm>
           <a:prstGeom prst="rect">
@@ -5658,7 +5658,7 @@
         </p:nvSpPr>
         <p:spPr>
           <a:xfrm>
-            <a:off x="464086" y="6309234"/>
+            <a:off x="464086" y="6697613"/>
             <a:ext cx="5417082" cy="612453"/>
           </a:xfrm>
           <a:prstGeom prst="rect">
@@ -5718,7 +5718,7 @@
         </p:nvSpPr>
         <p:spPr>
           <a:xfrm>
-            <a:off x="464334" y="7909619"/>
+            <a:off x="464334" y="8323858"/>
             <a:ext cx="5416834" cy="612453"/>
           </a:xfrm>
           <a:prstGeom prst="rect">
@@ -5906,7 +5906,7 @@
         </p:nvSpPr>
         <p:spPr>
           <a:xfrm>
-            <a:off x="6280419" y="4705648"/>
+            <a:off x="6280419" y="5071368"/>
             <a:ext cx="5424618" cy="612453"/>
           </a:xfrm>
           <a:prstGeom prst="rect">
@@ -5958,7 +5958,7 @@
         </p:nvSpPr>
         <p:spPr>
           <a:xfrm>
-            <a:off x="6280409" y="6309234"/>
+            <a:off x="6280409" y="6697613"/>
             <a:ext cx="5417082" cy="612453"/>
           </a:xfrm>
           <a:prstGeom prst="rect">
@@ -6018,7 +6018,7 @@
         </p:nvSpPr>
         <p:spPr>
           <a:xfrm>
-            <a:off x="6280657" y="7909619"/>
+            <a:off x="6280657" y="8323858"/>
             <a:ext cx="5416834" cy="612453"/>
           </a:xfrm>
           <a:prstGeom prst="rect">
@@ -6131,7 +6131,7 @@
         </p:nvSpPr>
         <p:spPr>
           <a:xfrm>
-            <a:off x="419347" y="9098136"/>
+            <a:off x="407613" y="13202592"/>
             <a:ext cx="11253015" cy="1008112"/>
           </a:xfrm>
           <a:prstGeom prst="rect">
@@ -6178,14 +6178,14 @@
       </p:sp>
       <p:sp>
         <p:nvSpPr>
-          <p:cNvPr id="73" name="矩形 72"/>
+          <p:cNvPr id="37" name="矩形 36"/>
           <p:cNvSpPr/>
           <p:nvPr/>
         </p:nvSpPr>
         <p:spPr>
           <a:xfrm>
-            <a:off x="2397879" y="10537987"/>
-            <a:ext cx="7363846" cy="612454"/>
+            <a:off x="552971" y="9950103"/>
+            <a:ext cx="5417082" cy="612453"/>
           </a:xfrm>
           <a:prstGeom prst="rect">
             <a:avLst/>
@@ -6213,12 +6213,20 @@
           <a:lstStyle/>
           <a:p>
             <a:r>
+              <a:rPr lang="en-US" altLang="zh-TW" dirty="0">
+                <a:solidFill>
+                  <a:schemeClr val="tx1"/>
+                </a:solidFill>
+              </a:rPr>
+              <a:t>4</a:t>
+            </a:r>
+            <a:r>
               <a:rPr lang="en-US" altLang="zh-TW" dirty="0" smtClean="0">
                 <a:solidFill>
                   <a:schemeClr val="tx1"/>
                 </a:solidFill>
               </a:rPr>
-              <a:t>1.</a:t>
+              <a:t>.</a:t>
             </a:r>
             <a:endParaRPr lang="zh-TW" altLang="en-US" dirty="0">
               <a:solidFill>
@@ -6230,14 +6238,14 @@
       </p:sp>
       <p:sp>
         <p:nvSpPr>
-          <p:cNvPr id="74" name="矩形 73"/>
+          <p:cNvPr id="38" name="矩形 37"/>
           <p:cNvSpPr/>
           <p:nvPr/>
         </p:nvSpPr>
         <p:spPr>
           <a:xfrm>
-            <a:off x="2395193" y="11582180"/>
-            <a:ext cx="7353616" cy="612454"/>
+            <a:off x="553219" y="11576348"/>
+            <a:ext cx="5416834" cy="612453"/>
           </a:xfrm>
           <a:prstGeom prst="rect">
             <a:avLst/>
@@ -6270,7 +6278,7 @@
                   <a:schemeClr val="tx1"/>
                 </a:solidFill>
               </a:rPr>
-              <a:t>2</a:t>
+              <a:t>5</a:t>
             </a:r>
             <a:r>
               <a:rPr lang="en-US" altLang="zh-TW" dirty="0" smtClean="0">
@@ -6290,14 +6298,14 @@
       </p:sp>
       <p:sp>
         <p:nvSpPr>
-          <p:cNvPr id="75" name="矩形 74"/>
+          <p:cNvPr id="39" name="矩形 38"/>
           <p:cNvSpPr/>
           <p:nvPr/>
         </p:nvSpPr>
         <p:spPr>
           <a:xfrm>
-            <a:off x="2395354" y="12626373"/>
-            <a:ext cx="7353278" cy="612454"/>
+            <a:off x="6369294" y="9950103"/>
+            <a:ext cx="5417082" cy="612453"/>
           </a:xfrm>
           <a:prstGeom prst="rect">
             <a:avLst/>
@@ -6330,7 +6338,15 @@
                   <a:schemeClr val="tx1"/>
                 </a:solidFill>
               </a:rPr>
-              <a:t>3.</a:t>
+              <a:t>4</a:t>
+            </a:r>
+            <a:r>
+              <a:rPr lang="en-US" altLang="zh-TW" dirty="0" smtClean="0">
+                <a:solidFill>
+                  <a:schemeClr val="tx1"/>
+                </a:solidFill>
+              </a:rPr>
+              <a:t>.</a:t>
             </a:r>
             <a:endParaRPr lang="zh-TW" altLang="en-US" dirty="0">
               <a:solidFill>
@@ -6342,14 +6358,14 @@
       </p:sp>
       <p:sp>
         <p:nvSpPr>
-          <p:cNvPr id="76" name="矩形 75"/>
+          <p:cNvPr id="40" name="矩形 39"/>
           <p:cNvSpPr/>
           <p:nvPr/>
         </p:nvSpPr>
         <p:spPr>
           <a:xfrm>
-            <a:off x="2386772" y="13670566"/>
-            <a:ext cx="7353278" cy="612454"/>
+            <a:off x="6369542" y="11576348"/>
+            <a:ext cx="5416834" cy="612453"/>
           </a:xfrm>
           <a:prstGeom prst="rect">
             <a:avLst/>
@@ -6382,7 +6398,7 @@
                   <a:schemeClr val="tx1"/>
                 </a:solidFill>
               </a:rPr>
-              <a:t>4</a:t>
+              <a:t>5</a:t>
             </a:r>
             <a:r>
               <a:rPr lang="en-US" altLang="zh-TW" dirty="0" smtClean="0">

--- a/webdesign/Bigsize.pptx
+++ b/webdesign/Bigsize.pptx
@@ -111,7 +111,7 @@
   </p:defaultTextStyle>
   <p:extLst>
     <p:ext uri="{EFAFB233-063F-42B5-8137-9DF3F51BA10A}">
-      <p15:sldGuideLst xmlns="" xmlns:p15="http://schemas.microsoft.com/office/powerpoint/2012/main">
+      <p15:sldGuideLst xmlns:p15="http://schemas.microsoft.com/office/powerpoint/2012/main">
         <p15:guide id="1" orient="horz" pos="4960">
           <p15:clr>
             <a:srgbClr val="A4A3A4"/>
@@ -6338,15 +6338,7 @@
                   <a:schemeClr val="tx1"/>
                 </a:solidFill>
               </a:rPr>
-              <a:t>4</a:t>
-            </a:r>
-            <a:r>
-              <a:rPr lang="en-US" altLang="zh-TW" dirty="0" smtClean="0">
-                <a:solidFill>
-                  <a:schemeClr val="tx1"/>
-                </a:solidFill>
-              </a:rPr>
-              <a:t>.</a:t>
+              <a:t>4.</a:t>
             </a:r>
             <a:endParaRPr lang="zh-TW" altLang="en-US" dirty="0">
               <a:solidFill>
@@ -7303,7 +7295,7 @@
         </p:nvCxnSpPr>
         <p:spPr>
           <a:xfrm>
-            <a:off x="-27458" y="9458176"/>
+            <a:off x="-27458" y="10411882"/>
             <a:ext cx="12195175" cy="0"/>
           </a:xfrm>
           <a:prstGeom prst="line">
@@ -7496,7 +7488,7 @@
         </p:nvSpPr>
         <p:spPr>
           <a:xfrm>
-            <a:off x="456539" y="5192102"/>
+            <a:off x="456539" y="6145808"/>
             <a:ext cx="1574274" cy="598066"/>
           </a:xfrm>
           <a:prstGeom prst="rect">
@@ -7592,7 +7584,7 @@
         </p:nvSpPr>
         <p:spPr>
           <a:xfrm>
-            <a:off x="2400313" y="5192102"/>
+            <a:off x="2400313" y="6145808"/>
             <a:ext cx="9294140" cy="598066"/>
           </a:xfrm>
           <a:prstGeom prst="rect">
@@ -7633,7 +7625,7 @@
         </p:nvSpPr>
         <p:spPr>
           <a:xfrm>
-            <a:off x="456539" y="6276622"/>
+            <a:off x="456539" y="7230328"/>
             <a:ext cx="1574274" cy="598066"/>
           </a:xfrm>
           <a:prstGeom prst="rect">
@@ -7694,7 +7686,7 @@
         </p:nvSpPr>
         <p:spPr>
           <a:xfrm>
-            <a:off x="456539" y="7361142"/>
+            <a:off x="456539" y="8314848"/>
             <a:ext cx="1574274" cy="598066"/>
           </a:xfrm>
           <a:prstGeom prst="rect">
@@ -7755,7 +7747,7 @@
         </p:nvSpPr>
         <p:spPr>
           <a:xfrm>
-            <a:off x="456539" y="8445662"/>
+            <a:off x="456539" y="9399368"/>
             <a:ext cx="1574274" cy="598066"/>
           </a:xfrm>
           <a:prstGeom prst="rect">
@@ -7816,7 +7808,7 @@
         </p:nvSpPr>
         <p:spPr>
           <a:xfrm>
-            <a:off x="2378223" y="6276622"/>
+            <a:off x="2378223" y="7230328"/>
             <a:ext cx="9294140" cy="598066"/>
           </a:xfrm>
           <a:prstGeom prst="rect">
@@ -7857,7 +7849,7 @@
         </p:nvSpPr>
         <p:spPr>
           <a:xfrm>
-            <a:off x="2367177" y="7361142"/>
+            <a:off x="2367177" y="8314848"/>
             <a:ext cx="9294140" cy="598066"/>
           </a:xfrm>
           <a:prstGeom prst="rect">
@@ -7898,7 +7890,7 @@
         </p:nvSpPr>
         <p:spPr>
           <a:xfrm>
-            <a:off x="2367177" y="8445662"/>
+            <a:off x="2367177" y="9399368"/>
             <a:ext cx="9294140" cy="598066"/>
           </a:xfrm>
           <a:prstGeom prst="rect">
@@ -7939,7 +7931,7 @@
         </p:nvSpPr>
         <p:spPr>
           <a:xfrm>
-            <a:off x="469461" y="9880488"/>
+            <a:off x="469461" y="10834194"/>
             <a:ext cx="2492703" cy="598066"/>
           </a:xfrm>
           <a:prstGeom prst="rect">
@@ -8000,7 +7992,7 @@
         </p:blipFill>
         <p:spPr>
           <a:xfrm>
-            <a:off x="-65793" y="11106355"/>
+            <a:off x="-65793" y="12060061"/>
             <a:ext cx="12205250" cy="12193"/>
           </a:xfrm>
           <a:prstGeom prst="rect">
@@ -8360,6 +8352,104 @@
                 </a:solidFill>
               </a:rPr>
               <a:t>HOME</a:t>
+            </a:r>
+            <a:endParaRPr lang="zh-TW" altLang="en-US" dirty="0">
+              <a:solidFill>
+                <a:schemeClr val="tx1"/>
+              </a:solidFill>
+            </a:endParaRPr>
+          </a:p>
+        </p:txBody>
+      </p:sp>
+      <p:sp>
+        <p:nvSpPr>
+          <p:cNvPr id="50" name="矩形 49"/>
+          <p:cNvSpPr/>
+          <p:nvPr/>
+        </p:nvSpPr>
+        <p:spPr>
+          <a:xfrm>
+            <a:off x="480963" y="5065688"/>
+            <a:ext cx="9294140" cy="598066"/>
+          </a:xfrm>
+          <a:prstGeom prst="rect">
+            <a:avLst/>
+          </a:prstGeom>
+          <a:noFill/>
+        </p:spPr>
+        <p:style>
+          <a:lnRef idx="2">
+            <a:schemeClr val="accent1">
+              <a:shade val="50000"/>
+            </a:schemeClr>
+          </a:lnRef>
+          <a:fillRef idx="1">
+            <a:schemeClr val="accent1"/>
+          </a:fillRef>
+          <a:effectRef idx="0">
+            <a:schemeClr val="accent1"/>
+          </a:effectRef>
+          <a:fontRef idx="minor">
+            <a:schemeClr val="lt1"/>
+          </a:fontRef>
+        </p:style>
+        <p:txBody>
+          <a:bodyPr rtlCol="0" anchor="ctr"/>
+          <a:lstStyle/>
+          <a:p>
+            <a:pPr algn="ctr"/>
+            <a:endParaRPr lang="zh-TW" altLang="en-US"/>
+          </a:p>
+        </p:txBody>
+      </p:sp>
+      <p:sp>
+        <p:nvSpPr>
+          <p:cNvPr id="60" name="矩形 59"/>
+          <p:cNvSpPr/>
+          <p:nvPr/>
+        </p:nvSpPr>
+        <p:spPr>
+          <a:xfrm>
+            <a:off x="10084960" y="5060268"/>
+            <a:ext cx="1574274" cy="598066"/>
+          </a:xfrm>
+          <a:prstGeom prst="rect">
+            <a:avLst/>
+          </a:prstGeom>
+          <a:solidFill>
+            <a:schemeClr val="bg1">
+              <a:lumMod val="85000"/>
+            </a:schemeClr>
+          </a:solidFill>
+        </p:spPr>
+        <p:style>
+          <a:lnRef idx="2">
+            <a:schemeClr val="accent1">
+              <a:shade val="50000"/>
+            </a:schemeClr>
+          </a:lnRef>
+          <a:fillRef idx="1">
+            <a:schemeClr val="accent1"/>
+          </a:fillRef>
+          <a:effectRef idx="0">
+            <a:schemeClr val="accent1"/>
+          </a:effectRef>
+          <a:fontRef idx="minor">
+            <a:schemeClr val="lt1"/>
+          </a:fontRef>
+        </p:style>
+        <p:txBody>
+          <a:bodyPr rtlCol="0" anchor="ctr"/>
+          <a:lstStyle/>
+          <a:p>
+            <a:pPr algn="ctr"/>
+            <a:r>
+              <a:rPr lang="zh-TW" altLang="en-US" dirty="0" smtClean="0">
+                <a:solidFill>
+                  <a:schemeClr val="tx1"/>
+                </a:solidFill>
+              </a:rPr>
+              <a:t>留言</a:t>
             </a:r>
             <a:endParaRPr lang="zh-TW" altLang="en-US" dirty="0">
               <a:solidFill>

--- a/webdesign/Bigsize.pptx
+++ b/webdesign/Bigsize.pptx
@@ -111,7 +111,7 @@
   </p:defaultTextStyle>
   <p:extLst>
     <p:ext uri="{EFAFB233-063F-42B5-8137-9DF3F51BA10A}">
-      <p15:sldGuideLst xmlns="" xmlns:p15="http://schemas.microsoft.com/office/powerpoint/2012/main">
+      <p15:sldGuideLst xmlns:p15="http://schemas.microsoft.com/office/powerpoint/2012/main" xmlns="">
         <p15:guide id="1" orient="horz" pos="4960">
           <p15:clr>
             <a:srgbClr val="A4A3A4"/>
@@ -309,7 +309,7 @@
           <a:p>
             <a:fld id="{BB73866F-F6FF-4E0C-A1E0-5E7F31502E82}" type="datetimeFigureOut">
               <a:rPr lang="zh-TW" altLang="en-US" smtClean="0"/>
-              <a:t>2016/6/15</a:t>
+              <a:t>2016/6/17</a:t>
             </a:fld>
             <a:endParaRPr lang="zh-TW" altLang="en-US"/>
           </a:p>
@@ -479,7 +479,7 @@
           <a:p>
             <a:fld id="{BB73866F-F6FF-4E0C-A1E0-5E7F31502E82}" type="datetimeFigureOut">
               <a:rPr lang="zh-TW" altLang="en-US" smtClean="0"/>
-              <a:t>2016/6/15</a:t>
+              <a:t>2016/6/17</a:t>
             </a:fld>
             <a:endParaRPr lang="zh-TW" altLang="en-US"/>
           </a:p>
@@ -659,7 +659,7 @@
           <a:p>
             <a:fld id="{BB73866F-F6FF-4E0C-A1E0-5E7F31502E82}" type="datetimeFigureOut">
               <a:rPr lang="zh-TW" altLang="en-US" smtClean="0"/>
-              <a:t>2016/6/15</a:t>
+              <a:t>2016/6/17</a:t>
             </a:fld>
             <a:endParaRPr lang="zh-TW" altLang="en-US"/>
           </a:p>
@@ -829,7 +829,7 @@
           <a:p>
             <a:fld id="{BB73866F-F6FF-4E0C-A1E0-5E7F31502E82}" type="datetimeFigureOut">
               <a:rPr lang="zh-TW" altLang="en-US" smtClean="0"/>
-              <a:t>2016/6/15</a:t>
+              <a:t>2016/6/17</a:t>
             </a:fld>
             <a:endParaRPr lang="zh-TW" altLang="en-US"/>
           </a:p>
@@ -1075,7 +1075,7 @@
           <a:p>
             <a:fld id="{BB73866F-F6FF-4E0C-A1E0-5E7F31502E82}" type="datetimeFigureOut">
               <a:rPr lang="zh-TW" altLang="en-US" smtClean="0"/>
-              <a:t>2016/6/15</a:t>
+              <a:t>2016/6/17</a:t>
             </a:fld>
             <a:endParaRPr lang="zh-TW" altLang="en-US"/>
           </a:p>
@@ -1363,7 +1363,7 @@
           <a:p>
             <a:fld id="{BB73866F-F6FF-4E0C-A1E0-5E7F31502E82}" type="datetimeFigureOut">
               <a:rPr lang="zh-TW" altLang="en-US" smtClean="0"/>
-              <a:t>2016/6/15</a:t>
+              <a:t>2016/6/17</a:t>
             </a:fld>
             <a:endParaRPr lang="zh-TW" altLang="en-US"/>
           </a:p>
@@ -1790,7 +1790,7 @@
           <a:p>
             <a:fld id="{BB73866F-F6FF-4E0C-A1E0-5E7F31502E82}" type="datetimeFigureOut">
               <a:rPr lang="zh-TW" altLang="en-US" smtClean="0"/>
-              <a:t>2016/6/15</a:t>
+              <a:t>2016/6/17</a:t>
             </a:fld>
             <a:endParaRPr lang="zh-TW" altLang="en-US"/>
           </a:p>
@@ -1908,7 +1908,7 @@
           <a:p>
             <a:fld id="{BB73866F-F6FF-4E0C-A1E0-5E7F31502E82}" type="datetimeFigureOut">
               <a:rPr lang="zh-TW" altLang="en-US" smtClean="0"/>
-              <a:t>2016/6/15</a:t>
+              <a:t>2016/6/17</a:t>
             </a:fld>
             <a:endParaRPr lang="zh-TW" altLang="en-US"/>
           </a:p>
@@ -2003,7 +2003,7 @@
           <a:p>
             <a:fld id="{BB73866F-F6FF-4E0C-A1E0-5E7F31502E82}" type="datetimeFigureOut">
               <a:rPr lang="zh-TW" altLang="en-US" smtClean="0"/>
-              <a:t>2016/6/15</a:t>
+              <a:t>2016/6/17</a:t>
             </a:fld>
             <a:endParaRPr lang="zh-TW" altLang="en-US"/>
           </a:p>
@@ -2280,7 +2280,7 @@
           <a:p>
             <a:fld id="{BB73866F-F6FF-4E0C-A1E0-5E7F31502E82}" type="datetimeFigureOut">
               <a:rPr lang="zh-TW" altLang="en-US" smtClean="0"/>
-              <a:t>2016/6/15</a:t>
+              <a:t>2016/6/17</a:t>
             </a:fld>
             <a:endParaRPr lang="zh-TW" altLang="en-US"/>
           </a:p>
@@ -2533,7 +2533,7 @@
           <a:p>
             <a:fld id="{BB73866F-F6FF-4E0C-A1E0-5E7F31502E82}" type="datetimeFigureOut">
               <a:rPr lang="zh-TW" altLang="en-US" smtClean="0"/>
-              <a:t>2016/6/15</a:t>
+              <a:t>2016/6/17</a:t>
             </a:fld>
             <a:endParaRPr lang="zh-TW" altLang="en-US"/>
           </a:p>
@@ -2746,7 +2746,7 @@
           <a:p>
             <a:fld id="{BB73866F-F6FF-4E0C-A1E0-5E7F31502E82}" type="datetimeFigureOut">
               <a:rPr lang="zh-TW" altLang="en-US" smtClean="0"/>
-              <a:t>2016/6/15</a:t>
+              <a:t>2016/6/17</a:t>
             </a:fld>
             <a:endParaRPr lang="zh-TW" altLang="en-US"/>
           </a:p>
@@ -6338,15 +6338,7 @@
                   <a:schemeClr val="tx1"/>
                 </a:solidFill>
               </a:rPr>
-              <a:t>4</a:t>
-            </a:r>
-            <a:r>
-              <a:rPr lang="en-US" altLang="zh-TW" dirty="0" smtClean="0">
-                <a:solidFill>
-                  <a:schemeClr val="tx1"/>
-                </a:solidFill>
-              </a:rPr>
-              <a:t>.</a:t>
+              <a:t>4.</a:t>
             </a:r>
             <a:endParaRPr lang="zh-TW" altLang="en-US" dirty="0">
               <a:solidFill>
@@ -11659,52 +11651,1397 @@
           <a:chExt cx="0" cy="0"/>
         </a:xfrm>
       </p:grpSpPr>
-      <p:sp>
-        <p:nvSpPr>
-          <p:cNvPr id="2" name="標題 1"/>
-          <p:cNvSpPr>
-            <a:spLocks noGrp="1"/>
-          </p:cNvSpPr>
-          <p:nvPr>
-            <p:ph type="title"/>
-          </p:nvPr>
-        </p:nvSpPr>
-        <p:spPr/>
-        <p:txBody>
-          <a:bodyPr/>
+      <p:grpSp>
+        <p:nvGrpSpPr>
+          <p:cNvPr id="5" name="群組 4"/>
+          <p:cNvGrpSpPr/>
+          <p:nvPr/>
+        </p:nvGrpSpPr>
+        <p:grpSpPr>
+          <a:xfrm>
+            <a:off x="478631" y="-8332"/>
+            <a:ext cx="11237913" cy="15764664"/>
+            <a:chOff x="349571" y="-9480"/>
+            <a:chExt cx="11237913" cy="15764664"/>
+          </a:xfrm>
+          <a:solidFill>
+            <a:schemeClr val="bg2"/>
+          </a:solidFill>
+        </p:grpSpPr>
+        <p:sp>
+          <p:nvSpPr>
+            <p:cNvPr id="6" name="矩形 5"/>
+            <p:cNvSpPr/>
+            <p:nvPr/>
+          </p:nvSpPr>
+          <p:spPr>
+            <a:xfrm>
+              <a:off x="349571" y="0"/>
+              <a:ext cx="630000" cy="15748000"/>
+            </a:xfrm>
+            <a:prstGeom prst="rect">
+              <a:avLst/>
+            </a:prstGeom>
+            <a:grpFill/>
+            <a:ln>
+              <a:noFill/>
+            </a:ln>
+          </p:spPr>
+          <p:style>
+            <a:lnRef idx="2">
+              <a:schemeClr val="accent1">
+                <a:shade val="50000"/>
+              </a:schemeClr>
+            </a:lnRef>
+            <a:fillRef idx="1">
+              <a:schemeClr val="accent1"/>
+            </a:fillRef>
+            <a:effectRef idx="0">
+              <a:schemeClr val="accent1"/>
+            </a:effectRef>
+            <a:fontRef idx="minor">
+              <a:schemeClr val="lt1"/>
+            </a:fontRef>
+          </p:style>
+          <p:txBody>
+            <a:bodyPr rtlCol="0" anchor="ctr"/>
+            <a:lstStyle/>
+            <a:p>
+              <a:pPr algn="ctr"/>
+              <a:endParaRPr lang="zh-TW" altLang="en-US">
+                <a:solidFill>
+                  <a:schemeClr val="tx2">
+                    <a:lumMod val="20000"/>
+                    <a:lumOff val="80000"/>
+                  </a:schemeClr>
+                </a:solidFill>
+              </a:endParaRPr>
+            </a:p>
+          </p:txBody>
+        </p:sp>
+        <p:sp>
+          <p:nvSpPr>
+            <p:cNvPr id="7" name="矩形 6"/>
+            <p:cNvSpPr/>
+            <p:nvPr/>
+          </p:nvSpPr>
+          <p:spPr>
+            <a:xfrm>
+              <a:off x="1293844" y="0"/>
+              <a:ext cx="630000" cy="15748000"/>
+            </a:xfrm>
+            <a:prstGeom prst="rect">
+              <a:avLst/>
+            </a:prstGeom>
+            <a:grpFill/>
+            <a:ln>
+              <a:noFill/>
+            </a:ln>
+          </p:spPr>
+          <p:style>
+            <a:lnRef idx="2">
+              <a:schemeClr val="accent1">
+                <a:shade val="50000"/>
+              </a:schemeClr>
+            </a:lnRef>
+            <a:fillRef idx="1">
+              <a:schemeClr val="accent1"/>
+            </a:fillRef>
+            <a:effectRef idx="0">
+              <a:schemeClr val="accent1"/>
+            </a:effectRef>
+            <a:fontRef idx="minor">
+              <a:schemeClr val="lt1"/>
+            </a:fontRef>
+          </p:style>
+          <p:txBody>
+            <a:bodyPr rtlCol="0" anchor="ctr"/>
+            <a:lstStyle/>
+            <a:p>
+              <a:pPr algn="ctr"/>
+              <a:endParaRPr lang="zh-TW" altLang="en-US">
+                <a:solidFill>
+                  <a:schemeClr val="tx2">
+                    <a:lumMod val="20000"/>
+                    <a:lumOff val="80000"/>
+                  </a:schemeClr>
+                </a:solidFill>
+              </a:endParaRPr>
+            </a:p>
+          </p:txBody>
+        </p:sp>
+        <p:sp>
+          <p:nvSpPr>
+            <p:cNvPr id="8" name="矩形 7"/>
+            <p:cNvSpPr/>
+            <p:nvPr/>
+          </p:nvSpPr>
+          <p:spPr>
+            <a:xfrm>
+              <a:off x="2260208" y="-9480"/>
+              <a:ext cx="630000" cy="15748000"/>
+            </a:xfrm>
+            <a:prstGeom prst="rect">
+              <a:avLst/>
+            </a:prstGeom>
+            <a:grpFill/>
+            <a:ln>
+              <a:noFill/>
+            </a:ln>
+          </p:spPr>
+          <p:style>
+            <a:lnRef idx="2">
+              <a:schemeClr val="accent1">
+                <a:shade val="50000"/>
+              </a:schemeClr>
+            </a:lnRef>
+            <a:fillRef idx="1">
+              <a:schemeClr val="accent1"/>
+            </a:fillRef>
+            <a:effectRef idx="0">
+              <a:schemeClr val="accent1"/>
+            </a:effectRef>
+            <a:fontRef idx="minor">
+              <a:schemeClr val="lt1"/>
+            </a:fontRef>
+          </p:style>
+          <p:txBody>
+            <a:bodyPr rtlCol="0" anchor="ctr"/>
+            <a:lstStyle/>
+            <a:p>
+              <a:pPr algn="ctr"/>
+              <a:endParaRPr lang="zh-TW" altLang="en-US">
+                <a:solidFill>
+                  <a:schemeClr val="tx2">
+                    <a:lumMod val="20000"/>
+                    <a:lumOff val="80000"/>
+                  </a:schemeClr>
+                </a:solidFill>
+              </a:endParaRPr>
+            </a:p>
+          </p:txBody>
+        </p:sp>
+        <p:sp>
+          <p:nvSpPr>
+            <p:cNvPr id="9" name="矩形 8"/>
+            <p:cNvSpPr/>
+            <p:nvPr/>
+          </p:nvSpPr>
+          <p:spPr>
+            <a:xfrm>
+              <a:off x="3226572" y="7184"/>
+              <a:ext cx="630000" cy="15748000"/>
+            </a:xfrm>
+            <a:prstGeom prst="rect">
+              <a:avLst/>
+            </a:prstGeom>
+            <a:grpFill/>
+            <a:ln>
+              <a:noFill/>
+            </a:ln>
+          </p:spPr>
+          <p:style>
+            <a:lnRef idx="2">
+              <a:schemeClr val="accent1">
+                <a:shade val="50000"/>
+              </a:schemeClr>
+            </a:lnRef>
+            <a:fillRef idx="1">
+              <a:schemeClr val="accent1"/>
+            </a:fillRef>
+            <a:effectRef idx="0">
+              <a:schemeClr val="accent1"/>
+            </a:effectRef>
+            <a:fontRef idx="minor">
+              <a:schemeClr val="lt1"/>
+            </a:fontRef>
+          </p:style>
+          <p:txBody>
+            <a:bodyPr rtlCol="0" anchor="ctr"/>
+            <a:lstStyle/>
+            <a:p>
+              <a:pPr algn="ctr"/>
+              <a:endParaRPr lang="zh-TW" altLang="en-US">
+                <a:solidFill>
+                  <a:schemeClr val="tx2">
+                    <a:lumMod val="20000"/>
+                    <a:lumOff val="80000"/>
+                  </a:schemeClr>
+                </a:solidFill>
+              </a:endParaRPr>
+            </a:p>
+          </p:txBody>
+        </p:sp>
+        <p:sp>
+          <p:nvSpPr>
+            <p:cNvPr id="10" name="矩形 9"/>
+            <p:cNvSpPr/>
+            <p:nvPr/>
+          </p:nvSpPr>
+          <p:spPr>
+            <a:xfrm>
+              <a:off x="8058392" y="-9480"/>
+              <a:ext cx="630000" cy="15748000"/>
+            </a:xfrm>
+            <a:prstGeom prst="rect">
+              <a:avLst/>
+            </a:prstGeom>
+            <a:grpFill/>
+            <a:ln>
+              <a:noFill/>
+            </a:ln>
+          </p:spPr>
+          <p:style>
+            <a:lnRef idx="2">
+              <a:schemeClr val="accent1">
+                <a:shade val="50000"/>
+              </a:schemeClr>
+            </a:lnRef>
+            <a:fillRef idx="1">
+              <a:schemeClr val="accent1"/>
+            </a:fillRef>
+            <a:effectRef idx="0">
+              <a:schemeClr val="accent1"/>
+            </a:effectRef>
+            <a:fontRef idx="minor">
+              <a:schemeClr val="lt1"/>
+            </a:fontRef>
+          </p:style>
+          <p:txBody>
+            <a:bodyPr rtlCol="0" anchor="ctr"/>
+            <a:lstStyle/>
+            <a:p>
+              <a:pPr algn="ctr"/>
+              <a:endParaRPr lang="zh-TW" altLang="en-US">
+                <a:solidFill>
+                  <a:schemeClr val="tx2">
+                    <a:lumMod val="20000"/>
+                    <a:lumOff val="80000"/>
+                  </a:schemeClr>
+                </a:solidFill>
+              </a:endParaRPr>
+            </a:p>
+          </p:txBody>
+        </p:sp>
+        <p:sp>
+          <p:nvSpPr>
+            <p:cNvPr id="11" name="矩形 10"/>
+            <p:cNvSpPr/>
+            <p:nvPr/>
+          </p:nvSpPr>
+          <p:spPr>
+            <a:xfrm>
+              <a:off x="9024756" y="-9480"/>
+              <a:ext cx="630000" cy="15748000"/>
+            </a:xfrm>
+            <a:prstGeom prst="rect">
+              <a:avLst/>
+            </a:prstGeom>
+            <a:grpFill/>
+            <a:ln>
+              <a:noFill/>
+            </a:ln>
+          </p:spPr>
+          <p:style>
+            <a:lnRef idx="2">
+              <a:schemeClr val="accent1">
+                <a:shade val="50000"/>
+              </a:schemeClr>
+            </a:lnRef>
+            <a:fillRef idx="1">
+              <a:schemeClr val="accent1"/>
+            </a:fillRef>
+            <a:effectRef idx="0">
+              <a:schemeClr val="accent1"/>
+            </a:effectRef>
+            <a:fontRef idx="minor">
+              <a:schemeClr val="lt1"/>
+            </a:fontRef>
+          </p:style>
+          <p:txBody>
+            <a:bodyPr rtlCol="0" anchor="ctr"/>
+            <a:lstStyle/>
+            <a:p>
+              <a:pPr algn="ctr"/>
+              <a:endParaRPr lang="zh-TW" altLang="en-US">
+                <a:solidFill>
+                  <a:schemeClr val="tx2">
+                    <a:lumMod val="20000"/>
+                    <a:lumOff val="80000"/>
+                  </a:schemeClr>
+                </a:solidFill>
+              </a:endParaRPr>
+            </a:p>
+          </p:txBody>
+        </p:sp>
+        <p:sp>
+          <p:nvSpPr>
+            <p:cNvPr id="12" name="矩形 11"/>
+            <p:cNvSpPr/>
+            <p:nvPr/>
+          </p:nvSpPr>
+          <p:spPr>
+            <a:xfrm>
+              <a:off x="9991120" y="-9480"/>
+              <a:ext cx="630000" cy="15748000"/>
+            </a:xfrm>
+            <a:prstGeom prst="rect">
+              <a:avLst/>
+            </a:prstGeom>
+            <a:grpFill/>
+            <a:ln>
+              <a:noFill/>
+            </a:ln>
+          </p:spPr>
+          <p:style>
+            <a:lnRef idx="2">
+              <a:schemeClr val="accent1">
+                <a:shade val="50000"/>
+              </a:schemeClr>
+            </a:lnRef>
+            <a:fillRef idx="1">
+              <a:schemeClr val="accent1"/>
+            </a:fillRef>
+            <a:effectRef idx="0">
+              <a:schemeClr val="accent1"/>
+            </a:effectRef>
+            <a:fontRef idx="minor">
+              <a:schemeClr val="lt1"/>
+            </a:fontRef>
+          </p:style>
+          <p:txBody>
+            <a:bodyPr rtlCol="0" anchor="ctr"/>
+            <a:lstStyle/>
+            <a:p>
+              <a:pPr algn="ctr"/>
+              <a:endParaRPr lang="zh-TW" altLang="en-US">
+                <a:solidFill>
+                  <a:schemeClr val="tx2">
+                    <a:lumMod val="20000"/>
+                    <a:lumOff val="80000"/>
+                  </a:schemeClr>
+                </a:solidFill>
+              </a:endParaRPr>
+            </a:p>
+          </p:txBody>
+        </p:sp>
+        <p:sp>
+          <p:nvSpPr>
+            <p:cNvPr id="13" name="矩形 12"/>
+            <p:cNvSpPr/>
+            <p:nvPr/>
+          </p:nvSpPr>
+          <p:spPr>
+            <a:xfrm>
+              <a:off x="10957484" y="-9480"/>
+              <a:ext cx="630000" cy="15748000"/>
+            </a:xfrm>
+            <a:prstGeom prst="rect">
+              <a:avLst/>
+            </a:prstGeom>
+            <a:grpFill/>
+            <a:ln>
+              <a:noFill/>
+            </a:ln>
+          </p:spPr>
+          <p:style>
+            <a:lnRef idx="2">
+              <a:schemeClr val="accent1">
+                <a:shade val="50000"/>
+              </a:schemeClr>
+            </a:lnRef>
+            <a:fillRef idx="1">
+              <a:schemeClr val="accent1"/>
+            </a:fillRef>
+            <a:effectRef idx="0">
+              <a:schemeClr val="accent1"/>
+            </a:effectRef>
+            <a:fontRef idx="minor">
+              <a:schemeClr val="lt1"/>
+            </a:fontRef>
+          </p:style>
+          <p:txBody>
+            <a:bodyPr rtlCol="0" anchor="ctr"/>
+            <a:lstStyle/>
+            <a:p>
+              <a:pPr algn="ctr"/>
+              <a:endParaRPr lang="zh-TW" altLang="en-US">
+                <a:solidFill>
+                  <a:schemeClr val="tx2">
+                    <a:lumMod val="20000"/>
+                    <a:lumOff val="80000"/>
+                  </a:schemeClr>
+                </a:solidFill>
+              </a:endParaRPr>
+            </a:p>
+          </p:txBody>
+        </p:sp>
+        <p:sp>
+          <p:nvSpPr>
+            <p:cNvPr id="14" name="矩形 13"/>
+            <p:cNvSpPr/>
+            <p:nvPr/>
+          </p:nvSpPr>
+          <p:spPr>
+            <a:xfrm>
+              <a:off x="4192936" y="-9480"/>
+              <a:ext cx="630000" cy="15748000"/>
+            </a:xfrm>
+            <a:prstGeom prst="rect">
+              <a:avLst/>
+            </a:prstGeom>
+            <a:grpFill/>
+            <a:ln>
+              <a:noFill/>
+            </a:ln>
+          </p:spPr>
+          <p:style>
+            <a:lnRef idx="2">
+              <a:schemeClr val="accent1">
+                <a:shade val="50000"/>
+              </a:schemeClr>
+            </a:lnRef>
+            <a:fillRef idx="1">
+              <a:schemeClr val="accent1"/>
+            </a:fillRef>
+            <a:effectRef idx="0">
+              <a:schemeClr val="accent1"/>
+            </a:effectRef>
+            <a:fontRef idx="minor">
+              <a:schemeClr val="lt1"/>
+            </a:fontRef>
+          </p:style>
+          <p:txBody>
+            <a:bodyPr rtlCol="0" anchor="ctr"/>
+            <a:lstStyle/>
+            <a:p>
+              <a:pPr algn="ctr"/>
+              <a:endParaRPr lang="zh-TW" altLang="en-US">
+                <a:solidFill>
+                  <a:schemeClr val="tx2">
+                    <a:lumMod val="20000"/>
+                    <a:lumOff val="80000"/>
+                  </a:schemeClr>
+                </a:solidFill>
+              </a:endParaRPr>
+            </a:p>
+          </p:txBody>
+        </p:sp>
+        <p:sp>
+          <p:nvSpPr>
+            <p:cNvPr id="15" name="矩形 14"/>
+            <p:cNvSpPr/>
+            <p:nvPr/>
+          </p:nvSpPr>
+          <p:spPr>
+            <a:xfrm>
+              <a:off x="5159300" y="-9480"/>
+              <a:ext cx="630000" cy="15748000"/>
+            </a:xfrm>
+            <a:prstGeom prst="rect">
+              <a:avLst/>
+            </a:prstGeom>
+            <a:grpFill/>
+            <a:ln>
+              <a:noFill/>
+            </a:ln>
+          </p:spPr>
+          <p:style>
+            <a:lnRef idx="2">
+              <a:schemeClr val="accent1">
+                <a:shade val="50000"/>
+              </a:schemeClr>
+            </a:lnRef>
+            <a:fillRef idx="1">
+              <a:schemeClr val="accent1"/>
+            </a:fillRef>
+            <a:effectRef idx="0">
+              <a:schemeClr val="accent1"/>
+            </a:effectRef>
+            <a:fontRef idx="minor">
+              <a:schemeClr val="lt1"/>
+            </a:fontRef>
+          </p:style>
+          <p:txBody>
+            <a:bodyPr rtlCol="0" anchor="ctr"/>
+            <a:lstStyle/>
+            <a:p>
+              <a:pPr algn="ctr"/>
+              <a:endParaRPr lang="zh-TW" altLang="en-US">
+                <a:solidFill>
+                  <a:schemeClr val="tx2">
+                    <a:lumMod val="20000"/>
+                    <a:lumOff val="80000"/>
+                  </a:schemeClr>
+                </a:solidFill>
+              </a:endParaRPr>
+            </a:p>
+          </p:txBody>
+        </p:sp>
+        <p:sp>
+          <p:nvSpPr>
+            <p:cNvPr id="16" name="矩形 15"/>
+            <p:cNvSpPr/>
+            <p:nvPr/>
+          </p:nvSpPr>
+          <p:spPr>
+            <a:xfrm>
+              <a:off x="6125664" y="-9480"/>
+              <a:ext cx="630000" cy="15748000"/>
+            </a:xfrm>
+            <a:prstGeom prst="rect">
+              <a:avLst/>
+            </a:prstGeom>
+            <a:grpFill/>
+            <a:ln>
+              <a:noFill/>
+            </a:ln>
+          </p:spPr>
+          <p:style>
+            <a:lnRef idx="2">
+              <a:schemeClr val="accent1">
+                <a:shade val="50000"/>
+              </a:schemeClr>
+            </a:lnRef>
+            <a:fillRef idx="1">
+              <a:schemeClr val="accent1"/>
+            </a:fillRef>
+            <a:effectRef idx="0">
+              <a:schemeClr val="accent1"/>
+            </a:effectRef>
+            <a:fontRef idx="minor">
+              <a:schemeClr val="lt1"/>
+            </a:fontRef>
+          </p:style>
+          <p:txBody>
+            <a:bodyPr rtlCol="0" anchor="ctr"/>
+            <a:lstStyle/>
+            <a:p>
+              <a:pPr algn="ctr"/>
+              <a:endParaRPr lang="zh-TW" altLang="en-US">
+                <a:solidFill>
+                  <a:schemeClr val="tx2">
+                    <a:lumMod val="20000"/>
+                    <a:lumOff val="80000"/>
+                  </a:schemeClr>
+                </a:solidFill>
+              </a:endParaRPr>
+            </a:p>
+          </p:txBody>
+        </p:sp>
+        <p:sp>
+          <p:nvSpPr>
+            <p:cNvPr id="17" name="矩形 16"/>
+            <p:cNvSpPr/>
+            <p:nvPr/>
+          </p:nvSpPr>
+          <p:spPr>
+            <a:xfrm>
+              <a:off x="7092028" y="-9480"/>
+              <a:ext cx="630000" cy="15748000"/>
+            </a:xfrm>
+            <a:prstGeom prst="rect">
+              <a:avLst/>
+            </a:prstGeom>
+            <a:grpFill/>
+            <a:ln>
+              <a:noFill/>
+            </a:ln>
+          </p:spPr>
+          <p:style>
+            <a:lnRef idx="2">
+              <a:schemeClr val="accent1">
+                <a:shade val="50000"/>
+              </a:schemeClr>
+            </a:lnRef>
+            <a:fillRef idx="1">
+              <a:schemeClr val="accent1"/>
+            </a:fillRef>
+            <a:effectRef idx="0">
+              <a:schemeClr val="accent1"/>
+            </a:effectRef>
+            <a:fontRef idx="minor">
+              <a:schemeClr val="lt1"/>
+            </a:fontRef>
+          </p:style>
+          <p:txBody>
+            <a:bodyPr rtlCol="0" anchor="ctr"/>
+            <a:lstStyle/>
+            <a:p>
+              <a:pPr algn="ctr"/>
+              <a:endParaRPr lang="zh-TW" altLang="en-US">
+                <a:solidFill>
+                  <a:schemeClr val="tx2">
+                    <a:lumMod val="20000"/>
+                    <a:lumOff val="80000"/>
+                  </a:schemeClr>
+                </a:solidFill>
+              </a:endParaRPr>
+            </a:p>
+          </p:txBody>
+        </p:sp>
+      </p:grpSp>
+      <p:grpSp>
+        <p:nvGrpSpPr>
+          <p:cNvPr id="18" name="群組 17"/>
+          <p:cNvGrpSpPr/>
+          <p:nvPr/>
+        </p:nvGrpSpPr>
+        <p:grpSpPr>
+          <a:xfrm>
+            <a:off x="547674" y="-2736"/>
+            <a:ext cx="3529092" cy="1321272"/>
+            <a:chOff x="0" y="1321272"/>
+            <a:chExt cx="12195175" cy="4464496"/>
+          </a:xfrm>
+        </p:grpSpPr>
+        <p:sp>
+          <p:nvSpPr>
+            <p:cNvPr id="19" name="矩形 18"/>
+            <p:cNvSpPr/>
+            <p:nvPr/>
+          </p:nvSpPr>
+          <p:spPr>
+            <a:xfrm>
+              <a:off x="0" y="1321272"/>
+              <a:ext cx="12187998" cy="4464496"/>
+            </a:xfrm>
+            <a:prstGeom prst="rect">
+              <a:avLst/>
+            </a:prstGeom>
+            <a:noFill/>
+            <a:ln>
+              <a:solidFill>
+                <a:schemeClr val="tx1"/>
+              </a:solidFill>
+            </a:ln>
+          </p:spPr>
+          <p:style>
+            <a:lnRef idx="2">
+              <a:schemeClr val="accent1">
+                <a:shade val="50000"/>
+              </a:schemeClr>
+            </a:lnRef>
+            <a:fillRef idx="1">
+              <a:schemeClr val="accent1"/>
+            </a:fillRef>
+            <a:effectRef idx="0">
+              <a:schemeClr val="accent1"/>
+            </a:effectRef>
+            <a:fontRef idx="minor">
+              <a:schemeClr val="lt1"/>
+            </a:fontRef>
+          </p:style>
+          <p:txBody>
+            <a:bodyPr rtlCol="0" anchor="ctr"/>
+            <a:lstStyle/>
+            <a:p>
+              <a:pPr algn="ctr"/>
+              <a:endParaRPr lang="zh-TW" altLang="en-US"/>
+            </a:p>
+          </p:txBody>
+        </p:sp>
+        <p:cxnSp>
+          <p:nvCxnSpPr>
+            <p:cNvPr id="20" name="直線接點 19"/>
+            <p:cNvCxnSpPr/>
+            <p:nvPr/>
+          </p:nvCxnSpPr>
+          <p:spPr>
+            <a:xfrm>
+              <a:off x="0" y="1328094"/>
+              <a:ext cx="12187998" cy="4457674"/>
+            </a:xfrm>
+            <a:prstGeom prst="line">
+              <a:avLst/>
+            </a:prstGeom>
+            <a:ln>
+              <a:solidFill>
+                <a:schemeClr val="tx1"/>
+              </a:solidFill>
+            </a:ln>
+          </p:spPr>
+          <p:style>
+            <a:lnRef idx="1">
+              <a:schemeClr val="accent1"/>
+            </a:lnRef>
+            <a:fillRef idx="0">
+              <a:schemeClr val="accent1"/>
+            </a:fillRef>
+            <a:effectRef idx="0">
+              <a:schemeClr val="accent1"/>
+            </a:effectRef>
+            <a:fontRef idx="minor">
+              <a:schemeClr val="tx1"/>
+            </a:fontRef>
+          </p:style>
+        </p:cxnSp>
+        <p:cxnSp>
+          <p:nvCxnSpPr>
+            <p:cNvPr id="21" name="直線接點 20"/>
+            <p:cNvCxnSpPr/>
+            <p:nvPr/>
+          </p:nvCxnSpPr>
+          <p:spPr>
+            <a:xfrm flipH="1">
+              <a:off x="0" y="1321272"/>
+              <a:ext cx="12195175" cy="4464496"/>
+            </a:xfrm>
+            <a:prstGeom prst="line">
+              <a:avLst/>
+            </a:prstGeom>
+            <a:ln>
+              <a:solidFill>
+                <a:schemeClr val="tx1"/>
+              </a:solidFill>
+            </a:ln>
+          </p:spPr>
+          <p:style>
+            <a:lnRef idx="1">
+              <a:schemeClr val="accent1"/>
+            </a:lnRef>
+            <a:fillRef idx="0">
+              <a:schemeClr val="accent1"/>
+            </a:fillRef>
+            <a:effectRef idx="0">
+              <a:schemeClr val="accent1"/>
+            </a:effectRef>
+            <a:fontRef idx="minor">
+              <a:schemeClr val="tx1"/>
+            </a:fontRef>
+          </p:style>
+        </p:cxnSp>
+      </p:grpSp>
+      <p:cxnSp>
+        <p:nvCxnSpPr>
+          <p:cNvPr id="22" name="直線接點 21"/>
+          <p:cNvCxnSpPr/>
+          <p:nvPr/>
+        </p:nvCxnSpPr>
+        <p:spPr>
+          <a:xfrm>
+            <a:off x="-34176" y="1326113"/>
+            <a:ext cx="12195175" cy="0"/>
+          </a:xfrm>
+          <a:prstGeom prst="line">
+            <a:avLst/>
+          </a:prstGeom>
+          <a:ln>
+            <a:solidFill>
+              <a:schemeClr val="tx1"/>
+            </a:solidFill>
+          </a:ln>
+        </p:spPr>
+        <p:style>
+          <a:lnRef idx="1">
+            <a:schemeClr val="accent1"/>
+          </a:lnRef>
+          <a:fillRef idx="0">
+            <a:schemeClr val="accent1"/>
+          </a:fillRef>
+          <a:effectRef idx="0">
+            <a:schemeClr val="accent1"/>
+          </a:effectRef>
+          <a:fontRef idx="minor">
+            <a:schemeClr val="tx1"/>
+          </a:fontRef>
+        </p:style>
+      </p:cxnSp>
+      <p:sp>
+        <p:nvSpPr>
+          <p:cNvPr id="23" name="矩形 22"/>
+          <p:cNvSpPr/>
+          <p:nvPr/>
+        </p:nvSpPr>
+        <p:spPr>
+          <a:xfrm>
+            <a:off x="10098089" y="358867"/>
+            <a:ext cx="1574274" cy="598066"/>
+          </a:xfrm>
+          <a:prstGeom prst="rect">
+            <a:avLst/>
+          </a:prstGeom>
+          <a:noFill/>
+        </p:spPr>
+        <p:style>
+          <a:lnRef idx="2">
+            <a:schemeClr val="accent1">
+              <a:shade val="50000"/>
+            </a:schemeClr>
+          </a:lnRef>
+          <a:fillRef idx="1">
+            <a:schemeClr val="accent1"/>
+          </a:fillRef>
+          <a:effectRef idx="0">
+            <a:schemeClr val="accent1"/>
+          </a:effectRef>
+          <a:fontRef idx="minor">
+            <a:schemeClr val="lt1"/>
+          </a:fontRef>
+        </p:style>
+        <p:txBody>
+          <a:bodyPr rtlCol="0" anchor="ctr"/>
           <a:lstStyle/>
           <a:p>
-            <a:r>
-              <a:rPr lang="en-US" altLang="zh-TW" dirty="0" smtClean="0"/>
-              <a:t>MYPAGE</a:t>
-            </a:r>
-            <a:r>
-              <a:rPr lang="zh-TW" altLang="en-US" smtClean="0"/>
-              <a:t> </a:t>
-            </a:r>
-            <a:endParaRPr lang="zh-TW" altLang="en-US"/>
-          </a:p>
-        </p:txBody>
-      </p:sp>
-      <p:sp>
-        <p:nvSpPr>
-          <p:cNvPr id="3" name="內容版面配置區 2"/>
-          <p:cNvSpPr>
-            <a:spLocks noGrp="1"/>
-          </p:cNvSpPr>
-          <p:nvPr>
-            <p:ph idx="1"/>
-          </p:nvPr>
-        </p:nvSpPr>
-        <p:spPr/>
-        <p:txBody>
-          <a:bodyPr/>
+            <a:pPr algn="ctr"/>
+            <a:r>
+              <a:rPr lang="zh-TW" altLang="en-US" dirty="0" smtClean="0">
+                <a:solidFill>
+                  <a:schemeClr val="tx1"/>
+                </a:solidFill>
+              </a:rPr>
+              <a:t>漢堡</a:t>
+            </a:r>
+            <a:endParaRPr lang="zh-TW" altLang="en-US" dirty="0">
+              <a:solidFill>
+                <a:schemeClr val="tx1"/>
+              </a:solidFill>
+            </a:endParaRPr>
+          </a:p>
+        </p:txBody>
+      </p:sp>
+      <p:cxnSp>
+        <p:nvCxnSpPr>
+          <p:cNvPr id="24" name="直線接點 23"/>
+          <p:cNvCxnSpPr/>
+          <p:nvPr/>
+        </p:nvCxnSpPr>
+        <p:spPr>
+          <a:xfrm>
+            <a:off x="-34179" y="13778656"/>
+            <a:ext cx="12195175" cy="0"/>
+          </a:xfrm>
+          <a:prstGeom prst="line">
+            <a:avLst/>
+          </a:prstGeom>
+          <a:ln>
+            <a:solidFill>
+              <a:schemeClr val="tx1"/>
+            </a:solidFill>
+          </a:ln>
+        </p:spPr>
+        <p:style>
+          <a:lnRef idx="1">
+            <a:schemeClr val="accent1"/>
+          </a:lnRef>
+          <a:fillRef idx="0">
+            <a:schemeClr val="accent1"/>
+          </a:fillRef>
+          <a:effectRef idx="0">
+            <a:schemeClr val="accent1"/>
+          </a:effectRef>
+          <a:fontRef idx="minor">
+            <a:schemeClr val="tx1"/>
+          </a:fontRef>
+        </p:style>
+      </p:cxnSp>
+      <p:cxnSp>
+        <p:nvCxnSpPr>
+          <p:cNvPr id="25" name="直線接點 24"/>
+          <p:cNvCxnSpPr/>
+          <p:nvPr/>
+        </p:nvCxnSpPr>
+        <p:spPr>
+          <a:xfrm>
+            <a:off x="472136" y="3481512"/>
+            <a:ext cx="11244408" cy="0"/>
+          </a:xfrm>
+          <a:prstGeom prst="line">
+            <a:avLst/>
+          </a:prstGeom>
+          <a:ln>
+            <a:solidFill>
+              <a:schemeClr val="tx1"/>
+            </a:solidFill>
+          </a:ln>
+        </p:spPr>
+        <p:style>
+          <a:lnRef idx="1">
+            <a:schemeClr val="accent1"/>
+          </a:lnRef>
+          <a:fillRef idx="0">
+            <a:schemeClr val="accent1"/>
+          </a:fillRef>
+          <a:effectRef idx="0">
+            <a:schemeClr val="accent1"/>
+          </a:effectRef>
+          <a:fontRef idx="minor">
+            <a:schemeClr val="tx1"/>
+          </a:fontRef>
+        </p:style>
+      </p:cxnSp>
+      <p:sp>
+        <p:nvSpPr>
+          <p:cNvPr id="26" name="矩形 25"/>
+          <p:cNvSpPr/>
+          <p:nvPr/>
+        </p:nvSpPr>
+        <p:spPr>
+          <a:xfrm>
+            <a:off x="478630" y="2329384"/>
+            <a:ext cx="2540638" cy="598066"/>
+          </a:xfrm>
+          <a:prstGeom prst="rect">
+            <a:avLst/>
+          </a:prstGeom>
+          <a:noFill/>
+        </p:spPr>
+        <p:style>
+          <a:lnRef idx="2">
+            <a:schemeClr val="accent1">
+              <a:shade val="50000"/>
+            </a:schemeClr>
+          </a:lnRef>
+          <a:fillRef idx="1">
+            <a:schemeClr val="accent1"/>
+          </a:fillRef>
+          <a:effectRef idx="0">
+            <a:schemeClr val="accent1"/>
+          </a:effectRef>
+          <a:fontRef idx="minor">
+            <a:schemeClr val="lt1"/>
+          </a:fontRef>
+        </p:style>
+        <p:txBody>
+          <a:bodyPr rtlCol="0" anchor="ctr"/>
           <a:lstStyle/>
           <a:p>
-            <a:endParaRPr lang="zh-TW" altLang="en-US"/>
-          </a:p>
-        </p:txBody>
-      </p:sp>
+            <a:pPr algn="ctr"/>
+            <a:r>
+              <a:rPr lang="zh-TW" altLang="en-US" dirty="0" smtClean="0">
+                <a:solidFill>
+                  <a:schemeClr val="tx1"/>
+                </a:solidFill>
+              </a:rPr>
+              <a:t>暱稱修改</a:t>
+            </a:r>
+            <a:r>
+              <a:rPr lang="en-US" altLang="zh-TW" dirty="0" smtClean="0">
+                <a:solidFill>
+                  <a:schemeClr val="tx1"/>
+                </a:solidFill>
+              </a:rPr>
+              <a:t>:</a:t>
+            </a:r>
+            <a:endParaRPr lang="zh-TW" altLang="en-US" dirty="0">
+              <a:solidFill>
+                <a:schemeClr val="tx1"/>
+              </a:solidFill>
+            </a:endParaRPr>
+          </a:p>
+        </p:txBody>
+      </p:sp>
+      <p:sp>
+        <p:nvSpPr>
+          <p:cNvPr id="28" name="矩形 27"/>
+          <p:cNvSpPr/>
+          <p:nvPr/>
+        </p:nvSpPr>
+        <p:spPr>
+          <a:xfrm>
+            <a:off x="-5929919" y="6410798"/>
+            <a:ext cx="5114737" cy="815129"/>
+          </a:xfrm>
+          <a:prstGeom prst="rect">
+            <a:avLst/>
+          </a:prstGeom>
+          <a:noFill/>
+        </p:spPr>
+        <p:style>
+          <a:lnRef idx="2">
+            <a:schemeClr val="accent1">
+              <a:shade val="50000"/>
+            </a:schemeClr>
+          </a:lnRef>
+          <a:fillRef idx="1">
+            <a:schemeClr val="accent1"/>
+          </a:fillRef>
+          <a:effectRef idx="0">
+            <a:schemeClr val="accent1"/>
+          </a:effectRef>
+          <a:fontRef idx="minor">
+            <a:schemeClr val="lt1"/>
+          </a:fontRef>
+        </p:style>
+        <p:txBody>
+          <a:bodyPr rtlCol="0" anchor="ctr"/>
+          <a:lstStyle/>
+          <a:p>
+            <a:pPr algn="ctr"/>
+            <a:endParaRPr lang="zh-TW" altLang="en-US">
+              <a:solidFill>
+                <a:schemeClr val="tx1"/>
+              </a:solidFill>
+            </a:endParaRPr>
+          </a:p>
+        </p:txBody>
+      </p:sp>
+      <p:sp>
+        <p:nvSpPr>
+          <p:cNvPr id="29" name="矩形 28"/>
+          <p:cNvSpPr/>
+          <p:nvPr/>
+        </p:nvSpPr>
+        <p:spPr>
+          <a:xfrm>
+            <a:off x="3398678" y="2329384"/>
+            <a:ext cx="5418510" cy="598066"/>
+          </a:xfrm>
+          <a:prstGeom prst="rect">
+            <a:avLst/>
+          </a:prstGeom>
+          <a:noFill/>
+        </p:spPr>
+        <p:style>
+          <a:lnRef idx="2">
+            <a:schemeClr val="accent1">
+              <a:shade val="50000"/>
+            </a:schemeClr>
+          </a:lnRef>
+          <a:fillRef idx="1">
+            <a:schemeClr val="accent1"/>
+          </a:fillRef>
+          <a:effectRef idx="0">
+            <a:schemeClr val="accent1"/>
+          </a:effectRef>
+          <a:fontRef idx="minor">
+            <a:schemeClr val="lt1"/>
+          </a:fontRef>
+        </p:style>
+        <p:txBody>
+          <a:bodyPr rtlCol="0" anchor="ctr"/>
+          <a:lstStyle/>
+          <a:p>
+            <a:pPr algn="ctr"/>
+            <a:endParaRPr lang="zh-TW" altLang="en-US">
+              <a:solidFill>
+                <a:schemeClr val="tx1"/>
+              </a:solidFill>
+            </a:endParaRPr>
+          </a:p>
+        </p:txBody>
+      </p:sp>
+      <p:sp>
+        <p:nvSpPr>
+          <p:cNvPr id="30" name="矩形 29"/>
+          <p:cNvSpPr/>
+          <p:nvPr/>
+        </p:nvSpPr>
+        <p:spPr>
+          <a:xfrm>
+            <a:off x="9153816" y="2329384"/>
+            <a:ext cx="1596364" cy="598066"/>
+          </a:xfrm>
+          <a:prstGeom prst="rect">
+            <a:avLst/>
+          </a:prstGeom>
+          <a:noFill/>
+        </p:spPr>
+        <p:style>
+          <a:lnRef idx="2">
+            <a:schemeClr val="accent1">
+              <a:shade val="50000"/>
+            </a:schemeClr>
+          </a:lnRef>
+          <a:fillRef idx="1">
+            <a:schemeClr val="accent1"/>
+          </a:fillRef>
+          <a:effectRef idx="0">
+            <a:schemeClr val="accent1"/>
+          </a:effectRef>
+          <a:fontRef idx="minor">
+            <a:schemeClr val="lt1"/>
+          </a:fontRef>
+        </p:style>
+        <p:txBody>
+          <a:bodyPr rtlCol="0" anchor="ctr"/>
+          <a:lstStyle/>
+          <a:p>
+            <a:pPr algn="ctr"/>
+            <a:r>
+              <a:rPr lang="zh-TW" altLang="en-US" dirty="0" smtClean="0">
+                <a:solidFill>
+                  <a:schemeClr val="tx1"/>
+                </a:solidFill>
+              </a:rPr>
+              <a:t>修改</a:t>
+            </a:r>
+            <a:endParaRPr lang="zh-TW" altLang="en-US" dirty="0">
+              <a:solidFill>
+                <a:schemeClr val="tx1"/>
+              </a:solidFill>
+            </a:endParaRPr>
+          </a:p>
+        </p:txBody>
+      </p:sp>
+      <p:sp>
+        <p:nvSpPr>
+          <p:cNvPr id="31" name="矩形 30"/>
+          <p:cNvSpPr/>
+          <p:nvPr/>
+        </p:nvSpPr>
+        <p:spPr>
+          <a:xfrm>
+            <a:off x="478631" y="3841552"/>
+            <a:ext cx="4473366" cy="720080"/>
+          </a:xfrm>
+          <a:prstGeom prst="rect">
+            <a:avLst/>
+          </a:prstGeom>
+          <a:noFill/>
+        </p:spPr>
+        <p:style>
+          <a:lnRef idx="2">
+            <a:schemeClr val="accent1">
+              <a:shade val="50000"/>
+            </a:schemeClr>
+          </a:lnRef>
+          <a:fillRef idx="1">
+            <a:schemeClr val="accent1"/>
+          </a:fillRef>
+          <a:effectRef idx="0">
+            <a:schemeClr val="accent1"/>
+          </a:effectRef>
+          <a:fontRef idx="minor">
+            <a:schemeClr val="lt1"/>
+          </a:fontRef>
+        </p:style>
+        <p:txBody>
+          <a:bodyPr rtlCol="0" anchor="ctr"/>
+          <a:lstStyle/>
+          <a:p>
+            <a:pPr algn="ctr"/>
+            <a:r>
+              <a:rPr lang="zh-TW" altLang="en-US" dirty="0" smtClean="0">
+                <a:solidFill>
+                  <a:schemeClr val="tx1"/>
+                </a:solidFill>
+              </a:rPr>
+              <a:t>已發佈的議題</a:t>
+            </a:r>
+            <a:endParaRPr lang="zh-TW" altLang="en-US" dirty="0">
+              <a:solidFill>
+                <a:schemeClr val="tx1"/>
+              </a:solidFill>
+            </a:endParaRPr>
+          </a:p>
+        </p:txBody>
+      </p:sp>
+      <p:sp>
+        <p:nvSpPr>
+          <p:cNvPr id="32" name="矩形 31"/>
+          <p:cNvSpPr/>
+          <p:nvPr/>
+        </p:nvSpPr>
+        <p:spPr>
+          <a:xfrm>
+            <a:off x="478630" y="5551311"/>
+            <a:ext cx="9264534" cy="815129"/>
+          </a:xfrm>
+          <a:prstGeom prst="rect">
+            <a:avLst/>
+          </a:prstGeom>
+          <a:noFill/>
+        </p:spPr>
+        <p:style>
+          <a:lnRef idx="2">
+            <a:schemeClr val="accent1">
+              <a:shade val="50000"/>
+            </a:schemeClr>
+          </a:lnRef>
+          <a:fillRef idx="1">
+            <a:schemeClr val="accent1"/>
+          </a:fillRef>
+          <a:effectRef idx="0">
+            <a:schemeClr val="accent1"/>
+          </a:effectRef>
+          <a:fontRef idx="minor">
+            <a:schemeClr val="lt1"/>
+          </a:fontRef>
+        </p:style>
+        <p:txBody>
+          <a:bodyPr rtlCol="0" anchor="ctr"/>
+          <a:lstStyle/>
+          <a:p>
+            <a:pPr algn="ctr"/>
+            <a:endParaRPr lang="zh-TW" altLang="en-US">
+              <a:solidFill>
+                <a:schemeClr val="tx1"/>
+              </a:solidFill>
+            </a:endParaRPr>
+          </a:p>
+        </p:txBody>
+      </p:sp>
+      <p:sp>
+        <p:nvSpPr>
+          <p:cNvPr id="33" name="矩形 32"/>
+          <p:cNvSpPr/>
+          <p:nvPr/>
+        </p:nvSpPr>
+        <p:spPr>
+          <a:xfrm>
+            <a:off x="478630" y="7356119"/>
+            <a:ext cx="9264534" cy="815129"/>
+          </a:xfrm>
+          <a:prstGeom prst="rect">
+            <a:avLst/>
+          </a:prstGeom>
+          <a:noFill/>
+        </p:spPr>
+        <p:style>
+          <a:lnRef idx="2">
+            <a:schemeClr val="accent1">
+              <a:shade val="50000"/>
+            </a:schemeClr>
+          </a:lnRef>
+          <a:fillRef idx="1">
+            <a:schemeClr val="accent1"/>
+          </a:fillRef>
+          <a:effectRef idx="0">
+            <a:schemeClr val="accent1"/>
+          </a:effectRef>
+          <a:fontRef idx="minor">
+            <a:schemeClr val="lt1"/>
+          </a:fontRef>
+        </p:style>
+        <p:txBody>
+          <a:bodyPr rtlCol="0" anchor="ctr"/>
+          <a:lstStyle/>
+          <a:p>
+            <a:pPr algn="ctr"/>
+            <a:endParaRPr lang="zh-TW" altLang="en-US">
+              <a:solidFill>
+                <a:schemeClr val="tx1"/>
+              </a:solidFill>
+            </a:endParaRPr>
+          </a:p>
+        </p:txBody>
+      </p:sp>
+      <p:sp>
+        <p:nvSpPr>
+          <p:cNvPr id="34" name="矩形 33"/>
+          <p:cNvSpPr/>
+          <p:nvPr/>
+        </p:nvSpPr>
+        <p:spPr>
+          <a:xfrm>
+            <a:off x="478630" y="9160927"/>
+            <a:ext cx="9264534" cy="815129"/>
+          </a:xfrm>
+          <a:prstGeom prst="rect">
+            <a:avLst/>
+          </a:prstGeom>
+          <a:noFill/>
+        </p:spPr>
+        <p:style>
+          <a:lnRef idx="2">
+            <a:schemeClr val="accent1">
+              <a:shade val="50000"/>
+            </a:schemeClr>
+          </a:lnRef>
+          <a:fillRef idx="1">
+            <a:schemeClr val="accent1"/>
+          </a:fillRef>
+          <a:effectRef idx="0">
+            <a:schemeClr val="accent1"/>
+          </a:effectRef>
+          <a:fontRef idx="minor">
+            <a:schemeClr val="lt1"/>
+          </a:fontRef>
+        </p:style>
+        <p:txBody>
+          <a:bodyPr rtlCol="0" anchor="ctr"/>
+          <a:lstStyle/>
+          <a:p>
+            <a:pPr algn="ctr"/>
+            <a:endParaRPr lang="zh-TW" altLang="en-US">
+              <a:solidFill>
+                <a:schemeClr val="tx1"/>
+              </a:solidFill>
+            </a:endParaRPr>
+          </a:p>
+        </p:txBody>
+      </p:sp>
+      <p:sp>
+        <p:nvSpPr>
+          <p:cNvPr id="35" name="矩形 34"/>
+          <p:cNvSpPr/>
+          <p:nvPr/>
+        </p:nvSpPr>
+        <p:spPr>
+          <a:xfrm>
+            <a:off x="478630" y="10965735"/>
+            <a:ext cx="9264534" cy="815129"/>
+          </a:xfrm>
+          <a:prstGeom prst="rect">
+            <a:avLst/>
+          </a:prstGeom>
+          <a:noFill/>
+        </p:spPr>
+        <p:style>
+          <a:lnRef idx="2">
+            <a:schemeClr val="accent1">
+              <a:shade val="50000"/>
+            </a:schemeClr>
+          </a:lnRef>
+          <a:fillRef idx="1">
+            <a:schemeClr val="accent1"/>
+          </a:fillRef>
+          <a:effectRef idx="0">
+            <a:schemeClr val="accent1"/>
+          </a:effectRef>
+          <a:fontRef idx="minor">
+            <a:schemeClr val="lt1"/>
+          </a:fontRef>
+        </p:style>
+        <p:txBody>
+          <a:bodyPr rtlCol="0" anchor="ctr"/>
+          <a:lstStyle/>
+          <a:p>
+            <a:pPr algn="ctr"/>
+            <a:endParaRPr lang="zh-TW" altLang="en-US">
+              <a:solidFill>
+                <a:schemeClr val="tx1"/>
+              </a:solidFill>
+            </a:endParaRPr>
+          </a:p>
+        </p:txBody>
+      </p:sp>
+      <p:cxnSp>
+        <p:nvCxnSpPr>
+          <p:cNvPr id="36" name="直線接點 35"/>
+          <p:cNvCxnSpPr/>
+          <p:nvPr/>
+        </p:nvCxnSpPr>
+        <p:spPr>
+          <a:xfrm>
+            <a:off x="472136" y="4993680"/>
+            <a:ext cx="4479861" cy="0"/>
+          </a:xfrm>
+          <a:prstGeom prst="line">
+            <a:avLst/>
+          </a:prstGeom>
+          <a:ln>
+            <a:solidFill>
+              <a:schemeClr val="tx1"/>
+            </a:solidFill>
+          </a:ln>
+        </p:spPr>
+        <p:style>
+          <a:lnRef idx="1">
+            <a:schemeClr val="accent1"/>
+          </a:lnRef>
+          <a:fillRef idx="0">
+            <a:schemeClr val="accent1"/>
+          </a:fillRef>
+          <a:effectRef idx="0">
+            <a:schemeClr val="accent1"/>
+          </a:effectRef>
+          <a:fontRef idx="minor">
+            <a:schemeClr val="tx1"/>
+          </a:fontRef>
+        </p:style>
+      </p:cxnSp>
     </p:spTree>
     <p:extLst>
       <p:ext uri="{BB962C8B-B14F-4D97-AF65-F5344CB8AC3E}">

--- a/webdesign/Bigsize.pptx
+++ b/webdesign/Bigsize.pptx
@@ -111,7 +111,7 @@
   </p:defaultTextStyle>
   <p:extLst>
     <p:ext uri="{EFAFB233-063F-42B5-8137-9DF3F51BA10A}">
-      <p15:sldGuideLst xmlns:p15="http://schemas.microsoft.com/office/powerpoint/2012/main" xmlns="">
+      <p15:sldGuideLst xmlns="" xmlns:p15="http://schemas.microsoft.com/office/powerpoint/2012/main">
         <p15:guide id="1" orient="horz" pos="4960">
           <p15:clr>
             <a:srgbClr val="A4A3A4"/>
@@ -12544,7 +12544,7 @@
         <p:spPr>
           <a:xfrm>
             <a:off x="472136" y="3481512"/>
-            <a:ext cx="11244408" cy="0"/>
+            <a:ext cx="10278044" cy="0"/>
           </a:xfrm>
           <a:prstGeom prst="line">
             <a:avLst/>
@@ -12835,7 +12835,7 @@
         </p:nvSpPr>
         <p:spPr>
           <a:xfrm>
-            <a:off x="478630" y="5551311"/>
+            <a:off x="478630" y="5778569"/>
             <a:ext cx="9264534" cy="815129"/>
           </a:xfrm>
           <a:prstGeom prst="rect">
@@ -12880,7 +12880,7 @@
         </p:nvSpPr>
         <p:spPr>
           <a:xfrm>
-            <a:off x="478630" y="7356119"/>
+            <a:off x="478630" y="7378587"/>
             <a:ext cx="9264534" cy="815129"/>
           </a:xfrm>
           <a:prstGeom prst="rect">
@@ -12925,7 +12925,7 @@
         </p:nvSpPr>
         <p:spPr>
           <a:xfrm>
-            <a:off x="478630" y="9160927"/>
+            <a:off x="478630" y="8978604"/>
             <a:ext cx="9264534" cy="815129"/>
           </a:xfrm>
           <a:prstGeom prst="rect">
@@ -12970,7 +12970,7 @@
         </p:nvSpPr>
         <p:spPr>
           <a:xfrm>
-            <a:off x="478630" y="10965735"/>
+            <a:off x="478630" y="10578621"/>
             <a:ext cx="9264534" cy="815129"/>
           </a:xfrm>
           <a:prstGeom prst="rect">
@@ -13042,6 +13042,51 @@
           </a:fontRef>
         </p:style>
       </p:cxnSp>
+      <p:sp>
+        <p:nvSpPr>
+          <p:cNvPr id="37" name="矩形 36"/>
+          <p:cNvSpPr/>
+          <p:nvPr/>
+        </p:nvSpPr>
+        <p:spPr>
+          <a:xfrm>
+            <a:off x="547674" y="12178638"/>
+            <a:ext cx="9264534" cy="815129"/>
+          </a:xfrm>
+          <a:prstGeom prst="rect">
+            <a:avLst/>
+          </a:prstGeom>
+          <a:noFill/>
+        </p:spPr>
+        <p:style>
+          <a:lnRef idx="2">
+            <a:schemeClr val="accent1">
+              <a:shade val="50000"/>
+            </a:schemeClr>
+          </a:lnRef>
+          <a:fillRef idx="1">
+            <a:schemeClr val="accent1"/>
+          </a:fillRef>
+          <a:effectRef idx="0">
+            <a:schemeClr val="accent1"/>
+          </a:effectRef>
+          <a:fontRef idx="minor">
+            <a:schemeClr val="lt1"/>
+          </a:fontRef>
+        </p:style>
+        <p:txBody>
+          <a:bodyPr rtlCol="0" anchor="ctr"/>
+          <a:lstStyle/>
+          <a:p>
+            <a:pPr algn="ctr"/>
+            <a:endParaRPr lang="zh-TW" altLang="en-US">
+              <a:solidFill>
+                <a:schemeClr val="tx1"/>
+              </a:solidFill>
+            </a:endParaRPr>
+          </a:p>
+        </p:txBody>
+      </p:sp>
     </p:spTree>
     <p:extLst>
       <p:ext uri="{BB962C8B-B14F-4D97-AF65-F5344CB8AC3E}">

--- a/webdesign/Bigsize.pptx
+++ b/webdesign/Bigsize.pptx
@@ -111,7 +111,7 @@
   </p:defaultTextStyle>
   <p:extLst>
     <p:ext uri="{EFAFB233-063F-42B5-8137-9DF3F51BA10A}">
-      <p15:sldGuideLst xmlns="" xmlns:p15="http://schemas.microsoft.com/office/powerpoint/2012/main">
+      <p15:sldGuideLst xmlns:p15="http://schemas.microsoft.com/office/powerpoint/2012/main" xmlns="">
         <p15:guide id="1" orient="horz" pos="4960">
           <p15:clr>
             <a:srgbClr val="A4A3A4"/>
@@ -309,7 +309,7 @@
           <a:p>
             <a:fld id="{BB73866F-F6FF-4E0C-A1E0-5E7F31502E82}" type="datetimeFigureOut">
               <a:rPr lang="zh-TW" altLang="en-US" smtClean="0"/>
-              <a:t>2016/6/17</a:t>
+              <a:t>2016/6/20</a:t>
             </a:fld>
             <a:endParaRPr lang="zh-TW" altLang="en-US"/>
           </a:p>
@@ -479,7 +479,7 @@
           <a:p>
             <a:fld id="{BB73866F-F6FF-4E0C-A1E0-5E7F31502E82}" type="datetimeFigureOut">
               <a:rPr lang="zh-TW" altLang="en-US" smtClean="0"/>
-              <a:t>2016/6/17</a:t>
+              <a:t>2016/6/20</a:t>
             </a:fld>
             <a:endParaRPr lang="zh-TW" altLang="en-US"/>
           </a:p>
@@ -659,7 +659,7 @@
           <a:p>
             <a:fld id="{BB73866F-F6FF-4E0C-A1E0-5E7F31502E82}" type="datetimeFigureOut">
               <a:rPr lang="zh-TW" altLang="en-US" smtClean="0"/>
-              <a:t>2016/6/17</a:t>
+              <a:t>2016/6/20</a:t>
             </a:fld>
             <a:endParaRPr lang="zh-TW" altLang="en-US"/>
           </a:p>
@@ -829,7 +829,7 @@
           <a:p>
             <a:fld id="{BB73866F-F6FF-4E0C-A1E0-5E7F31502E82}" type="datetimeFigureOut">
               <a:rPr lang="zh-TW" altLang="en-US" smtClean="0"/>
-              <a:t>2016/6/17</a:t>
+              <a:t>2016/6/20</a:t>
             </a:fld>
             <a:endParaRPr lang="zh-TW" altLang="en-US"/>
           </a:p>
@@ -1075,7 +1075,7 @@
           <a:p>
             <a:fld id="{BB73866F-F6FF-4E0C-A1E0-5E7F31502E82}" type="datetimeFigureOut">
               <a:rPr lang="zh-TW" altLang="en-US" smtClean="0"/>
-              <a:t>2016/6/17</a:t>
+              <a:t>2016/6/20</a:t>
             </a:fld>
             <a:endParaRPr lang="zh-TW" altLang="en-US"/>
           </a:p>
@@ -1363,7 +1363,7 @@
           <a:p>
             <a:fld id="{BB73866F-F6FF-4E0C-A1E0-5E7F31502E82}" type="datetimeFigureOut">
               <a:rPr lang="zh-TW" altLang="en-US" smtClean="0"/>
-              <a:t>2016/6/17</a:t>
+              <a:t>2016/6/20</a:t>
             </a:fld>
             <a:endParaRPr lang="zh-TW" altLang="en-US"/>
           </a:p>
@@ -1790,7 +1790,7 @@
           <a:p>
             <a:fld id="{BB73866F-F6FF-4E0C-A1E0-5E7F31502E82}" type="datetimeFigureOut">
               <a:rPr lang="zh-TW" altLang="en-US" smtClean="0"/>
-              <a:t>2016/6/17</a:t>
+              <a:t>2016/6/20</a:t>
             </a:fld>
             <a:endParaRPr lang="zh-TW" altLang="en-US"/>
           </a:p>
@@ -1908,7 +1908,7 @@
           <a:p>
             <a:fld id="{BB73866F-F6FF-4E0C-A1E0-5E7F31502E82}" type="datetimeFigureOut">
               <a:rPr lang="zh-TW" altLang="en-US" smtClean="0"/>
-              <a:t>2016/6/17</a:t>
+              <a:t>2016/6/20</a:t>
             </a:fld>
             <a:endParaRPr lang="zh-TW" altLang="en-US"/>
           </a:p>
@@ -2003,7 +2003,7 @@
           <a:p>
             <a:fld id="{BB73866F-F6FF-4E0C-A1E0-5E7F31502E82}" type="datetimeFigureOut">
               <a:rPr lang="zh-TW" altLang="en-US" smtClean="0"/>
-              <a:t>2016/6/17</a:t>
+              <a:t>2016/6/20</a:t>
             </a:fld>
             <a:endParaRPr lang="zh-TW" altLang="en-US"/>
           </a:p>
@@ -2280,7 +2280,7 @@
           <a:p>
             <a:fld id="{BB73866F-F6FF-4E0C-A1E0-5E7F31502E82}" type="datetimeFigureOut">
               <a:rPr lang="zh-TW" altLang="en-US" smtClean="0"/>
-              <a:t>2016/6/17</a:t>
+              <a:t>2016/6/20</a:t>
             </a:fld>
             <a:endParaRPr lang="zh-TW" altLang="en-US"/>
           </a:p>
@@ -2533,7 +2533,7 @@
           <a:p>
             <a:fld id="{BB73866F-F6FF-4E0C-A1E0-5E7F31502E82}" type="datetimeFigureOut">
               <a:rPr lang="zh-TW" altLang="en-US" smtClean="0"/>
-              <a:t>2016/6/17</a:t>
+              <a:t>2016/6/20</a:t>
             </a:fld>
             <a:endParaRPr lang="zh-TW" altLang="en-US"/>
           </a:p>
@@ -2746,7 +2746,7 @@
           <a:p>
             <a:fld id="{BB73866F-F6FF-4E0C-A1E0-5E7F31502E82}" type="datetimeFigureOut">
               <a:rPr lang="zh-TW" altLang="en-US" smtClean="0"/>
-              <a:t>2016/6/17</a:t>
+              <a:t>2016/6/20</a:t>
             </a:fld>
             <a:endParaRPr lang="zh-TW" altLang="en-US"/>
           </a:p>
@@ -4719,6 +4719,684 @@
           <a:chExt cx="0" cy="0"/>
         </a:xfrm>
       </p:grpSpPr>
+      <p:sp>
+        <p:nvSpPr>
+          <p:cNvPr id="50" name="矩形 49"/>
+          <p:cNvSpPr/>
+          <p:nvPr/>
+        </p:nvSpPr>
+        <p:spPr>
+          <a:xfrm>
+            <a:off x="6387501" y="11600470"/>
+            <a:ext cx="5416834" cy="588331"/>
+          </a:xfrm>
+          <a:prstGeom prst="rect">
+            <a:avLst/>
+          </a:prstGeom>
+        </p:spPr>
+        <p:style>
+          <a:lnRef idx="2">
+            <a:schemeClr val="accent1">
+              <a:shade val="50000"/>
+            </a:schemeClr>
+          </a:lnRef>
+          <a:fillRef idx="1">
+            <a:schemeClr val="accent1"/>
+          </a:fillRef>
+          <a:effectRef idx="0">
+            <a:schemeClr val="accent1"/>
+          </a:effectRef>
+          <a:fontRef idx="minor">
+            <a:schemeClr val="lt1"/>
+          </a:fontRef>
+        </p:style>
+        <p:txBody>
+          <a:bodyPr rtlCol="0" anchor="ctr"/>
+          <a:lstStyle/>
+          <a:p>
+            <a:pPr algn="ctr"/>
+            <a:endParaRPr lang="zh-TW" altLang="en-US"/>
+          </a:p>
+        </p:txBody>
+      </p:sp>
+      <p:sp>
+        <p:nvSpPr>
+          <p:cNvPr id="60" name="矩形 59"/>
+          <p:cNvSpPr/>
+          <p:nvPr/>
+        </p:nvSpPr>
+        <p:spPr>
+          <a:xfrm>
+            <a:off x="577384" y="11576347"/>
+            <a:ext cx="5416834" cy="588331"/>
+          </a:xfrm>
+          <a:prstGeom prst="rect">
+            <a:avLst/>
+          </a:prstGeom>
+        </p:spPr>
+        <p:style>
+          <a:lnRef idx="2">
+            <a:schemeClr val="accent1">
+              <a:shade val="50000"/>
+            </a:schemeClr>
+          </a:lnRef>
+          <a:fillRef idx="1">
+            <a:schemeClr val="accent1"/>
+          </a:fillRef>
+          <a:effectRef idx="0">
+            <a:schemeClr val="accent1"/>
+          </a:effectRef>
+          <a:fontRef idx="minor">
+            <a:schemeClr val="lt1"/>
+          </a:fontRef>
+        </p:style>
+        <p:txBody>
+          <a:bodyPr rtlCol="0" anchor="ctr"/>
+          <a:lstStyle/>
+          <a:p>
+            <a:pPr algn="ctr"/>
+            <a:endParaRPr lang="zh-TW" altLang="en-US"/>
+          </a:p>
+        </p:txBody>
+      </p:sp>
+      <p:sp>
+        <p:nvSpPr>
+          <p:cNvPr id="46" name="矩形 45"/>
+          <p:cNvSpPr/>
+          <p:nvPr/>
+        </p:nvSpPr>
+        <p:spPr>
+          <a:xfrm>
+            <a:off x="6280658" y="5095489"/>
+            <a:ext cx="5416834" cy="588331"/>
+          </a:xfrm>
+          <a:prstGeom prst="rect">
+            <a:avLst/>
+          </a:prstGeom>
+        </p:spPr>
+        <p:style>
+          <a:lnRef idx="2">
+            <a:schemeClr val="accent1">
+              <a:shade val="50000"/>
+            </a:schemeClr>
+          </a:lnRef>
+          <a:fillRef idx="1">
+            <a:schemeClr val="accent1"/>
+          </a:fillRef>
+          <a:effectRef idx="0">
+            <a:schemeClr val="accent1"/>
+          </a:effectRef>
+          <a:fontRef idx="minor">
+            <a:schemeClr val="lt1"/>
+          </a:fontRef>
+        </p:style>
+        <p:txBody>
+          <a:bodyPr rtlCol="0" anchor="ctr"/>
+          <a:lstStyle/>
+          <a:p>
+            <a:pPr algn="ctr"/>
+            <a:endParaRPr lang="zh-TW" altLang="en-US"/>
+          </a:p>
+        </p:txBody>
+      </p:sp>
+      <p:sp>
+        <p:nvSpPr>
+          <p:cNvPr id="47" name="矩形 46"/>
+          <p:cNvSpPr/>
+          <p:nvPr/>
+        </p:nvSpPr>
+        <p:spPr>
+          <a:xfrm>
+            <a:off x="6280409" y="6721735"/>
+            <a:ext cx="5416834" cy="588331"/>
+          </a:xfrm>
+          <a:prstGeom prst="rect">
+            <a:avLst/>
+          </a:prstGeom>
+        </p:spPr>
+        <p:style>
+          <a:lnRef idx="2">
+            <a:schemeClr val="accent1">
+              <a:shade val="50000"/>
+            </a:schemeClr>
+          </a:lnRef>
+          <a:fillRef idx="1">
+            <a:schemeClr val="accent1"/>
+          </a:fillRef>
+          <a:effectRef idx="0">
+            <a:schemeClr val="accent1"/>
+          </a:effectRef>
+          <a:fontRef idx="minor">
+            <a:schemeClr val="lt1"/>
+          </a:fontRef>
+        </p:style>
+        <p:txBody>
+          <a:bodyPr rtlCol="0" anchor="ctr"/>
+          <a:lstStyle/>
+          <a:p>
+            <a:pPr algn="ctr"/>
+            <a:endParaRPr lang="zh-TW" altLang="en-US"/>
+          </a:p>
+        </p:txBody>
+      </p:sp>
+      <p:sp>
+        <p:nvSpPr>
+          <p:cNvPr id="48" name="矩形 47"/>
+          <p:cNvSpPr/>
+          <p:nvPr/>
+        </p:nvSpPr>
+        <p:spPr>
+          <a:xfrm>
+            <a:off x="6280409" y="8350255"/>
+            <a:ext cx="5416834" cy="588331"/>
+          </a:xfrm>
+          <a:prstGeom prst="rect">
+            <a:avLst/>
+          </a:prstGeom>
+        </p:spPr>
+        <p:style>
+          <a:lnRef idx="2">
+            <a:schemeClr val="accent1">
+              <a:shade val="50000"/>
+            </a:schemeClr>
+          </a:lnRef>
+          <a:fillRef idx="1">
+            <a:schemeClr val="accent1"/>
+          </a:fillRef>
+          <a:effectRef idx="0">
+            <a:schemeClr val="accent1"/>
+          </a:effectRef>
+          <a:fontRef idx="minor">
+            <a:schemeClr val="lt1"/>
+          </a:fontRef>
+        </p:style>
+        <p:txBody>
+          <a:bodyPr rtlCol="0" anchor="ctr"/>
+          <a:lstStyle/>
+          <a:p>
+            <a:pPr algn="ctr"/>
+            <a:endParaRPr lang="zh-TW" altLang="en-US"/>
+          </a:p>
+        </p:txBody>
+      </p:sp>
+      <p:sp>
+        <p:nvSpPr>
+          <p:cNvPr id="49" name="矩形 48"/>
+          <p:cNvSpPr/>
+          <p:nvPr/>
+        </p:nvSpPr>
+        <p:spPr>
+          <a:xfrm>
+            <a:off x="6345967" y="9974225"/>
+            <a:ext cx="5416834" cy="588331"/>
+          </a:xfrm>
+          <a:prstGeom prst="rect">
+            <a:avLst/>
+          </a:prstGeom>
+        </p:spPr>
+        <p:style>
+          <a:lnRef idx="2">
+            <a:schemeClr val="accent1">
+              <a:shade val="50000"/>
+            </a:schemeClr>
+          </a:lnRef>
+          <a:fillRef idx="1">
+            <a:schemeClr val="accent1"/>
+          </a:fillRef>
+          <a:effectRef idx="0">
+            <a:schemeClr val="accent1"/>
+          </a:effectRef>
+          <a:fontRef idx="minor">
+            <a:schemeClr val="lt1"/>
+          </a:fontRef>
+        </p:style>
+        <p:txBody>
+          <a:bodyPr rtlCol="0" anchor="ctr"/>
+          <a:lstStyle/>
+          <a:p>
+            <a:pPr algn="ctr"/>
+            <a:endParaRPr lang="zh-TW" altLang="en-US"/>
+          </a:p>
+        </p:txBody>
+      </p:sp>
+      <p:sp>
+        <p:nvSpPr>
+          <p:cNvPr id="51" name="矩形 50"/>
+          <p:cNvSpPr/>
+          <p:nvPr/>
+        </p:nvSpPr>
+        <p:spPr>
+          <a:xfrm>
+            <a:off x="511826" y="6721734"/>
+            <a:ext cx="5416834" cy="588331"/>
+          </a:xfrm>
+          <a:prstGeom prst="rect">
+            <a:avLst/>
+          </a:prstGeom>
+        </p:spPr>
+        <p:style>
+          <a:lnRef idx="2">
+            <a:schemeClr val="accent1">
+              <a:shade val="50000"/>
+            </a:schemeClr>
+          </a:lnRef>
+          <a:fillRef idx="1">
+            <a:schemeClr val="accent1"/>
+          </a:fillRef>
+          <a:effectRef idx="0">
+            <a:schemeClr val="accent1"/>
+          </a:effectRef>
+          <a:fontRef idx="minor">
+            <a:schemeClr val="lt1"/>
+          </a:fontRef>
+        </p:style>
+        <p:txBody>
+          <a:bodyPr rtlCol="0" anchor="ctr"/>
+          <a:lstStyle/>
+          <a:p>
+            <a:pPr algn="ctr"/>
+            <a:endParaRPr lang="zh-TW" altLang="en-US"/>
+          </a:p>
+        </p:txBody>
+      </p:sp>
+      <p:sp>
+        <p:nvSpPr>
+          <p:cNvPr id="52" name="矩形 51"/>
+          <p:cNvSpPr/>
+          <p:nvPr/>
+        </p:nvSpPr>
+        <p:spPr>
+          <a:xfrm>
+            <a:off x="511826" y="8350254"/>
+            <a:ext cx="5416834" cy="588331"/>
+          </a:xfrm>
+          <a:prstGeom prst="rect">
+            <a:avLst/>
+          </a:prstGeom>
+        </p:spPr>
+        <p:style>
+          <a:lnRef idx="2">
+            <a:schemeClr val="accent1">
+              <a:shade val="50000"/>
+            </a:schemeClr>
+          </a:lnRef>
+          <a:fillRef idx="1">
+            <a:schemeClr val="accent1"/>
+          </a:fillRef>
+          <a:effectRef idx="0">
+            <a:schemeClr val="accent1"/>
+          </a:effectRef>
+          <a:fontRef idx="minor">
+            <a:schemeClr val="lt1"/>
+          </a:fontRef>
+        </p:style>
+        <p:txBody>
+          <a:bodyPr rtlCol="0" anchor="ctr"/>
+          <a:lstStyle/>
+          <a:p>
+            <a:pPr algn="ctr"/>
+            <a:endParaRPr lang="zh-TW" altLang="en-US"/>
+          </a:p>
+        </p:txBody>
+      </p:sp>
+      <p:sp>
+        <p:nvSpPr>
+          <p:cNvPr id="58" name="矩形 57"/>
+          <p:cNvSpPr/>
+          <p:nvPr/>
+        </p:nvSpPr>
+        <p:spPr>
+          <a:xfrm>
+            <a:off x="577384" y="9974224"/>
+            <a:ext cx="5416834" cy="588331"/>
+          </a:xfrm>
+          <a:prstGeom prst="rect">
+            <a:avLst/>
+          </a:prstGeom>
+        </p:spPr>
+        <p:style>
+          <a:lnRef idx="2">
+            <a:schemeClr val="accent1">
+              <a:shade val="50000"/>
+            </a:schemeClr>
+          </a:lnRef>
+          <a:fillRef idx="1">
+            <a:schemeClr val="accent1"/>
+          </a:fillRef>
+          <a:effectRef idx="0">
+            <a:schemeClr val="accent1"/>
+          </a:effectRef>
+          <a:fontRef idx="minor">
+            <a:schemeClr val="lt1"/>
+          </a:fontRef>
+        </p:style>
+        <p:txBody>
+          <a:bodyPr rtlCol="0" anchor="ctr"/>
+          <a:lstStyle/>
+          <a:p>
+            <a:pPr algn="ctr"/>
+            <a:endParaRPr lang="zh-TW" altLang="en-US"/>
+          </a:p>
+        </p:txBody>
+      </p:sp>
+      <p:sp>
+        <p:nvSpPr>
+          <p:cNvPr id="45" name="矩形 44"/>
+          <p:cNvSpPr/>
+          <p:nvPr/>
+        </p:nvSpPr>
+        <p:spPr>
+          <a:xfrm>
+            <a:off x="407612" y="5071367"/>
+            <a:ext cx="5473555" cy="612453"/>
+          </a:xfrm>
+          <a:prstGeom prst="rect">
+            <a:avLst/>
+          </a:prstGeom>
+        </p:spPr>
+        <p:style>
+          <a:lnRef idx="2">
+            <a:schemeClr val="accent1">
+              <a:shade val="50000"/>
+            </a:schemeClr>
+          </a:lnRef>
+          <a:fillRef idx="1">
+            <a:schemeClr val="accent1"/>
+          </a:fillRef>
+          <a:effectRef idx="0">
+            <a:schemeClr val="accent1"/>
+          </a:effectRef>
+          <a:fontRef idx="minor">
+            <a:schemeClr val="lt1"/>
+          </a:fontRef>
+        </p:style>
+        <p:txBody>
+          <a:bodyPr rtlCol="0" anchor="ctr"/>
+          <a:lstStyle/>
+          <a:p>
+            <a:pPr algn="ctr"/>
+            <a:endParaRPr lang="zh-TW" altLang="en-US"/>
+          </a:p>
+        </p:txBody>
+      </p:sp>
+      <p:sp>
+        <p:nvSpPr>
+          <p:cNvPr id="4" name="矩形 3"/>
+          <p:cNvSpPr/>
+          <p:nvPr/>
+        </p:nvSpPr>
+        <p:spPr>
+          <a:xfrm>
+            <a:off x="-61832" y="1339098"/>
+            <a:ext cx="12257007" cy="13375662"/>
+          </a:xfrm>
+          <a:prstGeom prst="rect">
+            <a:avLst/>
+          </a:prstGeom>
+          <a:solidFill>
+            <a:schemeClr val="accent6">
+              <a:lumMod val="20000"/>
+              <a:lumOff val="80000"/>
+              <a:alpha val="50000"/>
+            </a:schemeClr>
+          </a:solidFill>
+        </p:spPr>
+        <p:style>
+          <a:lnRef idx="2">
+            <a:schemeClr val="accent1">
+              <a:shade val="50000"/>
+            </a:schemeClr>
+          </a:lnRef>
+          <a:fillRef idx="1">
+            <a:schemeClr val="accent1"/>
+          </a:fillRef>
+          <a:effectRef idx="0">
+            <a:schemeClr val="accent1"/>
+          </a:effectRef>
+          <a:fontRef idx="minor">
+            <a:schemeClr val="lt1"/>
+          </a:fontRef>
+        </p:style>
+        <p:txBody>
+          <a:bodyPr rtlCol="0" anchor="ctr"/>
+          <a:lstStyle/>
+          <a:p>
+            <a:pPr algn="ctr"/>
+            <a:endParaRPr lang="zh-TW" altLang="en-US"/>
+          </a:p>
+        </p:txBody>
+      </p:sp>
+      <p:sp>
+        <p:nvSpPr>
+          <p:cNvPr id="43" name="矩形 42"/>
+          <p:cNvSpPr/>
+          <p:nvPr/>
+        </p:nvSpPr>
+        <p:spPr>
+          <a:xfrm>
+            <a:off x="407612" y="13202591"/>
+            <a:ext cx="11289879" cy="998625"/>
+          </a:xfrm>
+          <a:prstGeom prst="rect">
+            <a:avLst/>
+          </a:prstGeom>
+          <a:solidFill>
+            <a:schemeClr val="tx2">
+              <a:lumMod val="40000"/>
+              <a:lumOff val="60000"/>
+            </a:schemeClr>
+          </a:solidFill>
+        </p:spPr>
+        <p:style>
+          <a:lnRef idx="2">
+            <a:schemeClr val="accent1">
+              <a:shade val="50000"/>
+            </a:schemeClr>
+          </a:lnRef>
+          <a:fillRef idx="1">
+            <a:schemeClr val="accent1"/>
+          </a:fillRef>
+          <a:effectRef idx="0">
+            <a:schemeClr val="accent1"/>
+          </a:effectRef>
+          <a:fontRef idx="minor">
+            <a:schemeClr val="lt1"/>
+          </a:fontRef>
+        </p:style>
+        <p:txBody>
+          <a:bodyPr rtlCol="0" anchor="ctr"/>
+          <a:lstStyle/>
+          <a:p>
+            <a:pPr algn="ctr"/>
+            <a:endParaRPr lang="zh-TW" altLang="en-US"/>
+          </a:p>
+        </p:txBody>
+      </p:sp>
+      <p:sp>
+        <p:nvSpPr>
+          <p:cNvPr id="42" name="矩形 41"/>
+          <p:cNvSpPr/>
+          <p:nvPr/>
+        </p:nvSpPr>
+        <p:spPr>
+          <a:xfrm>
+            <a:off x="6204423" y="3049464"/>
+            <a:ext cx="5473555" cy="1008112"/>
+          </a:xfrm>
+          <a:prstGeom prst="rect">
+            <a:avLst/>
+          </a:prstGeom>
+          <a:solidFill>
+            <a:schemeClr val="tx2">
+              <a:lumMod val="40000"/>
+              <a:lumOff val="60000"/>
+            </a:schemeClr>
+          </a:solidFill>
+        </p:spPr>
+        <p:style>
+          <a:lnRef idx="2">
+            <a:schemeClr val="accent1">
+              <a:shade val="50000"/>
+            </a:schemeClr>
+          </a:lnRef>
+          <a:fillRef idx="1">
+            <a:schemeClr val="accent1"/>
+          </a:fillRef>
+          <a:effectRef idx="0">
+            <a:schemeClr val="accent1"/>
+          </a:effectRef>
+          <a:fontRef idx="minor">
+            <a:schemeClr val="lt1"/>
+          </a:fontRef>
+        </p:style>
+        <p:txBody>
+          <a:bodyPr rtlCol="0" anchor="ctr"/>
+          <a:lstStyle/>
+          <a:p>
+            <a:pPr algn="ctr"/>
+            <a:endParaRPr lang="zh-TW" altLang="en-US"/>
+          </a:p>
+        </p:txBody>
+      </p:sp>
+      <p:sp>
+        <p:nvSpPr>
+          <p:cNvPr id="41" name="矩形 40"/>
+          <p:cNvSpPr/>
+          <p:nvPr/>
+        </p:nvSpPr>
+        <p:spPr>
+          <a:xfrm>
+            <a:off x="407613" y="3049464"/>
+            <a:ext cx="5473555" cy="1008112"/>
+          </a:xfrm>
+          <a:prstGeom prst="rect">
+            <a:avLst/>
+          </a:prstGeom>
+          <a:solidFill>
+            <a:schemeClr val="tx2">
+              <a:lumMod val="40000"/>
+              <a:lumOff val="60000"/>
+            </a:schemeClr>
+          </a:solidFill>
+        </p:spPr>
+        <p:style>
+          <a:lnRef idx="2">
+            <a:schemeClr val="accent1">
+              <a:shade val="50000"/>
+            </a:schemeClr>
+          </a:lnRef>
+          <a:fillRef idx="1">
+            <a:schemeClr val="accent1"/>
+          </a:fillRef>
+          <a:effectRef idx="0">
+            <a:schemeClr val="accent1"/>
+          </a:effectRef>
+          <a:fontRef idx="minor">
+            <a:schemeClr val="lt1"/>
+          </a:fontRef>
+        </p:style>
+        <p:txBody>
+          <a:bodyPr rtlCol="0" anchor="ctr"/>
+          <a:lstStyle/>
+          <a:p>
+            <a:pPr algn="ctr"/>
+            <a:endParaRPr lang="zh-TW" altLang="en-US"/>
+          </a:p>
+        </p:txBody>
+      </p:sp>
+      <p:sp>
+        <p:nvSpPr>
+          <p:cNvPr id="3" name="矩形 2"/>
+          <p:cNvSpPr/>
+          <p:nvPr/>
+        </p:nvSpPr>
+        <p:spPr>
+          <a:xfrm>
+            <a:off x="3328372" y="1886542"/>
+            <a:ext cx="5436659" cy="655570"/>
+          </a:xfrm>
+          <a:prstGeom prst="rect">
+            <a:avLst/>
+          </a:prstGeom>
+          <a:solidFill>
+            <a:schemeClr val="tx2">
+              <a:lumMod val="40000"/>
+              <a:lumOff val="60000"/>
+            </a:schemeClr>
+          </a:solidFill>
+        </p:spPr>
+        <p:style>
+          <a:lnRef idx="2">
+            <a:schemeClr val="accent1">
+              <a:shade val="50000"/>
+            </a:schemeClr>
+          </a:lnRef>
+          <a:fillRef idx="1">
+            <a:schemeClr val="accent1"/>
+          </a:fillRef>
+          <a:effectRef idx="0">
+            <a:schemeClr val="accent1"/>
+          </a:effectRef>
+          <a:fontRef idx="minor">
+            <a:schemeClr val="lt1"/>
+          </a:fontRef>
+        </p:style>
+        <p:txBody>
+          <a:bodyPr rtlCol="0" anchor="ctr"/>
+          <a:lstStyle/>
+          <a:p>
+            <a:pPr algn="ctr"/>
+            <a:endParaRPr lang="zh-TW" altLang="en-US"/>
+          </a:p>
+        </p:txBody>
+      </p:sp>
+      <p:sp>
+        <p:nvSpPr>
+          <p:cNvPr id="2" name="矩形 1"/>
+          <p:cNvSpPr/>
+          <p:nvPr/>
+        </p:nvSpPr>
+        <p:spPr>
+          <a:xfrm>
+            <a:off x="-34177" y="3262"/>
+            <a:ext cx="12229351" cy="1335836"/>
+          </a:xfrm>
+          <a:prstGeom prst="rect">
+            <a:avLst/>
+          </a:prstGeom>
+          <a:solidFill>
+            <a:schemeClr val="accent3">
+              <a:lumMod val="60000"/>
+              <a:lumOff val="40000"/>
+              <a:alpha val="70000"/>
+            </a:schemeClr>
+          </a:solidFill>
+        </p:spPr>
+        <p:style>
+          <a:lnRef idx="2">
+            <a:schemeClr val="accent1">
+              <a:shade val="50000"/>
+            </a:schemeClr>
+          </a:lnRef>
+          <a:fillRef idx="1">
+            <a:schemeClr val="accent1"/>
+          </a:fillRef>
+          <a:effectRef idx="0">
+            <a:schemeClr val="accent1"/>
+          </a:effectRef>
+          <a:fontRef idx="minor">
+            <a:schemeClr val="lt1"/>
+          </a:fontRef>
+        </p:style>
+        <p:txBody>
+          <a:bodyPr rtlCol="0" anchor="ctr"/>
+          <a:lstStyle/>
+          <a:p>
+            <a:pPr algn="ctr"/>
+            <a:endParaRPr lang="zh-TW" altLang="en-US"/>
+          </a:p>
+        </p:txBody>
+      </p:sp>
       <p:grpSp>
         <p:nvGrpSpPr>
           <p:cNvPr id="17" name="群組 16"/>
@@ -4727,7 +5405,7 @@
         </p:nvGrpSpPr>
         <p:grpSpPr>
           <a:xfrm>
-            <a:off x="456540" y="0"/>
+            <a:off x="-16889925" y="747752"/>
             <a:ext cx="11237913" cy="15764664"/>
             <a:chOff x="349571" y="-9480"/>
             <a:chExt cx="11237913" cy="15764664"/>
@@ -6405,6 +7083,513 @@
                 <a:schemeClr val="tx1"/>
               </a:solidFill>
             </a:endParaRPr>
+          </a:p>
+        </p:txBody>
+      </p:sp>
+      <p:sp>
+        <p:nvSpPr>
+          <p:cNvPr id="44" name="矩形 43"/>
+          <p:cNvSpPr/>
+          <p:nvPr/>
+        </p:nvSpPr>
+        <p:spPr>
+          <a:xfrm>
+            <a:off x="-61831" y="14714760"/>
+            <a:ext cx="12257006" cy="1033240"/>
+          </a:xfrm>
+          <a:prstGeom prst="rect">
+            <a:avLst/>
+          </a:prstGeom>
+          <a:solidFill>
+            <a:schemeClr val="accent3">
+              <a:lumMod val="60000"/>
+              <a:lumOff val="40000"/>
+              <a:alpha val="70000"/>
+            </a:schemeClr>
+          </a:solidFill>
+        </p:spPr>
+        <p:style>
+          <a:lnRef idx="2">
+            <a:schemeClr val="accent1">
+              <a:shade val="50000"/>
+            </a:schemeClr>
+          </a:lnRef>
+          <a:fillRef idx="1">
+            <a:schemeClr val="accent1"/>
+          </a:fillRef>
+          <a:effectRef idx="0">
+            <a:schemeClr val="accent1"/>
+          </a:effectRef>
+          <a:fontRef idx="minor">
+            <a:schemeClr val="lt1"/>
+          </a:fontRef>
+        </p:style>
+        <p:txBody>
+          <a:bodyPr rtlCol="0" anchor="ctr"/>
+          <a:lstStyle/>
+          <a:p>
+            <a:pPr algn="ctr"/>
+            <a:endParaRPr lang="zh-TW" altLang="en-US"/>
+          </a:p>
+        </p:txBody>
+      </p:sp>
+      <p:sp>
+        <p:nvSpPr>
+          <p:cNvPr id="61" name="矩形 60"/>
+          <p:cNvSpPr/>
+          <p:nvPr/>
+        </p:nvSpPr>
+        <p:spPr>
+          <a:xfrm>
+            <a:off x="560013" y="11576348"/>
+            <a:ext cx="5368648" cy="612454"/>
+          </a:xfrm>
+          <a:prstGeom prst="rect">
+            <a:avLst/>
+          </a:prstGeom>
+          <a:solidFill>
+            <a:schemeClr val="tx2">
+              <a:lumMod val="40000"/>
+              <a:lumOff val="60000"/>
+            </a:schemeClr>
+          </a:solidFill>
+        </p:spPr>
+        <p:style>
+          <a:lnRef idx="2">
+            <a:schemeClr val="accent1">
+              <a:shade val="50000"/>
+            </a:schemeClr>
+          </a:lnRef>
+          <a:fillRef idx="1">
+            <a:schemeClr val="accent1"/>
+          </a:fillRef>
+          <a:effectRef idx="0">
+            <a:schemeClr val="accent1"/>
+          </a:effectRef>
+          <a:fontRef idx="minor">
+            <a:schemeClr val="lt1"/>
+          </a:fontRef>
+        </p:style>
+        <p:txBody>
+          <a:bodyPr rtlCol="0" anchor="ctr"/>
+          <a:lstStyle/>
+          <a:p>
+            <a:pPr algn="ctr"/>
+            <a:endParaRPr lang="zh-TW" altLang="en-US"/>
+          </a:p>
+        </p:txBody>
+      </p:sp>
+      <p:sp>
+        <p:nvSpPr>
+          <p:cNvPr id="62" name="矩形 61"/>
+          <p:cNvSpPr/>
+          <p:nvPr/>
+        </p:nvSpPr>
+        <p:spPr>
+          <a:xfrm>
+            <a:off x="6387501" y="11576348"/>
+            <a:ext cx="5368648" cy="612454"/>
+          </a:xfrm>
+          <a:prstGeom prst="rect">
+            <a:avLst/>
+          </a:prstGeom>
+          <a:solidFill>
+            <a:schemeClr val="tx2">
+              <a:lumMod val="40000"/>
+              <a:lumOff val="60000"/>
+            </a:schemeClr>
+          </a:solidFill>
+        </p:spPr>
+        <p:style>
+          <a:lnRef idx="2">
+            <a:schemeClr val="accent1">
+              <a:shade val="50000"/>
+            </a:schemeClr>
+          </a:lnRef>
+          <a:fillRef idx="1">
+            <a:schemeClr val="accent1"/>
+          </a:fillRef>
+          <a:effectRef idx="0">
+            <a:schemeClr val="accent1"/>
+          </a:effectRef>
+          <a:fontRef idx="minor">
+            <a:schemeClr val="lt1"/>
+          </a:fontRef>
+        </p:style>
+        <p:txBody>
+          <a:bodyPr rtlCol="0" anchor="ctr"/>
+          <a:lstStyle/>
+          <a:p>
+            <a:pPr algn="ctr"/>
+            <a:endParaRPr lang="zh-TW" altLang="en-US"/>
+          </a:p>
+        </p:txBody>
+      </p:sp>
+      <p:sp>
+        <p:nvSpPr>
+          <p:cNvPr id="63" name="矩形 62"/>
+          <p:cNvSpPr/>
+          <p:nvPr/>
+        </p:nvSpPr>
+        <p:spPr>
+          <a:xfrm>
+            <a:off x="522602" y="9999455"/>
+            <a:ext cx="5368648" cy="612454"/>
+          </a:xfrm>
+          <a:prstGeom prst="rect">
+            <a:avLst/>
+          </a:prstGeom>
+          <a:solidFill>
+            <a:schemeClr val="tx2">
+              <a:lumMod val="40000"/>
+              <a:lumOff val="60000"/>
+            </a:schemeClr>
+          </a:solidFill>
+        </p:spPr>
+        <p:style>
+          <a:lnRef idx="2">
+            <a:schemeClr val="accent1">
+              <a:shade val="50000"/>
+            </a:schemeClr>
+          </a:lnRef>
+          <a:fillRef idx="1">
+            <a:schemeClr val="accent1"/>
+          </a:fillRef>
+          <a:effectRef idx="0">
+            <a:schemeClr val="accent1"/>
+          </a:effectRef>
+          <a:fontRef idx="minor">
+            <a:schemeClr val="lt1"/>
+          </a:fontRef>
+        </p:style>
+        <p:txBody>
+          <a:bodyPr rtlCol="0" anchor="ctr"/>
+          <a:lstStyle/>
+          <a:p>
+            <a:pPr algn="ctr"/>
+            <a:endParaRPr lang="zh-TW" altLang="en-US"/>
+          </a:p>
+        </p:txBody>
+      </p:sp>
+      <p:sp>
+        <p:nvSpPr>
+          <p:cNvPr id="64" name="矩形 63"/>
+          <p:cNvSpPr/>
+          <p:nvPr/>
+        </p:nvSpPr>
+        <p:spPr>
+          <a:xfrm>
+            <a:off x="6350090" y="9999455"/>
+            <a:ext cx="5368648" cy="612454"/>
+          </a:xfrm>
+          <a:prstGeom prst="rect">
+            <a:avLst/>
+          </a:prstGeom>
+          <a:solidFill>
+            <a:schemeClr val="tx2">
+              <a:lumMod val="40000"/>
+              <a:lumOff val="60000"/>
+            </a:schemeClr>
+          </a:solidFill>
+        </p:spPr>
+        <p:style>
+          <a:lnRef idx="2">
+            <a:schemeClr val="accent1">
+              <a:shade val="50000"/>
+            </a:schemeClr>
+          </a:lnRef>
+          <a:fillRef idx="1">
+            <a:schemeClr val="accent1"/>
+          </a:fillRef>
+          <a:effectRef idx="0">
+            <a:schemeClr val="accent1"/>
+          </a:effectRef>
+          <a:fontRef idx="minor">
+            <a:schemeClr val="lt1"/>
+          </a:fontRef>
+        </p:style>
+        <p:txBody>
+          <a:bodyPr rtlCol="0" anchor="ctr"/>
+          <a:lstStyle/>
+          <a:p>
+            <a:pPr algn="ctr"/>
+            <a:endParaRPr lang="zh-TW" altLang="en-US"/>
+          </a:p>
+        </p:txBody>
+      </p:sp>
+      <p:sp>
+        <p:nvSpPr>
+          <p:cNvPr id="70" name="矩形 69"/>
+          <p:cNvSpPr/>
+          <p:nvPr/>
+        </p:nvSpPr>
+        <p:spPr>
+          <a:xfrm>
+            <a:off x="489152" y="8350255"/>
+            <a:ext cx="5368648" cy="612454"/>
+          </a:xfrm>
+          <a:prstGeom prst="rect">
+            <a:avLst/>
+          </a:prstGeom>
+          <a:solidFill>
+            <a:schemeClr val="tx2">
+              <a:lumMod val="40000"/>
+              <a:lumOff val="60000"/>
+            </a:schemeClr>
+          </a:solidFill>
+        </p:spPr>
+        <p:style>
+          <a:lnRef idx="2">
+            <a:schemeClr val="accent1">
+              <a:shade val="50000"/>
+            </a:schemeClr>
+          </a:lnRef>
+          <a:fillRef idx="1">
+            <a:schemeClr val="accent1"/>
+          </a:fillRef>
+          <a:effectRef idx="0">
+            <a:schemeClr val="accent1"/>
+          </a:effectRef>
+          <a:fontRef idx="minor">
+            <a:schemeClr val="lt1"/>
+          </a:fontRef>
+        </p:style>
+        <p:txBody>
+          <a:bodyPr rtlCol="0" anchor="ctr"/>
+          <a:lstStyle/>
+          <a:p>
+            <a:pPr algn="ctr"/>
+            <a:endParaRPr lang="zh-TW" altLang="en-US"/>
+          </a:p>
+        </p:txBody>
+      </p:sp>
+      <p:sp>
+        <p:nvSpPr>
+          <p:cNvPr id="71" name="矩形 70"/>
+          <p:cNvSpPr/>
+          <p:nvPr/>
+        </p:nvSpPr>
+        <p:spPr>
+          <a:xfrm>
+            <a:off x="6316640" y="8350255"/>
+            <a:ext cx="5368648" cy="612454"/>
+          </a:xfrm>
+          <a:prstGeom prst="rect">
+            <a:avLst/>
+          </a:prstGeom>
+          <a:solidFill>
+            <a:schemeClr val="tx2">
+              <a:lumMod val="40000"/>
+              <a:lumOff val="60000"/>
+            </a:schemeClr>
+          </a:solidFill>
+        </p:spPr>
+        <p:style>
+          <a:lnRef idx="2">
+            <a:schemeClr val="accent1">
+              <a:shade val="50000"/>
+            </a:schemeClr>
+          </a:lnRef>
+          <a:fillRef idx="1">
+            <a:schemeClr val="accent1"/>
+          </a:fillRef>
+          <a:effectRef idx="0">
+            <a:schemeClr val="accent1"/>
+          </a:effectRef>
+          <a:fontRef idx="minor">
+            <a:schemeClr val="lt1"/>
+          </a:fontRef>
+        </p:style>
+        <p:txBody>
+          <a:bodyPr rtlCol="0" anchor="ctr"/>
+          <a:lstStyle/>
+          <a:p>
+            <a:pPr algn="ctr"/>
+            <a:endParaRPr lang="zh-TW" altLang="en-US"/>
+          </a:p>
+        </p:txBody>
+      </p:sp>
+      <p:sp>
+        <p:nvSpPr>
+          <p:cNvPr id="72" name="矩形 71"/>
+          <p:cNvSpPr/>
+          <p:nvPr/>
+        </p:nvSpPr>
+        <p:spPr>
+          <a:xfrm>
+            <a:off x="481869" y="6721735"/>
+            <a:ext cx="5368648" cy="612454"/>
+          </a:xfrm>
+          <a:prstGeom prst="rect">
+            <a:avLst/>
+          </a:prstGeom>
+          <a:solidFill>
+            <a:schemeClr val="tx2">
+              <a:lumMod val="40000"/>
+              <a:lumOff val="60000"/>
+            </a:schemeClr>
+          </a:solidFill>
+        </p:spPr>
+        <p:style>
+          <a:lnRef idx="2">
+            <a:schemeClr val="accent1">
+              <a:shade val="50000"/>
+            </a:schemeClr>
+          </a:lnRef>
+          <a:fillRef idx="1">
+            <a:schemeClr val="accent1"/>
+          </a:fillRef>
+          <a:effectRef idx="0">
+            <a:schemeClr val="accent1"/>
+          </a:effectRef>
+          <a:fontRef idx="minor">
+            <a:schemeClr val="lt1"/>
+          </a:fontRef>
+        </p:style>
+        <p:txBody>
+          <a:bodyPr rtlCol="0" anchor="ctr"/>
+          <a:lstStyle/>
+          <a:p>
+            <a:pPr algn="ctr"/>
+            <a:endParaRPr lang="zh-TW" altLang="en-US"/>
+          </a:p>
+        </p:txBody>
+      </p:sp>
+      <p:sp>
+        <p:nvSpPr>
+          <p:cNvPr id="73" name="矩形 72"/>
+          <p:cNvSpPr/>
+          <p:nvPr/>
+        </p:nvSpPr>
+        <p:spPr>
+          <a:xfrm>
+            <a:off x="6309357" y="6721735"/>
+            <a:ext cx="5368648" cy="612454"/>
+          </a:xfrm>
+          <a:prstGeom prst="rect">
+            <a:avLst/>
+          </a:prstGeom>
+          <a:solidFill>
+            <a:schemeClr val="tx2">
+              <a:lumMod val="40000"/>
+              <a:lumOff val="60000"/>
+            </a:schemeClr>
+          </a:solidFill>
+        </p:spPr>
+        <p:style>
+          <a:lnRef idx="2">
+            <a:schemeClr val="accent1">
+              <a:shade val="50000"/>
+            </a:schemeClr>
+          </a:lnRef>
+          <a:fillRef idx="1">
+            <a:schemeClr val="accent1"/>
+          </a:fillRef>
+          <a:effectRef idx="0">
+            <a:schemeClr val="accent1"/>
+          </a:effectRef>
+          <a:fontRef idx="minor">
+            <a:schemeClr val="lt1"/>
+          </a:fontRef>
+        </p:style>
+        <p:txBody>
+          <a:bodyPr rtlCol="0" anchor="ctr"/>
+          <a:lstStyle/>
+          <a:p>
+            <a:pPr algn="ctr"/>
+            <a:endParaRPr lang="zh-TW" altLang="en-US"/>
+          </a:p>
+        </p:txBody>
+      </p:sp>
+      <p:sp>
+        <p:nvSpPr>
+          <p:cNvPr id="74" name="矩形 73"/>
+          <p:cNvSpPr/>
+          <p:nvPr/>
+        </p:nvSpPr>
+        <p:spPr>
+          <a:xfrm>
+            <a:off x="476227" y="5046524"/>
+            <a:ext cx="5368648" cy="612454"/>
+          </a:xfrm>
+          <a:prstGeom prst="rect">
+            <a:avLst/>
+          </a:prstGeom>
+          <a:solidFill>
+            <a:schemeClr val="tx2">
+              <a:lumMod val="40000"/>
+              <a:lumOff val="60000"/>
+            </a:schemeClr>
+          </a:solidFill>
+        </p:spPr>
+        <p:style>
+          <a:lnRef idx="2">
+            <a:schemeClr val="accent1">
+              <a:shade val="50000"/>
+            </a:schemeClr>
+          </a:lnRef>
+          <a:fillRef idx="1">
+            <a:schemeClr val="accent1"/>
+          </a:fillRef>
+          <a:effectRef idx="0">
+            <a:schemeClr val="accent1"/>
+          </a:effectRef>
+          <a:fontRef idx="minor">
+            <a:schemeClr val="lt1"/>
+          </a:fontRef>
+        </p:style>
+        <p:txBody>
+          <a:bodyPr rtlCol="0" anchor="ctr"/>
+          <a:lstStyle/>
+          <a:p>
+            <a:pPr algn="ctr"/>
+            <a:endParaRPr lang="zh-TW" altLang="en-US"/>
+          </a:p>
+        </p:txBody>
+      </p:sp>
+      <p:sp>
+        <p:nvSpPr>
+          <p:cNvPr id="75" name="矩形 74"/>
+          <p:cNvSpPr/>
+          <p:nvPr/>
+        </p:nvSpPr>
+        <p:spPr>
+          <a:xfrm>
+            <a:off x="6303715" y="5046524"/>
+            <a:ext cx="5368648" cy="612454"/>
+          </a:xfrm>
+          <a:prstGeom prst="rect">
+            <a:avLst/>
+          </a:prstGeom>
+          <a:solidFill>
+            <a:schemeClr val="tx2">
+              <a:lumMod val="40000"/>
+              <a:lumOff val="60000"/>
+            </a:schemeClr>
+          </a:solidFill>
+        </p:spPr>
+        <p:style>
+          <a:lnRef idx="2">
+            <a:schemeClr val="accent1">
+              <a:shade val="50000"/>
+            </a:schemeClr>
+          </a:lnRef>
+          <a:fillRef idx="1">
+            <a:schemeClr val="accent1"/>
+          </a:fillRef>
+          <a:effectRef idx="0">
+            <a:schemeClr val="accent1"/>
+          </a:effectRef>
+          <a:fontRef idx="minor">
+            <a:schemeClr val="lt1"/>
+          </a:fontRef>
+        </p:style>
+        <p:txBody>
+          <a:bodyPr rtlCol="0" anchor="ctr"/>
+          <a:lstStyle/>
+          <a:p>
+            <a:pPr algn="ctr"/>
+            <a:endParaRPr lang="zh-TW" altLang="en-US"/>
           </a:p>
         </p:txBody>
       </p:sp>
@@ -12544,7 +13729,7 @@
         <p:spPr>
           <a:xfrm>
             <a:off x="472136" y="3481512"/>
-            <a:ext cx="10278044" cy="0"/>
+            <a:ext cx="11244408" cy="0"/>
           </a:xfrm>
           <a:prstGeom prst="line">
             <a:avLst/>
@@ -12835,7 +14020,7 @@
         </p:nvSpPr>
         <p:spPr>
           <a:xfrm>
-            <a:off x="478630" y="5778569"/>
+            <a:off x="478630" y="5551311"/>
             <a:ext cx="9264534" cy="815129"/>
           </a:xfrm>
           <a:prstGeom prst="rect">
@@ -12880,7 +14065,7 @@
         </p:nvSpPr>
         <p:spPr>
           <a:xfrm>
-            <a:off x="478630" y="7378587"/>
+            <a:off x="478630" y="7356119"/>
             <a:ext cx="9264534" cy="815129"/>
           </a:xfrm>
           <a:prstGeom prst="rect">
@@ -12925,7 +14110,7 @@
         </p:nvSpPr>
         <p:spPr>
           <a:xfrm>
-            <a:off x="478630" y="8978604"/>
+            <a:off x="478630" y="9160927"/>
             <a:ext cx="9264534" cy="815129"/>
           </a:xfrm>
           <a:prstGeom prst="rect">
@@ -12970,7 +14155,7 @@
         </p:nvSpPr>
         <p:spPr>
           <a:xfrm>
-            <a:off x="478630" y="10578621"/>
+            <a:off x="478630" y="10965735"/>
             <a:ext cx="9264534" cy="815129"/>
           </a:xfrm>
           <a:prstGeom prst="rect">
@@ -13042,51 +14227,6 @@
           </a:fontRef>
         </p:style>
       </p:cxnSp>
-      <p:sp>
-        <p:nvSpPr>
-          <p:cNvPr id="37" name="矩形 36"/>
-          <p:cNvSpPr/>
-          <p:nvPr/>
-        </p:nvSpPr>
-        <p:spPr>
-          <a:xfrm>
-            <a:off x="547674" y="12178638"/>
-            <a:ext cx="9264534" cy="815129"/>
-          </a:xfrm>
-          <a:prstGeom prst="rect">
-            <a:avLst/>
-          </a:prstGeom>
-          <a:noFill/>
-        </p:spPr>
-        <p:style>
-          <a:lnRef idx="2">
-            <a:schemeClr val="accent1">
-              <a:shade val="50000"/>
-            </a:schemeClr>
-          </a:lnRef>
-          <a:fillRef idx="1">
-            <a:schemeClr val="accent1"/>
-          </a:fillRef>
-          <a:effectRef idx="0">
-            <a:schemeClr val="accent1"/>
-          </a:effectRef>
-          <a:fontRef idx="minor">
-            <a:schemeClr val="lt1"/>
-          </a:fontRef>
-        </p:style>
-        <p:txBody>
-          <a:bodyPr rtlCol="0" anchor="ctr"/>
-          <a:lstStyle/>
-          <a:p>
-            <a:pPr algn="ctr"/>
-            <a:endParaRPr lang="zh-TW" altLang="en-US">
-              <a:solidFill>
-                <a:schemeClr val="tx1"/>
-              </a:solidFill>
-            </a:endParaRPr>
-          </a:p>
-        </p:txBody>
-      </p:sp>
     </p:spTree>
     <p:extLst>
       <p:ext uri="{BB962C8B-B14F-4D97-AF65-F5344CB8AC3E}">

--- a/webdesign/Bigsize.pptx
+++ b/webdesign/Bigsize.pptx
@@ -11,6 +11,7 @@
     <p:sldId id="263" r:id="rId5"/>
     <p:sldId id="262" r:id="rId6"/>
     <p:sldId id="264" r:id="rId7"/>
+    <p:sldId id="265" r:id="rId8"/>
   </p:sldIdLst>
   <p:sldSz cx="12195175" cy="15748000"/>
   <p:notesSz cx="6858000" cy="9144000"/>
@@ -111,7 +112,7 @@
   </p:defaultTextStyle>
   <p:extLst>
     <p:ext uri="{EFAFB233-063F-42B5-8137-9DF3F51BA10A}">
-      <p15:sldGuideLst xmlns:p15="http://schemas.microsoft.com/office/powerpoint/2012/main" xmlns="">
+      <p15:sldGuideLst xmlns="" xmlns:p15="http://schemas.microsoft.com/office/powerpoint/2012/main">
         <p15:guide id="1" orient="horz" pos="4960">
           <p15:clr>
             <a:srgbClr val="A4A3A4"/>
@@ -309,7 +310,7 @@
           <a:p>
             <a:fld id="{BB73866F-F6FF-4E0C-A1E0-5E7F31502E82}" type="datetimeFigureOut">
               <a:rPr lang="zh-TW" altLang="en-US" smtClean="0"/>
-              <a:t>2016/6/20</a:t>
+              <a:t>2016/6/21</a:t>
             </a:fld>
             <a:endParaRPr lang="zh-TW" altLang="en-US"/>
           </a:p>
@@ -479,7 +480,7 @@
           <a:p>
             <a:fld id="{BB73866F-F6FF-4E0C-A1E0-5E7F31502E82}" type="datetimeFigureOut">
               <a:rPr lang="zh-TW" altLang="en-US" smtClean="0"/>
-              <a:t>2016/6/20</a:t>
+              <a:t>2016/6/21</a:t>
             </a:fld>
             <a:endParaRPr lang="zh-TW" altLang="en-US"/>
           </a:p>
@@ -659,7 +660,7 @@
           <a:p>
             <a:fld id="{BB73866F-F6FF-4E0C-A1E0-5E7F31502E82}" type="datetimeFigureOut">
               <a:rPr lang="zh-TW" altLang="en-US" smtClean="0"/>
-              <a:t>2016/6/20</a:t>
+              <a:t>2016/6/21</a:t>
             </a:fld>
             <a:endParaRPr lang="zh-TW" altLang="en-US"/>
           </a:p>
@@ -829,7 +830,7 @@
           <a:p>
             <a:fld id="{BB73866F-F6FF-4E0C-A1E0-5E7F31502E82}" type="datetimeFigureOut">
               <a:rPr lang="zh-TW" altLang="en-US" smtClean="0"/>
-              <a:t>2016/6/20</a:t>
+              <a:t>2016/6/21</a:t>
             </a:fld>
             <a:endParaRPr lang="zh-TW" altLang="en-US"/>
           </a:p>
@@ -1075,7 +1076,7 @@
           <a:p>
             <a:fld id="{BB73866F-F6FF-4E0C-A1E0-5E7F31502E82}" type="datetimeFigureOut">
               <a:rPr lang="zh-TW" altLang="en-US" smtClean="0"/>
-              <a:t>2016/6/20</a:t>
+              <a:t>2016/6/21</a:t>
             </a:fld>
             <a:endParaRPr lang="zh-TW" altLang="en-US"/>
           </a:p>
@@ -1363,7 +1364,7 @@
           <a:p>
             <a:fld id="{BB73866F-F6FF-4E0C-A1E0-5E7F31502E82}" type="datetimeFigureOut">
               <a:rPr lang="zh-TW" altLang="en-US" smtClean="0"/>
-              <a:t>2016/6/20</a:t>
+              <a:t>2016/6/21</a:t>
             </a:fld>
             <a:endParaRPr lang="zh-TW" altLang="en-US"/>
           </a:p>
@@ -1790,7 +1791,7 @@
           <a:p>
             <a:fld id="{BB73866F-F6FF-4E0C-A1E0-5E7F31502E82}" type="datetimeFigureOut">
               <a:rPr lang="zh-TW" altLang="en-US" smtClean="0"/>
-              <a:t>2016/6/20</a:t>
+              <a:t>2016/6/21</a:t>
             </a:fld>
             <a:endParaRPr lang="zh-TW" altLang="en-US"/>
           </a:p>
@@ -1908,7 +1909,7 @@
           <a:p>
             <a:fld id="{BB73866F-F6FF-4E0C-A1E0-5E7F31502E82}" type="datetimeFigureOut">
               <a:rPr lang="zh-TW" altLang="en-US" smtClean="0"/>
-              <a:t>2016/6/20</a:t>
+              <a:t>2016/6/21</a:t>
             </a:fld>
             <a:endParaRPr lang="zh-TW" altLang="en-US"/>
           </a:p>
@@ -2003,7 +2004,7 @@
           <a:p>
             <a:fld id="{BB73866F-F6FF-4E0C-A1E0-5E7F31502E82}" type="datetimeFigureOut">
               <a:rPr lang="zh-TW" altLang="en-US" smtClean="0"/>
-              <a:t>2016/6/20</a:t>
+              <a:t>2016/6/21</a:t>
             </a:fld>
             <a:endParaRPr lang="zh-TW" altLang="en-US"/>
           </a:p>
@@ -2280,7 +2281,7 @@
           <a:p>
             <a:fld id="{BB73866F-F6FF-4E0C-A1E0-5E7F31502E82}" type="datetimeFigureOut">
               <a:rPr lang="zh-TW" altLang="en-US" smtClean="0"/>
-              <a:t>2016/6/20</a:t>
+              <a:t>2016/6/21</a:t>
             </a:fld>
             <a:endParaRPr lang="zh-TW" altLang="en-US"/>
           </a:p>
@@ -2533,7 +2534,7 @@
           <a:p>
             <a:fld id="{BB73866F-F6FF-4E0C-A1E0-5E7F31502E82}" type="datetimeFigureOut">
               <a:rPr lang="zh-TW" altLang="en-US" smtClean="0"/>
-              <a:t>2016/6/20</a:t>
+              <a:t>2016/6/21</a:t>
             </a:fld>
             <a:endParaRPr lang="zh-TW" altLang="en-US"/>
           </a:p>
@@ -2746,7 +2747,7 @@
           <a:p>
             <a:fld id="{BB73866F-F6FF-4E0C-A1E0-5E7F31502E82}" type="datetimeFigureOut">
               <a:rPr lang="zh-TW" altLang="en-US" smtClean="0"/>
-              <a:t>2016/6/20</a:t>
+              <a:t>2016/6/21</a:t>
             </a:fld>
             <a:endParaRPr lang="zh-TW" altLang="en-US"/>
           </a:p>
@@ -14240,6 +14241,1317 @@
 </p:sld>
 </file>
 
+<file path=ppt/slides/slide7.xml><?xml version="1.0" encoding="utf-8"?>
+<p:sld xmlns:a="http://schemas.openxmlformats.org/drawingml/2006/main" xmlns:r="http://schemas.openxmlformats.org/officeDocument/2006/relationships" xmlns:p="http://schemas.openxmlformats.org/presentationml/2006/main">
+  <p:cSld>
+    <p:spTree>
+      <p:nvGrpSpPr>
+        <p:cNvPr id="1" name=""/>
+        <p:cNvGrpSpPr/>
+        <p:nvPr/>
+      </p:nvGrpSpPr>
+      <p:grpSpPr>
+        <a:xfrm>
+          <a:off x="0" y="0"/>
+          <a:ext cx="0" cy="0"/>
+          <a:chOff x="0" y="0"/>
+          <a:chExt cx="0" cy="0"/>
+        </a:xfrm>
+      </p:grpSpPr>
+      <p:grpSp>
+        <p:nvGrpSpPr>
+          <p:cNvPr id="17" name="群組 16"/>
+          <p:cNvGrpSpPr/>
+          <p:nvPr/>
+        </p:nvGrpSpPr>
+        <p:grpSpPr>
+          <a:xfrm>
+            <a:off x="478631" y="0"/>
+            <a:ext cx="11237913" cy="15764664"/>
+            <a:chOff x="349571" y="-9480"/>
+            <a:chExt cx="11237913" cy="15764664"/>
+          </a:xfrm>
+          <a:solidFill>
+            <a:schemeClr val="bg2"/>
+          </a:solidFill>
+        </p:grpSpPr>
+        <p:sp>
+          <p:nvSpPr>
+            <p:cNvPr id="18" name="矩形 17"/>
+            <p:cNvSpPr/>
+            <p:nvPr/>
+          </p:nvSpPr>
+          <p:spPr>
+            <a:xfrm>
+              <a:off x="349571" y="0"/>
+              <a:ext cx="630000" cy="15748000"/>
+            </a:xfrm>
+            <a:prstGeom prst="rect">
+              <a:avLst/>
+            </a:prstGeom>
+            <a:grpFill/>
+            <a:ln>
+              <a:noFill/>
+            </a:ln>
+          </p:spPr>
+          <p:style>
+            <a:lnRef idx="2">
+              <a:schemeClr val="accent1">
+                <a:shade val="50000"/>
+              </a:schemeClr>
+            </a:lnRef>
+            <a:fillRef idx="1">
+              <a:schemeClr val="accent1"/>
+            </a:fillRef>
+            <a:effectRef idx="0">
+              <a:schemeClr val="accent1"/>
+            </a:effectRef>
+            <a:fontRef idx="minor">
+              <a:schemeClr val="lt1"/>
+            </a:fontRef>
+          </p:style>
+          <p:txBody>
+            <a:bodyPr rtlCol="0" anchor="ctr"/>
+            <a:lstStyle/>
+            <a:p>
+              <a:pPr algn="ctr"/>
+              <a:endParaRPr lang="zh-TW" altLang="en-US">
+                <a:solidFill>
+                  <a:schemeClr val="tx2">
+                    <a:lumMod val="20000"/>
+                    <a:lumOff val="80000"/>
+                  </a:schemeClr>
+                </a:solidFill>
+              </a:endParaRPr>
+            </a:p>
+          </p:txBody>
+        </p:sp>
+        <p:sp>
+          <p:nvSpPr>
+            <p:cNvPr id="19" name="矩形 18"/>
+            <p:cNvSpPr/>
+            <p:nvPr/>
+          </p:nvSpPr>
+          <p:spPr>
+            <a:xfrm>
+              <a:off x="1293844" y="0"/>
+              <a:ext cx="630000" cy="15748000"/>
+            </a:xfrm>
+            <a:prstGeom prst="rect">
+              <a:avLst/>
+            </a:prstGeom>
+            <a:grpFill/>
+            <a:ln>
+              <a:noFill/>
+            </a:ln>
+          </p:spPr>
+          <p:style>
+            <a:lnRef idx="2">
+              <a:schemeClr val="accent1">
+                <a:shade val="50000"/>
+              </a:schemeClr>
+            </a:lnRef>
+            <a:fillRef idx="1">
+              <a:schemeClr val="accent1"/>
+            </a:fillRef>
+            <a:effectRef idx="0">
+              <a:schemeClr val="accent1"/>
+            </a:effectRef>
+            <a:fontRef idx="minor">
+              <a:schemeClr val="lt1"/>
+            </a:fontRef>
+          </p:style>
+          <p:txBody>
+            <a:bodyPr rtlCol="0" anchor="ctr"/>
+            <a:lstStyle/>
+            <a:p>
+              <a:pPr algn="ctr"/>
+              <a:endParaRPr lang="zh-TW" altLang="en-US">
+                <a:solidFill>
+                  <a:schemeClr val="tx2">
+                    <a:lumMod val="20000"/>
+                    <a:lumOff val="80000"/>
+                  </a:schemeClr>
+                </a:solidFill>
+              </a:endParaRPr>
+            </a:p>
+          </p:txBody>
+        </p:sp>
+        <p:sp>
+          <p:nvSpPr>
+            <p:cNvPr id="20" name="矩形 19"/>
+            <p:cNvSpPr/>
+            <p:nvPr/>
+          </p:nvSpPr>
+          <p:spPr>
+            <a:xfrm>
+              <a:off x="2260208" y="-9480"/>
+              <a:ext cx="630000" cy="15748000"/>
+            </a:xfrm>
+            <a:prstGeom prst="rect">
+              <a:avLst/>
+            </a:prstGeom>
+            <a:grpFill/>
+            <a:ln>
+              <a:noFill/>
+            </a:ln>
+          </p:spPr>
+          <p:style>
+            <a:lnRef idx="2">
+              <a:schemeClr val="accent1">
+                <a:shade val="50000"/>
+              </a:schemeClr>
+            </a:lnRef>
+            <a:fillRef idx="1">
+              <a:schemeClr val="accent1"/>
+            </a:fillRef>
+            <a:effectRef idx="0">
+              <a:schemeClr val="accent1"/>
+            </a:effectRef>
+            <a:fontRef idx="minor">
+              <a:schemeClr val="lt1"/>
+            </a:fontRef>
+          </p:style>
+          <p:txBody>
+            <a:bodyPr rtlCol="0" anchor="ctr"/>
+            <a:lstStyle/>
+            <a:p>
+              <a:pPr algn="ctr"/>
+              <a:endParaRPr lang="zh-TW" altLang="en-US">
+                <a:solidFill>
+                  <a:schemeClr val="tx2">
+                    <a:lumMod val="20000"/>
+                    <a:lumOff val="80000"/>
+                  </a:schemeClr>
+                </a:solidFill>
+              </a:endParaRPr>
+            </a:p>
+          </p:txBody>
+        </p:sp>
+        <p:sp>
+          <p:nvSpPr>
+            <p:cNvPr id="21" name="矩形 20"/>
+            <p:cNvSpPr/>
+            <p:nvPr/>
+          </p:nvSpPr>
+          <p:spPr>
+            <a:xfrm>
+              <a:off x="3226572" y="7184"/>
+              <a:ext cx="630000" cy="15748000"/>
+            </a:xfrm>
+            <a:prstGeom prst="rect">
+              <a:avLst/>
+            </a:prstGeom>
+            <a:grpFill/>
+            <a:ln>
+              <a:noFill/>
+            </a:ln>
+          </p:spPr>
+          <p:style>
+            <a:lnRef idx="2">
+              <a:schemeClr val="accent1">
+                <a:shade val="50000"/>
+              </a:schemeClr>
+            </a:lnRef>
+            <a:fillRef idx="1">
+              <a:schemeClr val="accent1"/>
+            </a:fillRef>
+            <a:effectRef idx="0">
+              <a:schemeClr val="accent1"/>
+            </a:effectRef>
+            <a:fontRef idx="minor">
+              <a:schemeClr val="lt1"/>
+            </a:fontRef>
+          </p:style>
+          <p:txBody>
+            <a:bodyPr rtlCol="0" anchor="ctr"/>
+            <a:lstStyle/>
+            <a:p>
+              <a:pPr algn="ctr"/>
+              <a:endParaRPr lang="zh-TW" altLang="en-US">
+                <a:solidFill>
+                  <a:schemeClr val="tx2">
+                    <a:lumMod val="20000"/>
+                    <a:lumOff val="80000"/>
+                  </a:schemeClr>
+                </a:solidFill>
+              </a:endParaRPr>
+            </a:p>
+          </p:txBody>
+        </p:sp>
+        <p:sp>
+          <p:nvSpPr>
+            <p:cNvPr id="22" name="矩形 21"/>
+            <p:cNvSpPr/>
+            <p:nvPr/>
+          </p:nvSpPr>
+          <p:spPr>
+            <a:xfrm>
+              <a:off x="8058392" y="-9480"/>
+              <a:ext cx="630000" cy="15748000"/>
+            </a:xfrm>
+            <a:prstGeom prst="rect">
+              <a:avLst/>
+            </a:prstGeom>
+            <a:grpFill/>
+            <a:ln>
+              <a:noFill/>
+            </a:ln>
+          </p:spPr>
+          <p:style>
+            <a:lnRef idx="2">
+              <a:schemeClr val="accent1">
+                <a:shade val="50000"/>
+              </a:schemeClr>
+            </a:lnRef>
+            <a:fillRef idx="1">
+              <a:schemeClr val="accent1"/>
+            </a:fillRef>
+            <a:effectRef idx="0">
+              <a:schemeClr val="accent1"/>
+            </a:effectRef>
+            <a:fontRef idx="minor">
+              <a:schemeClr val="lt1"/>
+            </a:fontRef>
+          </p:style>
+          <p:txBody>
+            <a:bodyPr rtlCol="0" anchor="ctr"/>
+            <a:lstStyle/>
+            <a:p>
+              <a:pPr algn="ctr"/>
+              <a:endParaRPr lang="zh-TW" altLang="en-US">
+                <a:solidFill>
+                  <a:schemeClr val="tx2">
+                    <a:lumMod val="20000"/>
+                    <a:lumOff val="80000"/>
+                  </a:schemeClr>
+                </a:solidFill>
+              </a:endParaRPr>
+            </a:p>
+          </p:txBody>
+        </p:sp>
+        <p:sp>
+          <p:nvSpPr>
+            <p:cNvPr id="23" name="矩形 22"/>
+            <p:cNvSpPr/>
+            <p:nvPr/>
+          </p:nvSpPr>
+          <p:spPr>
+            <a:xfrm>
+              <a:off x="9024756" y="-9480"/>
+              <a:ext cx="630000" cy="15748000"/>
+            </a:xfrm>
+            <a:prstGeom prst="rect">
+              <a:avLst/>
+            </a:prstGeom>
+            <a:grpFill/>
+            <a:ln>
+              <a:noFill/>
+            </a:ln>
+          </p:spPr>
+          <p:style>
+            <a:lnRef idx="2">
+              <a:schemeClr val="accent1">
+                <a:shade val="50000"/>
+              </a:schemeClr>
+            </a:lnRef>
+            <a:fillRef idx="1">
+              <a:schemeClr val="accent1"/>
+            </a:fillRef>
+            <a:effectRef idx="0">
+              <a:schemeClr val="accent1"/>
+            </a:effectRef>
+            <a:fontRef idx="minor">
+              <a:schemeClr val="lt1"/>
+            </a:fontRef>
+          </p:style>
+          <p:txBody>
+            <a:bodyPr rtlCol="0" anchor="ctr"/>
+            <a:lstStyle/>
+            <a:p>
+              <a:pPr algn="ctr"/>
+              <a:endParaRPr lang="zh-TW" altLang="en-US">
+                <a:solidFill>
+                  <a:schemeClr val="tx2">
+                    <a:lumMod val="20000"/>
+                    <a:lumOff val="80000"/>
+                  </a:schemeClr>
+                </a:solidFill>
+              </a:endParaRPr>
+            </a:p>
+          </p:txBody>
+        </p:sp>
+        <p:sp>
+          <p:nvSpPr>
+            <p:cNvPr id="24" name="矩形 23"/>
+            <p:cNvSpPr/>
+            <p:nvPr/>
+          </p:nvSpPr>
+          <p:spPr>
+            <a:xfrm>
+              <a:off x="9991120" y="-9480"/>
+              <a:ext cx="630000" cy="15748000"/>
+            </a:xfrm>
+            <a:prstGeom prst="rect">
+              <a:avLst/>
+            </a:prstGeom>
+            <a:grpFill/>
+            <a:ln>
+              <a:noFill/>
+            </a:ln>
+          </p:spPr>
+          <p:style>
+            <a:lnRef idx="2">
+              <a:schemeClr val="accent1">
+                <a:shade val="50000"/>
+              </a:schemeClr>
+            </a:lnRef>
+            <a:fillRef idx="1">
+              <a:schemeClr val="accent1"/>
+            </a:fillRef>
+            <a:effectRef idx="0">
+              <a:schemeClr val="accent1"/>
+            </a:effectRef>
+            <a:fontRef idx="minor">
+              <a:schemeClr val="lt1"/>
+            </a:fontRef>
+          </p:style>
+          <p:txBody>
+            <a:bodyPr rtlCol="0" anchor="ctr"/>
+            <a:lstStyle/>
+            <a:p>
+              <a:pPr algn="ctr"/>
+              <a:endParaRPr lang="zh-TW" altLang="en-US">
+                <a:solidFill>
+                  <a:schemeClr val="tx2">
+                    <a:lumMod val="20000"/>
+                    <a:lumOff val="80000"/>
+                  </a:schemeClr>
+                </a:solidFill>
+              </a:endParaRPr>
+            </a:p>
+          </p:txBody>
+        </p:sp>
+        <p:sp>
+          <p:nvSpPr>
+            <p:cNvPr id="25" name="矩形 24"/>
+            <p:cNvSpPr/>
+            <p:nvPr/>
+          </p:nvSpPr>
+          <p:spPr>
+            <a:xfrm>
+              <a:off x="10957484" y="-9480"/>
+              <a:ext cx="630000" cy="15748000"/>
+            </a:xfrm>
+            <a:prstGeom prst="rect">
+              <a:avLst/>
+            </a:prstGeom>
+            <a:grpFill/>
+            <a:ln>
+              <a:noFill/>
+            </a:ln>
+          </p:spPr>
+          <p:style>
+            <a:lnRef idx="2">
+              <a:schemeClr val="accent1">
+                <a:shade val="50000"/>
+              </a:schemeClr>
+            </a:lnRef>
+            <a:fillRef idx="1">
+              <a:schemeClr val="accent1"/>
+            </a:fillRef>
+            <a:effectRef idx="0">
+              <a:schemeClr val="accent1"/>
+            </a:effectRef>
+            <a:fontRef idx="minor">
+              <a:schemeClr val="lt1"/>
+            </a:fontRef>
+          </p:style>
+          <p:txBody>
+            <a:bodyPr rtlCol="0" anchor="ctr"/>
+            <a:lstStyle/>
+            <a:p>
+              <a:pPr algn="ctr"/>
+              <a:endParaRPr lang="zh-TW" altLang="en-US">
+                <a:solidFill>
+                  <a:schemeClr val="tx2">
+                    <a:lumMod val="20000"/>
+                    <a:lumOff val="80000"/>
+                  </a:schemeClr>
+                </a:solidFill>
+              </a:endParaRPr>
+            </a:p>
+          </p:txBody>
+        </p:sp>
+        <p:sp>
+          <p:nvSpPr>
+            <p:cNvPr id="26" name="矩形 25"/>
+            <p:cNvSpPr/>
+            <p:nvPr/>
+          </p:nvSpPr>
+          <p:spPr>
+            <a:xfrm>
+              <a:off x="4192936" y="-9480"/>
+              <a:ext cx="630000" cy="15748000"/>
+            </a:xfrm>
+            <a:prstGeom prst="rect">
+              <a:avLst/>
+            </a:prstGeom>
+            <a:grpFill/>
+            <a:ln>
+              <a:noFill/>
+            </a:ln>
+          </p:spPr>
+          <p:style>
+            <a:lnRef idx="2">
+              <a:schemeClr val="accent1">
+                <a:shade val="50000"/>
+              </a:schemeClr>
+            </a:lnRef>
+            <a:fillRef idx="1">
+              <a:schemeClr val="accent1"/>
+            </a:fillRef>
+            <a:effectRef idx="0">
+              <a:schemeClr val="accent1"/>
+            </a:effectRef>
+            <a:fontRef idx="minor">
+              <a:schemeClr val="lt1"/>
+            </a:fontRef>
+          </p:style>
+          <p:txBody>
+            <a:bodyPr rtlCol="0" anchor="ctr"/>
+            <a:lstStyle/>
+            <a:p>
+              <a:pPr algn="ctr"/>
+              <a:endParaRPr lang="zh-TW" altLang="en-US">
+                <a:solidFill>
+                  <a:schemeClr val="tx2">
+                    <a:lumMod val="20000"/>
+                    <a:lumOff val="80000"/>
+                  </a:schemeClr>
+                </a:solidFill>
+              </a:endParaRPr>
+            </a:p>
+          </p:txBody>
+        </p:sp>
+        <p:sp>
+          <p:nvSpPr>
+            <p:cNvPr id="27" name="矩形 26"/>
+            <p:cNvSpPr/>
+            <p:nvPr/>
+          </p:nvSpPr>
+          <p:spPr>
+            <a:xfrm>
+              <a:off x="5159300" y="-9480"/>
+              <a:ext cx="630000" cy="15748000"/>
+            </a:xfrm>
+            <a:prstGeom prst="rect">
+              <a:avLst/>
+            </a:prstGeom>
+            <a:grpFill/>
+            <a:ln>
+              <a:noFill/>
+            </a:ln>
+          </p:spPr>
+          <p:style>
+            <a:lnRef idx="2">
+              <a:schemeClr val="accent1">
+                <a:shade val="50000"/>
+              </a:schemeClr>
+            </a:lnRef>
+            <a:fillRef idx="1">
+              <a:schemeClr val="accent1"/>
+            </a:fillRef>
+            <a:effectRef idx="0">
+              <a:schemeClr val="accent1"/>
+            </a:effectRef>
+            <a:fontRef idx="minor">
+              <a:schemeClr val="lt1"/>
+            </a:fontRef>
+          </p:style>
+          <p:txBody>
+            <a:bodyPr rtlCol="0" anchor="ctr"/>
+            <a:lstStyle/>
+            <a:p>
+              <a:pPr algn="ctr"/>
+              <a:endParaRPr lang="zh-TW" altLang="en-US">
+                <a:solidFill>
+                  <a:schemeClr val="tx2">
+                    <a:lumMod val="20000"/>
+                    <a:lumOff val="80000"/>
+                  </a:schemeClr>
+                </a:solidFill>
+              </a:endParaRPr>
+            </a:p>
+          </p:txBody>
+        </p:sp>
+        <p:sp>
+          <p:nvSpPr>
+            <p:cNvPr id="28" name="矩形 27"/>
+            <p:cNvSpPr/>
+            <p:nvPr/>
+          </p:nvSpPr>
+          <p:spPr>
+            <a:xfrm>
+              <a:off x="6125664" y="-9480"/>
+              <a:ext cx="630000" cy="15748000"/>
+            </a:xfrm>
+            <a:prstGeom prst="rect">
+              <a:avLst/>
+            </a:prstGeom>
+            <a:grpFill/>
+            <a:ln>
+              <a:noFill/>
+            </a:ln>
+          </p:spPr>
+          <p:style>
+            <a:lnRef idx="2">
+              <a:schemeClr val="accent1">
+                <a:shade val="50000"/>
+              </a:schemeClr>
+            </a:lnRef>
+            <a:fillRef idx="1">
+              <a:schemeClr val="accent1"/>
+            </a:fillRef>
+            <a:effectRef idx="0">
+              <a:schemeClr val="accent1"/>
+            </a:effectRef>
+            <a:fontRef idx="minor">
+              <a:schemeClr val="lt1"/>
+            </a:fontRef>
+          </p:style>
+          <p:txBody>
+            <a:bodyPr rtlCol="0" anchor="ctr"/>
+            <a:lstStyle/>
+            <a:p>
+              <a:pPr algn="ctr"/>
+              <a:endParaRPr lang="zh-TW" altLang="en-US">
+                <a:solidFill>
+                  <a:schemeClr val="tx2">
+                    <a:lumMod val="20000"/>
+                    <a:lumOff val="80000"/>
+                  </a:schemeClr>
+                </a:solidFill>
+              </a:endParaRPr>
+            </a:p>
+          </p:txBody>
+        </p:sp>
+        <p:sp>
+          <p:nvSpPr>
+            <p:cNvPr id="29" name="矩形 28"/>
+            <p:cNvSpPr/>
+            <p:nvPr/>
+          </p:nvSpPr>
+          <p:spPr>
+            <a:xfrm>
+              <a:off x="7092028" y="-9480"/>
+              <a:ext cx="630000" cy="15748000"/>
+            </a:xfrm>
+            <a:prstGeom prst="rect">
+              <a:avLst/>
+            </a:prstGeom>
+            <a:grpFill/>
+            <a:ln>
+              <a:noFill/>
+            </a:ln>
+          </p:spPr>
+          <p:style>
+            <a:lnRef idx="2">
+              <a:schemeClr val="accent1">
+                <a:shade val="50000"/>
+              </a:schemeClr>
+            </a:lnRef>
+            <a:fillRef idx="1">
+              <a:schemeClr val="accent1"/>
+            </a:fillRef>
+            <a:effectRef idx="0">
+              <a:schemeClr val="accent1"/>
+            </a:effectRef>
+            <a:fontRef idx="minor">
+              <a:schemeClr val="lt1"/>
+            </a:fontRef>
+          </p:style>
+          <p:txBody>
+            <a:bodyPr rtlCol="0" anchor="ctr"/>
+            <a:lstStyle/>
+            <a:p>
+              <a:pPr algn="ctr"/>
+              <a:endParaRPr lang="zh-TW" altLang="en-US">
+                <a:solidFill>
+                  <a:schemeClr val="tx2">
+                    <a:lumMod val="20000"/>
+                    <a:lumOff val="80000"/>
+                  </a:schemeClr>
+                </a:solidFill>
+              </a:endParaRPr>
+            </a:p>
+          </p:txBody>
+        </p:sp>
+      </p:grpSp>
+      <p:grpSp>
+        <p:nvGrpSpPr>
+          <p:cNvPr id="30" name="群組 29"/>
+          <p:cNvGrpSpPr/>
+          <p:nvPr/>
+        </p:nvGrpSpPr>
+        <p:grpSpPr>
+          <a:xfrm>
+            <a:off x="547674" y="-2736"/>
+            <a:ext cx="3529092" cy="1321272"/>
+            <a:chOff x="0" y="1321272"/>
+            <a:chExt cx="12195175" cy="4464496"/>
+          </a:xfrm>
+        </p:grpSpPr>
+        <p:sp>
+          <p:nvSpPr>
+            <p:cNvPr id="31" name="矩形 30"/>
+            <p:cNvSpPr/>
+            <p:nvPr/>
+          </p:nvSpPr>
+          <p:spPr>
+            <a:xfrm>
+              <a:off x="0" y="1321272"/>
+              <a:ext cx="12187998" cy="4464496"/>
+            </a:xfrm>
+            <a:prstGeom prst="rect">
+              <a:avLst/>
+            </a:prstGeom>
+            <a:noFill/>
+            <a:ln>
+              <a:solidFill>
+                <a:schemeClr val="tx1"/>
+              </a:solidFill>
+            </a:ln>
+          </p:spPr>
+          <p:style>
+            <a:lnRef idx="2">
+              <a:schemeClr val="accent1">
+                <a:shade val="50000"/>
+              </a:schemeClr>
+            </a:lnRef>
+            <a:fillRef idx="1">
+              <a:schemeClr val="accent1"/>
+            </a:fillRef>
+            <a:effectRef idx="0">
+              <a:schemeClr val="accent1"/>
+            </a:effectRef>
+            <a:fontRef idx="minor">
+              <a:schemeClr val="lt1"/>
+            </a:fontRef>
+          </p:style>
+          <p:txBody>
+            <a:bodyPr rtlCol="0" anchor="ctr"/>
+            <a:lstStyle/>
+            <a:p>
+              <a:pPr algn="ctr"/>
+              <a:endParaRPr lang="zh-TW" altLang="en-US"/>
+            </a:p>
+          </p:txBody>
+        </p:sp>
+        <p:cxnSp>
+          <p:nvCxnSpPr>
+            <p:cNvPr id="32" name="直線接點 31"/>
+            <p:cNvCxnSpPr/>
+            <p:nvPr/>
+          </p:nvCxnSpPr>
+          <p:spPr>
+            <a:xfrm>
+              <a:off x="0" y="1328094"/>
+              <a:ext cx="12187998" cy="4457674"/>
+            </a:xfrm>
+            <a:prstGeom prst="line">
+              <a:avLst/>
+            </a:prstGeom>
+            <a:ln>
+              <a:solidFill>
+                <a:schemeClr val="tx1"/>
+              </a:solidFill>
+            </a:ln>
+          </p:spPr>
+          <p:style>
+            <a:lnRef idx="1">
+              <a:schemeClr val="accent1"/>
+            </a:lnRef>
+            <a:fillRef idx="0">
+              <a:schemeClr val="accent1"/>
+            </a:fillRef>
+            <a:effectRef idx="0">
+              <a:schemeClr val="accent1"/>
+            </a:effectRef>
+            <a:fontRef idx="minor">
+              <a:schemeClr val="tx1"/>
+            </a:fontRef>
+          </p:style>
+        </p:cxnSp>
+        <p:cxnSp>
+          <p:nvCxnSpPr>
+            <p:cNvPr id="33" name="直線接點 32"/>
+            <p:cNvCxnSpPr/>
+            <p:nvPr/>
+          </p:nvCxnSpPr>
+          <p:spPr>
+            <a:xfrm flipH="1">
+              <a:off x="0" y="1321272"/>
+              <a:ext cx="12195175" cy="4464496"/>
+            </a:xfrm>
+            <a:prstGeom prst="line">
+              <a:avLst/>
+            </a:prstGeom>
+            <a:ln>
+              <a:solidFill>
+                <a:schemeClr val="tx1"/>
+              </a:solidFill>
+            </a:ln>
+          </p:spPr>
+          <p:style>
+            <a:lnRef idx="1">
+              <a:schemeClr val="accent1"/>
+            </a:lnRef>
+            <a:fillRef idx="0">
+              <a:schemeClr val="accent1"/>
+            </a:fillRef>
+            <a:effectRef idx="0">
+              <a:schemeClr val="accent1"/>
+            </a:effectRef>
+            <a:fontRef idx="minor">
+              <a:schemeClr val="tx1"/>
+            </a:fontRef>
+          </p:style>
+        </p:cxnSp>
+      </p:grpSp>
+      <p:cxnSp>
+        <p:nvCxnSpPr>
+          <p:cNvPr id="34" name="直線接點 33"/>
+          <p:cNvCxnSpPr/>
+          <p:nvPr/>
+        </p:nvCxnSpPr>
+        <p:spPr>
+          <a:xfrm>
+            <a:off x="-34176" y="1326113"/>
+            <a:ext cx="12195175" cy="0"/>
+          </a:xfrm>
+          <a:prstGeom prst="line">
+            <a:avLst/>
+          </a:prstGeom>
+          <a:ln>
+            <a:solidFill>
+              <a:schemeClr val="tx1"/>
+            </a:solidFill>
+          </a:ln>
+        </p:spPr>
+        <p:style>
+          <a:lnRef idx="1">
+            <a:schemeClr val="accent1"/>
+          </a:lnRef>
+          <a:fillRef idx="0">
+            <a:schemeClr val="accent1"/>
+          </a:fillRef>
+          <a:effectRef idx="0">
+            <a:schemeClr val="accent1"/>
+          </a:effectRef>
+          <a:fontRef idx="minor">
+            <a:schemeClr val="tx1"/>
+          </a:fontRef>
+        </p:style>
+      </p:cxnSp>
+      <p:sp>
+        <p:nvSpPr>
+          <p:cNvPr id="35" name="矩形 34"/>
+          <p:cNvSpPr/>
+          <p:nvPr/>
+        </p:nvSpPr>
+        <p:spPr>
+          <a:xfrm>
+            <a:off x="10098089" y="358867"/>
+            <a:ext cx="1574274" cy="598066"/>
+          </a:xfrm>
+          <a:prstGeom prst="rect">
+            <a:avLst/>
+          </a:prstGeom>
+          <a:noFill/>
+        </p:spPr>
+        <p:style>
+          <a:lnRef idx="2">
+            <a:schemeClr val="accent1">
+              <a:shade val="50000"/>
+            </a:schemeClr>
+          </a:lnRef>
+          <a:fillRef idx="1">
+            <a:schemeClr val="accent1"/>
+          </a:fillRef>
+          <a:effectRef idx="0">
+            <a:schemeClr val="accent1"/>
+          </a:effectRef>
+          <a:fontRef idx="minor">
+            <a:schemeClr val="lt1"/>
+          </a:fontRef>
+        </p:style>
+        <p:txBody>
+          <a:bodyPr rtlCol="0" anchor="ctr"/>
+          <a:lstStyle/>
+          <a:p>
+            <a:pPr algn="ctr"/>
+            <a:r>
+              <a:rPr lang="zh-TW" altLang="en-US" dirty="0" smtClean="0">
+                <a:solidFill>
+                  <a:schemeClr val="tx1"/>
+                </a:solidFill>
+              </a:rPr>
+              <a:t>漢堡</a:t>
+            </a:r>
+            <a:endParaRPr lang="zh-TW" altLang="en-US" dirty="0">
+              <a:solidFill>
+                <a:schemeClr val="tx1"/>
+              </a:solidFill>
+            </a:endParaRPr>
+          </a:p>
+        </p:txBody>
+      </p:sp>
+      <p:cxnSp>
+        <p:nvCxnSpPr>
+          <p:cNvPr id="36" name="直線接點 35"/>
+          <p:cNvCxnSpPr/>
+          <p:nvPr/>
+        </p:nvCxnSpPr>
+        <p:spPr>
+          <a:xfrm>
+            <a:off x="-34179" y="13778656"/>
+            <a:ext cx="12195175" cy="0"/>
+          </a:xfrm>
+          <a:prstGeom prst="line">
+            <a:avLst/>
+          </a:prstGeom>
+          <a:ln>
+            <a:solidFill>
+              <a:schemeClr val="tx1"/>
+            </a:solidFill>
+          </a:ln>
+        </p:spPr>
+        <p:style>
+          <a:lnRef idx="1">
+            <a:schemeClr val="accent1"/>
+          </a:lnRef>
+          <a:fillRef idx="0">
+            <a:schemeClr val="accent1"/>
+          </a:fillRef>
+          <a:effectRef idx="0">
+            <a:schemeClr val="accent1"/>
+          </a:effectRef>
+          <a:fontRef idx="minor">
+            <a:schemeClr val="tx1"/>
+          </a:fontRef>
+        </p:style>
+      </p:cxnSp>
+      <p:sp>
+        <p:nvSpPr>
+          <p:cNvPr id="37" name="矩形 36"/>
+          <p:cNvSpPr/>
+          <p:nvPr/>
+        </p:nvSpPr>
+        <p:spPr>
+          <a:xfrm>
+            <a:off x="3366677" y="1903391"/>
+            <a:ext cx="5461820" cy="655570"/>
+          </a:xfrm>
+          <a:prstGeom prst="rect">
+            <a:avLst/>
+          </a:prstGeom>
+          <a:noFill/>
+        </p:spPr>
+        <p:style>
+          <a:lnRef idx="2">
+            <a:schemeClr val="accent1">
+              <a:shade val="50000"/>
+            </a:schemeClr>
+          </a:lnRef>
+          <a:fillRef idx="1">
+            <a:schemeClr val="accent1"/>
+          </a:fillRef>
+          <a:effectRef idx="0">
+            <a:schemeClr val="accent1"/>
+          </a:effectRef>
+          <a:fontRef idx="minor">
+            <a:schemeClr val="lt1"/>
+          </a:fontRef>
+        </p:style>
+        <p:txBody>
+          <a:bodyPr rtlCol="0" anchor="ctr"/>
+          <a:lstStyle/>
+          <a:p>
+            <a:pPr algn="ctr"/>
+            <a:r>
+              <a:rPr lang="en-US" altLang="zh-TW" dirty="0" smtClean="0">
+                <a:solidFill>
+                  <a:schemeClr val="tx1"/>
+                </a:solidFill>
+              </a:rPr>
+              <a:t>ABOUT US</a:t>
+            </a:r>
+            <a:endParaRPr lang="zh-TW" altLang="en-US" dirty="0">
+              <a:solidFill>
+                <a:schemeClr val="tx1"/>
+              </a:solidFill>
+            </a:endParaRPr>
+          </a:p>
+        </p:txBody>
+      </p:sp>
+      <p:sp>
+        <p:nvSpPr>
+          <p:cNvPr id="38" name="矩形 37"/>
+          <p:cNvSpPr/>
+          <p:nvPr/>
+        </p:nvSpPr>
+        <p:spPr>
+          <a:xfrm>
+            <a:off x="3366678" y="3305134"/>
+            <a:ext cx="6428184" cy="1872208"/>
+          </a:xfrm>
+          <a:prstGeom prst="rect">
+            <a:avLst/>
+          </a:prstGeom>
+          <a:noFill/>
+        </p:spPr>
+        <p:style>
+          <a:lnRef idx="2">
+            <a:schemeClr val="accent1">
+              <a:shade val="50000"/>
+            </a:schemeClr>
+          </a:lnRef>
+          <a:fillRef idx="1">
+            <a:schemeClr val="accent1"/>
+          </a:fillRef>
+          <a:effectRef idx="0">
+            <a:schemeClr val="accent1"/>
+          </a:effectRef>
+          <a:fontRef idx="minor">
+            <a:schemeClr val="lt1"/>
+          </a:fontRef>
+        </p:style>
+        <p:txBody>
+          <a:bodyPr rtlCol="0" anchor="ctr"/>
+          <a:lstStyle/>
+          <a:p>
+            <a:pPr algn="ctr"/>
+            <a:endParaRPr lang="zh-TW" altLang="en-US">
+              <a:solidFill>
+                <a:schemeClr val="tx1"/>
+              </a:solidFill>
+            </a:endParaRPr>
+          </a:p>
+        </p:txBody>
+      </p:sp>
+      <p:sp>
+        <p:nvSpPr>
+          <p:cNvPr id="39" name="矩形 38"/>
+          <p:cNvSpPr/>
+          <p:nvPr/>
+        </p:nvSpPr>
+        <p:spPr>
+          <a:xfrm>
+            <a:off x="3366679" y="8541896"/>
+            <a:ext cx="6417138" cy="1872208"/>
+          </a:xfrm>
+          <a:prstGeom prst="rect">
+            <a:avLst/>
+          </a:prstGeom>
+          <a:noFill/>
+        </p:spPr>
+        <p:style>
+          <a:lnRef idx="2">
+            <a:schemeClr val="accent1">
+              <a:shade val="50000"/>
+            </a:schemeClr>
+          </a:lnRef>
+          <a:fillRef idx="1">
+            <a:schemeClr val="accent1"/>
+          </a:fillRef>
+          <a:effectRef idx="0">
+            <a:schemeClr val="accent1"/>
+          </a:effectRef>
+          <a:fontRef idx="minor">
+            <a:schemeClr val="lt1"/>
+          </a:fontRef>
+        </p:style>
+        <p:txBody>
+          <a:bodyPr rtlCol="0" anchor="ctr"/>
+          <a:lstStyle/>
+          <a:p>
+            <a:pPr algn="ctr"/>
+            <a:endParaRPr lang="zh-TW" altLang="en-US">
+              <a:solidFill>
+                <a:schemeClr val="tx1"/>
+              </a:solidFill>
+            </a:endParaRPr>
+          </a:p>
+        </p:txBody>
+      </p:sp>
+      <p:sp>
+        <p:nvSpPr>
+          <p:cNvPr id="40" name="矩形 39"/>
+          <p:cNvSpPr/>
+          <p:nvPr/>
+        </p:nvSpPr>
+        <p:spPr>
+          <a:xfrm>
+            <a:off x="2389268" y="5898264"/>
+            <a:ext cx="6428184" cy="1872208"/>
+          </a:xfrm>
+          <a:prstGeom prst="rect">
+            <a:avLst/>
+          </a:prstGeom>
+          <a:noFill/>
+        </p:spPr>
+        <p:style>
+          <a:lnRef idx="2">
+            <a:schemeClr val="accent1">
+              <a:shade val="50000"/>
+            </a:schemeClr>
+          </a:lnRef>
+          <a:fillRef idx="1">
+            <a:schemeClr val="accent1"/>
+          </a:fillRef>
+          <a:effectRef idx="0">
+            <a:schemeClr val="accent1"/>
+          </a:effectRef>
+          <a:fontRef idx="minor">
+            <a:schemeClr val="lt1"/>
+          </a:fontRef>
+        </p:style>
+        <p:txBody>
+          <a:bodyPr rtlCol="0" anchor="ctr"/>
+          <a:lstStyle/>
+          <a:p>
+            <a:pPr algn="ctr"/>
+            <a:endParaRPr lang="zh-TW" altLang="en-US">
+              <a:solidFill>
+                <a:schemeClr val="tx1"/>
+              </a:solidFill>
+            </a:endParaRPr>
+          </a:p>
+        </p:txBody>
+      </p:sp>
+      <p:sp>
+        <p:nvSpPr>
+          <p:cNvPr id="41" name="矩形 40"/>
+          <p:cNvSpPr/>
+          <p:nvPr/>
+        </p:nvSpPr>
+        <p:spPr>
+          <a:xfrm>
+            <a:off x="2443024" y="11160277"/>
+            <a:ext cx="6385473" cy="1872208"/>
+          </a:xfrm>
+          <a:prstGeom prst="rect">
+            <a:avLst/>
+          </a:prstGeom>
+          <a:noFill/>
+        </p:spPr>
+        <p:style>
+          <a:lnRef idx="2">
+            <a:schemeClr val="accent1">
+              <a:shade val="50000"/>
+            </a:schemeClr>
+          </a:lnRef>
+          <a:fillRef idx="1">
+            <a:schemeClr val="accent1"/>
+          </a:fillRef>
+          <a:effectRef idx="0">
+            <a:schemeClr val="accent1"/>
+          </a:effectRef>
+          <a:fontRef idx="minor">
+            <a:schemeClr val="lt1"/>
+          </a:fontRef>
+        </p:style>
+        <p:txBody>
+          <a:bodyPr rtlCol="0" anchor="ctr"/>
+          <a:lstStyle/>
+          <a:p>
+            <a:pPr algn="ctr"/>
+            <a:endParaRPr lang="zh-TW" altLang="en-US">
+              <a:solidFill>
+                <a:schemeClr val="tx1"/>
+              </a:solidFill>
+            </a:endParaRPr>
+          </a:p>
+        </p:txBody>
+      </p:sp>
+      <p:sp>
+        <p:nvSpPr>
+          <p:cNvPr id="42" name="橢圓 41"/>
+          <p:cNvSpPr/>
+          <p:nvPr/>
+        </p:nvSpPr>
+        <p:spPr>
+          <a:xfrm>
+            <a:off x="498473" y="3305134"/>
+            <a:ext cx="1944551" cy="1872208"/>
+          </a:xfrm>
+          <a:prstGeom prst="ellipse">
+            <a:avLst/>
+          </a:prstGeom>
+          <a:noFill/>
+        </p:spPr>
+        <p:style>
+          <a:lnRef idx="2">
+            <a:schemeClr val="accent1">
+              <a:shade val="50000"/>
+            </a:schemeClr>
+          </a:lnRef>
+          <a:fillRef idx="1">
+            <a:schemeClr val="accent1"/>
+          </a:fillRef>
+          <a:effectRef idx="0">
+            <a:schemeClr val="accent1"/>
+          </a:effectRef>
+          <a:fontRef idx="minor">
+            <a:schemeClr val="lt1"/>
+          </a:fontRef>
+        </p:style>
+        <p:txBody>
+          <a:bodyPr rtlCol="0" anchor="ctr"/>
+          <a:lstStyle/>
+          <a:p>
+            <a:pPr algn="ctr"/>
+            <a:endParaRPr lang="zh-TW" altLang="en-US"/>
+          </a:p>
+        </p:txBody>
+      </p:sp>
+      <p:sp>
+        <p:nvSpPr>
+          <p:cNvPr id="43" name="橢圓 42"/>
+          <p:cNvSpPr/>
+          <p:nvPr/>
+        </p:nvSpPr>
+        <p:spPr>
+          <a:xfrm>
+            <a:off x="9794862" y="5898264"/>
+            <a:ext cx="1944551" cy="1872208"/>
+          </a:xfrm>
+          <a:prstGeom prst="ellipse">
+            <a:avLst/>
+          </a:prstGeom>
+          <a:noFill/>
+        </p:spPr>
+        <p:style>
+          <a:lnRef idx="2">
+            <a:schemeClr val="accent1">
+              <a:shade val="50000"/>
+            </a:schemeClr>
+          </a:lnRef>
+          <a:fillRef idx="1">
+            <a:schemeClr val="accent1"/>
+          </a:fillRef>
+          <a:effectRef idx="0">
+            <a:schemeClr val="accent1"/>
+          </a:effectRef>
+          <a:fontRef idx="minor">
+            <a:schemeClr val="lt1"/>
+          </a:fontRef>
+        </p:style>
+        <p:txBody>
+          <a:bodyPr rtlCol="0" anchor="ctr"/>
+          <a:lstStyle/>
+          <a:p>
+            <a:pPr algn="ctr"/>
+            <a:endParaRPr lang="zh-TW" altLang="en-US"/>
+          </a:p>
+        </p:txBody>
+      </p:sp>
+      <p:sp>
+        <p:nvSpPr>
+          <p:cNvPr id="44" name="橢圓 43"/>
+          <p:cNvSpPr/>
+          <p:nvPr/>
+        </p:nvSpPr>
+        <p:spPr>
+          <a:xfrm>
+            <a:off x="498472" y="8541896"/>
+            <a:ext cx="1944551" cy="1872208"/>
+          </a:xfrm>
+          <a:prstGeom prst="ellipse">
+            <a:avLst/>
+          </a:prstGeom>
+          <a:noFill/>
+        </p:spPr>
+        <p:style>
+          <a:lnRef idx="2">
+            <a:schemeClr val="accent1">
+              <a:shade val="50000"/>
+            </a:schemeClr>
+          </a:lnRef>
+          <a:fillRef idx="1">
+            <a:schemeClr val="accent1"/>
+          </a:fillRef>
+          <a:effectRef idx="0">
+            <a:schemeClr val="accent1"/>
+          </a:effectRef>
+          <a:fontRef idx="minor">
+            <a:schemeClr val="lt1"/>
+          </a:fontRef>
+        </p:style>
+        <p:txBody>
+          <a:bodyPr rtlCol="0" anchor="ctr"/>
+          <a:lstStyle/>
+          <a:p>
+            <a:pPr algn="ctr"/>
+            <a:endParaRPr lang="zh-TW" altLang="en-US"/>
+          </a:p>
+        </p:txBody>
+      </p:sp>
+      <p:sp>
+        <p:nvSpPr>
+          <p:cNvPr id="45" name="橢圓 44"/>
+          <p:cNvSpPr/>
+          <p:nvPr/>
+        </p:nvSpPr>
+        <p:spPr>
+          <a:xfrm>
+            <a:off x="9727812" y="11160277"/>
+            <a:ext cx="1944551" cy="1872208"/>
+          </a:xfrm>
+          <a:prstGeom prst="ellipse">
+            <a:avLst/>
+          </a:prstGeom>
+          <a:noFill/>
+        </p:spPr>
+        <p:style>
+          <a:lnRef idx="2">
+            <a:schemeClr val="accent1">
+              <a:shade val="50000"/>
+            </a:schemeClr>
+          </a:lnRef>
+          <a:fillRef idx="1">
+            <a:schemeClr val="accent1"/>
+          </a:fillRef>
+          <a:effectRef idx="0">
+            <a:schemeClr val="accent1"/>
+          </a:effectRef>
+          <a:fontRef idx="minor">
+            <a:schemeClr val="lt1"/>
+          </a:fontRef>
+        </p:style>
+        <p:txBody>
+          <a:bodyPr rtlCol="0" anchor="ctr"/>
+          <a:lstStyle/>
+          <a:p>
+            <a:pPr algn="ctr"/>
+            <a:endParaRPr lang="zh-TW" altLang="en-US"/>
+          </a:p>
+        </p:txBody>
+      </p:sp>
+    </p:spTree>
+    <p:extLst>
+      <p:ext uri="{BB962C8B-B14F-4D97-AF65-F5344CB8AC3E}">
+        <p14:creationId xmlns:p14="http://schemas.microsoft.com/office/powerpoint/2010/main" val="3923348683"/>
+      </p:ext>
+    </p:extLst>
+  </p:cSld>
+  <p:clrMapOvr>
+    <a:masterClrMapping/>
+  </p:clrMapOvr>
+</p:sld>
+</file>
+
 <file path=ppt/theme/theme1.xml><?xml version="1.0" encoding="utf-8"?>
 <a:theme xmlns:a="http://schemas.openxmlformats.org/drawingml/2006/main" name="Office 佈景主題">
   <a:themeElements>
